--- a/MCB Case Study Engineering Data Lead.pptx
+++ b/MCB Case Study Engineering Data Lead.pptx
@@ -67,7 +67,7 @@
       </p:grpSpPr>
       <p:sp>
         <p:nvSpPr>
-          <p:cNvPr id="29" name="PlaceHolder 1"/>
+          <p:cNvPr id="25" name="PlaceHolder 1"/>
           <p:cNvSpPr>
             <a:spLocks noGrp="1"/>
           </p:cNvSpPr>
@@ -77,8 +77,8 @@
         </p:nvSpPr>
         <p:spPr>
           <a:xfrm>
-            <a:off x="360000" y="225720"/>
-            <a:ext cx="9360000" cy="718920"/>
+            <a:off x="504000" y="226080"/>
+            <a:ext cx="9072000" cy="946440"/>
           </a:xfrm>
           <a:prstGeom prst="rect">
             <a:avLst/>
@@ -89,18 +89,16 @@
             <a:noAutofit/>
           </a:bodyPr>
           <a:p>
-            <a:endParaRPr b="1" lang="en-GB" sz="2700" spc="-1" strike="noStrike">
-              <a:solidFill>
-                <a:srgbClr val="ffffff"/>
-              </a:solidFill>
-              <a:latin typeface="Source Sans Pro Black"/>
-            </a:endParaRPr>
-          </a:p>
-        </p:txBody>
-      </p:sp>
-      <p:sp>
-        <p:nvSpPr>
-          <p:cNvPr id="30" name="PlaceHolder 2"/>
+            <a:pPr algn="ctr"/>
+            <a:endParaRPr b="0" lang="en-GB" sz="4400" spc="-1" strike="noStrike">
+              <a:latin typeface="Arial"/>
+            </a:endParaRPr>
+          </a:p>
+        </p:txBody>
+      </p:sp>
+      <p:sp>
+        <p:nvSpPr>
+          <p:cNvPr id="26" name="PlaceHolder 2"/>
           <p:cNvSpPr>
             <a:spLocks noGrp="1"/>
           </p:cNvSpPr>
@@ -110,8 +108,8 @@
         </p:nvSpPr>
         <p:spPr>
           <a:xfrm>
-            <a:off x="360000" y="1485000"/>
-            <a:ext cx="9360000" cy="1802880"/>
+            <a:off x="504000" y="1326600"/>
+            <a:ext cx="9072000" cy="1568520"/>
           </a:xfrm>
           <a:prstGeom prst="rect">
             <a:avLst/>
@@ -122,18 +120,15 @@
             <a:normAutofit/>
           </a:bodyPr>
           <a:p>
-            <a:endParaRPr b="1" lang="en-GB" sz="2400" spc="-1" strike="noStrike">
-              <a:solidFill>
-                <a:srgbClr val="2c3e50"/>
-              </a:solidFill>
-              <a:latin typeface="Source Sans Pro Semibold"/>
-            </a:endParaRPr>
-          </a:p>
-        </p:txBody>
-      </p:sp>
-      <p:sp>
-        <p:nvSpPr>
-          <p:cNvPr id="31" name="PlaceHolder 3"/>
+            <a:endParaRPr b="0" lang="en-GB" sz="3200" spc="-1" strike="noStrike">
+              <a:latin typeface="Arial"/>
+            </a:endParaRPr>
+          </a:p>
+        </p:txBody>
+      </p:sp>
+      <p:sp>
+        <p:nvSpPr>
+          <p:cNvPr id="27" name="PlaceHolder 3"/>
           <p:cNvSpPr>
             <a:spLocks noGrp="1"/>
           </p:cNvSpPr>
@@ -143,8 +138,8 @@
         </p:nvSpPr>
         <p:spPr>
           <a:xfrm>
-            <a:off x="360000" y="3459600"/>
-            <a:ext cx="9360000" cy="1802880"/>
+            <a:off x="504000" y="3044520"/>
+            <a:ext cx="9072000" cy="1568520"/>
           </a:xfrm>
           <a:prstGeom prst="rect">
             <a:avLst/>
@@ -155,11 +150,8 @@
             <a:normAutofit/>
           </a:bodyPr>
           <a:p>
-            <a:endParaRPr b="1" lang="en-GB" sz="2400" spc="-1" strike="noStrike">
-              <a:solidFill>
-                <a:srgbClr val="2c3e50"/>
-              </a:solidFill>
-              <a:latin typeface="Source Sans Pro Semibold"/>
+            <a:endParaRPr b="0" lang="en-GB" sz="3200" spc="-1" strike="noStrike">
+              <a:latin typeface="Arial"/>
             </a:endParaRPr>
           </a:p>
         </p:txBody>
@@ -188,7 +180,7 @@
       </p:grpSpPr>
       <p:sp>
         <p:nvSpPr>
-          <p:cNvPr id="32" name="PlaceHolder 1"/>
+          <p:cNvPr id="28" name="PlaceHolder 1"/>
           <p:cNvSpPr>
             <a:spLocks noGrp="1"/>
           </p:cNvSpPr>
@@ -198,8 +190,8 @@
         </p:nvSpPr>
         <p:spPr>
           <a:xfrm>
-            <a:off x="360000" y="225720"/>
-            <a:ext cx="9360000" cy="718920"/>
+            <a:off x="504000" y="226080"/>
+            <a:ext cx="9072000" cy="946440"/>
           </a:xfrm>
           <a:prstGeom prst="rect">
             <a:avLst/>
@@ -210,18 +202,16 @@
             <a:noAutofit/>
           </a:bodyPr>
           <a:p>
-            <a:endParaRPr b="1" lang="en-GB" sz="2700" spc="-1" strike="noStrike">
-              <a:solidFill>
-                <a:srgbClr val="ffffff"/>
-              </a:solidFill>
-              <a:latin typeface="Source Sans Pro Black"/>
-            </a:endParaRPr>
-          </a:p>
-        </p:txBody>
-      </p:sp>
-      <p:sp>
-        <p:nvSpPr>
-          <p:cNvPr id="33" name="PlaceHolder 2"/>
+            <a:pPr algn="ctr"/>
+            <a:endParaRPr b="0" lang="en-GB" sz="4400" spc="-1" strike="noStrike">
+              <a:latin typeface="Arial"/>
+            </a:endParaRPr>
+          </a:p>
+        </p:txBody>
+      </p:sp>
+      <p:sp>
+        <p:nvSpPr>
+          <p:cNvPr id="29" name="PlaceHolder 2"/>
           <p:cNvSpPr>
             <a:spLocks noGrp="1"/>
           </p:cNvSpPr>
@@ -231,8 +221,8 @@
         </p:nvSpPr>
         <p:spPr>
           <a:xfrm>
-            <a:off x="360000" y="1485000"/>
-            <a:ext cx="4567320" cy="1802880"/>
+            <a:off x="504000" y="1326600"/>
+            <a:ext cx="4426920" cy="1568520"/>
           </a:xfrm>
           <a:prstGeom prst="rect">
             <a:avLst/>
@@ -243,18 +233,15 @@
             <a:normAutofit/>
           </a:bodyPr>
           <a:p>
-            <a:endParaRPr b="1" lang="en-GB" sz="2400" spc="-1" strike="noStrike">
-              <a:solidFill>
-                <a:srgbClr val="2c3e50"/>
-              </a:solidFill>
-              <a:latin typeface="Source Sans Pro Semibold"/>
-            </a:endParaRPr>
-          </a:p>
-        </p:txBody>
-      </p:sp>
-      <p:sp>
-        <p:nvSpPr>
-          <p:cNvPr id="34" name="PlaceHolder 3"/>
+            <a:endParaRPr b="0" lang="en-GB" sz="3200" spc="-1" strike="noStrike">
+              <a:latin typeface="Arial"/>
+            </a:endParaRPr>
+          </a:p>
+        </p:txBody>
+      </p:sp>
+      <p:sp>
+        <p:nvSpPr>
+          <p:cNvPr id="30" name="PlaceHolder 3"/>
           <p:cNvSpPr>
             <a:spLocks noGrp="1"/>
           </p:cNvSpPr>
@@ -264,8 +251,8 @@
         </p:nvSpPr>
         <p:spPr>
           <a:xfrm>
-            <a:off x="5155920" y="1485000"/>
-            <a:ext cx="4567320" cy="1802880"/>
+            <a:off x="5152680" y="1326600"/>
+            <a:ext cx="4426920" cy="1568520"/>
           </a:xfrm>
           <a:prstGeom prst="rect">
             <a:avLst/>
@@ -276,18 +263,15 @@
             <a:normAutofit/>
           </a:bodyPr>
           <a:p>
-            <a:endParaRPr b="1" lang="en-GB" sz="2400" spc="-1" strike="noStrike">
-              <a:solidFill>
-                <a:srgbClr val="2c3e50"/>
-              </a:solidFill>
-              <a:latin typeface="Source Sans Pro Semibold"/>
-            </a:endParaRPr>
-          </a:p>
-        </p:txBody>
-      </p:sp>
-      <p:sp>
-        <p:nvSpPr>
-          <p:cNvPr id="35" name="PlaceHolder 4"/>
+            <a:endParaRPr b="0" lang="en-GB" sz="3200" spc="-1" strike="noStrike">
+              <a:latin typeface="Arial"/>
+            </a:endParaRPr>
+          </a:p>
+        </p:txBody>
+      </p:sp>
+      <p:sp>
+        <p:nvSpPr>
+          <p:cNvPr id="31" name="PlaceHolder 4"/>
           <p:cNvSpPr>
             <a:spLocks noGrp="1"/>
           </p:cNvSpPr>
@@ -297,8 +281,8 @@
         </p:nvSpPr>
         <p:spPr>
           <a:xfrm>
-            <a:off x="360000" y="3459600"/>
-            <a:ext cx="4567320" cy="1802880"/>
+            <a:off x="504000" y="3044520"/>
+            <a:ext cx="4426920" cy="1568520"/>
           </a:xfrm>
           <a:prstGeom prst="rect">
             <a:avLst/>
@@ -309,18 +293,15 @@
             <a:normAutofit/>
           </a:bodyPr>
           <a:p>
-            <a:endParaRPr b="1" lang="en-GB" sz="2400" spc="-1" strike="noStrike">
-              <a:solidFill>
-                <a:srgbClr val="2c3e50"/>
-              </a:solidFill>
-              <a:latin typeface="Source Sans Pro Semibold"/>
-            </a:endParaRPr>
-          </a:p>
-        </p:txBody>
-      </p:sp>
-      <p:sp>
-        <p:nvSpPr>
-          <p:cNvPr id="36" name="PlaceHolder 5"/>
+            <a:endParaRPr b="0" lang="en-GB" sz="3200" spc="-1" strike="noStrike">
+              <a:latin typeface="Arial"/>
+            </a:endParaRPr>
+          </a:p>
+        </p:txBody>
+      </p:sp>
+      <p:sp>
+        <p:nvSpPr>
+          <p:cNvPr id="32" name="PlaceHolder 5"/>
           <p:cNvSpPr>
             <a:spLocks noGrp="1"/>
           </p:cNvSpPr>
@@ -330,8 +311,8 @@
         </p:nvSpPr>
         <p:spPr>
           <a:xfrm>
-            <a:off x="5155920" y="3459600"/>
-            <a:ext cx="4567320" cy="1802880"/>
+            <a:off x="5152680" y="3044520"/>
+            <a:ext cx="4426920" cy="1568520"/>
           </a:xfrm>
           <a:prstGeom prst="rect">
             <a:avLst/>
@@ -342,11 +323,8 @@
             <a:normAutofit/>
           </a:bodyPr>
           <a:p>
-            <a:endParaRPr b="1" lang="en-GB" sz="2400" spc="-1" strike="noStrike">
-              <a:solidFill>
-                <a:srgbClr val="2c3e50"/>
-              </a:solidFill>
-              <a:latin typeface="Source Sans Pro Semibold"/>
+            <a:endParaRPr b="0" lang="en-GB" sz="3200" spc="-1" strike="noStrike">
+              <a:latin typeface="Arial"/>
             </a:endParaRPr>
           </a:p>
         </p:txBody>
@@ -375,7 +353,7 @@
       </p:grpSpPr>
       <p:sp>
         <p:nvSpPr>
-          <p:cNvPr id="37" name="PlaceHolder 1"/>
+          <p:cNvPr id="33" name="PlaceHolder 1"/>
           <p:cNvSpPr>
             <a:spLocks noGrp="1"/>
           </p:cNvSpPr>
@@ -385,8 +363,8 @@
         </p:nvSpPr>
         <p:spPr>
           <a:xfrm>
-            <a:off x="360000" y="225720"/>
-            <a:ext cx="9360000" cy="718920"/>
+            <a:off x="504000" y="226080"/>
+            <a:ext cx="9072000" cy="946440"/>
           </a:xfrm>
           <a:prstGeom prst="rect">
             <a:avLst/>
@@ -397,18 +375,16 @@
             <a:noAutofit/>
           </a:bodyPr>
           <a:p>
-            <a:endParaRPr b="1" lang="en-GB" sz="2700" spc="-1" strike="noStrike">
-              <a:solidFill>
-                <a:srgbClr val="ffffff"/>
-              </a:solidFill>
-              <a:latin typeface="Source Sans Pro Black"/>
-            </a:endParaRPr>
-          </a:p>
-        </p:txBody>
-      </p:sp>
-      <p:sp>
-        <p:nvSpPr>
-          <p:cNvPr id="38" name="PlaceHolder 2"/>
+            <a:pPr algn="ctr"/>
+            <a:endParaRPr b="0" lang="en-GB" sz="4400" spc="-1" strike="noStrike">
+              <a:latin typeface="Arial"/>
+            </a:endParaRPr>
+          </a:p>
+        </p:txBody>
+      </p:sp>
+      <p:sp>
+        <p:nvSpPr>
+          <p:cNvPr id="34" name="PlaceHolder 2"/>
           <p:cNvSpPr>
             <a:spLocks noGrp="1"/>
           </p:cNvSpPr>
@@ -418,8 +394,8 @@
         </p:nvSpPr>
         <p:spPr>
           <a:xfrm>
-            <a:off x="360000" y="1485000"/>
-            <a:ext cx="3013560" cy="1802880"/>
+            <a:off x="504000" y="1326600"/>
+            <a:ext cx="2921040" cy="1568520"/>
           </a:xfrm>
           <a:prstGeom prst="rect">
             <a:avLst/>
@@ -430,18 +406,15 @@
             <a:normAutofit/>
           </a:bodyPr>
           <a:p>
-            <a:endParaRPr b="1" lang="en-GB" sz="2400" spc="-1" strike="noStrike">
-              <a:solidFill>
-                <a:srgbClr val="2c3e50"/>
-              </a:solidFill>
-              <a:latin typeface="Source Sans Pro Semibold"/>
-            </a:endParaRPr>
-          </a:p>
-        </p:txBody>
-      </p:sp>
-      <p:sp>
-        <p:nvSpPr>
-          <p:cNvPr id="39" name="PlaceHolder 3"/>
+            <a:endParaRPr b="0" lang="en-GB" sz="3200" spc="-1" strike="noStrike">
+              <a:latin typeface="Arial"/>
+            </a:endParaRPr>
+          </a:p>
+        </p:txBody>
+      </p:sp>
+      <p:sp>
+        <p:nvSpPr>
+          <p:cNvPr id="35" name="PlaceHolder 3"/>
           <p:cNvSpPr>
             <a:spLocks noGrp="1"/>
           </p:cNvSpPr>
@@ -451,8 +424,8 @@
         </p:nvSpPr>
         <p:spPr>
           <a:xfrm>
-            <a:off x="3524760" y="1485000"/>
-            <a:ext cx="3013560" cy="1802880"/>
+            <a:off x="3571560" y="1326600"/>
+            <a:ext cx="2921040" cy="1568520"/>
           </a:xfrm>
           <a:prstGeom prst="rect">
             <a:avLst/>
@@ -463,18 +436,15 @@
             <a:normAutofit/>
           </a:bodyPr>
           <a:p>
-            <a:endParaRPr b="1" lang="en-GB" sz="2400" spc="-1" strike="noStrike">
-              <a:solidFill>
-                <a:srgbClr val="2c3e50"/>
-              </a:solidFill>
-              <a:latin typeface="Source Sans Pro Semibold"/>
-            </a:endParaRPr>
-          </a:p>
-        </p:txBody>
-      </p:sp>
-      <p:sp>
-        <p:nvSpPr>
-          <p:cNvPr id="40" name="PlaceHolder 4"/>
+            <a:endParaRPr b="0" lang="en-GB" sz="3200" spc="-1" strike="noStrike">
+              <a:latin typeface="Arial"/>
+            </a:endParaRPr>
+          </a:p>
+        </p:txBody>
+      </p:sp>
+      <p:sp>
+        <p:nvSpPr>
+          <p:cNvPr id="36" name="PlaceHolder 4"/>
           <p:cNvSpPr>
             <a:spLocks noGrp="1"/>
           </p:cNvSpPr>
@@ -484,8 +454,8 @@
         </p:nvSpPr>
         <p:spPr>
           <a:xfrm>
-            <a:off x="6689160" y="1485000"/>
-            <a:ext cx="3013560" cy="1802880"/>
+            <a:off x="6639120" y="1326600"/>
+            <a:ext cx="2921040" cy="1568520"/>
           </a:xfrm>
           <a:prstGeom prst="rect">
             <a:avLst/>
@@ -496,18 +466,15 @@
             <a:normAutofit/>
           </a:bodyPr>
           <a:p>
-            <a:endParaRPr b="1" lang="en-GB" sz="2400" spc="-1" strike="noStrike">
-              <a:solidFill>
-                <a:srgbClr val="2c3e50"/>
-              </a:solidFill>
-              <a:latin typeface="Source Sans Pro Semibold"/>
-            </a:endParaRPr>
-          </a:p>
-        </p:txBody>
-      </p:sp>
-      <p:sp>
-        <p:nvSpPr>
-          <p:cNvPr id="41" name="PlaceHolder 5"/>
+            <a:endParaRPr b="0" lang="en-GB" sz="3200" spc="-1" strike="noStrike">
+              <a:latin typeface="Arial"/>
+            </a:endParaRPr>
+          </a:p>
+        </p:txBody>
+      </p:sp>
+      <p:sp>
+        <p:nvSpPr>
+          <p:cNvPr id="37" name="PlaceHolder 5"/>
           <p:cNvSpPr>
             <a:spLocks noGrp="1"/>
           </p:cNvSpPr>
@@ -517,8 +484,8 @@
         </p:nvSpPr>
         <p:spPr>
           <a:xfrm>
-            <a:off x="360000" y="3459600"/>
-            <a:ext cx="3013560" cy="1802880"/>
+            <a:off x="504000" y="3044520"/>
+            <a:ext cx="2921040" cy="1568520"/>
           </a:xfrm>
           <a:prstGeom prst="rect">
             <a:avLst/>
@@ -529,18 +496,15 @@
             <a:normAutofit/>
           </a:bodyPr>
           <a:p>
-            <a:endParaRPr b="1" lang="en-GB" sz="2400" spc="-1" strike="noStrike">
-              <a:solidFill>
-                <a:srgbClr val="2c3e50"/>
-              </a:solidFill>
-              <a:latin typeface="Source Sans Pro Semibold"/>
-            </a:endParaRPr>
-          </a:p>
-        </p:txBody>
-      </p:sp>
-      <p:sp>
-        <p:nvSpPr>
-          <p:cNvPr id="42" name="PlaceHolder 6"/>
+            <a:endParaRPr b="0" lang="en-GB" sz="3200" spc="-1" strike="noStrike">
+              <a:latin typeface="Arial"/>
+            </a:endParaRPr>
+          </a:p>
+        </p:txBody>
+      </p:sp>
+      <p:sp>
+        <p:nvSpPr>
+          <p:cNvPr id="38" name="PlaceHolder 6"/>
           <p:cNvSpPr>
             <a:spLocks noGrp="1"/>
           </p:cNvSpPr>
@@ -550,8 +514,8 @@
         </p:nvSpPr>
         <p:spPr>
           <a:xfrm>
-            <a:off x="3524760" y="3459600"/>
-            <a:ext cx="3013560" cy="1802880"/>
+            <a:off x="3571560" y="3044520"/>
+            <a:ext cx="2921040" cy="1568520"/>
           </a:xfrm>
           <a:prstGeom prst="rect">
             <a:avLst/>
@@ -562,18 +526,15 @@
             <a:normAutofit/>
           </a:bodyPr>
           <a:p>
-            <a:endParaRPr b="1" lang="en-GB" sz="2400" spc="-1" strike="noStrike">
-              <a:solidFill>
-                <a:srgbClr val="2c3e50"/>
-              </a:solidFill>
-              <a:latin typeface="Source Sans Pro Semibold"/>
-            </a:endParaRPr>
-          </a:p>
-        </p:txBody>
-      </p:sp>
-      <p:sp>
-        <p:nvSpPr>
-          <p:cNvPr id="43" name="PlaceHolder 7"/>
+            <a:endParaRPr b="0" lang="en-GB" sz="3200" spc="-1" strike="noStrike">
+              <a:latin typeface="Arial"/>
+            </a:endParaRPr>
+          </a:p>
+        </p:txBody>
+      </p:sp>
+      <p:sp>
+        <p:nvSpPr>
+          <p:cNvPr id="39" name="PlaceHolder 7"/>
           <p:cNvSpPr>
             <a:spLocks noGrp="1"/>
           </p:cNvSpPr>
@@ -583,8 +544,8 @@
         </p:nvSpPr>
         <p:spPr>
           <a:xfrm>
-            <a:off x="6689160" y="3459600"/>
-            <a:ext cx="3013560" cy="1802880"/>
+            <a:off x="6639120" y="3044520"/>
+            <a:ext cx="2921040" cy="1568520"/>
           </a:xfrm>
           <a:prstGeom prst="rect">
             <a:avLst/>
@@ -595,11 +556,8 @@
             <a:normAutofit/>
           </a:bodyPr>
           <a:p>
-            <a:endParaRPr b="1" lang="en-GB" sz="2400" spc="-1" strike="noStrike">
-              <a:solidFill>
-                <a:srgbClr val="2c3e50"/>
-              </a:solidFill>
-              <a:latin typeface="Source Sans Pro Semibold"/>
+            <a:endParaRPr b="0" lang="en-GB" sz="3200" spc="-1" strike="noStrike">
+              <a:latin typeface="Arial"/>
             </a:endParaRPr>
           </a:p>
         </p:txBody>
@@ -650,7 +608,7 @@
       </p:grpSpPr>
       <p:sp>
         <p:nvSpPr>
-          <p:cNvPr id="51" name="PlaceHolder 1"/>
+          <p:cNvPr id="46" name="PlaceHolder 1"/>
           <p:cNvSpPr>
             <a:spLocks noGrp="1"/>
           </p:cNvSpPr>
@@ -660,8 +618,8 @@
         </p:nvSpPr>
         <p:spPr>
           <a:xfrm>
-            <a:off x="360000" y="225720"/>
-            <a:ext cx="9360000" cy="718920"/>
+            <a:off x="504000" y="226080"/>
+            <a:ext cx="9072000" cy="946440"/>
           </a:xfrm>
           <a:prstGeom prst="rect">
             <a:avLst/>
@@ -672,18 +630,16 @@
             <a:noAutofit/>
           </a:bodyPr>
           <a:p>
-            <a:endParaRPr b="1" lang="en-GB" sz="2700" spc="-1" strike="noStrike">
-              <a:solidFill>
-                <a:srgbClr val="ffffff"/>
-              </a:solidFill>
-              <a:latin typeface="Source Sans Pro Black"/>
-            </a:endParaRPr>
-          </a:p>
-        </p:txBody>
-      </p:sp>
-      <p:sp>
-        <p:nvSpPr>
-          <p:cNvPr id="52" name="PlaceHolder 2"/>
+            <a:pPr algn="ctr"/>
+            <a:endParaRPr b="0" lang="en-GB" sz="4400" spc="-1" strike="noStrike">
+              <a:latin typeface="Arial"/>
+            </a:endParaRPr>
+          </a:p>
+        </p:txBody>
+      </p:sp>
+      <p:sp>
+        <p:nvSpPr>
+          <p:cNvPr id="47" name="PlaceHolder 2"/>
           <p:cNvSpPr>
             <a:spLocks noGrp="1"/>
           </p:cNvSpPr>
@@ -693,8 +649,8 @@
         </p:nvSpPr>
         <p:spPr>
           <a:xfrm>
-            <a:off x="360000" y="1485000"/>
-            <a:ext cx="9360000" cy="3780000"/>
+            <a:off x="504000" y="1326600"/>
+            <a:ext cx="9072000" cy="3288600"/>
           </a:xfrm>
           <a:prstGeom prst="rect">
             <a:avLst/>
@@ -707,10 +663,7 @@
           <a:p>
             <a:pPr algn="ctr"/>
             <a:endParaRPr b="0" lang="en-GB" sz="3200" spc="-1" strike="noStrike">
-              <a:solidFill>
-                <a:srgbClr val="2c3e50"/>
-              </a:solidFill>
-              <a:latin typeface="Source Sans Pro"/>
+              <a:latin typeface="Arial"/>
             </a:endParaRPr>
           </a:p>
         </p:txBody>
@@ -739,7 +692,7 @@
       </p:grpSpPr>
       <p:sp>
         <p:nvSpPr>
-          <p:cNvPr id="53" name="PlaceHolder 1"/>
+          <p:cNvPr id="48" name="PlaceHolder 1"/>
           <p:cNvSpPr>
             <a:spLocks noGrp="1"/>
           </p:cNvSpPr>
@@ -749,8 +702,8 @@
         </p:nvSpPr>
         <p:spPr>
           <a:xfrm>
-            <a:off x="360000" y="225720"/>
-            <a:ext cx="9360000" cy="718920"/>
+            <a:off x="504000" y="226080"/>
+            <a:ext cx="9072000" cy="946440"/>
           </a:xfrm>
           <a:prstGeom prst="rect">
             <a:avLst/>
@@ -761,18 +714,16 @@
             <a:noAutofit/>
           </a:bodyPr>
           <a:p>
-            <a:endParaRPr b="1" lang="en-GB" sz="2700" spc="-1" strike="noStrike">
-              <a:solidFill>
-                <a:srgbClr val="ffffff"/>
-              </a:solidFill>
-              <a:latin typeface="Source Sans Pro Black"/>
-            </a:endParaRPr>
-          </a:p>
-        </p:txBody>
-      </p:sp>
-      <p:sp>
-        <p:nvSpPr>
-          <p:cNvPr id="54" name="PlaceHolder 2"/>
+            <a:pPr algn="ctr"/>
+            <a:endParaRPr b="0" lang="en-GB" sz="4400" spc="-1" strike="noStrike">
+              <a:latin typeface="Arial"/>
+            </a:endParaRPr>
+          </a:p>
+        </p:txBody>
+      </p:sp>
+      <p:sp>
+        <p:nvSpPr>
+          <p:cNvPr id="49" name="PlaceHolder 2"/>
           <p:cNvSpPr>
             <a:spLocks noGrp="1"/>
           </p:cNvSpPr>
@@ -782,8 +733,8 @@
         </p:nvSpPr>
         <p:spPr>
           <a:xfrm>
-            <a:off x="360000" y="1485000"/>
-            <a:ext cx="9360000" cy="3780000"/>
+            <a:off x="504000" y="1326600"/>
+            <a:ext cx="9072000" cy="3288600"/>
           </a:xfrm>
           <a:prstGeom prst="rect">
             <a:avLst/>
@@ -794,11 +745,8 @@
             <a:normAutofit/>
           </a:bodyPr>
           <a:p>
-            <a:endParaRPr b="1" lang="en-GB" sz="2400" spc="-1" strike="noStrike">
-              <a:solidFill>
-                <a:srgbClr val="2c3e50"/>
-              </a:solidFill>
-              <a:latin typeface="Source Sans Pro Semibold"/>
+            <a:endParaRPr b="0" lang="en-GB" sz="3200" spc="-1" strike="noStrike">
+              <a:latin typeface="Arial"/>
             </a:endParaRPr>
           </a:p>
         </p:txBody>
@@ -827,7 +775,7 @@
       </p:grpSpPr>
       <p:sp>
         <p:nvSpPr>
-          <p:cNvPr id="55" name="PlaceHolder 1"/>
+          <p:cNvPr id="50" name="PlaceHolder 1"/>
           <p:cNvSpPr>
             <a:spLocks noGrp="1"/>
           </p:cNvSpPr>
@@ -837,8 +785,8 @@
         </p:nvSpPr>
         <p:spPr>
           <a:xfrm>
-            <a:off x="360000" y="225720"/>
-            <a:ext cx="9360000" cy="718920"/>
+            <a:off x="504000" y="226080"/>
+            <a:ext cx="9072000" cy="946440"/>
           </a:xfrm>
           <a:prstGeom prst="rect">
             <a:avLst/>
@@ -849,18 +797,16 @@
             <a:noAutofit/>
           </a:bodyPr>
           <a:p>
-            <a:endParaRPr b="1" lang="en-GB" sz="2700" spc="-1" strike="noStrike">
-              <a:solidFill>
-                <a:srgbClr val="ffffff"/>
-              </a:solidFill>
-              <a:latin typeface="Source Sans Pro Black"/>
-            </a:endParaRPr>
-          </a:p>
-        </p:txBody>
-      </p:sp>
-      <p:sp>
-        <p:nvSpPr>
-          <p:cNvPr id="56" name="PlaceHolder 2"/>
+            <a:pPr algn="ctr"/>
+            <a:endParaRPr b="0" lang="en-GB" sz="4400" spc="-1" strike="noStrike">
+              <a:latin typeface="Arial"/>
+            </a:endParaRPr>
+          </a:p>
+        </p:txBody>
+      </p:sp>
+      <p:sp>
+        <p:nvSpPr>
+          <p:cNvPr id="51" name="PlaceHolder 2"/>
           <p:cNvSpPr>
             <a:spLocks noGrp="1"/>
           </p:cNvSpPr>
@@ -870,8 +816,8 @@
         </p:nvSpPr>
         <p:spPr>
           <a:xfrm>
-            <a:off x="360000" y="1485000"/>
-            <a:ext cx="4567320" cy="3780000"/>
+            <a:off x="504000" y="1326600"/>
+            <a:ext cx="4426920" cy="3288600"/>
           </a:xfrm>
           <a:prstGeom prst="rect">
             <a:avLst/>
@@ -882,18 +828,15 @@
             <a:normAutofit/>
           </a:bodyPr>
           <a:p>
-            <a:endParaRPr b="1" lang="en-GB" sz="2400" spc="-1" strike="noStrike">
-              <a:solidFill>
-                <a:srgbClr val="2c3e50"/>
-              </a:solidFill>
-              <a:latin typeface="Source Sans Pro Semibold"/>
-            </a:endParaRPr>
-          </a:p>
-        </p:txBody>
-      </p:sp>
-      <p:sp>
-        <p:nvSpPr>
-          <p:cNvPr id="57" name="PlaceHolder 3"/>
+            <a:endParaRPr b="0" lang="en-GB" sz="3200" spc="-1" strike="noStrike">
+              <a:latin typeface="Arial"/>
+            </a:endParaRPr>
+          </a:p>
+        </p:txBody>
+      </p:sp>
+      <p:sp>
+        <p:nvSpPr>
+          <p:cNvPr id="52" name="PlaceHolder 3"/>
           <p:cNvSpPr>
             <a:spLocks noGrp="1"/>
           </p:cNvSpPr>
@@ -903,8 +846,8 @@
         </p:nvSpPr>
         <p:spPr>
           <a:xfrm>
-            <a:off x="5155920" y="1485000"/>
-            <a:ext cx="4567320" cy="3780000"/>
+            <a:off x="5152680" y="1326600"/>
+            <a:ext cx="4426920" cy="3288600"/>
           </a:xfrm>
           <a:prstGeom prst="rect">
             <a:avLst/>
@@ -915,11 +858,8 @@
             <a:normAutofit/>
           </a:bodyPr>
           <a:p>
-            <a:endParaRPr b="1" lang="en-GB" sz="2400" spc="-1" strike="noStrike">
-              <a:solidFill>
-                <a:srgbClr val="2c3e50"/>
-              </a:solidFill>
-              <a:latin typeface="Source Sans Pro Semibold"/>
+            <a:endParaRPr b="0" lang="en-GB" sz="3200" spc="-1" strike="noStrike">
+              <a:latin typeface="Arial"/>
             </a:endParaRPr>
           </a:p>
         </p:txBody>
@@ -948,7 +888,7 @@
       </p:grpSpPr>
       <p:sp>
         <p:nvSpPr>
-          <p:cNvPr id="58" name="PlaceHolder 1"/>
+          <p:cNvPr id="53" name="PlaceHolder 1"/>
           <p:cNvSpPr>
             <a:spLocks noGrp="1"/>
           </p:cNvSpPr>
@@ -958,8 +898,8 @@
         </p:nvSpPr>
         <p:spPr>
           <a:xfrm>
-            <a:off x="360000" y="225720"/>
-            <a:ext cx="9360000" cy="718920"/>
+            <a:off x="504000" y="226080"/>
+            <a:ext cx="9072000" cy="946440"/>
           </a:xfrm>
           <a:prstGeom prst="rect">
             <a:avLst/>
@@ -970,11 +910,9 @@
             <a:noAutofit/>
           </a:bodyPr>
           <a:p>
-            <a:endParaRPr b="1" lang="en-GB" sz="2700" spc="-1" strike="noStrike">
-              <a:solidFill>
-                <a:srgbClr val="ffffff"/>
-              </a:solidFill>
-              <a:latin typeface="Source Sans Pro Black"/>
+            <a:pPr algn="ctr"/>
+            <a:endParaRPr b="0" lang="en-GB" sz="4400" spc="-1" strike="noStrike">
+              <a:latin typeface="Arial"/>
             </a:endParaRPr>
           </a:p>
         </p:txBody>
@@ -1003,7 +941,7 @@
       </p:grpSpPr>
       <p:sp>
         <p:nvSpPr>
-          <p:cNvPr id="59" name="PlaceHolder 1"/>
+          <p:cNvPr id="54" name="PlaceHolder 1"/>
           <p:cNvSpPr>
             <a:spLocks noGrp="1"/>
           </p:cNvSpPr>
@@ -1013,8 +951,8 @@
         </p:nvSpPr>
         <p:spPr>
           <a:xfrm>
-            <a:off x="360000" y="225720"/>
-            <a:ext cx="9360000" cy="3333960"/>
+            <a:off x="504000" y="226080"/>
+            <a:ext cx="9072000" cy="4388400"/>
           </a:xfrm>
           <a:prstGeom prst="rect">
             <a:avLst/>
@@ -1027,10 +965,7 @@
           <a:p>
             <a:pPr algn="ctr"/>
             <a:endParaRPr b="0" lang="en-GB" sz="3200" spc="-1" strike="noStrike">
-              <a:solidFill>
-                <a:srgbClr val="2c3e50"/>
-              </a:solidFill>
-              <a:latin typeface="Source Sans Pro"/>
+              <a:latin typeface="Arial"/>
             </a:endParaRPr>
           </a:p>
         </p:txBody>
@@ -1059,7 +994,7 @@
       </p:grpSpPr>
       <p:sp>
         <p:nvSpPr>
-          <p:cNvPr id="60" name="PlaceHolder 1"/>
+          <p:cNvPr id="55" name="PlaceHolder 1"/>
           <p:cNvSpPr>
             <a:spLocks noGrp="1"/>
           </p:cNvSpPr>
@@ -1069,8 +1004,8 @@
         </p:nvSpPr>
         <p:spPr>
           <a:xfrm>
-            <a:off x="360000" y="225720"/>
-            <a:ext cx="9360000" cy="718920"/>
+            <a:off x="504000" y="226080"/>
+            <a:ext cx="9072000" cy="946440"/>
           </a:xfrm>
           <a:prstGeom prst="rect">
             <a:avLst/>
@@ -1081,18 +1016,16 @@
             <a:noAutofit/>
           </a:bodyPr>
           <a:p>
-            <a:endParaRPr b="1" lang="en-GB" sz="2700" spc="-1" strike="noStrike">
-              <a:solidFill>
-                <a:srgbClr val="ffffff"/>
-              </a:solidFill>
-              <a:latin typeface="Source Sans Pro Black"/>
-            </a:endParaRPr>
-          </a:p>
-        </p:txBody>
-      </p:sp>
-      <p:sp>
-        <p:nvSpPr>
-          <p:cNvPr id="61" name="PlaceHolder 2"/>
+            <a:pPr algn="ctr"/>
+            <a:endParaRPr b="0" lang="en-GB" sz="4400" spc="-1" strike="noStrike">
+              <a:latin typeface="Arial"/>
+            </a:endParaRPr>
+          </a:p>
+        </p:txBody>
+      </p:sp>
+      <p:sp>
+        <p:nvSpPr>
+          <p:cNvPr id="56" name="PlaceHolder 2"/>
           <p:cNvSpPr>
             <a:spLocks noGrp="1"/>
           </p:cNvSpPr>
@@ -1102,8 +1035,8 @@
         </p:nvSpPr>
         <p:spPr>
           <a:xfrm>
-            <a:off x="360000" y="1485000"/>
-            <a:ext cx="4567320" cy="1802880"/>
+            <a:off x="504000" y="1326600"/>
+            <a:ext cx="4426920" cy="1568520"/>
           </a:xfrm>
           <a:prstGeom prst="rect">
             <a:avLst/>
@@ -1114,18 +1047,15 @@
             <a:normAutofit/>
           </a:bodyPr>
           <a:p>
-            <a:endParaRPr b="1" lang="en-GB" sz="2400" spc="-1" strike="noStrike">
-              <a:solidFill>
-                <a:srgbClr val="2c3e50"/>
-              </a:solidFill>
-              <a:latin typeface="Source Sans Pro Semibold"/>
-            </a:endParaRPr>
-          </a:p>
-        </p:txBody>
-      </p:sp>
-      <p:sp>
-        <p:nvSpPr>
-          <p:cNvPr id="62" name="PlaceHolder 3"/>
+            <a:endParaRPr b="0" lang="en-GB" sz="3200" spc="-1" strike="noStrike">
+              <a:latin typeface="Arial"/>
+            </a:endParaRPr>
+          </a:p>
+        </p:txBody>
+      </p:sp>
+      <p:sp>
+        <p:nvSpPr>
+          <p:cNvPr id="57" name="PlaceHolder 3"/>
           <p:cNvSpPr>
             <a:spLocks noGrp="1"/>
           </p:cNvSpPr>
@@ -1135,8 +1065,8 @@
         </p:nvSpPr>
         <p:spPr>
           <a:xfrm>
-            <a:off x="5155920" y="1485000"/>
-            <a:ext cx="4567320" cy="3780000"/>
+            <a:off x="5152680" y="1326600"/>
+            <a:ext cx="4426920" cy="3288600"/>
           </a:xfrm>
           <a:prstGeom prst="rect">
             <a:avLst/>
@@ -1147,18 +1077,15 @@
             <a:normAutofit/>
           </a:bodyPr>
           <a:p>
-            <a:endParaRPr b="1" lang="en-GB" sz="2400" spc="-1" strike="noStrike">
-              <a:solidFill>
-                <a:srgbClr val="2c3e50"/>
-              </a:solidFill>
-              <a:latin typeface="Source Sans Pro Semibold"/>
-            </a:endParaRPr>
-          </a:p>
-        </p:txBody>
-      </p:sp>
-      <p:sp>
-        <p:nvSpPr>
-          <p:cNvPr id="63" name="PlaceHolder 4"/>
+            <a:endParaRPr b="0" lang="en-GB" sz="3200" spc="-1" strike="noStrike">
+              <a:latin typeface="Arial"/>
+            </a:endParaRPr>
+          </a:p>
+        </p:txBody>
+      </p:sp>
+      <p:sp>
+        <p:nvSpPr>
+          <p:cNvPr id="58" name="PlaceHolder 4"/>
           <p:cNvSpPr>
             <a:spLocks noGrp="1"/>
           </p:cNvSpPr>
@@ -1168,8 +1095,8 @@
         </p:nvSpPr>
         <p:spPr>
           <a:xfrm>
-            <a:off x="360000" y="3459600"/>
-            <a:ext cx="4567320" cy="1802880"/>
+            <a:off x="504000" y="3044520"/>
+            <a:ext cx="4426920" cy="1568520"/>
           </a:xfrm>
           <a:prstGeom prst="rect">
             <a:avLst/>
@@ -1180,11 +1107,8 @@
             <a:normAutofit/>
           </a:bodyPr>
           <a:p>
-            <a:endParaRPr b="1" lang="en-GB" sz="2400" spc="-1" strike="noStrike">
-              <a:solidFill>
-                <a:srgbClr val="2c3e50"/>
-              </a:solidFill>
-              <a:latin typeface="Source Sans Pro Semibold"/>
+            <a:endParaRPr b="0" lang="en-GB" sz="3200" spc="-1" strike="noStrike">
+              <a:latin typeface="Arial"/>
             </a:endParaRPr>
           </a:p>
         </p:txBody>
@@ -1213,7 +1137,7 @@
       </p:grpSpPr>
       <p:sp>
         <p:nvSpPr>
-          <p:cNvPr id="8" name="PlaceHolder 1"/>
+          <p:cNvPr id="4" name="PlaceHolder 1"/>
           <p:cNvSpPr>
             <a:spLocks noGrp="1"/>
           </p:cNvSpPr>
@@ -1223,8 +1147,8 @@
         </p:nvSpPr>
         <p:spPr>
           <a:xfrm>
-            <a:off x="360000" y="225720"/>
-            <a:ext cx="9360000" cy="718920"/>
+            <a:off x="504000" y="226080"/>
+            <a:ext cx="9072000" cy="946440"/>
           </a:xfrm>
           <a:prstGeom prst="rect">
             <a:avLst/>
@@ -1235,18 +1159,16 @@
             <a:noAutofit/>
           </a:bodyPr>
           <a:p>
-            <a:endParaRPr b="1" lang="en-GB" sz="2700" spc="-1" strike="noStrike">
-              <a:solidFill>
-                <a:srgbClr val="ffffff"/>
-              </a:solidFill>
-              <a:latin typeface="Source Sans Pro Black"/>
-            </a:endParaRPr>
-          </a:p>
-        </p:txBody>
-      </p:sp>
-      <p:sp>
-        <p:nvSpPr>
-          <p:cNvPr id="9" name="PlaceHolder 2"/>
+            <a:pPr algn="ctr"/>
+            <a:endParaRPr b="0" lang="en-GB" sz="4400" spc="-1" strike="noStrike">
+              <a:latin typeface="Arial"/>
+            </a:endParaRPr>
+          </a:p>
+        </p:txBody>
+      </p:sp>
+      <p:sp>
+        <p:nvSpPr>
+          <p:cNvPr id="5" name="PlaceHolder 2"/>
           <p:cNvSpPr>
             <a:spLocks noGrp="1"/>
           </p:cNvSpPr>
@@ -1256,8 +1178,8 @@
         </p:nvSpPr>
         <p:spPr>
           <a:xfrm>
-            <a:off x="360000" y="1485000"/>
-            <a:ext cx="9360000" cy="3780000"/>
+            <a:off x="504000" y="1326600"/>
+            <a:ext cx="9072000" cy="3288600"/>
           </a:xfrm>
           <a:prstGeom prst="rect">
             <a:avLst/>
@@ -1270,10 +1192,7 @@
           <a:p>
             <a:pPr algn="ctr"/>
             <a:endParaRPr b="0" lang="en-GB" sz="3200" spc="-1" strike="noStrike">
-              <a:solidFill>
-                <a:srgbClr val="2c3e50"/>
-              </a:solidFill>
-              <a:latin typeface="Source Sans Pro"/>
+              <a:latin typeface="Arial"/>
             </a:endParaRPr>
           </a:p>
         </p:txBody>
@@ -1302,7 +1221,7 @@
       </p:grpSpPr>
       <p:sp>
         <p:nvSpPr>
-          <p:cNvPr id="64" name="PlaceHolder 1"/>
+          <p:cNvPr id="59" name="PlaceHolder 1"/>
           <p:cNvSpPr>
             <a:spLocks noGrp="1"/>
           </p:cNvSpPr>
@@ -1312,8 +1231,8 @@
         </p:nvSpPr>
         <p:spPr>
           <a:xfrm>
-            <a:off x="360000" y="225720"/>
-            <a:ext cx="9360000" cy="718920"/>
+            <a:off x="504000" y="226080"/>
+            <a:ext cx="9072000" cy="946440"/>
           </a:xfrm>
           <a:prstGeom prst="rect">
             <a:avLst/>
@@ -1324,18 +1243,16 @@
             <a:noAutofit/>
           </a:bodyPr>
           <a:p>
-            <a:endParaRPr b="1" lang="en-GB" sz="2700" spc="-1" strike="noStrike">
-              <a:solidFill>
-                <a:srgbClr val="ffffff"/>
-              </a:solidFill>
-              <a:latin typeface="Source Sans Pro Black"/>
-            </a:endParaRPr>
-          </a:p>
-        </p:txBody>
-      </p:sp>
-      <p:sp>
-        <p:nvSpPr>
-          <p:cNvPr id="65" name="PlaceHolder 2"/>
+            <a:pPr algn="ctr"/>
+            <a:endParaRPr b="0" lang="en-GB" sz="4400" spc="-1" strike="noStrike">
+              <a:latin typeface="Arial"/>
+            </a:endParaRPr>
+          </a:p>
+        </p:txBody>
+      </p:sp>
+      <p:sp>
+        <p:nvSpPr>
+          <p:cNvPr id="60" name="PlaceHolder 2"/>
           <p:cNvSpPr>
             <a:spLocks noGrp="1"/>
           </p:cNvSpPr>
@@ -1345,8 +1262,8 @@
         </p:nvSpPr>
         <p:spPr>
           <a:xfrm>
-            <a:off x="360000" y="1485000"/>
-            <a:ext cx="4567320" cy="3780000"/>
+            <a:off x="504000" y="1326600"/>
+            <a:ext cx="4426920" cy="3288600"/>
           </a:xfrm>
           <a:prstGeom prst="rect">
             <a:avLst/>
@@ -1357,18 +1274,15 @@
             <a:normAutofit/>
           </a:bodyPr>
           <a:p>
-            <a:endParaRPr b="1" lang="en-GB" sz="2400" spc="-1" strike="noStrike">
-              <a:solidFill>
-                <a:srgbClr val="2c3e50"/>
-              </a:solidFill>
-              <a:latin typeface="Source Sans Pro Semibold"/>
-            </a:endParaRPr>
-          </a:p>
-        </p:txBody>
-      </p:sp>
-      <p:sp>
-        <p:nvSpPr>
-          <p:cNvPr id="66" name="PlaceHolder 3"/>
+            <a:endParaRPr b="0" lang="en-GB" sz="3200" spc="-1" strike="noStrike">
+              <a:latin typeface="Arial"/>
+            </a:endParaRPr>
+          </a:p>
+        </p:txBody>
+      </p:sp>
+      <p:sp>
+        <p:nvSpPr>
+          <p:cNvPr id="61" name="PlaceHolder 3"/>
           <p:cNvSpPr>
             <a:spLocks noGrp="1"/>
           </p:cNvSpPr>
@@ -1378,8 +1292,8 @@
         </p:nvSpPr>
         <p:spPr>
           <a:xfrm>
-            <a:off x="5155920" y="1485000"/>
-            <a:ext cx="4567320" cy="1802880"/>
+            <a:off x="5152680" y="1326600"/>
+            <a:ext cx="4426920" cy="1568520"/>
           </a:xfrm>
           <a:prstGeom prst="rect">
             <a:avLst/>
@@ -1390,18 +1304,15 @@
             <a:normAutofit/>
           </a:bodyPr>
           <a:p>
-            <a:endParaRPr b="1" lang="en-GB" sz="2400" spc="-1" strike="noStrike">
-              <a:solidFill>
-                <a:srgbClr val="2c3e50"/>
-              </a:solidFill>
-              <a:latin typeface="Source Sans Pro Semibold"/>
-            </a:endParaRPr>
-          </a:p>
-        </p:txBody>
-      </p:sp>
-      <p:sp>
-        <p:nvSpPr>
-          <p:cNvPr id="67" name="PlaceHolder 4"/>
+            <a:endParaRPr b="0" lang="en-GB" sz="3200" spc="-1" strike="noStrike">
+              <a:latin typeface="Arial"/>
+            </a:endParaRPr>
+          </a:p>
+        </p:txBody>
+      </p:sp>
+      <p:sp>
+        <p:nvSpPr>
+          <p:cNvPr id="62" name="PlaceHolder 4"/>
           <p:cNvSpPr>
             <a:spLocks noGrp="1"/>
           </p:cNvSpPr>
@@ -1411,8 +1322,8 @@
         </p:nvSpPr>
         <p:spPr>
           <a:xfrm>
-            <a:off x="5155920" y="3459600"/>
-            <a:ext cx="4567320" cy="1802880"/>
+            <a:off x="5152680" y="3044520"/>
+            <a:ext cx="4426920" cy="1568520"/>
           </a:xfrm>
           <a:prstGeom prst="rect">
             <a:avLst/>
@@ -1423,11 +1334,8 @@
             <a:normAutofit/>
           </a:bodyPr>
           <a:p>
-            <a:endParaRPr b="1" lang="en-GB" sz="2400" spc="-1" strike="noStrike">
-              <a:solidFill>
-                <a:srgbClr val="2c3e50"/>
-              </a:solidFill>
-              <a:latin typeface="Source Sans Pro Semibold"/>
+            <a:endParaRPr b="0" lang="en-GB" sz="3200" spc="-1" strike="noStrike">
+              <a:latin typeface="Arial"/>
             </a:endParaRPr>
           </a:p>
         </p:txBody>
@@ -1456,7 +1364,7 @@
       </p:grpSpPr>
       <p:sp>
         <p:nvSpPr>
-          <p:cNvPr id="68" name="PlaceHolder 1"/>
+          <p:cNvPr id="63" name="PlaceHolder 1"/>
           <p:cNvSpPr>
             <a:spLocks noGrp="1"/>
           </p:cNvSpPr>
@@ -1466,8 +1374,8 @@
         </p:nvSpPr>
         <p:spPr>
           <a:xfrm>
-            <a:off x="360000" y="225720"/>
-            <a:ext cx="9360000" cy="718920"/>
+            <a:off x="504000" y="226080"/>
+            <a:ext cx="9072000" cy="946440"/>
           </a:xfrm>
           <a:prstGeom prst="rect">
             <a:avLst/>
@@ -1478,18 +1386,16 @@
             <a:noAutofit/>
           </a:bodyPr>
           <a:p>
-            <a:endParaRPr b="1" lang="en-GB" sz="2700" spc="-1" strike="noStrike">
-              <a:solidFill>
-                <a:srgbClr val="ffffff"/>
-              </a:solidFill>
-              <a:latin typeface="Source Sans Pro Black"/>
-            </a:endParaRPr>
-          </a:p>
-        </p:txBody>
-      </p:sp>
-      <p:sp>
-        <p:nvSpPr>
-          <p:cNvPr id="69" name="PlaceHolder 2"/>
+            <a:pPr algn="ctr"/>
+            <a:endParaRPr b="0" lang="en-GB" sz="4400" spc="-1" strike="noStrike">
+              <a:latin typeface="Arial"/>
+            </a:endParaRPr>
+          </a:p>
+        </p:txBody>
+      </p:sp>
+      <p:sp>
+        <p:nvSpPr>
+          <p:cNvPr id="64" name="PlaceHolder 2"/>
           <p:cNvSpPr>
             <a:spLocks noGrp="1"/>
           </p:cNvSpPr>
@@ -1499,8 +1405,8 @@
         </p:nvSpPr>
         <p:spPr>
           <a:xfrm>
-            <a:off x="360000" y="1485000"/>
-            <a:ext cx="4567320" cy="1802880"/>
+            <a:off x="504000" y="1326600"/>
+            <a:ext cx="4426920" cy="1568520"/>
           </a:xfrm>
           <a:prstGeom prst="rect">
             <a:avLst/>
@@ -1511,18 +1417,15 @@
             <a:normAutofit/>
           </a:bodyPr>
           <a:p>
-            <a:endParaRPr b="1" lang="en-GB" sz="2400" spc="-1" strike="noStrike">
-              <a:solidFill>
-                <a:srgbClr val="2c3e50"/>
-              </a:solidFill>
-              <a:latin typeface="Source Sans Pro Semibold"/>
-            </a:endParaRPr>
-          </a:p>
-        </p:txBody>
-      </p:sp>
-      <p:sp>
-        <p:nvSpPr>
-          <p:cNvPr id="70" name="PlaceHolder 3"/>
+            <a:endParaRPr b="0" lang="en-GB" sz="3200" spc="-1" strike="noStrike">
+              <a:latin typeface="Arial"/>
+            </a:endParaRPr>
+          </a:p>
+        </p:txBody>
+      </p:sp>
+      <p:sp>
+        <p:nvSpPr>
+          <p:cNvPr id="65" name="PlaceHolder 3"/>
           <p:cNvSpPr>
             <a:spLocks noGrp="1"/>
           </p:cNvSpPr>
@@ -1532,8 +1435,8 @@
         </p:nvSpPr>
         <p:spPr>
           <a:xfrm>
-            <a:off x="5155920" y="1485000"/>
-            <a:ext cx="4567320" cy="1802880"/>
+            <a:off x="5152680" y="1326600"/>
+            <a:ext cx="4426920" cy="1568520"/>
           </a:xfrm>
           <a:prstGeom prst="rect">
             <a:avLst/>
@@ -1544,18 +1447,15 @@
             <a:normAutofit/>
           </a:bodyPr>
           <a:p>
-            <a:endParaRPr b="1" lang="en-GB" sz="2400" spc="-1" strike="noStrike">
-              <a:solidFill>
-                <a:srgbClr val="2c3e50"/>
-              </a:solidFill>
-              <a:latin typeface="Source Sans Pro Semibold"/>
-            </a:endParaRPr>
-          </a:p>
-        </p:txBody>
-      </p:sp>
-      <p:sp>
-        <p:nvSpPr>
-          <p:cNvPr id="71" name="PlaceHolder 4"/>
+            <a:endParaRPr b="0" lang="en-GB" sz="3200" spc="-1" strike="noStrike">
+              <a:latin typeface="Arial"/>
+            </a:endParaRPr>
+          </a:p>
+        </p:txBody>
+      </p:sp>
+      <p:sp>
+        <p:nvSpPr>
+          <p:cNvPr id="66" name="PlaceHolder 4"/>
           <p:cNvSpPr>
             <a:spLocks noGrp="1"/>
           </p:cNvSpPr>
@@ -1565,8 +1465,8 @@
         </p:nvSpPr>
         <p:spPr>
           <a:xfrm>
-            <a:off x="360000" y="3459600"/>
-            <a:ext cx="9360000" cy="1802880"/>
+            <a:off x="504000" y="3044520"/>
+            <a:ext cx="9072000" cy="1568520"/>
           </a:xfrm>
           <a:prstGeom prst="rect">
             <a:avLst/>
@@ -1577,11 +1477,8 @@
             <a:normAutofit/>
           </a:bodyPr>
           <a:p>
-            <a:endParaRPr b="1" lang="en-GB" sz="2400" spc="-1" strike="noStrike">
-              <a:solidFill>
-                <a:srgbClr val="2c3e50"/>
-              </a:solidFill>
-              <a:latin typeface="Source Sans Pro Semibold"/>
+            <a:endParaRPr b="0" lang="en-GB" sz="3200" spc="-1" strike="noStrike">
+              <a:latin typeface="Arial"/>
             </a:endParaRPr>
           </a:p>
         </p:txBody>
@@ -1610,7 +1507,7 @@
       </p:grpSpPr>
       <p:sp>
         <p:nvSpPr>
-          <p:cNvPr id="72" name="PlaceHolder 1"/>
+          <p:cNvPr id="67" name="PlaceHolder 1"/>
           <p:cNvSpPr>
             <a:spLocks noGrp="1"/>
           </p:cNvSpPr>
@@ -1620,8 +1517,8 @@
         </p:nvSpPr>
         <p:spPr>
           <a:xfrm>
-            <a:off x="360000" y="225720"/>
-            <a:ext cx="9360000" cy="718920"/>
+            <a:off x="504000" y="226080"/>
+            <a:ext cx="9072000" cy="946440"/>
           </a:xfrm>
           <a:prstGeom prst="rect">
             <a:avLst/>
@@ -1632,18 +1529,16 @@
             <a:noAutofit/>
           </a:bodyPr>
           <a:p>
-            <a:endParaRPr b="1" lang="en-GB" sz="2700" spc="-1" strike="noStrike">
-              <a:solidFill>
-                <a:srgbClr val="ffffff"/>
-              </a:solidFill>
-              <a:latin typeface="Source Sans Pro Black"/>
-            </a:endParaRPr>
-          </a:p>
-        </p:txBody>
-      </p:sp>
-      <p:sp>
-        <p:nvSpPr>
-          <p:cNvPr id="73" name="PlaceHolder 2"/>
+            <a:pPr algn="ctr"/>
+            <a:endParaRPr b="0" lang="en-GB" sz="4400" spc="-1" strike="noStrike">
+              <a:latin typeface="Arial"/>
+            </a:endParaRPr>
+          </a:p>
+        </p:txBody>
+      </p:sp>
+      <p:sp>
+        <p:nvSpPr>
+          <p:cNvPr id="68" name="PlaceHolder 2"/>
           <p:cNvSpPr>
             <a:spLocks noGrp="1"/>
           </p:cNvSpPr>
@@ -1653,8 +1548,8 @@
         </p:nvSpPr>
         <p:spPr>
           <a:xfrm>
-            <a:off x="360000" y="1485000"/>
-            <a:ext cx="9360000" cy="1802880"/>
+            <a:off x="504000" y="1326600"/>
+            <a:ext cx="9072000" cy="1568520"/>
           </a:xfrm>
           <a:prstGeom prst="rect">
             <a:avLst/>
@@ -1665,18 +1560,15 @@
             <a:normAutofit/>
           </a:bodyPr>
           <a:p>
-            <a:endParaRPr b="1" lang="en-GB" sz="2400" spc="-1" strike="noStrike">
-              <a:solidFill>
-                <a:srgbClr val="2c3e50"/>
-              </a:solidFill>
-              <a:latin typeface="Source Sans Pro Semibold"/>
-            </a:endParaRPr>
-          </a:p>
-        </p:txBody>
-      </p:sp>
-      <p:sp>
-        <p:nvSpPr>
-          <p:cNvPr id="74" name="PlaceHolder 3"/>
+            <a:endParaRPr b="0" lang="en-GB" sz="3200" spc="-1" strike="noStrike">
+              <a:latin typeface="Arial"/>
+            </a:endParaRPr>
+          </a:p>
+        </p:txBody>
+      </p:sp>
+      <p:sp>
+        <p:nvSpPr>
+          <p:cNvPr id="69" name="PlaceHolder 3"/>
           <p:cNvSpPr>
             <a:spLocks noGrp="1"/>
           </p:cNvSpPr>
@@ -1686,8 +1578,8 @@
         </p:nvSpPr>
         <p:spPr>
           <a:xfrm>
-            <a:off x="360000" y="3459600"/>
-            <a:ext cx="9360000" cy="1802880"/>
+            <a:off x="504000" y="3044520"/>
+            <a:ext cx="9072000" cy="1568520"/>
           </a:xfrm>
           <a:prstGeom prst="rect">
             <a:avLst/>
@@ -1698,11 +1590,8 @@
             <a:normAutofit/>
           </a:bodyPr>
           <a:p>
-            <a:endParaRPr b="1" lang="en-GB" sz="2400" spc="-1" strike="noStrike">
-              <a:solidFill>
-                <a:srgbClr val="2c3e50"/>
-              </a:solidFill>
-              <a:latin typeface="Source Sans Pro Semibold"/>
+            <a:endParaRPr b="0" lang="en-GB" sz="3200" spc="-1" strike="noStrike">
+              <a:latin typeface="Arial"/>
             </a:endParaRPr>
           </a:p>
         </p:txBody>
@@ -1731,7 +1620,7 @@
       </p:grpSpPr>
       <p:sp>
         <p:nvSpPr>
-          <p:cNvPr id="75" name="PlaceHolder 1"/>
+          <p:cNvPr id="70" name="PlaceHolder 1"/>
           <p:cNvSpPr>
             <a:spLocks noGrp="1"/>
           </p:cNvSpPr>
@@ -1741,8 +1630,8 @@
         </p:nvSpPr>
         <p:spPr>
           <a:xfrm>
-            <a:off x="360000" y="225720"/>
-            <a:ext cx="9360000" cy="718920"/>
+            <a:off x="504000" y="226080"/>
+            <a:ext cx="9072000" cy="946440"/>
           </a:xfrm>
           <a:prstGeom prst="rect">
             <a:avLst/>
@@ -1753,18 +1642,16 @@
             <a:noAutofit/>
           </a:bodyPr>
           <a:p>
-            <a:endParaRPr b="1" lang="en-GB" sz="2700" spc="-1" strike="noStrike">
-              <a:solidFill>
-                <a:srgbClr val="ffffff"/>
-              </a:solidFill>
-              <a:latin typeface="Source Sans Pro Black"/>
-            </a:endParaRPr>
-          </a:p>
-        </p:txBody>
-      </p:sp>
-      <p:sp>
-        <p:nvSpPr>
-          <p:cNvPr id="76" name="PlaceHolder 2"/>
+            <a:pPr algn="ctr"/>
+            <a:endParaRPr b="0" lang="en-GB" sz="4400" spc="-1" strike="noStrike">
+              <a:latin typeface="Arial"/>
+            </a:endParaRPr>
+          </a:p>
+        </p:txBody>
+      </p:sp>
+      <p:sp>
+        <p:nvSpPr>
+          <p:cNvPr id="71" name="PlaceHolder 2"/>
           <p:cNvSpPr>
             <a:spLocks noGrp="1"/>
           </p:cNvSpPr>
@@ -1774,8 +1661,8 @@
         </p:nvSpPr>
         <p:spPr>
           <a:xfrm>
-            <a:off x="360000" y="1485000"/>
-            <a:ext cx="4567320" cy="1802880"/>
+            <a:off x="504000" y="1326600"/>
+            <a:ext cx="4426920" cy="1568520"/>
           </a:xfrm>
           <a:prstGeom prst="rect">
             <a:avLst/>
@@ -1786,18 +1673,15 @@
             <a:normAutofit/>
           </a:bodyPr>
           <a:p>
-            <a:endParaRPr b="1" lang="en-GB" sz="2400" spc="-1" strike="noStrike">
-              <a:solidFill>
-                <a:srgbClr val="2c3e50"/>
-              </a:solidFill>
-              <a:latin typeface="Source Sans Pro Semibold"/>
-            </a:endParaRPr>
-          </a:p>
-        </p:txBody>
-      </p:sp>
-      <p:sp>
-        <p:nvSpPr>
-          <p:cNvPr id="77" name="PlaceHolder 3"/>
+            <a:endParaRPr b="0" lang="en-GB" sz="3200" spc="-1" strike="noStrike">
+              <a:latin typeface="Arial"/>
+            </a:endParaRPr>
+          </a:p>
+        </p:txBody>
+      </p:sp>
+      <p:sp>
+        <p:nvSpPr>
+          <p:cNvPr id="72" name="PlaceHolder 3"/>
           <p:cNvSpPr>
             <a:spLocks noGrp="1"/>
           </p:cNvSpPr>
@@ -1807,8 +1691,8 @@
         </p:nvSpPr>
         <p:spPr>
           <a:xfrm>
-            <a:off x="5155920" y="1485000"/>
-            <a:ext cx="4567320" cy="1802880"/>
+            <a:off x="5152680" y="1326600"/>
+            <a:ext cx="4426920" cy="1568520"/>
           </a:xfrm>
           <a:prstGeom prst="rect">
             <a:avLst/>
@@ -1819,18 +1703,15 @@
             <a:normAutofit/>
           </a:bodyPr>
           <a:p>
-            <a:endParaRPr b="1" lang="en-GB" sz="2400" spc="-1" strike="noStrike">
-              <a:solidFill>
-                <a:srgbClr val="2c3e50"/>
-              </a:solidFill>
-              <a:latin typeface="Source Sans Pro Semibold"/>
-            </a:endParaRPr>
-          </a:p>
-        </p:txBody>
-      </p:sp>
-      <p:sp>
-        <p:nvSpPr>
-          <p:cNvPr id="78" name="PlaceHolder 4"/>
+            <a:endParaRPr b="0" lang="en-GB" sz="3200" spc="-1" strike="noStrike">
+              <a:latin typeface="Arial"/>
+            </a:endParaRPr>
+          </a:p>
+        </p:txBody>
+      </p:sp>
+      <p:sp>
+        <p:nvSpPr>
+          <p:cNvPr id="73" name="PlaceHolder 4"/>
           <p:cNvSpPr>
             <a:spLocks noGrp="1"/>
           </p:cNvSpPr>
@@ -1840,8 +1721,8 @@
         </p:nvSpPr>
         <p:spPr>
           <a:xfrm>
-            <a:off x="360000" y="3459600"/>
-            <a:ext cx="4567320" cy="1802880"/>
+            <a:off x="504000" y="3044520"/>
+            <a:ext cx="4426920" cy="1568520"/>
           </a:xfrm>
           <a:prstGeom prst="rect">
             <a:avLst/>
@@ -1852,18 +1733,15 @@
             <a:normAutofit/>
           </a:bodyPr>
           <a:p>
-            <a:endParaRPr b="1" lang="en-GB" sz="2400" spc="-1" strike="noStrike">
-              <a:solidFill>
-                <a:srgbClr val="2c3e50"/>
-              </a:solidFill>
-              <a:latin typeface="Source Sans Pro Semibold"/>
-            </a:endParaRPr>
-          </a:p>
-        </p:txBody>
-      </p:sp>
-      <p:sp>
-        <p:nvSpPr>
-          <p:cNvPr id="79" name="PlaceHolder 5"/>
+            <a:endParaRPr b="0" lang="en-GB" sz="3200" spc="-1" strike="noStrike">
+              <a:latin typeface="Arial"/>
+            </a:endParaRPr>
+          </a:p>
+        </p:txBody>
+      </p:sp>
+      <p:sp>
+        <p:nvSpPr>
+          <p:cNvPr id="74" name="PlaceHolder 5"/>
           <p:cNvSpPr>
             <a:spLocks noGrp="1"/>
           </p:cNvSpPr>
@@ -1873,8 +1751,8 @@
         </p:nvSpPr>
         <p:spPr>
           <a:xfrm>
-            <a:off x="5155920" y="3459600"/>
-            <a:ext cx="4567320" cy="1802880"/>
+            <a:off x="5152680" y="3044520"/>
+            <a:ext cx="4426920" cy="1568520"/>
           </a:xfrm>
           <a:prstGeom prst="rect">
             <a:avLst/>
@@ -1885,11 +1763,8 @@
             <a:normAutofit/>
           </a:bodyPr>
           <a:p>
-            <a:endParaRPr b="1" lang="en-GB" sz="2400" spc="-1" strike="noStrike">
-              <a:solidFill>
-                <a:srgbClr val="2c3e50"/>
-              </a:solidFill>
-              <a:latin typeface="Source Sans Pro Semibold"/>
+            <a:endParaRPr b="0" lang="en-GB" sz="3200" spc="-1" strike="noStrike">
+              <a:latin typeface="Arial"/>
             </a:endParaRPr>
           </a:p>
         </p:txBody>
@@ -1918,7 +1793,7 @@
       </p:grpSpPr>
       <p:sp>
         <p:nvSpPr>
-          <p:cNvPr id="80" name="PlaceHolder 1"/>
+          <p:cNvPr id="75" name="PlaceHolder 1"/>
           <p:cNvSpPr>
             <a:spLocks noGrp="1"/>
           </p:cNvSpPr>
@@ -1928,8 +1803,8 @@
         </p:nvSpPr>
         <p:spPr>
           <a:xfrm>
-            <a:off x="360000" y="225720"/>
-            <a:ext cx="9360000" cy="718920"/>
+            <a:off x="504000" y="226080"/>
+            <a:ext cx="9072000" cy="946440"/>
           </a:xfrm>
           <a:prstGeom prst="rect">
             <a:avLst/>
@@ -1940,18 +1815,16 @@
             <a:noAutofit/>
           </a:bodyPr>
           <a:p>
-            <a:endParaRPr b="1" lang="en-GB" sz="2700" spc="-1" strike="noStrike">
-              <a:solidFill>
-                <a:srgbClr val="ffffff"/>
-              </a:solidFill>
-              <a:latin typeface="Source Sans Pro Black"/>
-            </a:endParaRPr>
-          </a:p>
-        </p:txBody>
-      </p:sp>
-      <p:sp>
-        <p:nvSpPr>
-          <p:cNvPr id="81" name="PlaceHolder 2"/>
+            <a:pPr algn="ctr"/>
+            <a:endParaRPr b="0" lang="en-GB" sz="4400" spc="-1" strike="noStrike">
+              <a:latin typeface="Arial"/>
+            </a:endParaRPr>
+          </a:p>
+        </p:txBody>
+      </p:sp>
+      <p:sp>
+        <p:nvSpPr>
+          <p:cNvPr id="76" name="PlaceHolder 2"/>
           <p:cNvSpPr>
             <a:spLocks noGrp="1"/>
           </p:cNvSpPr>
@@ -1961,8 +1834,8 @@
         </p:nvSpPr>
         <p:spPr>
           <a:xfrm>
-            <a:off x="360000" y="1485000"/>
-            <a:ext cx="3013560" cy="1802880"/>
+            <a:off x="504000" y="1326600"/>
+            <a:ext cx="2921040" cy="1568520"/>
           </a:xfrm>
           <a:prstGeom prst="rect">
             <a:avLst/>
@@ -1973,18 +1846,15 @@
             <a:normAutofit/>
           </a:bodyPr>
           <a:p>
-            <a:endParaRPr b="1" lang="en-GB" sz="2400" spc="-1" strike="noStrike">
-              <a:solidFill>
-                <a:srgbClr val="2c3e50"/>
-              </a:solidFill>
-              <a:latin typeface="Source Sans Pro Semibold"/>
-            </a:endParaRPr>
-          </a:p>
-        </p:txBody>
-      </p:sp>
-      <p:sp>
-        <p:nvSpPr>
-          <p:cNvPr id="82" name="PlaceHolder 3"/>
+            <a:endParaRPr b="0" lang="en-GB" sz="3200" spc="-1" strike="noStrike">
+              <a:latin typeface="Arial"/>
+            </a:endParaRPr>
+          </a:p>
+        </p:txBody>
+      </p:sp>
+      <p:sp>
+        <p:nvSpPr>
+          <p:cNvPr id="77" name="PlaceHolder 3"/>
           <p:cNvSpPr>
             <a:spLocks noGrp="1"/>
           </p:cNvSpPr>
@@ -1994,8 +1864,8 @@
         </p:nvSpPr>
         <p:spPr>
           <a:xfrm>
-            <a:off x="3524760" y="1485000"/>
-            <a:ext cx="3013560" cy="1802880"/>
+            <a:off x="3571560" y="1326600"/>
+            <a:ext cx="2921040" cy="1568520"/>
           </a:xfrm>
           <a:prstGeom prst="rect">
             <a:avLst/>
@@ -2006,18 +1876,15 @@
             <a:normAutofit/>
           </a:bodyPr>
           <a:p>
-            <a:endParaRPr b="1" lang="en-GB" sz="2400" spc="-1" strike="noStrike">
-              <a:solidFill>
-                <a:srgbClr val="2c3e50"/>
-              </a:solidFill>
-              <a:latin typeface="Source Sans Pro Semibold"/>
-            </a:endParaRPr>
-          </a:p>
-        </p:txBody>
-      </p:sp>
-      <p:sp>
-        <p:nvSpPr>
-          <p:cNvPr id="83" name="PlaceHolder 4"/>
+            <a:endParaRPr b="0" lang="en-GB" sz="3200" spc="-1" strike="noStrike">
+              <a:latin typeface="Arial"/>
+            </a:endParaRPr>
+          </a:p>
+        </p:txBody>
+      </p:sp>
+      <p:sp>
+        <p:nvSpPr>
+          <p:cNvPr id="78" name="PlaceHolder 4"/>
           <p:cNvSpPr>
             <a:spLocks noGrp="1"/>
           </p:cNvSpPr>
@@ -2027,8 +1894,8 @@
         </p:nvSpPr>
         <p:spPr>
           <a:xfrm>
-            <a:off x="6689160" y="1485000"/>
-            <a:ext cx="3013560" cy="1802880"/>
+            <a:off x="6639120" y="1326600"/>
+            <a:ext cx="2921040" cy="1568520"/>
           </a:xfrm>
           <a:prstGeom prst="rect">
             <a:avLst/>
@@ -2039,18 +1906,15 @@
             <a:normAutofit/>
           </a:bodyPr>
           <a:p>
-            <a:endParaRPr b="1" lang="en-GB" sz="2400" spc="-1" strike="noStrike">
-              <a:solidFill>
-                <a:srgbClr val="2c3e50"/>
-              </a:solidFill>
-              <a:latin typeface="Source Sans Pro Semibold"/>
-            </a:endParaRPr>
-          </a:p>
-        </p:txBody>
-      </p:sp>
-      <p:sp>
-        <p:nvSpPr>
-          <p:cNvPr id="84" name="PlaceHolder 5"/>
+            <a:endParaRPr b="0" lang="en-GB" sz="3200" spc="-1" strike="noStrike">
+              <a:latin typeface="Arial"/>
+            </a:endParaRPr>
+          </a:p>
+        </p:txBody>
+      </p:sp>
+      <p:sp>
+        <p:nvSpPr>
+          <p:cNvPr id="79" name="PlaceHolder 5"/>
           <p:cNvSpPr>
             <a:spLocks noGrp="1"/>
           </p:cNvSpPr>
@@ -2060,8 +1924,8 @@
         </p:nvSpPr>
         <p:spPr>
           <a:xfrm>
-            <a:off x="360000" y="3459600"/>
-            <a:ext cx="3013560" cy="1802880"/>
+            <a:off x="504000" y="3044520"/>
+            <a:ext cx="2921040" cy="1568520"/>
           </a:xfrm>
           <a:prstGeom prst="rect">
             <a:avLst/>
@@ -2072,18 +1936,15 @@
             <a:normAutofit/>
           </a:bodyPr>
           <a:p>
-            <a:endParaRPr b="1" lang="en-GB" sz="2400" spc="-1" strike="noStrike">
-              <a:solidFill>
-                <a:srgbClr val="2c3e50"/>
-              </a:solidFill>
-              <a:latin typeface="Source Sans Pro Semibold"/>
-            </a:endParaRPr>
-          </a:p>
-        </p:txBody>
-      </p:sp>
-      <p:sp>
-        <p:nvSpPr>
-          <p:cNvPr id="85" name="PlaceHolder 6"/>
+            <a:endParaRPr b="0" lang="en-GB" sz="3200" spc="-1" strike="noStrike">
+              <a:latin typeface="Arial"/>
+            </a:endParaRPr>
+          </a:p>
+        </p:txBody>
+      </p:sp>
+      <p:sp>
+        <p:nvSpPr>
+          <p:cNvPr id="80" name="PlaceHolder 6"/>
           <p:cNvSpPr>
             <a:spLocks noGrp="1"/>
           </p:cNvSpPr>
@@ -2093,8 +1954,8 @@
         </p:nvSpPr>
         <p:spPr>
           <a:xfrm>
-            <a:off x="3524760" y="3459600"/>
-            <a:ext cx="3013560" cy="1802880"/>
+            <a:off x="3571560" y="3044520"/>
+            <a:ext cx="2921040" cy="1568520"/>
           </a:xfrm>
           <a:prstGeom prst="rect">
             <a:avLst/>
@@ -2105,18 +1966,15 @@
             <a:normAutofit/>
           </a:bodyPr>
           <a:p>
-            <a:endParaRPr b="1" lang="en-GB" sz="2400" spc="-1" strike="noStrike">
-              <a:solidFill>
-                <a:srgbClr val="2c3e50"/>
-              </a:solidFill>
-              <a:latin typeface="Source Sans Pro Semibold"/>
-            </a:endParaRPr>
-          </a:p>
-        </p:txBody>
-      </p:sp>
-      <p:sp>
-        <p:nvSpPr>
-          <p:cNvPr id="86" name="PlaceHolder 7"/>
+            <a:endParaRPr b="0" lang="en-GB" sz="3200" spc="-1" strike="noStrike">
+              <a:latin typeface="Arial"/>
+            </a:endParaRPr>
+          </a:p>
+        </p:txBody>
+      </p:sp>
+      <p:sp>
+        <p:nvSpPr>
+          <p:cNvPr id="81" name="PlaceHolder 7"/>
           <p:cNvSpPr>
             <a:spLocks noGrp="1"/>
           </p:cNvSpPr>
@@ -2126,8 +1984,8 @@
         </p:nvSpPr>
         <p:spPr>
           <a:xfrm>
-            <a:off x="6689160" y="3459600"/>
-            <a:ext cx="3013560" cy="1802880"/>
+            <a:off x="6639120" y="3044520"/>
+            <a:ext cx="2921040" cy="1568520"/>
           </a:xfrm>
           <a:prstGeom prst="rect">
             <a:avLst/>
@@ -2138,11 +1996,8 @@
             <a:normAutofit/>
           </a:bodyPr>
           <a:p>
-            <a:endParaRPr b="1" lang="en-GB" sz="2400" spc="-1" strike="noStrike">
-              <a:solidFill>
-                <a:srgbClr val="2c3e50"/>
-              </a:solidFill>
-              <a:latin typeface="Source Sans Pro Semibold"/>
+            <a:endParaRPr b="0" lang="en-GB" sz="3200" spc="-1" strike="noStrike">
+              <a:latin typeface="Arial"/>
             </a:endParaRPr>
           </a:p>
         </p:txBody>
@@ -2193,7 +2048,7 @@
       </p:grpSpPr>
       <p:sp>
         <p:nvSpPr>
-          <p:cNvPr id="94" name="PlaceHolder 1"/>
+          <p:cNvPr id="86" name="PlaceHolder 1"/>
           <p:cNvSpPr>
             <a:spLocks noGrp="1"/>
           </p:cNvSpPr>
@@ -2203,8 +2058,8 @@
         </p:nvSpPr>
         <p:spPr>
           <a:xfrm>
-            <a:off x="360000" y="225720"/>
-            <a:ext cx="9360000" cy="718920"/>
+            <a:off x="504000" y="226080"/>
+            <a:ext cx="9072000" cy="946440"/>
           </a:xfrm>
           <a:prstGeom prst="rect">
             <a:avLst/>
@@ -2215,18 +2070,16 @@
             <a:noAutofit/>
           </a:bodyPr>
           <a:p>
-            <a:endParaRPr b="1" lang="en-GB" sz="2700" spc="-1" strike="noStrike">
-              <a:solidFill>
-                <a:srgbClr val="ffffff"/>
-              </a:solidFill>
-              <a:latin typeface="Source Sans Pro Black"/>
-            </a:endParaRPr>
-          </a:p>
-        </p:txBody>
-      </p:sp>
-      <p:sp>
-        <p:nvSpPr>
-          <p:cNvPr id="95" name="PlaceHolder 2"/>
+            <a:pPr algn="ctr"/>
+            <a:endParaRPr b="0" lang="en-GB" sz="4400" spc="-1" strike="noStrike">
+              <a:latin typeface="Arial"/>
+            </a:endParaRPr>
+          </a:p>
+        </p:txBody>
+      </p:sp>
+      <p:sp>
+        <p:nvSpPr>
+          <p:cNvPr id="87" name="PlaceHolder 2"/>
           <p:cNvSpPr>
             <a:spLocks noGrp="1"/>
           </p:cNvSpPr>
@@ -2236,8 +2089,8 @@
         </p:nvSpPr>
         <p:spPr>
           <a:xfrm>
-            <a:off x="360000" y="1485000"/>
-            <a:ext cx="9360000" cy="3780000"/>
+            <a:off x="504000" y="1326600"/>
+            <a:ext cx="9072000" cy="3288600"/>
           </a:xfrm>
           <a:prstGeom prst="rect">
             <a:avLst/>
@@ -2250,10 +2103,7 @@
           <a:p>
             <a:pPr algn="ctr"/>
             <a:endParaRPr b="0" lang="en-GB" sz="3200" spc="-1" strike="noStrike">
-              <a:solidFill>
-                <a:srgbClr val="2c3e50"/>
-              </a:solidFill>
-              <a:latin typeface="Source Sans Pro"/>
+              <a:latin typeface="Arial"/>
             </a:endParaRPr>
           </a:p>
         </p:txBody>
@@ -2282,7 +2132,7 @@
       </p:grpSpPr>
       <p:sp>
         <p:nvSpPr>
-          <p:cNvPr id="96" name="PlaceHolder 1"/>
+          <p:cNvPr id="88" name="PlaceHolder 1"/>
           <p:cNvSpPr>
             <a:spLocks noGrp="1"/>
           </p:cNvSpPr>
@@ -2292,8 +2142,8 @@
         </p:nvSpPr>
         <p:spPr>
           <a:xfrm>
-            <a:off x="360000" y="225720"/>
-            <a:ext cx="9360000" cy="718920"/>
+            <a:off x="504000" y="226080"/>
+            <a:ext cx="9072000" cy="946440"/>
           </a:xfrm>
           <a:prstGeom prst="rect">
             <a:avLst/>
@@ -2304,18 +2154,16 @@
             <a:noAutofit/>
           </a:bodyPr>
           <a:p>
-            <a:endParaRPr b="1" lang="en-GB" sz="2700" spc="-1" strike="noStrike">
-              <a:solidFill>
-                <a:srgbClr val="ffffff"/>
-              </a:solidFill>
-              <a:latin typeface="Source Sans Pro Black"/>
-            </a:endParaRPr>
-          </a:p>
-        </p:txBody>
-      </p:sp>
-      <p:sp>
-        <p:nvSpPr>
-          <p:cNvPr id="97" name="PlaceHolder 2"/>
+            <a:pPr algn="ctr"/>
+            <a:endParaRPr b="0" lang="en-GB" sz="4400" spc="-1" strike="noStrike">
+              <a:latin typeface="Arial"/>
+            </a:endParaRPr>
+          </a:p>
+        </p:txBody>
+      </p:sp>
+      <p:sp>
+        <p:nvSpPr>
+          <p:cNvPr id="89" name="PlaceHolder 2"/>
           <p:cNvSpPr>
             <a:spLocks noGrp="1"/>
           </p:cNvSpPr>
@@ -2325,8 +2173,8 @@
         </p:nvSpPr>
         <p:spPr>
           <a:xfrm>
-            <a:off x="360000" y="1485000"/>
-            <a:ext cx="9360000" cy="3780000"/>
+            <a:off x="504000" y="1326600"/>
+            <a:ext cx="9072000" cy="3288600"/>
           </a:xfrm>
           <a:prstGeom prst="rect">
             <a:avLst/>
@@ -2337,11 +2185,8 @@
             <a:normAutofit/>
           </a:bodyPr>
           <a:p>
-            <a:endParaRPr b="1" lang="en-GB" sz="2400" spc="-1" strike="noStrike">
-              <a:solidFill>
-                <a:srgbClr val="2c3e50"/>
-              </a:solidFill>
-              <a:latin typeface="Source Sans Pro Semibold"/>
+            <a:endParaRPr b="0" lang="en-GB" sz="3200" spc="-1" strike="noStrike">
+              <a:latin typeface="Arial"/>
             </a:endParaRPr>
           </a:p>
         </p:txBody>
@@ -2370,7 +2215,7 @@
       </p:grpSpPr>
       <p:sp>
         <p:nvSpPr>
-          <p:cNvPr id="98" name="PlaceHolder 1"/>
+          <p:cNvPr id="90" name="PlaceHolder 1"/>
           <p:cNvSpPr>
             <a:spLocks noGrp="1"/>
           </p:cNvSpPr>
@@ -2380,8 +2225,8 @@
         </p:nvSpPr>
         <p:spPr>
           <a:xfrm>
-            <a:off x="360000" y="225720"/>
-            <a:ext cx="9360000" cy="718920"/>
+            <a:off x="504000" y="226080"/>
+            <a:ext cx="9072000" cy="946440"/>
           </a:xfrm>
           <a:prstGeom prst="rect">
             <a:avLst/>
@@ -2392,18 +2237,16 @@
             <a:noAutofit/>
           </a:bodyPr>
           <a:p>
-            <a:endParaRPr b="1" lang="en-GB" sz="2700" spc="-1" strike="noStrike">
-              <a:solidFill>
-                <a:srgbClr val="ffffff"/>
-              </a:solidFill>
-              <a:latin typeface="Source Sans Pro Black"/>
-            </a:endParaRPr>
-          </a:p>
-        </p:txBody>
-      </p:sp>
-      <p:sp>
-        <p:nvSpPr>
-          <p:cNvPr id="99" name="PlaceHolder 2"/>
+            <a:pPr algn="ctr"/>
+            <a:endParaRPr b="0" lang="en-GB" sz="4400" spc="-1" strike="noStrike">
+              <a:latin typeface="Arial"/>
+            </a:endParaRPr>
+          </a:p>
+        </p:txBody>
+      </p:sp>
+      <p:sp>
+        <p:nvSpPr>
+          <p:cNvPr id="91" name="PlaceHolder 2"/>
           <p:cNvSpPr>
             <a:spLocks noGrp="1"/>
           </p:cNvSpPr>
@@ -2413,8 +2256,8 @@
         </p:nvSpPr>
         <p:spPr>
           <a:xfrm>
-            <a:off x="360000" y="1485000"/>
-            <a:ext cx="4567320" cy="3780000"/>
+            <a:off x="504000" y="1326600"/>
+            <a:ext cx="4426920" cy="3288600"/>
           </a:xfrm>
           <a:prstGeom prst="rect">
             <a:avLst/>
@@ -2425,18 +2268,15 @@
             <a:normAutofit/>
           </a:bodyPr>
           <a:p>
-            <a:endParaRPr b="1" lang="en-GB" sz="2400" spc="-1" strike="noStrike">
-              <a:solidFill>
-                <a:srgbClr val="2c3e50"/>
-              </a:solidFill>
-              <a:latin typeface="Source Sans Pro Semibold"/>
-            </a:endParaRPr>
-          </a:p>
-        </p:txBody>
-      </p:sp>
-      <p:sp>
-        <p:nvSpPr>
-          <p:cNvPr id="100" name="PlaceHolder 3"/>
+            <a:endParaRPr b="0" lang="en-GB" sz="3200" spc="-1" strike="noStrike">
+              <a:latin typeface="Arial"/>
+            </a:endParaRPr>
+          </a:p>
+        </p:txBody>
+      </p:sp>
+      <p:sp>
+        <p:nvSpPr>
+          <p:cNvPr id="92" name="PlaceHolder 3"/>
           <p:cNvSpPr>
             <a:spLocks noGrp="1"/>
           </p:cNvSpPr>
@@ -2446,8 +2286,8 @@
         </p:nvSpPr>
         <p:spPr>
           <a:xfrm>
-            <a:off x="5155920" y="1485000"/>
-            <a:ext cx="4567320" cy="3780000"/>
+            <a:off x="5152680" y="1326600"/>
+            <a:ext cx="4426920" cy="3288600"/>
           </a:xfrm>
           <a:prstGeom prst="rect">
             <a:avLst/>
@@ -2458,11 +2298,8 @@
             <a:normAutofit/>
           </a:bodyPr>
           <a:p>
-            <a:endParaRPr b="1" lang="en-GB" sz="2400" spc="-1" strike="noStrike">
-              <a:solidFill>
-                <a:srgbClr val="2c3e50"/>
-              </a:solidFill>
-              <a:latin typeface="Source Sans Pro Semibold"/>
+            <a:endParaRPr b="0" lang="en-GB" sz="3200" spc="-1" strike="noStrike">
+              <a:latin typeface="Arial"/>
             </a:endParaRPr>
           </a:p>
         </p:txBody>
@@ -2491,7 +2328,7 @@
       </p:grpSpPr>
       <p:sp>
         <p:nvSpPr>
-          <p:cNvPr id="101" name="PlaceHolder 1"/>
+          <p:cNvPr id="93" name="PlaceHolder 1"/>
           <p:cNvSpPr>
             <a:spLocks noGrp="1"/>
           </p:cNvSpPr>
@@ -2501,8 +2338,8 @@
         </p:nvSpPr>
         <p:spPr>
           <a:xfrm>
-            <a:off x="360000" y="225720"/>
-            <a:ext cx="9360000" cy="718920"/>
+            <a:off x="504000" y="226080"/>
+            <a:ext cx="9072000" cy="946440"/>
           </a:xfrm>
           <a:prstGeom prst="rect">
             <a:avLst/>
@@ -2513,11 +2350,9 @@
             <a:noAutofit/>
           </a:bodyPr>
           <a:p>
-            <a:endParaRPr b="1" lang="en-GB" sz="2700" spc="-1" strike="noStrike">
-              <a:solidFill>
-                <a:srgbClr val="ffffff"/>
-              </a:solidFill>
-              <a:latin typeface="Source Sans Pro Black"/>
+            <a:pPr algn="ctr"/>
+            <a:endParaRPr b="0" lang="en-GB" sz="4400" spc="-1" strike="noStrike">
+              <a:latin typeface="Arial"/>
             </a:endParaRPr>
           </a:p>
         </p:txBody>
@@ -2546,7 +2381,7 @@
       </p:grpSpPr>
       <p:sp>
         <p:nvSpPr>
-          <p:cNvPr id="10" name="PlaceHolder 1"/>
+          <p:cNvPr id="6" name="PlaceHolder 1"/>
           <p:cNvSpPr>
             <a:spLocks noGrp="1"/>
           </p:cNvSpPr>
@@ -2556,8 +2391,8 @@
         </p:nvSpPr>
         <p:spPr>
           <a:xfrm>
-            <a:off x="360000" y="225720"/>
-            <a:ext cx="9360000" cy="718920"/>
+            <a:off x="504000" y="226080"/>
+            <a:ext cx="9072000" cy="946440"/>
           </a:xfrm>
           <a:prstGeom prst="rect">
             <a:avLst/>
@@ -2568,18 +2403,16 @@
             <a:noAutofit/>
           </a:bodyPr>
           <a:p>
-            <a:endParaRPr b="1" lang="en-GB" sz="2700" spc="-1" strike="noStrike">
-              <a:solidFill>
-                <a:srgbClr val="ffffff"/>
-              </a:solidFill>
-              <a:latin typeface="Source Sans Pro Black"/>
-            </a:endParaRPr>
-          </a:p>
-        </p:txBody>
-      </p:sp>
-      <p:sp>
-        <p:nvSpPr>
-          <p:cNvPr id="11" name="PlaceHolder 2"/>
+            <a:pPr algn="ctr"/>
+            <a:endParaRPr b="0" lang="en-GB" sz="4400" spc="-1" strike="noStrike">
+              <a:latin typeface="Arial"/>
+            </a:endParaRPr>
+          </a:p>
+        </p:txBody>
+      </p:sp>
+      <p:sp>
+        <p:nvSpPr>
+          <p:cNvPr id="7" name="PlaceHolder 2"/>
           <p:cNvSpPr>
             <a:spLocks noGrp="1"/>
           </p:cNvSpPr>
@@ -2589,8 +2422,8 @@
         </p:nvSpPr>
         <p:spPr>
           <a:xfrm>
-            <a:off x="360000" y="1485000"/>
-            <a:ext cx="9360000" cy="3780000"/>
+            <a:off x="504000" y="1326600"/>
+            <a:ext cx="9072000" cy="3288600"/>
           </a:xfrm>
           <a:prstGeom prst="rect">
             <a:avLst/>
@@ -2601,11 +2434,8 @@
             <a:normAutofit/>
           </a:bodyPr>
           <a:p>
-            <a:endParaRPr b="1" lang="en-GB" sz="2400" spc="-1" strike="noStrike">
-              <a:solidFill>
-                <a:srgbClr val="2c3e50"/>
-              </a:solidFill>
-              <a:latin typeface="Source Sans Pro Semibold"/>
+            <a:endParaRPr b="0" lang="en-GB" sz="3200" spc="-1" strike="noStrike">
+              <a:latin typeface="Arial"/>
             </a:endParaRPr>
           </a:p>
         </p:txBody>
@@ -2634,7 +2464,7 @@
       </p:grpSpPr>
       <p:sp>
         <p:nvSpPr>
-          <p:cNvPr id="102" name="PlaceHolder 1"/>
+          <p:cNvPr id="94" name="PlaceHolder 1"/>
           <p:cNvSpPr>
             <a:spLocks noGrp="1"/>
           </p:cNvSpPr>
@@ -2644,8 +2474,8 @@
         </p:nvSpPr>
         <p:spPr>
           <a:xfrm>
-            <a:off x="360000" y="225720"/>
-            <a:ext cx="9360000" cy="3333960"/>
+            <a:off x="504000" y="226080"/>
+            <a:ext cx="9072000" cy="4388400"/>
           </a:xfrm>
           <a:prstGeom prst="rect">
             <a:avLst/>
@@ -2658,10 +2488,7 @@
           <a:p>
             <a:pPr algn="ctr"/>
             <a:endParaRPr b="0" lang="en-GB" sz="3200" spc="-1" strike="noStrike">
-              <a:solidFill>
-                <a:srgbClr val="2c3e50"/>
-              </a:solidFill>
-              <a:latin typeface="Source Sans Pro"/>
+              <a:latin typeface="Arial"/>
             </a:endParaRPr>
           </a:p>
         </p:txBody>
@@ -2690,7 +2517,7 @@
       </p:grpSpPr>
       <p:sp>
         <p:nvSpPr>
-          <p:cNvPr id="103" name="PlaceHolder 1"/>
+          <p:cNvPr id="95" name="PlaceHolder 1"/>
           <p:cNvSpPr>
             <a:spLocks noGrp="1"/>
           </p:cNvSpPr>
@@ -2700,8 +2527,8 @@
         </p:nvSpPr>
         <p:spPr>
           <a:xfrm>
-            <a:off x="360000" y="225720"/>
-            <a:ext cx="9360000" cy="718920"/>
+            <a:off x="504000" y="226080"/>
+            <a:ext cx="9072000" cy="946440"/>
           </a:xfrm>
           <a:prstGeom prst="rect">
             <a:avLst/>
@@ -2712,18 +2539,16 @@
             <a:noAutofit/>
           </a:bodyPr>
           <a:p>
-            <a:endParaRPr b="1" lang="en-GB" sz="2700" spc="-1" strike="noStrike">
-              <a:solidFill>
-                <a:srgbClr val="ffffff"/>
-              </a:solidFill>
-              <a:latin typeface="Source Sans Pro Black"/>
-            </a:endParaRPr>
-          </a:p>
-        </p:txBody>
-      </p:sp>
-      <p:sp>
-        <p:nvSpPr>
-          <p:cNvPr id="104" name="PlaceHolder 2"/>
+            <a:pPr algn="ctr"/>
+            <a:endParaRPr b="0" lang="en-GB" sz="4400" spc="-1" strike="noStrike">
+              <a:latin typeface="Arial"/>
+            </a:endParaRPr>
+          </a:p>
+        </p:txBody>
+      </p:sp>
+      <p:sp>
+        <p:nvSpPr>
+          <p:cNvPr id="96" name="PlaceHolder 2"/>
           <p:cNvSpPr>
             <a:spLocks noGrp="1"/>
           </p:cNvSpPr>
@@ -2733,8 +2558,8 @@
         </p:nvSpPr>
         <p:spPr>
           <a:xfrm>
-            <a:off x="360000" y="1485000"/>
-            <a:ext cx="4567320" cy="1802880"/>
+            <a:off x="504000" y="1326600"/>
+            <a:ext cx="4426920" cy="1568520"/>
           </a:xfrm>
           <a:prstGeom prst="rect">
             <a:avLst/>
@@ -2745,18 +2570,15 @@
             <a:normAutofit/>
           </a:bodyPr>
           <a:p>
-            <a:endParaRPr b="1" lang="en-GB" sz="2400" spc="-1" strike="noStrike">
-              <a:solidFill>
-                <a:srgbClr val="2c3e50"/>
-              </a:solidFill>
-              <a:latin typeface="Source Sans Pro Semibold"/>
-            </a:endParaRPr>
-          </a:p>
-        </p:txBody>
-      </p:sp>
-      <p:sp>
-        <p:nvSpPr>
-          <p:cNvPr id="105" name="PlaceHolder 3"/>
+            <a:endParaRPr b="0" lang="en-GB" sz="3200" spc="-1" strike="noStrike">
+              <a:latin typeface="Arial"/>
+            </a:endParaRPr>
+          </a:p>
+        </p:txBody>
+      </p:sp>
+      <p:sp>
+        <p:nvSpPr>
+          <p:cNvPr id="97" name="PlaceHolder 3"/>
           <p:cNvSpPr>
             <a:spLocks noGrp="1"/>
           </p:cNvSpPr>
@@ -2766,8 +2588,8 @@
         </p:nvSpPr>
         <p:spPr>
           <a:xfrm>
-            <a:off x="5155920" y="1485000"/>
-            <a:ext cx="4567320" cy="3780000"/>
+            <a:off x="5152680" y="1326600"/>
+            <a:ext cx="4426920" cy="3288600"/>
           </a:xfrm>
           <a:prstGeom prst="rect">
             <a:avLst/>
@@ -2778,18 +2600,15 @@
             <a:normAutofit/>
           </a:bodyPr>
           <a:p>
-            <a:endParaRPr b="1" lang="en-GB" sz="2400" spc="-1" strike="noStrike">
-              <a:solidFill>
-                <a:srgbClr val="2c3e50"/>
-              </a:solidFill>
-              <a:latin typeface="Source Sans Pro Semibold"/>
-            </a:endParaRPr>
-          </a:p>
-        </p:txBody>
-      </p:sp>
-      <p:sp>
-        <p:nvSpPr>
-          <p:cNvPr id="106" name="PlaceHolder 4"/>
+            <a:endParaRPr b="0" lang="en-GB" sz="3200" spc="-1" strike="noStrike">
+              <a:latin typeface="Arial"/>
+            </a:endParaRPr>
+          </a:p>
+        </p:txBody>
+      </p:sp>
+      <p:sp>
+        <p:nvSpPr>
+          <p:cNvPr id="98" name="PlaceHolder 4"/>
           <p:cNvSpPr>
             <a:spLocks noGrp="1"/>
           </p:cNvSpPr>
@@ -2799,8 +2618,8 @@
         </p:nvSpPr>
         <p:spPr>
           <a:xfrm>
-            <a:off x="360000" y="3459600"/>
-            <a:ext cx="4567320" cy="1802880"/>
+            <a:off x="504000" y="3044520"/>
+            <a:ext cx="4426920" cy="1568520"/>
           </a:xfrm>
           <a:prstGeom prst="rect">
             <a:avLst/>
@@ -2811,11 +2630,8 @@
             <a:normAutofit/>
           </a:bodyPr>
           <a:p>
-            <a:endParaRPr b="1" lang="en-GB" sz="2400" spc="-1" strike="noStrike">
-              <a:solidFill>
-                <a:srgbClr val="2c3e50"/>
-              </a:solidFill>
-              <a:latin typeface="Source Sans Pro Semibold"/>
+            <a:endParaRPr b="0" lang="en-GB" sz="3200" spc="-1" strike="noStrike">
+              <a:latin typeface="Arial"/>
             </a:endParaRPr>
           </a:p>
         </p:txBody>
@@ -2844,7 +2660,7 @@
       </p:grpSpPr>
       <p:sp>
         <p:nvSpPr>
-          <p:cNvPr id="107" name="PlaceHolder 1"/>
+          <p:cNvPr id="99" name="PlaceHolder 1"/>
           <p:cNvSpPr>
             <a:spLocks noGrp="1"/>
           </p:cNvSpPr>
@@ -2854,8 +2670,8 @@
         </p:nvSpPr>
         <p:spPr>
           <a:xfrm>
-            <a:off x="360000" y="225720"/>
-            <a:ext cx="9360000" cy="718920"/>
+            <a:off x="504000" y="226080"/>
+            <a:ext cx="9072000" cy="946440"/>
           </a:xfrm>
           <a:prstGeom prst="rect">
             <a:avLst/>
@@ -2866,18 +2682,16 @@
             <a:noAutofit/>
           </a:bodyPr>
           <a:p>
-            <a:endParaRPr b="1" lang="en-GB" sz="2700" spc="-1" strike="noStrike">
-              <a:solidFill>
-                <a:srgbClr val="ffffff"/>
-              </a:solidFill>
-              <a:latin typeface="Source Sans Pro Black"/>
-            </a:endParaRPr>
-          </a:p>
-        </p:txBody>
-      </p:sp>
-      <p:sp>
-        <p:nvSpPr>
-          <p:cNvPr id="108" name="PlaceHolder 2"/>
+            <a:pPr algn="ctr"/>
+            <a:endParaRPr b="0" lang="en-GB" sz="4400" spc="-1" strike="noStrike">
+              <a:latin typeface="Arial"/>
+            </a:endParaRPr>
+          </a:p>
+        </p:txBody>
+      </p:sp>
+      <p:sp>
+        <p:nvSpPr>
+          <p:cNvPr id="100" name="PlaceHolder 2"/>
           <p:cNvSpPr>
             <a:spLocks noGrp="1"/>
           </p:cNvSpPr>
@@ -2887,8 +2701,8 @@
         </p:nvSpPr>
         <p:spPr>
           <a:xfrm>
-            <a:off x="360000" y="1485000"/>
-            <a:ext cx="4567320" cy="3780000"/>
+            <a:off x="504000" y="1326600"/>
+            <a:ext cx="4426920" cy="3288600"/>
           </a:xfrm>
           <a:prstGeom prst="rect">
             <a:avLst/>
@@ -2899,18 +2713,15 @@
             <a:normAutofit/>
           </a:bodyPr>
           <a:p>
-            <a:endParaRPr b="1" lang="en-GB" sz="2400" spc="-1" strike="noStrike">
-              <a:solidFill>
-                <a:srgbClr val="2c3e50"/>
-              </a:solidFill>
-              <a:latin typeface="Source Sans Pro Semibold"/>
-            </a:endParaRPr>
-          </a:p>
-        </p:txBody>
-      </p:sp>
-      <p:sp>
-        <p:nvSpPr>
-          <p:cNvPr id="109" name="PlaceHolder 3"/>
+            <a:endParaRPr b="0" lang="en-GB" sz="3200" spc="-1" strike="noStrike">
+              <a:latin typeface="Arial"/>
+            </a:endParaRPr>
+          </a:p>
+        </p:txBody>
+      </p:sp>
+      <p:sp>
+        <p:nvSpPr>
+          <p:cNvPr id="101" name="PlaceHolder 3"/>
           <p:cNvSpPr>
             <a:spLocks noGrp="1"/>
           </p:cNvSpPr>
@@ -2920,8 +2731,8 @@
         </p:nvSpPr>
         <p:spPr>
           <a:xfrm>
-            <a:off x="5155920" y="1485000"/>
-            <a:ext cx="4567320" cy="1802880"/>
+            <a:off x="5152680" y="1326600"/>
+            <a:ext cx="4426920" cy="1568520"/>
           </a:xfrm>
           <a:prstGeom prst="rect">
             <a:avLst/>
@@ -2932,18 +2743,15 @@
             <a:normAutofit/>
           </a:bodyPr>
           <a:p>
-            <a:endParaRPr b="1" lang="en-GB" sz="2400" spc="-1" strike="noStrike">
-              <a:solidFill>
-                <a:srgbClr val="2c3e50"/>
-              </a:solidFill>
-              <a:latin typeface="Source Sans Pro Semibold"/>
-            </a:endParaRPr>
-          </a:p>
-        </p:txBody>
-      </p:sp>
-      <p:sp>
-        <p:nvSpPr>
-          <p:cNvPr id="110" name="PlaceHolder 4"/>
+            <a:endParaRPr b="0" lang="en-GB" sz="3200" spc="-1" strike="noStrike">
+              <a:latin typeface="Arial"/>
+            </a:endParaRPr>
+          </a:p>
+        </p:txBody>
+      </p:sp>
+      <p:sp>
+        <p:nvSpPr>
+          <p:cNvPr id="102" name="PlaceHolder 4"/>
           <p:cNvSpPr>
             <a:spLocks noGrp="1"/>
           </p:cNvSpPr>
@@ -2953,8 +2761,8 @@
         </p:nvSpPr>
         <p:spPr>
           <a:xfrm>
-            <a:off x="5155920" y="3459600"/>
-            <a:ext cx="4567320" cy="1802880"/>
+            <a:off x="5152680" y="3044520"/>
+            <a:ext cx="4426920" cy="1568520"/>
           </a:xfrm>
           <a:prstGeom prst="rect">
             <a:avLst/>
@@ -2965,11 +2773,8 @@
             <a:normAutofit/>
           </a:bodyPr>
           <a:p>
-            <a:endParaRPr b="1" lang="en-GB" sz="2400" spc="-1" strike="noStrike">
-              <a:solidFill>
-                <a:srgbClr val="2c3e50"/>
-              </a:solidFill>
-              <a:latin typeface="Source Sans Pro Semibold"/>
+            <a:endParaRPr b="0" lang="en-GB" sz="3200" spc="-1" strike="noStrike">
+              <a:latin typeface="Arial"/>
             </a:endParaRPr>
           </a:p>
         </p:txBody>
@@ -2998,7 +2803,7 @@
       </p:grpSpPr>
       <p:sp>
         <p:nvSpPr>
-          <p:cNvPr id="111" name="PlaceHolder 1"/>
+          <p:cNvPr id="103" name="PlaceHolder 1"/>
           <p:cNvSpPr>
             <a:spLocks noGrp="1"/>
           </p:cNvSpPr>
@@ -3008,8 +2813,8 @@
         </p:nvSpPr>
         <p:spPr>
           <a:xfrm>
-            <a:off x="360000" y="225720"/>
-            <a:ext cx="9360000" cy="718920"/>
+            <a:off x="504000" y="226080"/>
+            <a:ext cx="9072000" cy="946440"/>
           </a:xfrm>
           <a:prstGeom prst="rect">
             <a:avLst/>
@@ -3020,18 +2825,16 @@
             <a:noAutofit/>
           </a:bodyPr>
           <a:p>
-            <a:endParaRPr b="1" lang="en-GB" sz="2700" spc="-1" strike="noStrike">
-              <a:solidFill>
-                <a:srgbClr val="ffffff"/>
-              </a:solidFill>
-              <a:latin typeface="Source Sans Pro Black"/>
-            </a:endParaRPr>
-          </a:p>
-        </p:txBody>
-      </p:sp>
-      <p:sp>
-        <p:nvSpPr>
-          <p:cNvPr id="112" name="PlaceHolder 2"/>
+            <a:pPr algn="ctr"/>
+            <a:endParaRPr b="0" lang="en-GB" sz="4400" spc="-1" strike="noStrike">
+              <a:latin typeface="Arial"/>
+            </a:endParaRPr>
+          </a:p>
+        </p:txBody>
+      </p:sp>
+      <p:sp>
+        <p:nvSpPr>
+          <p:cNvPr id="104" name="PlaceHolder 2"/>
           <p:cNvSpPr>
             <a:spLocks noGrp="1"/>
           </p:cNvSpPr>
@@ -3041,8 +2844,8 @@
         </p:nvSpPr>
         <p:spPr>
           <a:xfrm>
-            <a:off x="360000" y="1485000"/>
-            <a:ext cx="4567320" cy="1802880"/>
+            <a:off x="504000" y="1326600"/>
+            <a:ext cx="4426920" cy="1568520"/>
           </a:xfrm>
           <a:prstGeom prst="rect">
             <a:avLst/>
@@ -3053,18 +2856,15 @@
             <a:normAutofit/>
           </a:bodyPr>
           <a:p>
-            <a:endParaRPr b="1" lang="en-GB" sz="2400" spc="-1" strike="noStrike">
-              <a:solidFill>
-                <a:srgbClr val="2c3e50"/>
-              </a:solidFill>
-              <a:latin typeface="Source Sans Pro Semibold"/>
-            </a:endParaRPr>
-          </a:p>
-        </p:txBody>
-      </p:sp>
-      <p:sp>
-        <p:nvSpPr>
-          <p:cNvPr id="113" name="PlaceHolder 3"/>
+            <a:endParaRPr b="0" lang="en-GB" sz="3200" spc="-1" strike="noStrike">
+              <a:latin typeface="Arial"/>
+            </a:endParaRPr>
+          </a:p>
+        </p:txBody>
+      </p:sp>
+      <p:sp>
+        <p:nvSpPr>
+          <p:cNvPr id="105" name="PlaceHolder 3"/>
           <p:cNvSpPr>
             <a:spLocks noGrp="1"/>
           </p:cNvSpPr>
@@ -3074,8 +2874,8 @@
         </p:nvSpPr>
         <p:spPr>
           <a:xfrm>
-            <a:off x="5155920" y="1485000"/>
-            <a:ext cx="4567320" cy="1802880"/>
+            <a:off x="5152680" y="1326600"/>
+            <a:ext cx="4426920" cy="1568520"/>
           </a:xfrm>
           <a:prstGeom prst="rect">
             <a:avLst/>
@@ -3086,18 +2886,15 @@
             <a:normAutofit/>
           </a:bodyPr>
           <a:p>
-            <a:endParaRPr b="1" lang="en-GB" sz="2400" spc="-1" strike="noStrike">
-              <a:solidFill>
-                <a:srgbClr val="2c3e50"/>
-              </a:solidFill>
-              <a:latin typeface="Source Sans Pro Semibold"/>
-            </a:endParaRPr>
-          </a:p>
-        </p:txBody>
-      </p:sp>
-      <p:sp>
-        <p:nvSpPr>
-          <p:cNvPr id="114" name="PlaceHolder 4"/>
+            <a:endParaRPr b="0" lang="en-GB" sz="3200" spc="-1" strike="noStrike">
+              <a:latin typeface="Arial"/>
+            </a:endParaRPr>
+          </a:p>
+        </p:txBody>
+      </p:sp>
+      <p:sp>
+        <p:nvSpPr>
+          <p:cNvPr id="106" name="PlaceHolder 4"/>
           <p:cNvSpPr>
             <a:spLocks noGrp="1"/>
           </p:cNvSpPr>
@@ -3107,8 +2904,8 @@
         </p:nvSpPr>
         <p:spPr>
           <a:xfrm>
-            <a:off x="360000" y="3459600"/>
-            <a:ext cx="9360000" cy="1802880"/>
+            <a:off x="504000" y="3044520"/>
+            <a:ext cx="9072000" cy="1568520"/>
           </a:xfrm>
           <a:prstGeom prst="rect">
             <a:avLst/>
@@ -3119,11 +2916,8 @@
             <a:normAutofit/>
           </a:bodyPr>
           <a:p>
-            <a:endParaRPr b="1" lang="en-GB" sz="2400" spc="-1" strike="noStrike">
-              <a:solidFill>
-                <a:srgbClr val="2c3e50"/>
-              </a:solidFill>
-              <a:latin typeface="Source Sans Pro Semibold"/>
+            <a:endParaRPr b="0" lang="en-GB" sz="3200" spc="-1" strike="noStrike">
+              <a:latin typeface="Arial"/>
             </a:endParaRPr>
           </a:p>
         </p:txBody>
@@ -3152,7 +2946,7 @@
       </p:grpSpPr>
       <p:sp>
         <p:nvSpPr>
-          <p:cNvPr id="115" name="PlaceHolder 1"/>
+          <p:cNvPr id="107" name="PlaceHolder 1"/>
           <p:cNvSpPr>
             <a:spLocks noGrp="1"/>
           </p:cNvSpPr>
@@ -3162,8 +2956,8 @@
         </p:nvSpPr>
         <p:spPr>
           <a:xfrm>
-            <a:off x="360000" y="225720"/>
-            <a:ext cx="9360000" cy="718920"/>
+            <a:off x="504000" y="226080"/>
+            <a:ext cx="9072000" cy="946440"/>
           </a:xfrm>
           <a:prstGeom prst="rect">
             <a:avLst/>
@@ -3174,18 +2968,16 @@
             <a:noAutofit/>
           </a:bodyPr>
           <a:p>
-            <a:endParaRPr b="1" lang="en-GB" sz="2700" spc="-1" strike="noStrike">
-              <a:solidFill>
-                <a:srgbClr val="ffffff"/>
-              </a:solidFill>
-              <a:latin typeface="Source Sans Pro Black"/>
-            </a:endParaRPr>
-          </a:p>
-        </p:txBody>
-      </p:sp>
-      <p:sp>
-        <p:nvSpPr>
-          <p:cNvPr id="116" name="PlaceHolder 2"/>
+            <a:pPr algn="ctr"/>
+            <a:endParaRPr b="0" lang="en-GB" sz="4400" spc="-1" strike="noStrike">
+              <a:latin typeface="Arial"/>
+            </a:endParaRPr>
+          </a:p>
+        </p:txBody>
+      </p:sp>
+      <p:sp>
+        <p:nvSpPr>
+          <p:cNvPr id="108" name="PlaceHolder 2"/>
           <p:cNvSpPr>
             <a:spLocks noGrp="1"/>
           </p:cNvSpPr>
@@ -3195,8 +2987,8 @@
         </p:nvSpPr>
         <p:spPr>
           <a:xfrm>
-            <a:off x="360000" y="1485000"/>
-            <a:ext cx="9360000" cy="1802880"/>
+            <a:off x="504000" y="1326600"/>
+            <a:ext cx="9072000" cy="1568520"/>
           </a:xfrm>
           <a:prstGeom prst="rect">
             <a:avLst/>
@@ -3207,18 +2999,15 @@
             <a:normAutofit/>
           </a:bodyPr>
           <a:p>
-            <a:endParaRPr b="1" lang="en-GB" sz="2400" spc="-1" strike="noStrike">
-              <a:solidFill>
-                <a:srgbClr val="2c3e50"/>
-              </a:solidFill>
-              <a:latin typeface="Source Sans Pro Semibold"/>
-            </a:endParaRPr>
-          </a:p>
-        </p:txBody>
-      </p:sp>
-      <p:sp>
-        <p:nvSpPr>
-          <p:cNvPr id="117" name="PlaceHolder 3"/>
+            <a:endParaRPr b="0" lang="en-GB" sz="3200" spc="-1" strike="noStrike">
+              <a:latin typeface="Arial"/>
+            </a:endParaRPr>
+          </a:p>
+        </p:txBody>
+      </p:sp>
+      <p:sp>
+        <p:nvSpPr>
+          <p:cNvPr id="109" name="PlaceHolder 3"/>
           <p:cNvSpPr>
             <a:spLocks noGrp="1"/>
           </p:cNvSpPr>
@@ -3228,8 +3017,8 @@
         </p:nvSpPr>
         <p:spPr>
           <a:xfrm>
-            <a:off x="360000" y="3459600"/>
-            <a:ext cx="9360000" cy="1802880"/>
+            <a:off x="504000" y="3044520"/>
+            <a:ext cx="9072000" cy="1568520"/>
           </a:xfrm>
           <a:prstGeom prst="rect">
             <a:avLst/>
@@ -3240,11 +3029,8 @@
             <a:normAutofit/>
           </a:bodyPr>
           <a:p>
-            <a:endParaRPr b="1" lang="en-GB" sz="2400" spc="-1" strike="noStrike">
-              <a:solidFill>
-                <a:srgbClr val="2c3e50"/>
-              </a:solidFill>
-              <a:latin typeface="Source Sans Pro Semibold"/>
+            <a:endParaRPr b="0" lang="en-GB" sz="3200" spc="-1" strike="noStrike">
+              <a:latin typeface="Arial"/>
             </a:endParaRPr>
           </a:p>
         </p:txBody>
@@ -3273,7 +3059,7 @@
       </p:grpSpPr>
       <p:sp>
         <p:nvSpPr>
-          <p:cNvPr id="118" name="PlaceHolder 1"/>
+          <p:cNvPr id="110" name="PlaceHolder 1"/>
           <p:cNvSpPr>
             <a:spLocks noGrp="1"/>
           </p:cNvSpPr>
@@ -3283,8 +3069,8 @@
         </p:nvSpPr>
         <p:spPr>
           <a:xfrm>
-            <a:off x="360000" y="225720"/>
-            <a:ext cx="9360000" cy="718920"/>
+            <a:off x="504000" y="226080"/>
+            <a:ext cx="9072000" cy="946440"/>
           </a:xfrm>
           <a:prstGeom prst="rect">
             <a:avLst/>
@@ -3295,18 +3081,16 @@
             <a:noAutofit/>
           </a:bodyPr>
           <a:p>
-            <a:endParaRPr b="1" lang="en-GB" sz="2700" spc="-1" strike="noStrike">
-              <a:solidFill>
-                <a:srgbClr val="ffffff"/>
-              </a:solidFill>
-              <a:latin typeface="Source Sans Pro Black"/>
-            </a:endParaRPr>
-          </a:p>
-        </p:txBody>
-      </p:sp>
-      <p:sp>
-        <p:nvSpPr>
-          <p:cNvPr id="119" name="PlaceHolder 2"/>
+            <a:pPr algn="ctr"/>
+            <a:endParaRPr b="0" lang="en-GB" sz="4400" spc="-1" strike="noStrike">
+              <a:latin typeface="Arial"/>
+            </a:endParaRPr>
+          </a:p>
+        </p:txBody>
+      </p:sp>
+      <p:sp>
+        <p:nvSpPr>
+          <p:cNvPr id="111" name="PlaceHolder 2"/>
           <p:cNvSpPr>
             <a:spLocks noGrp="1"/>
           </p:cNvSpPr>
@@ -3316,8 +3100,8 @@
         </p:nvSpPr>
         <p:spPr>
           <a:xfrm>
-            <a:off x="360000" y="1485000"/>
-            <a:ext cx="4567320" cy="1802880"/>
+            <a:off x="504000" y="1326600"/>
+            <a:ext cx="4426920" cy="1568520"/>
           </a:xfrm>
           <a:prstGeom prst="rect">
             <a:avLst/>
@@ -3328,18 +3112,15 @@
             <a:normAutofit/>
           </a:bodyPr>
           <a:p>
-            <a:endParaRPr b="1" lang="en-GB" sz="2400" spc="-1" strike="noStrike">
-              <a:solidFill>
-                <a:srgbClr val="2c3e50"/>
-              </a:solidFill>
-              <a:latin typeface="Source Sans Pro Semibold"/>
-            </a:endParaRPr>
-          </a:p>
-        </p:txBody>
-      </p:sp>
-      <p:sp>
-        <p:nvSpPr>
-          <p:cNvPr id="120" name="PlaceHolder 3"/>
+            <a:endParaRPr b="0" lang="en-GB" sz="3200" spc="-1" strike="noStrike">
+              <a:latin typeface="Arial"/>
+            </a:endParaRPr>
+          </a:p>
+        </p:txBody>
+      </p:sp>
+      <p:sp>
+        <p:nvSpPr>
+          <p:cNvPr id="112" name="PlaceHolder 3"/>
           <p:cNvSpPr>
             <a:spLocks noGrp="1"/>
           </p:cNvSpPr>
@@ -3349,8 +3130,8 @@
         </p:nvSpPr>
         <p:spPr>
           <a:xfrm>
-            <a:off x="5155920" y="1485000"/>
-            <a:ext cx="4567320" cy="1802880"/>
+            <a:off x="5152680" y="1326600"/>
+            <a:ext cx="4426920" cy="1568520"/>
           </a:xfrm>
           <a:prstGeom prst="rect">
             <a:avLst/>
@@ -3361,18 +3142,15 @@
             <a:normAutofit/>
           </a:bodyPr>
           <a:p>
-            <a:endParaRPr b="1" lang="en-GB" sz="2400" spc="-1" strike="noStrike">
-              <a:solidFill>
-                <a:srgbClr val="2c3e50"/>
-              </a:solidFill>
-              <a:latin typeface="Source Sans Pro Semibold"/>
-            </a:endParaRPr>
-          </a:p>
-        </p:txBody>
-      </p:sp>
-      <p:sp>
-        <p:nvSpPr>
-          <p:cNvPr id="121" name="PlaceHolder 4"/>
+            <a:endParaRPr b="0" lang="en-GB" sz="3200" spc="-1" strike="noStrike">
+              <a:latin typeface="Arial"/>
+            </a:endParaRPr>
+          </a:p>
+        </p:txBody>
+      </p:sp>
+      <p:sp>
+        <p:nvSpPr>
+          <p:cNvPr id="113" name="PlaceHolder 4"/>
           <p:cNvSpPr>
             <a:spLocks noGrp="1"/>
           </p:cNvSpPr>
@@ -3382,8 +3160,8 @@
         </p:nvSpPr>
         <p:spPr>
           <a:xfrm>
-            <a:off x="360000" y="3459600"/>
-            <a:ext cx="4567320" cy="1802880"/>
+            <a:off x="504000" y="3044520"/>
+            <a:ext cx="4426920" cy="1568520"/>
           </a:xfrm>
           <a:prstGeom prst="rect">
             <a:avLst/>
@@ -3394,18 +3172,15 @@
             <a:normAutofit/>
           </a:bodyPr>
           <a:p>
-            <a:endParaRPr b="1" lang="en-GB" sz="2400" spc="-1" strike="noStrike">
-              <a:solidFill>
-                <a:srgbClr val="2c3e50"/>
-              </a:solidFill>
-              <a:latin typeface="Source Sans Pro Semibold"/>
-            </a:endParaRPr>
-          </a:p>
-        </p:txBody>
-      </p:sp>
-      <p:sp>
-        <p:nvSpPr>
-          <p:cNvPr id="122" name="PlaceHolder 5"/>
+            <a:endParaRPr b="0" lang="en-GB" sz="3200" spc="-1" strike="noStrike">
+              <a:latin typeface="Arial"/>
+            </a:endParaRPr>
+          </a:p>
+        </p:txBody>
+      </p:sp>
+      <p:sp>
+        <p:nvSpPr>
+          <p:cNvPr id="114" name="PlaceHolder 5"/>
           <p:cNvSpPr>
             <a:spLocks noGrp="1"/>
           </p:cNvSpPr>
@@ -3415,8 +3190,8 @@
         </p:nvSpPr>
         <p:spPr>
           <a:xfrm>
-            <a:off x="5155920" y="3459600"/>
-            <a:ext cx="4567320" cy="1802880"/>
+            <a:off x="5152680" y="3044520"/>
+            <a:ext cx="4426920" cy="1568520"/>
           </a:xfrm>
           <a:prstGeom prst="rect">
             <a:avLst/>
@@ -3427,11 +3202,8 @@
             <a:normAutofit/>
           </a:bodyPr>
           <a:p>
-            <a:endParaRPr b="1" lang="en-GB" sz="2400" spc="-1" strike="noStrike">
-              <a:solidFill>
-                <a:srgbClr val="2c3e50"/>
-              </a:solidFill>
-              <a:latin typeface="Source Sans Pro Semibold"/>
+            <a:endParaRPr b="0" lang="en-GB" sz="3200" spc="-1" strike="noStrike">
+              <a:latin typeface="Arial"/>
             </a:endParaRPr>
           </a:p>
         </p:txBody>
@@ -3460,7 +3232,7 @@
       </p:grpSpPr>
       <p:sp>
         <p:nvSpPr>
-          <p:cNvPr id="123" name="PlaceHolder 1"/>
+          <p:cNvPr id="115" name="PlaceHolder 1"/>
           <p:cNvSpPr>
             <a:spLocks noGrp="1"/>
           </p:cNvSpPr>
@@ -3470,8 +3242,8 @@
         </p:nvSpPr>
         <p:spPr>
           <a:xfrm>
-            <a:off x="360000" y="225720"/>
-            <a:ext cx="9360000" cy="718920"/>
+            <a:off x="504000" y="226080"/>
+            <a:ext cx="9072000" cy="946440"/>
           </a:xfrm>
           <a:prstGeom prst="rect">
             <a:avLst/>
@@ -3482,18 +3254,16 @@
             <a:noAutofit/>
           </a:bodyPr>
           <a:p>
-            <a:endParaRPr b="1" lang="en-GB" sz="2700" spc="-1" strike="noStrike">
-              <a:solidFill>
-                <a:srgbClr val="ffffff"/>
-              </a:solidFill>
-              <a:latin typeface="Source Sans Pro Black"/>
-            </a:endParaRPr>
-          </a:p>
-        </p:txBody>
-      </p:sp>
-      <p:sp>
-        <p:nvSpPr>
-          <p:cNvPr id="124" name="PlaceHolder 2"/>
+            <a:pPr algn="ctr"/>
+            <a:endParaRPr b="0" lang="en-GB" sz="4400" spc="-1" strike="noStrike">
+              <a:latin typeface="Arial"/>
+            </a:endParaRPr>
+          </a:p>
+        </p:txBody>
+      </p:sp>
+      <p:sp>
+        <p:nvSpPr>
+          <p:cNvPr id="116" name="PlaceHolder 2"/>
           <p:cNvSpPr>
             <a:spLocks noGrp="1"/>
           </p:cNvSpPr>
@@ -3503,8 +3273,8 @@
         </p:nvSpPr>
         <p:spPr>
           <a:xfrm>
-            <a:off x="360000" y="1485000"/>
-            <a:ext cx="3013560" cy="1802880"/>
+            <a:off x="504000" y="1326600"/>
+            <a:ext cx="2921040" cy="1568520"/>
           </a:xfrm>
           <a:prstGeom prst="rect">
             <a:avLst/>
@@ -3515,18 +3285,15 @@
             <a:normAutofit/>
           </a:bodyPr>
           <a:p>
-            <a:endParaRPr b="1" lang="en-GB" sz="2400" spc="-1" strike="noStrike">
-              <a:solidFill>
-                <a:srgbClr val="2c3e50"/>
-              </a:solidFill>
-              <a:latin typeface="Source Sans Pro Semibold"/>
-            </a:endParaRPr>
-          </a:p>
-        </p:txBody>
-      </p:sp>
-      <p:sp>
-        <p:nvSpPr>
-          <p:cNvPr id="125" name="PlaceHolder 3"/>
+            <a:endParaRPr b="0" lang="en-GB" sz="3200" spc="-1" strike="noStrike">
+              <a:latin typeface="Arial"/>
+            </a:endParaRPr>
+          </a:p>
+        </p:txBody>
+      </p:sp>
+      <p:sp>
+        <p:nvSpPr>
+          <p:cNvPr id="117" name="PlaceHolder 3"/>
           <p:cNvSpPr>
             <a:spLocks noGrp="1"/>
           </p:cNvSpPr>
@@ -3536,8 +3303,8 @@
         </p:nvSpPr>
         <p:spPr>
           <a:xfrm>
-            <a:off x="3524760" y="1485000"/>
-            <a:ext cx="3013560" cy="1802880"/>
+            <a:off x="3571560" y="1326600"/>
+            <a:ext cx="2921040" cy="1568520"/>
           </a:xfrm>
           <a:prstGeom prst="rect">
             <a:avLst/>
@@ -3548,18 +3315,15 @@
             <a:normAutofit/>
           </a:bodyPr>
           <a:p>
-            <a:endParaRPr b="1" lang="en-GB" sz="2400" spc="-1" strike="noStrike">
-              <a:solidFill>
-                <a:srgbClr val="2c3e50"/>
-              </a:solidFill>
-              <a:latin typeface="Source Sans Pro Semibold"/>
-            </a:endParaRPr>
-          </a:p>
-        </p:txBody>
-      </p:sp>
-      <p:sp>
-        <p:nvSpPr>
-          <p:cNvPr id="126" name="PlaceHolder 4"/>
+            <a:endParaRPr b="0" lang="en-GB" sz="3200" spc="-1" strike="noStrike">
+              <a:latin typeface="Arial"/>
+            </a:endParaRPr>
+          </a:p>
+        </p:txBody>
+      </p:sp>
+      <p:sp>
+        <p:nvSpPr>
+          <p:cNvPr id="118" name="PlaceHolder 4"/>
           <p:cNvSpPr>
             <a:spLocks noGrp="1"/>
           </p:cNvSpPr>
@@ -3569,8 +3333,8 @@
         </p:nvSpPr>
         <p:spPr>
           <a:xfrm>
-            <a:off x="6689160" y="1485000"/>
-            <a:ext cx="3013560" cy="1802880"/>
+            <a:off x="6639120" y="1326600"/>
+            <a:ext cx="2921040" cy="1568520"/>
           </a:xfrm>
           <a:prstGeom prst="rect">
             <a:avLst/>
@@ -3581,18 +3345,15 @@
             <a:normAutofit/>
           </a:bodyPr>
           <a:p>
-            <a:endParaRPr b="1" lang="en-GB" sz="2400" spc="-1" strike="noStrike">
-              <a:solidFill>
-                <a:srgbClr val="2c3e50"/>
-              </a:solidFill>
-              <a:latin typeface="Source Sans Pro Semibold"/>
-            </a:endParaRPr>
-          </a:p>
-        </p:txBody>
-      </p:sp>
-      <p:sp>
-        <p:nvSpPr>
-          <p:cNvPr id="127" name="PlaceHolder 5"/>
+            <a:endParaRPr b="0" lang="en-GB" sz="3200" spc="-1" strike="noStrike">
+              <a:latin typeface="Arial"/>
+            </a:endParaRPr>
+          </a:p>
+        </p:txBody>
+      </p:sp>
+      <p:sp>
+        <p:nvSpPr>
+          <p:cNvPr id="119" name="PlaceHolder 5"/>
           <p:cNvSpPr>
             <a:spLocks noGrp="1"/>
           </p:cNvSpPr>
@@ -3602,8 +3363,8 @@
         </p:nvSpPr>
         <p:spPr>
           <a:xfrm>
-            <a:off x="360000" y="3459600"/>
-            <a:ext cx="3013560" cy="1802880"/>
+            <a:off x="504000" y="3044520"/>
+            <a:ext cx="2921040" cy="1568520"/>
           </a:xfrm>
           <a:prstGeom prst="rect">
             <a:avLst/>
@@ -3614,18 +3375,15 @@
             <a:normAutofit/>
           </a:bodyPr>
           <a:p>
-            <a:endParaRPr b="1" lang="en-GB" sz="2400" spc="-1" strike="noStrike">
-              <a:solidFill>
-                <a:srgbClr val="2c3e50"/>
-              </a:solidFill>
-              <a:latin typeface="Source Sans Pro Semibold"/>
-            </a:endParaRPr>
-          </a:p>
-        </p:txBody>
-      </p:sp>
-      <p:sp>
-        <p:nvSpPr>
-          <p:cNvPr id="128" name="PlaceHolder 6"/>
+            <a:endParaRPr b="0" lang="en-GB" sz="3200" spc="-1" strike="noStrike">
+              <a:latin typeface="Arial"/>
+            </a:endParaRPr>
+          </a:p>
+        </p:txBody>
+      </p:sp>
+      <p:sp>
+        <p:nvSpPr>
+          <p:cNvPr id="120" name="PlaceHolder 6"/>
           <p:cNvSpPr>
             <a:spLocks noGrp="1"/>
           </p:cNvSpPr>
@@ -3635,8 +3393,8 @@
         </p:nvSpPr>
         <p:spPr>
           <a:xfrm>
-            <a:off x="3524760" y="3459600"/>
-            <a:ext cx="3013560" cy="1802880"/>
+            <a:off x="3571560" y="3044520"/>
+            <a:ext cx="2921040" cy="1568520"/>
           </a:xfrm>
           <a:prstGeom prst="rect">
             <a:avLst/>
@@ -3647,18 +3405,15 @@
             <a:normAutofit/>
           </a:bodyPr>
           <a:p>
-            <a:endParaRPr b="1" lang="en-GB" sz="2400" spc="-1" strike="noStrike">
-              <a:solidFill>
-                <a:srgbClr val="2c3e50"/>
-              </a:solidFill>
-              <a:latin typeface="Source Sans Pro Semibold"/>
-            </a:endParaRPr>
-          </a:p>
-        </p:txBody>
-      </p:sp>
-      <p:sp>
-        <p:nvSpPr>
-          <p:cNvPr id="129" name="PlaceHolder 7"/>
+            <a:endParaRPr b="0" lang="en-GB" sz="3200" spc="-1" strike="noStrike">
+              <a:latin typeface="Arial"/>
+            </a:endParaRPr>
+          </a:p>
+        </p:txBody>
+      </p:sp>
+      <p:sp>
+        <p:nvSpPr>
+          <p:cNvPr id="121" name="PlaceHolder 7"/>
           <p:cNvSpPr>
             <a:spLocks noGrp="1"/>
           </p:cNvSpPr>
@@ -3668,8 +3423,8 @@
         </p:nvSpPr>
         <p:spPr>
           <a:xfrm>
-            <a:off x="6689160" y="3459600"/>
-            <a:ext cx="3013560" cy="1802880"/>
+            <a:off x="6639120" y="3044520"/>
+            <a:ext cx="2921040" cy="1568520"/>
           </a:xfrm>
           <a:prstGeom prst="rect">
             <a:avLst/>
@@ -3680,11 +3435,8 @@
             <a:normAutofit/>
           </a:bodyPr>
           <a:p>
-            <a:endParaRPr b="1" lang="en-GB" sz="2400" spc="-1" strike="noStrike">
-              <a:solidFill>
-                <a:srgbClr val="2c3e50"/>
-              </a:solidFill>
-              <a:latin typeface="Source Sans Pro Semibold"/>
+            <a:endParaRPr b="0" lang="en-GB" sz="3200" spc="-1" strike="noStrike">
+              <a:latin typeface="Arial"/>
             </a:endParaRPr>
           </a:p>
         </p:txBody>
@@ -3713,7 +3465,7 @@
       </p:grpSpPr>
       <p:sp>
         <p:nvSpPr>
-          <p:cNvPr id="12" name="PlaceHolder 1"/>
+          <p:cNvPr id="8" name="PlaceHolder 1"/>
           <p:cNvSpPr>
             <a:spLocks noGrp="1"/>
           </p:cNvSpPr>
@@ -3723,8 +3475,8 @@
         </p:nvSpPr>
         <p:spPr>
           <a:xfrm>
-            <a:off x="360000" y="225720"/>
-            <a:ext cx="9360000" cy="718920"/>
+            <a:off x="504000" y="226080"/>
+            <a:ext cx="9072000" cy="946440"/>
           </a:xfrm>
           <a:prstGeom prst="rect">
             <a:avLst/>
@@ -3735,18 +3487,16 @@
             <a:noAutofit/>
           </a:bodyPr>
           <a:p>
-            <a:endParaRPr b="1" lang="en-GB" sz="2700" spc="-1" strike="noStrike">
-              <a:solidFill>
-                <a:srgbClr val="ffffff"/>
-              </a:solidFill>
-              <a:latin typeface="Source Sans Pro Black"/>
-            </a:endParaRPr>
-          </a:p>
-        </p:txBody>
-      </p:sp>
-      <p:sp>
-        <p:nvSpPr>
-          <p:cNvPr id="13" name="PlaceHolder 2"/>
+            <a:pPr algn="ctr"/>
+            <a:endParaRPr b="0" lang="en-GB" sz="4400" spc="-1" strike="noStrike">
+              <a:latin typeface="Arial"/>
+            </a:endParaRPr>
+          </a:p>
+        </p:txBody>
+      </p:sp>
+      <p:sp>
+        <p:nvSpPr>
+          <p:cNvPr id="9" name="PlaceHolder 2"/>
           <p:cNvSpPr>
             <a:spLocks noGrp="1"/>
           </p:cNvSpPr>
@@ -3756,8 +3506,8 @@
         </p:nvSpPr>
         <p:spPr>
           <a:xfrm>
-            <a:off x="360000" y="1485000"/>
-            <a:ext cx="4567320" cy="3780000"/>
+            <a:off x="504000" y="1326600"/>
+            <a:ext cx="4426920" cy="3288600"/>
           </a:xfrm>
           <a:prstGeom prst="rect">
             <a:avLst/>
@@ -3768,18 +3518,15 @@
             <a:normAutofit/>
           </a:bodyPr>
           <a:p>
-            <a:endParaRPr b="1" lang="en-GB" sz="2400" spc="-1" strike="noStrike">
-              <a:solidFill>
-                <a:srgbClr val="2c3e50"/>
-              </a:solidFill>
-              <a:latin typeface="Source Sans Pro Semibold"/>
-            </a:endParaRPr>
-          </a:p>
-        </p:txBody>
-      </p:sp>
-      <p:sp>
-        <p:nvSpPr>
-          <p:cNvPr id="14" name="PlaceHolder 3"/>
+            <a:endParaRPr b="0" lang="en-GB" sz="3200" spc="-1" strike="noStrike">
+              <a:latin typeface="Arial"/>
+            </a:endParaRPr>
+          </a:p>
+        </p:txBody>
+      </p:sp>
+      <p:sp>
+        <p:nvSpPr>
+          <p:cNvPr id="10" name="PlaceHolder 3"/>
           <p:cNvSpPr>
             <a:spLocks noGrp="1"/>
           </p:cNvSpPr>
@@ -3789,8 +3536,8 @@
         </p:nvSpPr>
         <p:spPr>
           <a:xfrm>
-            <a:off x="5155920" y="1485000"/>
-            <a:ext cx="4567320" cy="3780000"/>
+            <a:off x="5152680" y="1326600"/>
+            <a:ext cx="4426920" cy="3288600"/>
           </a:xfrm>
           <a:prstGeom prst="rect">
             <a:avLst/>
@@ -3801,11 +3548,8 @@
             <a:normAutofit/>
           </a:bodyPr>
           <a:p>
-            <a:endParaRPr b="1" lang="en-GB" sz="2400" spc="-1" strike="noStrike">
-              <a:solidFill>
-                <a:srgbClr val="2c3e50"/>
-              </a:solidFill>
-              <a:latin typeface="Source Sans Pro Semibold"/>
+            <a:endParaRPr b="0" lang="en-GB" sz="3200" spc="-1" strike="noStrike">
+              <a:latin typeface="Arial"/>
             </a:endParaRPr>
           </a:p>
         </p:txBody>
@@ -3834,7 +3578,7 @@
       </p:grpSpPr>
       <p:sp>
         <p:nvSpPr>
-          <p:cNvPr id="15" name="PlaceHolder 1"/>
+          <p:cNvPr id="11" name="PlaceHolder 1"/>
           <p:cNvSpPr>
             <a:spLocks noGrp="1"/>
           </p:cNvSpPr>
@@ -3844,8 +3588,8 @@
         </p:nvSpPr>
         <p:spPr>
           <a:xfrm>
-            <a:off x="360000" y="225720"/>
-            <a:ext cx="9360000" cy="718920"/>
+            <a:off x="504000" y="226080"/>
+            <a:ext cx="9072000" cy="946440"/>
           </a:xfrm>
           <a:prstGeom prst="rect">
             <a:avLst/>
@@ -3856,11 +3600,9 @@
             <a:noAutofit/>
           </a:bodyPr>
           <a:p>
-            <a:endParaRPr b="1" lang="en-GB" sz="2700" spc="-1" strike="noStrike">
-              <a:solidFill>
-                <a:srgbClr val="ffffff"/>
-              </a:solidFill>
-              <a:latin typeface="Source Sans Pro Black"/>
+            <a:pPr algn="ctr"/>
+            <a:endParaRPr b="0" lang="en-GB" sz="4400" spc="-1" strike="noStrike">
+              <a:latin typeface="Arial"/>
             </a:endParaRPr>
           </a:p>
         </p:txBody>
@@ -3889,7 +3631,7 @@
       </p:grpSpPr>
       <p:sp>
         <p:nvSpPr>
-          <p:cNvPr id="16" name="PlaceHolder 1"/>
+          <p:cNvPr id="12" name="PlaceHolder 1"/>
           <p:cNvSpPr>
             <a:spLocks noGrp="1"/>
           </p:cNvSpPr>
@@ -3899,8 +3641,8 @@
         </p:nvSpPr>
         <p:spPr>
           <a:xfrm>
-            <a:off x="360000" y="225720"/>
-            <a:ext cx="9360000" cy="3333960"/>
+            <a:off x="504000" y="226080"/>
+            <a:ext cx="9072000" cy="4388400"/>
           </a:xfrm>
           <a:prstGeom prst="rect">
             <a:avLst/>
@@ -3913,10 +3655,7 @@
           <a:p>
             <a:pPr algn="ctr"/>
             <a:endParaRPr b="0" lang="en-GB" sz="3200" spc="-1" strike="noStrike">
-              <a:solidFill>
-                <a:srgbClr val="2c3e50"/>
-              </a:solidFill>
-              <a:latin typeface="Source Sans Pro"/>
+              <a:latin typeface="Arial"/>
             </a:endParaRPr>
           </a:p>
         </p:txBody>
@@ -3945,7 +3684,7 @@
       </p:grpSpPr>
       <p:sp>
         <p:nvSpPr>
-          <p:cNvPr id="17" name="PlaceHolder 1"/>
+          <p:cNvPr id="13" name="PlaceHolder 1"/>
           <p:cNvSpPr>
             <a:spLocks noGrp="1"/>
           </p:cNvSpPr>
@@ -3955,8 +3694,8 @@
         </p:nvSpPr>
         <p:spPr>
           <a:xfrm>
-            <a:off x="360000" y="225720"/>
-            <a:ext cx="9360000" cy="718920"/>
+            <a:off x="504000" y="226080"/>
+            <a:ext cx="9072000" cy="946440"/>
           </a:xfrm>
           <a:prstGeom prst="rect">
             <a:avLst/>
@@ -3967,18 +3706,16 @@
             <a:noAutofit/>
           </a:bodyPr>
           <a:p>
-            <a:endParaRPr b="1" lang="en-GB" sz="2700" spc="-1" strike="noStrike">
-              <a:solidFill>
-                <a:srgbClr val="ffffff"/>
-              </a:solidFill>
-              <a:latin typeface="Source Sans Pro Black"/>
-            </a:endParaRPr>
-          </a:p>
-        </p:txBody>
-      </p:sp>
-      <p:sp>
-        <p:nvSpPr>
-          <p:cNvPr id="18" name="PlaceHolder 2"/>
+            <a:pPr algn="ctr"/>
+            <a:endParaRPr b="0" lang="en-GB" sz="4400" spc="-1" strike="noStrike">
+              <a:latin typeface="Arial"/>
+            </a:endParaRPr>
+          </a:p>
+        </p:txBody>
+      </p:sp>
+      <p:sp>
+        <p:nvSpPr>
+          <p:cNvPr id="14" name="PlaceHolder 2"/>
           <p:cNvSpPr>
             <a:spLocks noGrp="1"/>
           </p:cNvSpPr>
@@ -3988,8 +3725,8 @@
         </p:nvSpPr>
         <p:spPr>
           <a:xfrm>
-            <a:off x="360000" y="1485000"/>
-            <a:ext cx="4567320" cy="1802880"/>
+            <a:off x="504000" y="1326600"/>
+            <a:ext cx="4426920" cy="1568520"/>
           </a:xfrm>
           <a:prstGeom prst="rect">
             <a:avLst/>
@@ -4000,18 +3737,15 @@
             <a:normAutofit/>
           </a:bodyPr>
           <a:p>
-            <a:endParaRPr b="1" lang="en-GB" sz="2400" spc="-1" strike="noStrike">
-              <a:solidFill>
-                <a:srgbClr val="2c3e50"/>
-              </a:solidFill>
-              <a:latin typeface="Source Sans Pro Semibold"/>
-            </a:endParaRPr>
-          </a:p>
-        </p:txBody>
-      </p:sp>
-      <p:sp>
-        <p:nvSpPr>
-          <p:cNvPr id="19" name="PlaceHolder 3"/>
+            <a:endParaRPr b="0" lang="en-GB" sz="3200" spc="-1" strike="noStrike">
+              <a:latin typeface="Arial"/>
+            </a:endParaRPr>
+          </a:p>
+        </p:txBody>
+      </p:sp>
+      <p:sp>
+        <p:nvSpPr>
+          <p:cNvPr id="15" name="PlaceHolder 3"/>
           <p:cNvSpPr>
             <a:spLocks noGrp="1"/>
           </p:cNvSpPr>
@@ -4021,8 +3755,8 @@
         </p:nvSpPr>
         <p:spPr>
           <a:xfrm>
-            <a:off x="5155920" y="1485000"/>
-            <a:ext cx="4567320" cy="3780000"/>
+            <a:off x="5152680" y="1326600"/>
+            <a:ext cx="4426920" cy="3288600"/>
           </a:xfrm>
           <a:prstGeom prst="rect">
             <a:avLst/>
@@ -4033,18 +3767,15 @@
             <a:normAutofit/>
           </a:bodyPr>
           <a:p>
-            <a:endParaRPr b="1" lang="en-GB" sz="2400" spc="-1" strike="noStrike">
-              <a:solidFill>
-                <a:srgbClr val="2c3e50"/>
-              </a:solidFill>
-              <a:latin typeface="Source Sans Pro Semibold"/>
-            </a:endParaRPr>
-          </a:p>
-        </p:txBody>
-      </p:sp>
-      <p:sp>
-        <p:nvSpPr>
-          <p:cNvPr id="20" name="PlaceHolder 4"/>
+            <a:endParaRPr b="0" lang="en-GB" sz="3200" spc="-1" strike="noStrike">
+              <a:latin typeface="Arial"/>
+            </a:endParaRPr>
+          </a:p>
+        </p:txBody>
+      </p:sp>
+      <p:sp>
+        <p:nvSpPr>
+          <p:cNvPr id="16" name="PlaceHolder 4"/>
           <p:cNvSpPr>
             <a:spLocks noGrp="1"/>
           </p:cNvSpPr>
@@ -4054,8 +3785,8 @@
         </p:nvSpPr>
         <p:spPr>
           <a:xfrm>
-            <a:off x="360000" y="3459600"/>
-            <a:ext cx="4567320" cy="1802880"/>
+            <a:off x="504000" y="3044520"/>
+            <a:ext cx="4426920" cy="1568520"/>
           </a:xfrm>
           <a:prstGeom prst="rect">
             <a:avLst/>
@@ -4066,11 +3797,8 @@
             <a:normAutofit/>
           </a:bodyPr>
           <a:p>
-            <a:endParaRPr b="1" lang="en-GB" sz="2400" spc="-1" strike="noStrike">
-              <a:solidFill>
-                <a:srgbClr val="2c3e50"/>
-              </a:solidFill>
-              <a:latin typeface="Source Sans Pro Semibold"/>
+            <a:endParaRPr b="0" lang="en-GB" sz="3200" spc="-1" strike="noStrike">
+              <a:latin typeface="Arial"/>
             </a:endParaRPr>
           </a:p>
         </p:txBody>
@@ -4099,7 +3827,7 @@
       </p:grpSpPr>
       <p:sp>
         <p:nvSpPr>
-          <p:cNvPr id="21" name="PlaceHolder 1"/>
+          <p:cNvPr id="17" name="PlaceHolder 1"/>
           <p:cNvSpPr>
             <a:spLocks noGrp="1"/>
           </p:cNvSpPr>
@@ -4109,8 +3837,8 @@
         </p:nvSpPr>
         <p:spPr>
           <a:xfrm>
-            <a:off x="360000" y="225720"/>
-            <a:ext cx="9360000" cy="718920"/>
+            <a:off x="504000" y="226080"/>
+            <a:ext cx="9072000" cy="946440"/>
           </a:xfrm>
           <a:prstGeom prst="rect">
             <a:avLst/>
@@ -4121,18 +3849,16 @@
             <a:noAutofit/>
           </a:bodyPr>
           <a:p>
-            <a:endParaRPr b="1" lang="en-GB" sz="2700" spc="-1" strike="noStrike">
-              <a:solidFill>
-                <a:srgbClr val="ffffff"/>
-              </a:solidFill>
-              <a:latin typeface="Source Sans Pro Black"/>
-            </a:endParaRPr>
-          </a:p>
-        </p:txBody>
-      </p:sp>
-      <p:sp>
-        <p:nvSpPr>
-          <p:cNvPr id="22" name="PlaceHolder 2"/>
+            <a:pPr algn="ctr"/>
+            <a:endParaRPr b="0" lang="en-GB" sz="4400" spc="-1" strike="noStrike">
+              <a:latin typeface="Arial"/>
+            </a:endParaRPr>
+          </a:p>
+        </p:txBody>
+      </p:sp>
+      <p:sp>
+        <p:nvSpPr>
+          <p:cNvPr id="18" name="PlaceHolder 2"/>
           <p:cNvSpPr>
             <a:spLocks noGrp="1"/>
           </p:cNvSpPr>
@@ -4142,8 +3868,8 @@
         </p:nvSpPr>
         <p:spPr>
           <a:xfrm>
-            <a:off x="360000" y="1485000"/>
-            <a:ext cx="4567320" cy="3780000"/>
+            <a:off x="504000" y="1326600"/>
+            <a:ext cx="4426920" cy="3288600"/>
           </a:xfrm>
           <a:prstGeom prst="rect">
             <a:avLst/>
@@ -4154,18 +3880,15 @@
             <a:normAutofit/>
           </a:bodyPr>
           <a:p>
-            <a:endParaRPr b="1" lang="en-GB" sz="2400" spc="-1" strike="noStrike">
-              <a:solidFill>
-                <a:srgbClr val="2c3e50"/>
-              </a:solidFill>
-              <a:latin typeface="Source Sans Pro Semibold"/>
-            </a:endParaRPr>
-          </a:p>
-        </p:txBody>
-      </p:sp>
-      <p:sp>
-        <p:nvSpPr>
-          <p:cNvPr id="23" name="PlaceHolder 3"/>
+            <a:endParaRPr b="0" lang="en-GB" sz="3200" spc="-1" strike="noStrike">
+              <a:latin typeface="Arial"/>
+            </a:endParaRPr>
+          </a:p>
+        </p:txBody>
+      </p:sp>
+      <p:sp>
+        <p:nvSpPr>
+          <p:cNvPr id="19" name="PlaceHolder 3"/>
           <p:cNvSpPr>
             <a:spLocks noGrp="1"/>
           </p:cNvSpPr>
@@ -4175,8 +3898,8 @@
         </p:nvSpPr>
         <p:spPr>
           <a:xfrm>
-            <a:off x="5155920" y="1485000"/>
-            <a:ext cx="4567320" cy="1802880"/>
+            <a:off x="5152680" y="1326600"/>
+            <a:ext cx="4426920" cy="1568520"/>
           </a:xfrm>
           <a:prstGeom prst="rect">
             <a:avLst/>
@@ -4187,18 +3910,15 @@
             <a:normAutofit/>
           </a:bodyPr>
           <a:p>
-            <a:endParaRPr b="1" lang="en-GB" sz="2400" spc="-1" strike="noStrike">
-              <a:solidFill>
-                <a:srgbClr val="2c3e50"/>
-              </a:solidFill>
-              <a:latin typeface="Source Sans Pro Semibold"/>
-            </a:endParaRPr>
-          </a:p>
-        </p:txBody>
-      </p:sp>
-      <p:sp>
-        <p:nvSpPr>
-          <p:cNvPr id="24" name="PlaceHolder 4"/>
+            <a:endParaRPr b="0" lang="en-GB" sz="3200" spc="-1" strike="noStrike">
+              <a:latin typeface="Arial"/>
+            </a:endParaRPr>
+          </a:p>
+        </p:txBody>
+      </p:sp>
+      <p:sp>
+        <p:nvSpPr>
+          <p:cNvPr id="20" name="PlaceHolder 4"/>
           <p:cNvSpPr>
             <a:spLocks noGrp="1"/>
           </p:cNvSpPr>
@@ -4208,8 +3928,8 @@
         </p:nvSpPr>
         <p:spPr>
           <a:xfrm>
-            <a:off x="5155920" y="3459600"/>
-            <a:ext cx="4567320" cy="1802880"/>
+            <a:off x="5152680" y="3044520"/>
+            <a:ext cx="4426920" cy="1568520"/>
           </a:xfrm>
           <a:prstGeom prst="rect">
             <a:avLst/>
@@ -4220,11 +3940,8 @@
             <a:normAutofit/>
           </a:bodyPr>
           <a:p>
-            <a:endParaRPr b="1" lang="en-GB" sz="2400" spc="-1" strike="noStrike">
-              <a:solidFill>
-                <a:srgbClr val="2c3e50"/>
-              </a:solidFill>
-              <a:latin typeface="Source Sans Pro Semibold"/>
+            <a:endParaRPr b="0" lang="en-GB" sz="3200" spc="-1" strike="noStrike">
+              <a:latin typeface="Arial"/>
             </a:endParaRPr>
           </a:p>
         </p:txBody>
@@ -4253,7 +3970,7 @@
       </p:grpSpPr>
       <p:sp>
         <p:nvSpPr>
-          <p:cNvPr id="25" name="PlaceHolder 1"/>
+          <p:cNvPr id="21" name="PlaceHolder 1"/>
           <p:cNvSpPr>
             <a:spLocks noGrp="1"/>
           </p:cNvSpPr>
@@ -4263,8 +3980,8 @@
         </p:nvSpPr>
         <p:spPr>
           <a:xfrm>
-            <a:off x="360000" y="225720"/>
-            <a:ext cx="9360000" cy="718920"/>
+            <a:off x="504000" y="226080"/>
+            <a:ext cx="9072000" cy="946440"/>
           </a:xfrm>
           <a:prstGeom prst="rect">
             <a:avLst/>
@@ -4275,18 +3992,16 @@
             <a:noAutofit/>
           </a:bodyPr>
           <a:p>
-            <a:endParaRPr b="1" lang="en-GB" sz="2700" spc="-1" strike="noStrike">
-              <a:solidFill>
-                <a:srgbClr val="ffffff"/>
-              </a:solidFill>
-              <a:latin typeface="Source Sans Pro Black"/>
-            </a:endParaRPr>
-          </a:p>
-        </p:txBody>
-      </p:sp>
-      <p:sp>
-        <p:nvSpPr>
-          <p:cNvPr id="26" name="PlaceHolder 2"/>
+            <a:pPr algn="ctr"/>
+            <a:endParaRPr b="0" lang="en-GB" sz="4400" spc="-1" strike="noStrike">
+              <a:latin typeface="Arial"/>
+            </a:endParaRPr>
+          </a:p>
+        </p:txBody>
+      </p:sp>
+      <p:sp>
+        <p:nvSpPr>
+          <p:cNvPr id="22" name="PlaceHolder 2"/>
           <p:cNvSpPr>
             <a:spLocks noGrp="1"/>
           </p:cNvSpPr>
@@ -4296,8 +4011,8 @@
         </p:nvSpPr>
         <p:spPr>
           <a:xfrm>
-            <a:off x="360000" y="1485000"/>
-            <a:ext cx="4567320" cy="1802880"/>
+            <a:off x="504000" y="1326600"/>
+            <a:ext cx="4426920" cy="1568520"/>
           </a:xfrm>
           <a:prstGeom prst="rect">
             <a:avLst/>
@@ -4308,18 +4023,15 @@
             <a:normAutofit/>
           </a:bodyPr>
           <a:p>
-            <a:endParaRPr b="1" lang="en-GB" sz="2400" spc="-1" strike="noStrike">
-              <a:solidFill>
-                <a:srgbClr val="2c3e50"/>
-              </a:solidFill>
-              <a:latin typeface="Source Sans Pro Semibold"/>
-            </a:endParaRPr>
-          </a:p>
-        </p:txBody>
-      </p:sp>
-      <p:sp>
-        <p:nvSpPr>
-          <p:cNvPr id="27" name="PlaceHolder 3"/>
+            <a:endParaRPr b="0" lang="en-GB" sz="3200" spc="-1" strike="noStrike">
+              <a:latin typeface="Arial"/>
+            </a:endParaRPr>
+          </a:p>
+        </p:txBody>
+      </p:sp>
+      <p:sp>
+        <p:nvSpPr>
+          <p:cNvPr id="23" name="PlaceHolder 3"/>
           <p:cNvSpPr>
             <a:spLocks noGrp="1"/>
           </p:cNvSpPr>
@@ -4329,8 +4041,8 @@
         </p:nvSpPr>
         <p:spPr>
           <a:xfrm>
-            <a:off x="5155920" y="1485000"/>
-            <a:ext cx="4567320" cy="1802880"/>
+            <a:off x="5152680" y="1326600"/>
+            <a:ext cx="4426920" cy="1568520"/>
           </a:xfrm>
           <a:prstGeom prst="rect">
             <a:avLst/>
@@ -4341,18 +4053,15 @@
             <a:normAutofit/>
           </a:bodyPr>
           <a:p>
-            <a:endParaRPr b="1" lang="en-GB" sz="2400" spc="-1" strike="noStrike">
-              <a:solidFill>
-                <a:srgbClr val="2c3e50"/>
-              </a:solidFill>
-              <a:latin typeface="Source Sans Pro Semibold"/>
-            </a:endParaRPr>
-          </a:p>
-        </p:txBody>
-      </p:sp>
-      <p:sp>
-        <p:nvSpPr>
-          <p:cNvPr id="28" name="PlaceHolder 4"/>
+            <a:endParaRPr b="0" lang="en-GB" sz="3200" spc="-1" strike="noStrike">
+              <a:latin typeface="Arial"/>
+            </a:endParaRPr>
+          </a:p>
+        </p:txBody>
+      </p:sp>
+      <p:sp>
+        <p:nvSpPr>
+          <p:cNvPr id="24" name="PlaceHolder 4"/>
           <p:cNvSpPr>
             <a:spLocks noGrp="1"/>
           </p:cNvSpPr>
@@ -4362,8 +4071,8 @@
         </p:nvSpPr>
         <p:spPr>
           <a:xfrm>
-            <a:off x="360000" y="3459600"/>
-            <a:ext cx="9360000" cy="1802880"/>
+            <a:off x="504000" y="3044520"/>
+            <a:ext cx="9072000" cy="1568520"/>
           </a:xfrm>
           <a:prstGeom prst="rect">
             <a:avLst/>
@@ -4374,11 +4083,8 @@
             <a:normAutofit/>
           </a:bodyPr>
           <a:p>
-            <a:endParaRPr b="1" lang="en-GB" sz="2400" spc="-1" strike="noStrike">
-              <a:solidFill>
-                <a:srgbClr val="2c3e50"/>
-              </a:solidFill>
-              <a:latin typeface="Source Sans Pro Semibold"/>
+            <a:endParaRPr b="0" lang="en-GB" sz="3200" spc="-1" strike="noStrike">
+              <a:latin typeface="Arial"/>
             </a:endParaRPr>
           </a:p>
         </p:txBody>
@@ -4413,8 +4119,8 @@
         </p:nvSpPr>
         <p:spPr>
           <a:xfrm>
-            <a:off x="0" y="5400000"/>
-            <a:ext cx="10080000" cy="270000"/>
+            <a:off x="0" y="0"/>
+            <a:ext cx="10079280" cy="5669280"/>
           </a:xfrm>
           <a:prstGeom prst="rect">
             <a:avLst/>
@@ -4442,385 +4148,9 @@
         <p:spPr>
           <a:xfrm>
             <a:off x="0" y="0"/>
-            <a:ext cx="10080000" cy="1215000"/>
-          </a:xfrm>
-          <a:prstGeom prst="rect">
-            <a:avLst/>
-          </a:prstGeom>
-          <a:solidFill>
-            <a:srgbClr val="2c3e50"/>
-          </a:solidFill>
-          <a:ln w="10800">
-            <a:noFill/>
-          </a:ln>
-        </p:spPr>
-        <p:style>
-          <a:lnRef idx="0"/>
-          <a:fillRef idx="0"/>
-          <a:effectRef idx="0"/>
-          <a:fontRef idx="minor"/>
-        </p:style>
-      </p:sp>
-      <p:sp>
-        <p:nvSpPr>
-          <p:cNvPr id="2" name="PlaceHolder 1"/>
-          <p:cNvSpPr>
-            <a:spLocks noGrp="1"/>
-          </p:cNvSpPr>
-          <p:nvPr>
-            <p:ph type="title"/>
-          </p:nvPr>
-        </p:nvSpPr>
-        <p:spPr>
-          <a:xfrm>
-            <a:off x="360000" y="225720"/>
-            <a:ext cx="9360000" cy="718920"/>
-          </a:xfrm>
-          <a:prstGeom prst="rect">
-            <a:avLst/>
-          </a:prstGeom>
-        </p:spPr>
-        <p:txBody>
-          <a:bodyPr lIns="0" rIns="0" tIns="0" bIns="0" anchor="ctr">
-            <a:noAutofit/>
-          </a:bodyPr>
-          <a:p>
-            <a:r>
-              <a:rPr b="1" lang="en-GB" sz="2700" spc="-1" strike="noStrike">
-                <a:solidFill>
-                  <a:srgbClr val="ffffff"/>
-                </a:solidFill>
-                <a:latin typeface="Source Sans Pro Black"/>
-              </a:rPr>
-              <a:t>Click to edit the title text format</a:t>
-            </a:r>
-            <a:endParaRPr b="1" lang="en-GB" sz="2700" spc="-1" strike="noStrike">
-              <a:solidFill>
-                <a:srgbClr val="ffffff"/>
-              </a:solidFill>
-              <a:latin typeface="Source Sans Pro Black"/>
-            </a:endParaRPr>
-          </a:p>
-        </p:txBody>
-      </p:sp>
-      <p:sp>
-        <p:nvSpPr>
-          <p:cNvPr id="3" name="PlaceHolder 2"/>
-          <p:cNvSpPr>
-            <a:spLocks noGrp="1"/>
-          </p:cNvSpPr>
-          <p:nvPr>
-            <p:ph type="body"/>
-          </p:nvPr>
-        </p:nvSpPr>
-        <p:spPr>
-          <a:xfrm>
-            <a:off x="360000" y="1485000"/>
-            <a:ext cx="9360000" cy="3780000"/>
-          </a:xfrm>
-          <a:prstGeom prst="rect">
-            <a:avLst/>
-          </a:prstGeom>
-        </p:spPr>
-        <p:txBody>
-          <a:bodyPr lIns="0" rIns="0" tIns="0" bIns="0">
-            <a:normAutofit/>
-          </a:bodyPr>
-          <a:p>
-            <a:pPr marL="432000" indent="-324000">
-              <a:spcAft>
-                <a:spcPts val="1057"/>
-              </a:spcAft>
-              <a:buClr>
-                <a:srgbClr val="2c3e50"/>
-              </a:buClr>
-              <a:buSzPct val="45000"/>
-              <a:buFont typeface="Wingdings" charset="2"/>
-              <a:buChar char=""/>
-            </a:pPr>
-            <a:r>
-              <a:rPr b="1" lang="en-GB" sz="2400" spc="-1" strike="noStrike">
-                <a:solidFill>
-                  <a:srgbClr val="2c3e50"/>
-                </a:solidFill>
-                <a:latin typeface="Source Sans Pro Semibold"/>
-              </a:rPr>
-              <a:t>Click to edit the outline text format</a:t>
-            </a:r>
-            <a:endParaRPr b="1" lang="en-GB" sz="2400" spc="-1" strike="noStrike">
-              <a:solidFill>
-                <a:srgbClr val="2c3e50"/>
-              </a:solidFill>
-              <a:latin typeface="Source Sans Pro Semibold"/>
-            </a:endParaRPr>
-          </a:p>
-          <a:p>
-            <a:pPr lvl="1" marL="864000" indent="-324000">
-              <a:spcAft>
-                <a:spcPts val="850"/>
-              </a:spcAft>
-              <a:buClr>
-                <a:srgbClr val="2c3e50"/>
-              </a:buClr>
-              <a:buSzPct val="75000"/>
-              <a:buFont typeface="Symbol" charset="2"/>
-              <a:buChar char=""/>
-            </a:pPr>
-            <a:r>
-              <a:rPr b="0" lang="en-GB" sz="2100" spc="-1" strike="noStrike">
-                <a:solidFill>
-                  <a:srgbClr val="2c3e50"/>
-                </a:solidFill>
-                <a:latin typeface="Source Sans Pro"/>
-              </a:rPr>
-              <a:t>Second Outline Level</a:t>
-            </a:r>
-            <a:endParaRPr b="0" lang="en-GB" sz="2100" spc="-1" strike="noStrike">
-              <a:solidFill>
-                <a:srgbClr val="2c3e50"/>
-              </a:solidFill>
-              <a:latin typeface="Source Sans Pro"/>
-            </a:endParaRPr>
-          </a:p>
-          <a:p>
-            <a:pPr lvl="2" marL="1296000" indent="-288000">
-              <a:spcAft>
-                <a:spcPts val="635"/>
-              </a:spcAft>
-              <a:buClr>
-                <a:srgbClr val="2c3e50"/>
-              </a:buClr>
-              <a:buSzPct val="45000"/>
-              <a:buFont typeface="Wingdings" charset="2"/>
-              <a:buChar char=""/>
-            </a:pPr>
-            <a:r>
-              <a:rPr b="0" lang="en-GB" sz="1800" spc="-1" strike="noStrike">
-                <a:solidFill>
-                  <a:srgbClr val="2c3e50"/>
-                </a:solidFill>
-                <a:latin typeface="Source Sans Pro"/>
-              </a:rPr>
-              <a:t>Third Outline Level</a:t>
-            </a:r>
-            <a:endParaRPr b="0" lang="en-GB" sz="1800" spc="-1" strike="noStrike">
-              <a:solidFill>
-                <a:srgbClr val="2c3e50"/>
-              </a:solidFill>
-              <a:latin typeface="Source Sans Pro"/>
-            </a:endParaRPr>
-          </a:p>
-          <a:p>
-            <a:pPr lvl="3" marL="1728000" indent="-216000">
-              <a:spcAft>
-                <a:spcPts val="425"/>
-              </a:spcAft>
-              <a:buClr>
-                <a:srgbClr val="2c3e50"/>
-              </a:buClr>
-              <a:buSzPct val="75000"/>
-              <a:buFont typeface="Symbol" charset="2"/>
-              <a:buChar char=""/>
-            </a:pPr>
-            <a:r>
-              <a:rPr b="0" lang="en-GB" sz="1500" spc="-1" strike="noStrike">
-                <a:solidFill>
-                  <a:srgbClr val="2c3e50"/>
-                </a:solidFill>
-                <a:latin typeface="Source Sans Pro"/>
-              </a:rPr>
-              <a:t>Fourth Outline Level</a:t>
-            </a:r>
-            <a:endParaRPr b="0" lang="en-GB" sz="1500" spc="-1" strike="noStrike">
-              <a:solidFill>
-                <a:srgbClr val="2c3e50"/>
-              </a:solidFill>
-              <a:latin typeface="Source Sans Pro"/>
-            </a:endParaRPr>
-          </a:p>
-          <a:p>
-            <a:pPr lvl="4" marL="2160000" indent="-216000">
-              <a:spcAft>
-                <a:spcPts val="213"/>
-              </a:spcAft>
-              <a:buClr>
-                <a:srgbClr val="2c3e50"/>
-              </a:buClr>
-              <a:buSzPct val="45000"/>
-              <a:buFont typeface="Wingdings" charset="2"/>
-              <a:buChar char=""/>
-            </a:pPr>
-            <a:r>
-              <a:rPr b="0" lang="en-GB" sz="1500" spc="-1" strike="noStrike">
-                <a:solidFill>
-                  <a:srgbClr val="2c3e50"/>
-                </a:solidFill>
-                <a:latin typeface="Source Sans Pro"/>
-              </a:rPr>
-              <a:t>Fifth Outline Level</a:t>
-            </a:r>
-            <a:endParaRPr b="0" lang="en-GB" sz="1500" spc="-1" strike="noStrike">
-              <a:solidFill>
-                <a:srgbClr val="2c3e50"/>
-              </a:solidFill>
-              <a:latin typeface="Source Sans Pro"/>
-            </a:endParaRPr>
-          </a:p>
-          <a:p>
-            <a:pPr lvl="5" marL="2592000" indent="-216000">
-              <a:spcAft>
-                <a:spcPts val="213"/>
-              </a:spcAft>
-              <a:buClr>
-                <a:srgbClr val="2c3e50"/>
-              </a:buClr>
-              <a:buSzPct val="45000"/>
-              <a:buFont typeface="Wingdings" charset="2"/>
-              <a:buChar char=""/>
-            </a:pPr>
-            <a:r>
-              <a:rPr b="0" lang="en-GB" sz="1500" spc="-1" strike="noStrike">
-                <a:solidFill>
-                  <a:srgbClr val="2c3e50"/>
-                </a:solidFill>
-                <a:latin typeface="Source Sans Pro"/>
-              </a:rPr>
-              <a:t>Sixth Outline Level</a:t>
-            </a:r>
-            <a:endParaRPr b="0" lang="en-GB" sz="1500" spc="-1" strike="noStrike">
-              <a:solidFill>
-                <a:srgbClr val="2c3e50"/>
-              </a:solidFill>
-              <a:latin typeface="Source Sans Pro"/>
-            </a:endParaRPr>
-          </a:p>
-          <a:p>
-            <a:pPr lvl="6" marL="3024000" indent="-216000">
-              <a:spcAft>
-                <a:spcPts val="213"/>
-              </a:spcAft>
-              <a:buClr>
-                <a:srgbClr val="2c3e50"/>
-              </a:buClr>
-              <a:buSzPct val="45000"/>
-              <a:buFont typeface="Wingdings" charset="2"/>
-              <a:buChar char=""/>
-            </a:pPr>
-            <a:r>
-              <a:rPr b="0" lang="en-GB" sz="1500" spc="-1" strike="noStrike">
-                <a:solidFill>
-                  <a:srgbClr val="2c3e50"/>
-                </a:solidFill>
-                <a:latin typeface="Source Sans Pro"/>
-              </a:rPr>
-              <a:t>Seventh Outline Level</a:t>
-            </a:r>
-            <a:endParaRPr b="0" lang="en-GB" sz="1500" spc="-1" strike="noStrike">
-              <a:solidFill>
-                <a:srgbClr val="2c3e50"/>
-              </a:solidFill>
-              <a:latin typeface="Source Sans Pro"/>
-            </a:endParaRPr>
-          </a:p>
-        </p:txBody>
-      </p:sp>
-      <p:sp>
-        <p:nvSpPr>
-          <p:cNvPr id="4" name="PlaceHolder 3"/>
-          <p:cNvSpPr>
-            <a:spLocks noGrp="1"/>
-          </p:cNvSpPr>
-          <p:nvPr>
-            <p:ph type="dt"/>
-          </p:nvPr>
-        </p:nvSpPr>
-        <p:spPr>
-          <a:xfrm>
-            <a:off x="360000" y="5400000"/>
-            <a:ext cx="2880000" cy="270000"/>
-          </a:xfrm>
-          <a:prstGeom prst="rect">
-            <a:avLst/>
-          </a:prstGeom>
-        </p:spPr>
-        <p:txBody>
-          <a:bodyPr lIns="0" rIns="0" tIns="0" bIns="0">
-            <a:noAutofit/>
-          </a:bodyPr>
-          <a:p>
-            <a:r>
-              <a:rPr b="1" lang="en-GB" sz="1800" spc="-1" strike="noStrike">
-                <a:solidFill>
-                  <a:srgbClr val="ffffff"/>
-                </a:solidFill>
-                <a:latin typeface="Source Sans Pro Black"/>
-              </a:rPr>
-              <a:t>&lt;date/time&gt;</a:t>
-            </a:r>
-            <a:endParaRPr b="1" lang="en-GB" sz="1800" spc="-1" strike="noStrike">
-              <a:solidFill>
-                <a:srgbClr val="ffffff"/>
-              </a:solidFill>
-              <a:latin typeface="Source Sans Pro Black"/>
-            </a:endParaRPr>
-          </a:p>
-        </p:txBody>
-      </p:sp>
-      <p:sp>
-        <p:nvSpPr>
-          <p:cNvPr id="5" name="PlaceHolder 4"/>
-          <p:cNvSpPr>
-            <a:spLocks noGrp="1"/>
-          </p:cNvSpPr>
-          <p:nvPr>
-            <p:ph type="ftr"/>
-          </p:nvPr>
-        </p:nvSpPr>
-        <p:spPr>
-          <a:xfrm>
-            <a:off x="3420000" y="5400000"/>
-            <a:ext cx="3240000" cy="270000"/>
-          </a:xfrm>
-          <a:prstGeom prst="rect">
-            <a:avLst/>
-          </a:prstGeom>
-        </p:spPr>
-        <p:txBody>
-          <a:bodyPr lIns="0" rIns="0" tIns="0" bIns="0">
-            <a:noAutofit/>
-          </a:bodyPr>
-          <a:p>
-            <a:pPr algn="ctr"/>
-            <a:r>
-              <a:rPr b="1" lang="en-GB" sz="1800" spc="-1" strike="noStrike">
-                <a:solidFill>
-                  <a:srgbClr val="ffffff"/>
-                </a:solidFill>
-                <a:latin typeface="Source Sans Pro Black"/>
-              </a:rPr>
-              <a:t>&lt;footer&gt;</a:t>
-            </a:r>
-            <a:endParaRPr b="1" lang="en-GB" sz="1800" spc="-1" strike="noStrike">
-              <a:solidFill>
-                <a:srgbClr val="ffffff"/>
-              </a:solidFill>
-              <a:latin typeface="Source Sans Pro Black"/>
-            </a:endParaRPr>
-          </a:p>
-        </p:txBody>
-      </p:sp>
-      <p:sp>
-        <p:nvSpPr>
-          <p:cNvPr id="6" name=""/>
-          <p:cNvSpPr/>
-          <p:nvPr/>
-        </p:nvSpPr>
-        <p:spPr>
-          <a:xfrm>
-            <a:off x="9315000" y="5175000"/>
-            <a:ext cx="450000" cy="450000"/>
-          </a:xfrm>
-          <a:prstGeom prst="ellipse">
+            <a:ext cx="10079280" cy="3779280"/>
+          </a:xfrm>
+          <a:prstGeom prst="rect">
             <a:avLst/>
           </a:prstGeom>
           <a:solidFill>
@@ -4842,43 +4172,215 @@
       </p:sp>
       <p:sp>
         <p:nvSpPr>
-          <p:cNvPr id="7" name=""/>
-          <p:cNvSpPr txBox="1"/>
-          <p:nvPr/>
-        </p:nvSpPr>
-        <p:spPr>
-          <a:xfrm>
-            <a:off x="9180000" y="5130000"/>
-            <a:ext cx="720000" cy="540000"/>
-          </a:xfrm>
-          <a:prstGeom prst="rect">
-            <a:avLst/>
-          </a:prstGeom>
-          <a:noFill/>
-          <a:ln w="72000">
-            <a:noFill/>
-          </a:ln>
-        </p:spPr>
-        <p:txBody>
-          <a:bodyPr lIns="0" rIns="0" tIns="0" bIns="0" anchor="ctr">
+          <p:cNvPr id="2" name="PlaceHolder 1"/>
+          <p:cNvSpPr>
+            <a:spLocks noGrp="1"/>
+          </p:cNvSpPr>
+          <p:nvPr>
+            <p:ph type="title"/>
+          </p:nvPr>
+        </p:nvSpPr>
+        <p:spPr>
+          <a:xfrm>
+            <a:off x="360000" y="225720"/>
+            <a:ext cx="9359280" cy="718200"/>
+          </a:xfrm>
+          <a:prstGeom prst="rect">
+            <a:avLst/>
+          </a:prstGeom>
+        </p:spPr>
+        <p:txBody>
+          <a:bodyPr lIns="0" rIns="0" tIns="0" bIns="0" anchor="ctr" anchorCtr="1">
             <a:noAutofit/>
           </a:bodyPr>
           <a:p>
-            <a:pPr algn="ctr"/>
-            <a:fld id="{4B4D5465-01CB-4A3F-B53C-D3537370305E}" type="slidenum">
-              <a:rPr b="1" lang="en-GB" sz="1800" spc="-1" strike="noStrike">
-                <a:solidFill>
-                  <a:srgbClr val="ffffff"/>
-                </a:solidFill>
-                <a:latin typeface="Source Sans Pro Black"/>
-              </a:rPr>
-              <a:t>&lt;number&gt;</a:t>
-            </a:fld>
-            <a:endParaRPr b="1" lang="en-GB" sz="1800" spc="-1" strike="noStrike">
-              <a:solidFill>
-                <a:srgbClr val="ffffff"/>
-              </a:solidFill>
-              <a:latin typeface="Source Sans Pro Black"/>
+            <a:r>
+              <a:rPr b="0" lang="en-GB" sz="1800" spc="-1" strike="noStrike">
+                <a:latin typeface="Arial"/>
+              </a:rPr>
+              <a:t>Click to edit the title text format</a:t>
+            </a:r>
+            <a:endParaRPr b="0" lang="en-GB" sz="1800" spc="-1" strike="noStrike">
+              <a:latin typeface="Arial"/>
+            </a:endParaRPr>
+          </a:p>
+        </p:txBody>
+      </p:sp>
+      <p:sp>
+        <p:nvSpPr>
+          <p:cNvPr id="3" name="PlaceHolder 2"/>
+          <p:cNvSpPr>
+            <a:spLocks noGrp="1"/>
+          </p:cNvSpPr>
+          <p:nvPr>
+            <p:ph type="body"/>
+          </p:nvPr>
+        </p:nvSpPr>
+        <p:spPr>
+          <a:xfrm>
+            <a:off x="360000" y="1485000"/>
+            <a:ext cx="9359280" cy="3779280"/>
+          </a:xfrm>
+          <a:prstGeom prst="rect">
+            <a:avLst/>
+          </a:prstGeom>
+        </p:spPr>
+        <p:txBody>
+          <a:bodyPr lIns="0" rIns="0" tIns="0" bIns="0">
+            <a:normAutofit/>
+          </a:bodyPr>
+          <a:p>
+            <a:pPr marL="432000" indent="-324000">
+              <a:spcBef>
+                <a:spcPts val="1417"/>
+              </a:spcBef>
+              <a:buClr>
+                <a:srgbClr val="000000"/>
+              </a:buClr>
+              <a:buSzPct val="45000"/>
+              <a:buFont typeface="Wingdings" charset="2"/>
+              <a:buChar char=""/>
+            </a:pPr>
+            <a:r>
+              <a:rPr b="0" lang="en-GB" sz="1800" spc="-1" strike="noStrike">
+                <a:latin typeface="Arial"/>
+              </a:rPr>
+              <a:t>Click to edit the outline text format</a:t>
+            </a:r>
+            <a:endParaRPr b="0" lang="en-GB" sz="1800" spc="-1" strike="noStrike">
+              <a:latin typeface="Arial"/>
+            </a:endParaRPr>
+          </a:p>
+          <a:p>
+            <a:pPr lvl="1" marL="864000" indent="-324000">
+              <a:spcBef>
+                <a:spcPts val="1134"/>
+              </a:spcBef>
+              <a:buClr>
+                <a:srgbClr val="000000"/>
+              </a:buClr>
+              <a:buSzPct val="75000"/>
+              <a:buFont typeface="Symbol" charset="2"/>
+              <a:buChar char=""/>
+            </a:pPr>
+            <a:r>
+              <a:rPr b="0" lang="en-GB" sz="1800" spc="-1" strike="noStrike">
+                <a:latin typeface="Arial"/>
+              </a:rPr>
+              <a:t>Second Outline Level</a:t>
+            </a:r>
+            <a:endParaRPr b="0" lang="en-GB" sz="1800" spc="-1" strike="noStrike">
+              <a:latin typeface="Arial"/>
+            </a:endParaRPr>
+          </a:p>
+          <a:p>
+            <a:pPr lvl="2" marL="1296000" indent="-288000">
+              <a:spcBef>
+                <a:spcPts val="850"/>
+              </a:spcBef>
+              <a:buClr>
+                <a:srgbClr val="000000"/>
+              </a:buClr>
+              <a:buSzPct val="45000"/>
+              <a:buFont typeface="Wingdings" charset="2"/>
+              <a:buChar char=""/>
+            </a:pPr>
+            <a:r>
+              <a:rPr b="0" lang="en-GB" sz="1800" spc="-1" strike="noStrike">
+                <a:latin typeface="Arial"/>
+              </a:rPr>
+              <a:t>Third Outline Level</a:t>
+            </a:r>
+            <a:endParaRPr b="0" lang="en-GB" sz="1800" spc="-1" strike="noStrike">
+              <a:latin typeface="Arial"/>
+            </a:endParaRPr>
+          </a:p>
+          <a:p>
+            <a:pPr lvl="3" marL="1728000" indent="-216000">
+              <a:spcBef>
+                <a:spcPts val="567"/>
+              </a:spcBef>
+              <a:buClr>
+                <a:srgbClr val="000000"/>
+              </a:buClr>
+              <a:buSzPct val="75000"/>
+              <a:buFont typeface="Symbol" charset="2"/>
+              <a:buChar char=""/>
+            </a:pPr>
+            <a:r>
+              <a:rPr b="0" lang="en-GB" sz="1800" spc="-1" strike="noStrike">
+                <a:latin typeface="Arial"/>
+              </a:rPr>
+              <a:t>Fourth Outline Level</a:t>
+            </a:r>
+            <a:endParaRPr b="0" lang="en-GB" sz="1800" spc="-1" strike="noStrike">
+              <a:latin typeface="Arial"/>
+            </a:endParaRPr>
+          </a:p>
+          <a:p>
+            <a:pPr lvl="4" marL="2160000" indent="-216000">
+              <a:spcBef>
+                <a:spcPts val="283"/>
+              </a:spcBef>
+              <a:buClr>
+                <a:srgbClr val="000000"/>
+              </a:buClr>
+              <a:buSzPct val="45000"/>
+              <a:buFont typeface="Wingdings" charset="2"/>
+              <a:buChar char=""/>
+            </a:pPr>
+            <a:r>
+              <a:rPr b="0" lang="en-GB" sz="1800" spc="-1" strike="noStrike">
+                <a:latin typeface="Arial"/>
+              </a:rPr>
+              <a:t>Fifth Outline Level</a:t>
+            </a:r>
+            <a:endParaRPr b="0" lang="en-GB" sz="1800" spc="-1" strike="noStrike">
+              <a:latin typeface="Arial"/>
+            </a:endParaRPr>
+          </a:p>
+          <a:p>
+            <a:pPr lvl="5" marL="2592000" indent="-216000">
+              <a:spcBef>
+                <a:spcPts val="283"/>
+              </a:spcBef>
+              <a:buClr>
+                <a:srgbClr val="000000"/>
+              </a:buClr>
+              <a:buSzPct val="45000"/>
+              <a:buFont typeface="Wingdings" charset="2"/>
+              <a:buChar char=""/>
+            </a:pPr>
+            <a:r>
+              <a:rPr b="0" lang="en-GB" sz="1800" spc="-1" strike="noStrike">
+                <a:latin typeface="Arial"/>
+              </a:rPr>
+              <a:t>Sixth Outline Level</a:t>
+            </a:r>
+            <a:endParaRPr b="0" lang="en-GB" sz="1800" spc="-1" strike="noStrike">
+              <a:latin typeface="Arial"/>
+            </a:endParaRPr>
+          </a:p>
+          <a:p>
+            <a:pPr lvl="6" marL="3024000" indent="-216000">
+              <a:spcBef>
+                <a:spcPts val="283"/>
+              </a:spcBef>
+              <a:buClr>
+                <a:srgbClr val="000000"/>
+              </a:buClr>
+              <a:buSzPct val="45000"/>
+              <a:buFont typeface="Wingdings" charset="2"/>
+              <a:buChar char=""/>
+            </a:pPr>
+            <a:r>
+              <a:rPr b="0" lang="en-GB" sz="1800" spc="-1" strike="noStrike">
+                <a:latin typeface="Arial"/>
+              </a:rPr>
+              <a:t>Seventh Outline Level</a:t>
+            </a:r>
+            <a:endParaRPr b="0" lang="en-GB" sz="1800" spc="-1" strike="noStrike">
+              <a:latin typeface="Arial"/>
             </a:endParaRPr>
           </a:p>
         </p:txBody>
@@ -4922,14 +4424,14 @@
       </p:grpSpPr>
       <p:sp>
         <p:nvSpPr>
-          <p:cNvPr id="44" name=""/>
+          <p:cNvPr id="40" name=""/>
           <p:cNvSpPr/>
           <p:nvPr/>
         </p:nvSpPr>
         <p:spPr>
           <a:xfrm>
-            <a:off x="0" y="0"/>
-            <a:ext cx="10080000" cy="5670000"/>
+            <a:off x="0" y="5400000"/>
+            <a:ext cx="10079280" cy="269280"/>
           </a:xfrm>
           <a:prstGeom prst="rect">
             <a:avLst/>
@@ -4950,16 +4452,44 @@
       </p:sp>
       <p:sp>
         <p:nvSpPr>
-          <p:cNvPr id="45" name=""/>
+          <p:cNvPr id="41" name=""/>
           <p:cNvSpPr/>
           <p:nvPr/>
         </p:nvSpPr>
         <p:spPr>
           <a:xfrm>
             <a:off x="0" y="0"/>
-            <a:ext cx="10080000" cy="3780000"/>
-          </a:xfrm>
-          <a:prstGeom prst="rect">
+            <a:ext cx="10079280" cy="1214280"/>
+          </a:xfrm>
+          <a:prstGeom prst="rect">
+            <a:avLst/>
+          </a:prstGeom>
+          <a:solidFill>
+            <a:srgbClr val="2c3e50"/>
+          </a:solidFill>
+          <a:ln w="10800">
+            <a:noFill/>
+          </a:ln>
+        </p:spPr>
+        <p:style>
+          <a:lnRef idx="0"/>
+          <a:fillRef idx="0"/>
+          <a:effectRef idx="0"/>
+          <a:fontRef idx="minor"/>
+        </p:style>
+      </p:sp>
+      <p:sp>
+        <p:nvSpPr>
+          <p:cNvPr id="42" name=""/>
+          <p:cNvSpPr/>
+          <p:nvPr/>
+        </p:nvSpPr>
+        <p:spPr>
+          <a:xfrm>
+            <a:off x="9315000" y="5175000"/>
+            <a:ext cx="449280" cy="449280"/>
+          </a:xfrm>
+          <a:prstGeom prst="ellipse">
             <a:avLst/>
           </a:prstGeom>
           <a:solidFill>
@@ -4981,350 +4511,267 @@
       </p:sp>
       <p:sp>
         <p:nvSpPr>
-          <p:cNvPr id="46" name="PlaceHolder 1"/>
-          <p:cNvSpPr>
-            <a:spLocks noGrp="1"/>
-          </p:cNvSpPr>
-          <p:nvPr>
-            <p:ph type="title"/>
-          </p:nvPr>
-        </p:nvSpPr>
-        <p:spPr>
-          <a:xfrm>
-            <a:off x="360000" y="2835000"/>
-            <a:ext cx="9360000" cy="718920"/>
-          </a:xfrm>
-          <a:prstGeom prst="rect">
-            <a:avLst/>
-          </a:prstGeom>
-        </p:spPr>
-        <p:txBody>
-          <a:bodyPr lIns="0" rIns="0" tIns="0" bIns="0" anchor="ctr" anchorCtr="1">
-            <a:noAutofit/>
-          </a:bodyPr>
-          <a:p>
-            <a:pPr algn="ctr"/>
-            <a:r>
-              <a:rPr b="1" lang="en-GB" sz="2700" spc="-1" strike="noStrike">
-                <a:solidFill>
-                  <a:srgbClr val="ffffff"/>
-                </a:solidFill>
-                <a:latin typeface="Source Sans Pro Black"/>
-              </a:rPr>
-              <a:t>Click to edit the title text format</a:t>
-            </a:r>
-            <a:endParaRPr b="1" lang="en-GB" sz="2700" spc="-1" strike="noStrike">
-              <a:solidFill>
-                <a:srgbClr val="ffffff"/>
-              </a:solidFill>
-              <a:latin typeface="Source Sans Pro Black"/>
-            </a:endParaRPr>
-          </a:p>
-        </p:txBody>
-      </p:sp>
-      <p:sp>
-        <p:nvSpPr>
-          <p:cNvPr id="47" name="PlaceHolder 2"/>
-          <p:cNvSpPr>
-            <a:spLocks noGrp="1"/>
-          </p:cNvSpPr>
-          <p:nvPr>
-            <p:ph type="body"/>
-          </p:nvPr>
-        </p:nvSpPr>
-        <p:spPr>
-          <a:xfrm>
-            <a:off x="360000" y="3915000"/>
-            <a:ext cx="9360000" cy="1485000"/>
-          </a:xfrm>
-          <a:prstGeom prst="rect">
-            <a:avLst/>
-          </a:prstGeom>
-        </p:spPr>
-        <p:txBody>
-          <a:bodyPr lIns="0" rIns="0" tIns="0" bIns="0">
-            <a:normAutofit fontScale="61000"/>
-          </a:bodyPr>
-          <a:p>
-            <a:pPr marL="432000" indent="-324000">
-              <a:spcAft>
-                <a:spcPts val="655"/>
-              </a:spcAft>
-            </a:pPr>
-            <a:r>
-              <a:rPr b="0" lang="en-GB" sz="1500" spc="-1" strike="noStrike">
-                <a:solidFill>
-                  <a:srgbClr val="ffffff"/>
-                </a:solidFill>
-                <a:latin typeface="Source Sans Pro"/>
-              </a:rPr>
-              <a:t>Click to edit the outline text format</a:t>
-            </a:r>
-            <a:endParaRPr b="0" lang="en-GB" sz="1500" spc="-1" strike="noStrike">
-              <a:solidFill>
-                <a:srgbClr val="ffffff"/>
-              </a:solidFill>
-              <a:latin typeface="Source Sans Pro"/>
-            </a:endParaRPr>
-          </a:p>
-          <a:p>
-            <a:pPr lvl="1" marL="864000" indent="-324000">
-              <a:spcAft>
-                <a:spcPts val="850"/>
-              </a:spcAft>
-            </a:pPr>
-            <a:r>
-              <a:rPr b="0" lang="en-GB" sz="1500" spc="-1" strike="noStrike">
-                <a:solidFill>
-                  <a:srgbClr val="ffffff"/>
-                </a:solidFill>
-                <a:latin typeface="Source Sans Pro"/>
-              </a:rPr>
-              <a:t>Second Outline Level</a:t>
-            </a:r>
-            <a:endParaRPr b="0" lang="en-GB" sz="1500" spc="-1" strike="noStrike">
-              <a:solidFill>
-                <a:srgbClr val="ffffff"/>
-              </a:solidFill>
-              <a:latin typeface="Source Sans Pro"/>
-            </a:endParaRPr>
-          </a:p>
-          <a:p>
-            <a:pPr lvl="2" marL="1296000" indent="-288000">
-              <a:spcAft>
-                <a:spcPts val="635"/>
-              </a:spcAft>
-            </a:pPr>
-            <a:r>
-              <a:rPr b="0" lang="en-GB" sz="1500" spc="-1" strike="noStrike">
-                <a:solidFill>
-                  <a:srgbClr val="ffffff"/>
-                </a:solidFill>
-                <a:latin typeface="Source Sans Pro"/>
-              </a:rPr>
-              <a:t>Third Outline Level</a:t>
-            </a:r>
-            <a:endParaRPr b="0" lang="en-GB" sz="1500" spc="-1" strike="noStrike">
-              <a:solidFill>
-                <a:srgbClr val="ffffff"/>
-              </a:solidFill>
-              <a:latin typeface="Source Sans Pro"/>
-            </a:endParaRPr>
-          </a:p>
-          <a:p>
-            <a:pPr lvl="3" marL="1728000" indent="-216000">
-              <a:spcAft>
-                <a:spcPts val="425"/>
-              </a:spcAft>
-            </a:pPr>
-            <a:r>
-              <a:rPr b="0" lang="en-GB" sz="1500" spc="-1" strike="noStrike">
-                <a:solidFill>
-                  <a:srgbClr val="ffffff"/>
-                </a:solidFill>
-                <a:latin typeface="Source Sans Pro"/>
-              </a:rPr>
-              <a:t>Fourth Outline Level</a:t>
-            </a:r>
-            <a:endParaRPr b="0" lang="en-GB" sz="1500" spc="-1" strike="noStrike">
-              <a:solidFill>
-                <a:srgbClr val="ffffff"/>
-              </a:solidFill>
-              <a:latin typeface="Source Sans Pro"/>
-            </a:endParaRPr>
-          </a:p>
-          <a:p>
-            <a:pPr lvl="4" marL="2160000" indent="-216000">
-              <a:spcAft>
-                <a:spcPts val="213"/>
-              </a:spcAft>
-            </a:pPr>
-            <a:r>
-              <a:rPr b="0" lang="en-GB" sz="1500" spc="-1" strike="noStrike">
-                <a:solidFill>
-                  <a:srgbClr val="ffffff"/>
-                </a:solidFill>
-                <a:latin typeface="Source Sans Pro"/>
-              </a:rPr>
-              <a:t>Fifth Outline Level</a:t>
-            </a:r>
-            <a:endParaRPr b="0" lang="en-GB" sz="1500" spc="-1" strike="noStrike">
-              <a:solidFill>
-                <a:srgbClr val="ffffff"/>
-              </a:solidFill>
-              <a:latin typeface="Source Sans Pro"/>
-            </a:endParaRPr>
-          </a:p>
-          <a:p>
-            <a:pPr lvl="5" marL="2592000" indent="-216000">
-              <a:spcAft>
-                <a:spcPts val="213"/>
-              </a:spcAft>
-            </a:pPr>
-            <a:r>
-              <a:rPr b="0" lang="en-GB" sz="1500" spc="-1" strike="noStrike">
-                <a:solidFill>
-                  <a:srgbClr val="ffffff"/>
-                </a:solidFill>
-                <a:latin typeface="Source Sans Pro"/>
-              </a:rPr>
-              <a:t>Sixth Outline Level</a:t>
-            </a:r>
-            <a:endParaRPr b="0" lang="en-GB" sz="1500" spc="-1" strike="noStrike">
-              <a:solidFill>
-                <a:srgbClr val="ffffff"/>
-              </a:solidFill>
-              <a:latin typeface="Source Sans Pro"/>
-            </a:endParaRPr>
-          </a:p>
-          <a:p>
-            <a:pPr lvl="6" marL="3024000" indent="-216000">
-              <a:spcAft>
-                <a:spcPts val="213"/>
-              </a:spcAft>
-            </a:pPr>
-            <a:r>
-              <a:rPr b="0" lang="en-GB" sz="1500" spc="-1" strike="noStrike">
-                <a:solidFill>
-                  <a:srgbClr val="ffffff"/>
-                </a:solidFill>
-                <a:latin typeface="Source Sans Pro"/>
-              </a:rPr>
-              <a:t>Seventh Outline Level</a:t>
-            </a:r>
-            <a:endParaRPr b="0" lang="en-GB" sz="1500" spc="-1" strike="noStrike">
-              <a:solidFill>
-                <a:srgbClr val="ffffff"/>
-              </a:solidFill>
-              <a:latin typeface="Source Sans Pro"/>
-            </a:endParaRPr>
-          </a:p>
-        </p:txBody>
-      </p:sp>
-      <p:sp>
-        <p:nvSpPr>
-          <p:cNvPr id="48" name="PlaceHolder 3"/>
-          <p:cNvSpPr>
-            <a:spLocks noGrp="1"/>
-          </p:cNvSpPr>
-          <p:nvPr>
-            <p:ph type="dt"/>
-          </p:nvPr>
-        </p:nvSpPr>
-        <p:spPr>
-          <a:xfrm>
-            <a:off x="360000" y="5400000"/>
-            <a:ext cx="2880000" cy="270000"/>
-          </a:xfrm>
-          <a:prstGeom prst="rect">
-            <a:avLst/>
-          </a:prstGeom>
-        </p:spPr>
-        <p:txBody>
-          <a:bodyPr lIns="0" rIns="0" tIns="0" bIns="0">
-            <a:noAutofit/>
-          </a:bodyPr>
-          <a:p>
-            <a:r>
-              <a:rPr b="1" lang="en-GB" sz="1800" spc="-1" strike="noStrike">
-                <a:solidFill>
-                  <a:srgbClr val="ffffff"/>
-                </a:solidFill>
-                <a:latin typeface="Source Sans Pro Black"/>
-              </a:rPr>
-              <a:t>&lt;date/time&gt;</a:t>
-            </a:r>
-            <a:endParaRPr b="1" lang="en-GB" sz="1800" spc="-1" strike="noStrike">
-              <a:solidFill>
-                <a:srgbClr val="ffffff"/>
-              </a:solidFill>
-              <a:latin typeface="Source Sans Pro Black"/>
-            </a:endParaRPr>
-          </a:p>
-        </p:txBody>
-      </p:sp>
-      <p:sp>
-        <p:nvSpPr>
-          <p:cNvPr id="49" name="PlaceHolder 4"/>
-          <p:cNvSpPr>
-            <a:spLocks noGrp="1"/>
-          </p:cNvSpPr>
-          <p:nvPr>
-            <p:ph type="ftr"/>
-          </p:nvPr>
-        </p:nvSpPr>
-        <p:spPr>
-          <a:xfrm>
-            <a:off x="3420000" y="5400000"/>
-            <a:ext cx="3240000" cy="270000"/>
-          </a:xfrm>
-          <a:prstGeom prst="rect">
-            <a:avLst/>
-          </a:prstGeom>
-        </p:spPr>
-        <p:txBody>
-          <a:bodyPr lIns="0" rIns="0" tIns="0" bIns="0">
-            <a:noAutofit/>
-          </a:bodyPr>
-          <a:p>
-            <a:pPr algn="ctr"/>
-            <a:r>
-              <a:rPr b="1" lang="en-GB" sz="1800" spc="-1" strike="noStrike">
-                <a:solidFill>
-                  <a:srgbClr val="ffffff"/>
-                </a:solidFill>
-                <a:latin typeface="Source Sans Pro Black"/>
-              </a:rPr>
-              <a:t>&lt;footer&gt;</a:t>
-            </a:r>
-            <a:endParaRPr b="1" lang="en-GB" sz="1800" spc="-1" strike="noStrike">
-              <a:solidFill>
-                <a:srgbClr val="ffffff"/>
-              </a:solidFill>
-              <a:latin typeface="Source Sans Pro Black"/>
-            </a:endParaRPr>
-          </a:p>
-        </p:txBody>
-      </p:sp>
-      <p:sp>
-        <p:nvSpPr>
-          <p:cNvPr id="50" name="PlaceHolder 5"/>
-          <p:cNvSpPr>
-            <a:spLocks noGrp="1"/>
-          </p:cNvSpPr>
-          <p:nvPr>
-            <p:ph type="sldNum"/>
-          </p:nvPr>
+          <p:cNvPr id="43" name=""/>
+          <p:cNvSpPr/>
+          <p:nvPr/>
         </p:nvSpPr>
         <p:spPr>
           <a:xfrm>
             <a:off x="9180000" y="5130000"/>
-            <a:ext cx="720000" cy="540000"/>
-          </a:xfrm>
-          <a:prstGeom prst="rect">
-            <a:avLst/>
-          </a:prstGeom>
-        </p:spPr>
+            <a:ext cx="719280" cy="539280"/>
+          </a:xfrm>
+          <a:prstGeom prst="rect">
+            <a:avLst/>
+          </a:prstGeom>
+          <a:noFill/>
+          <a:ln w="72000">
+            <a:noFill/>
+          </a:ln>
+        </p:spPr>
+        <p:style>
+          <a:lnRef idx="0"/>
+          <a:fillRef idx="0"/>
+          <a:effectRef idx="0"/>
+          <a:fontRef idx="minor"/>
+        </p:style>
         <p:txBody>
           <a:bodyPr lIns="0" rIns="0" tIns="0" bIns="0" anchor="ctr">
             <a:noAutofit/>
           </a:bodyPr>
           <a:p>
-            <a:pPr algn="ctr"/>
-            <a:fld id="{CF4B20B9-784D-4E04-AB6B-7C56371902D2}" type="slidenum">
+            <a:pPr algn="ctr">
+              <a:lnSpc>
+                <a:spcPct val="100000"/>
+              </a:lnSpc>
+            </a:pPr>
+            <a:fld id="{621D9316-632C-44C0-BF21-5B7BA9D9C48A}" type="slidenum">
               <a:rPr b="1" lang="en-GB" sz="1800" spc="-1" strike="noStrike">
                 <a:solidFill>
                   <a:srgbClr val="ffffff"/>
                 </a:solidFill>
                 <a:latin typeface="Source Sans Pro Black"/>
+                <a:ea typeface="DejaVu Sans"/>
               </a:rPr>
               <a:t>&lt;number&gt;</a:t>
             </a:fld>
-            <a:endParaRPr b="1" lang="en-GB" sz="1800" spc="-1" strike="noStrike">
-              <a:solidFill>
-                <a:srgbClr val="ffffff"/>
-              </a:solidFill>
-              <a:latin typeface="Source Sans Pro Black"/>
+            <a:endParaRPr b="0" lang="en-GB" sz="1800" spc="-1" strike="noStrike">
+              <a:latin typeface="Arial"/>
+            </a:endParaRPr>
+          </a:p>
+        </p:txBody>
+      </p:sp>
+      <p:sp>
+        <p:nvSpPr>
+          <p:cNvPr id="44" name="PlaceHolder 1"/>
+          <p:cNvSpPr>
+            <a:spLocks noGrp="1"/>
+          </p:cNvSpPr>
+          <p:nvPr>
+            <p:ph type="title"/>
+          </p:nvPr>
+        </p:nvSpPr>
+        <p:spPr>
+          <a:xfrm>
+            <a:off x="504000" y="226080"/>
+            <a:ext cx="9072000" cy="946440"/>
+          </a:xfrm>
+          <a:prstGeom prst="rect">
+            <a:avLst/>
+          </a:prstGeom>
+        </p:spPr>
+        <p:txBody>
+          <a:bodyPr lIns="0" rIns="0" tIns="0" bIns="0" anchor="ctr">
+            <a:noAutofit/>
+          </a:bodyPr>
+          <a:p>
+            <a:pPr algn="ctr"/>
+            <a:r>
+              <a:rPr b="0" lang="en-GB" sz="4400" spc="-1" strike="noStrike">
+                <a:latin typeface="Arial"/>
+              </a:rPr>
+              <a:t>Click to edit the title text format</a:t>
+            </a:r>
+            <a:endParaRPr b="0" lang="en-GB" sz="4400" spc="-1" strike="noStrike">
+              <a:latin typeface="Arial"/>
+            </a:endParaRPr>
+          </a:p>
+        </p:txBody>
+      </p:sp>
+      <p:sp>
+        <p:nvSpPr>
+          <p:cNvPr id="45" name="PlaceHolder 2"/>
+          <p:cNvSpPr>
+            <a:spLocks noGrp="1"/>
+          </p:cNvSpPr>
+          <p:nvPr>
+            <p:ph type="body"/>
+          </p:nvPr>
+        </p:nvSpPr>
+        <p:spPr>
+          <a:xfrm>
+            <a:off x="504000" y="1326600"/>
+            <a:ext cx="9072000" cy="3288600"/>
+          </a:xfrm>
+          <a:prstGeom prst="rect">
+            <a:avLst/>
+          </a:prstGeom>
+        </p:spPr>
+        <p:txBody>
+          <a:bodyPr lIns="0" rIns="0" tIns="0" bIns="0">
+            <a:normAutofit/>
+          </a:bodyPr>
+          <a:p>
+            <a:pPr marL="432000" indent="-324000">
+              <a:spcBef>
+                <a:spcPts val="1417"/>
+              </a:spcBef>
+              <a:buClr>
+                <a:srgbClr val="000000"/>
+              </a:buClr>
+              <a:buSzPct val="45000"/>
+              <a:buFont typeface="Wingdings" charset="2"/>
+              <a:buChar char=""/>
+            </a:pPr>
+            <a:r>
+              <a:rPr b="0" lang="en-GB" sz="3200" spc="-1" strike="noStrike">
+                <a:latin typeface="Arial"/>
+              </a:rPr>
+              <a:t>Click to edit the outline text format</a:t>
+            </a:r>
+            <a:endParaRPr b="0" lang="en-GB" sz="3200" spc="-1" strike="noStrike">
+              <a:latin typeface="Arial"/>
+            </a:endParaRPr>
+          </a:p>
+          <a:p>
+            <a:pPr lvl="1" marL="864000" indent="-324000">
+              <a:spcBef>
+                <a:spcPts val="1134"/>
+              </a:spcBef>
+              <a:buClr>
+                <a:srgbClr val="000000"/>
+              </a:buClr>
+              <a:buSzPct val="75000"/>
+              <a:buFont typeface="Symbol" charset="2"/>
+              <a:buChar char=""/>
+            </a:pPr>
+            <a:r>
+              <a:rPr b="0" lang="en-GB" sz="2800" spc="-1" strike="noStrike">
+                <a:latin typeface="Arial"/>
+              </a:rPr>
+              <a:t>Second Outline Level</a:t>
+            </a:r>
+            <a:endParaRPr b="0" lang="en-GB" sz="2800" spc="-1" strike="noStrike">
+              <a:latin typeface="Arial"/>
+            </a:endParaRPr>
+          </a:p>
+          <a:p>
+            <a:pPr lvl="2" marL="1296000" indent="-288000">
+              <a:spcBef>
+                <a:spcPts val="850"/>
+              </a:spcBef>
+              <a:buClr>
+                <a:srgbClr val="000000"/>
+              </a:buClr>
+              <a:buSzPct val="45000"/>
+              <a:buFont typeface="Wingdings" charset="2"/>
+              <a:buChar char=""/>
+            </a:pPr>
+            <a:r>
+              <a:rPr b="0" lang="en-GB" sz="2400" spc="-1" strike="noStrike">
+                <a:latin typeface="Arial"/>
+              </a:rPr>
+              <a:t>Third Outline Level</a:t>
+            </a:r>
+            <a:endParaRPr b="0" lang="en-GB" sz="2400" spc="-1" strike="noStrike">
+              <a:latin typeface="Arial"/>
+            </a:endParaRPr>
+          </a:p>
+          <a:p>
+            <a:pPr lvl="3" marL="1728000" indent="-216000">
+              <a:spcBef>
+                <a:spcPts val="567"/>
+              </a:spcBef>
+              <a:buClr>
+                <a:srgbClr val="000000"/>
+              </a:buClr>
+              <a:buSzPct val="75000"/>
+              <a:buFont typeface="Symbol" charset="2"/>
+              <a:buChar char=""/>
+            </a:pPr>
+            <a:r>
+              <a:rPr b="0" lang="en-GB" sz="2000" spc="-1" strike="noStrike">
+                <a:latin typeface="Arial"/>
+              </a:rPr>
+              <a:t>Fourth Outline Level</a:t>
+            </a:r>
+            <a:endParaRPr b="0" lang="en-GB" sz="2000" spc="-1" strike="noStrike">
+              <a:latin typeface="Arial"/>
+            </a:endParaRPr>
+          </a:p>
+          <a:p>
+            <a:pPr lvl="4" marL="2160000" indent="-216000">
+              <a:spcBef>
+                <a:spcPts val="283"/>
+              </a:spcBef>
+              <a:buClr>
+                <a:srgbClr val="000000"/>
+              </a:buClr>
+              <a:buSzPct val="45000"/>
+              <a:buFont typeface="Wingdings" charset="2"/>
+              <a:buChar char=""/>
+            </a:pPr>
+            <a:r>
+              <a:rPr b="0" lang="en-GB" sz="2000" spc="-1" strike="noStrike">
+                <a:latin typeface="Arial"/>
+              </a:rPr>
+              <a:t>Fifth Outline Level</a:t>
+            </a:r>
+            <a:endParaRPr b="0" lang="en-GB" sz="2000" spc="-1" strike="noStrike">
+              <a:latin typeface="Arial"/>
+            </a:endParaRPr>
+          </a:p>
+          <a:p>
+            <a:pPr lvl="5" marL="2592000" indent="-216000">
+              <a:spcBef>
+                <a:spcPts val="283"/>
+              </a:spcBef>
+              <a:buClr>
+                <a:srgbClr val="000000"/>
+              </a:buClr>
+              <a:buSzPct val="45000"/>
+              <a:buFont typeface="Wingdings" charset="2"/>
+              <a:buChar char=""/>
+            </a:pPr>
+            <a:r>
+              <a:rPr b="0" lang="en-GB" sz="2000" spc="-1" strike="noStrike">
+                <a:latin typeface="Arial"/>
+              </a:rPr>
+              <a:t>Sixth Outline Level</a:t>
+            </a:r>
+            <a:endParaRPr b="0" lang="en-GB" sz="2000" spc="-1" strike="noStrike">
+              <a:latin typeface="Arial"/>
+            </a:endParaRPr>
+          </a:p>
+          <a:p>
+            <a:pPr lvl="6" marL="3024000" indent="-216000">
+              <a:spcBef>
+                <a:spcPts val="283"/>
+              </a:spcBef>
+              <a:buClr>
+                <a:srgbClr val="000000"/>
+              </a:buClr>
+              <a:buSzPct val="45000"/>
+              <a:buFont typeface="Wingdings" charset="2"/>
+              <a:buChar char=""/>
+            </a:pPr>
+            <a:r>
+              <a:rPr b="0" lang="en-GB" sz="2000" spc="-1" strike="noStrike">
+                <a:latin typeface="Arial"/>
+              </a:rPr>
+              <a:t>Seventh Outline Level</a:t>
+            </a:r>
+            <a:endParaRPr b="0" lang="en-GB" sz="2000" spc="-1" strike="noStrike">
+              <a:latin typeface="Arial"/>
             </a:endParaRPr>
           </a:p>
         </p:txBody>
@@ -5368,14 +4815,14 @@
       </p:grpSpPr>
       <p:sp>
         <p:nvSpPr>
-          <p:cNvPr id="87" name=""/>
+          <p:cNvPr id="82" name=""/>
           <p:cNvSpPr/>
           <p:nvPr/>
         </p:nvSpPr>
         <p:spPr>
           <a:xfrm>
             <a:off x="0" y="0"/>
-            <a:ext cx="10080000" cy="5670000"/>
+            <a:ext cx="10079280" cy="5669280"/>
           </a:xfrm>
           <a:prstGeom prst="rect">
             <a:avLst/>
@@ -5396,14 +4843,14 @@
       </p:sp>
       <p:sp>
         <p:nvSpPr>
-          <p:cNvPr id="88" name=""/>
+          <p:cNvPr id="83" name=""/>
           <p:cNvSpPr/>
           <p:nvPr/>
         </p:nvSpPr>
         <p:spPr>
           <a:xfrm>
             <a:off x="2520000" y="1350000"/>
-            <a:ext cx="5040000" cy="1890000"/>
+            <a:ext cx="5039280" cy="1889280"/>
           </a:xfrm>
           <a:prstGeom prst="wedgeRectCallout">
             <a:avLst>
@@ -5430,7 +4877,7 @@
       </p:sp>
       <p:sp>
         <p:nvSpPr>
-          <p:cNvPr id="89" name="PlaceHolder 1"/>
+          <p:cNvPr id="84" name="PlaceHolder 1"/>
           <p:cNvSpPr>
             <a:spLocks noGrp="1"/>
           </p:cNvSpPr>
@@ -5440,315 +4887,8 @@
         </p:nvSpPr>
         <p:spPr>
           <a:xfrm>
-            <a:off x="2700000" y="1485000"/>
-            <a:ext cx="4680000" cy="1620000"/>
-          </a:xfrm>
-          <a:prstGeom prst="rect">
-            <a:avLst/>
-          </a:prstGeom>
-        </p:spPr>
-        <p:txBody>
-          <a:bodyPr lIns="0" rIns="0" tIns="0" bIns="0" anchor="ctr" anchorCtr="1">
-            <a:noAutofit/>
-          </a:bodyPr>
-          <a:p>
-            <a:pPr algn="ctr"/>
-            <a:r>
-              <a:rPr b="1" lang="en-GB" sz="2700" spc="-1" strike="noStrike">
-                <a:solidFill>
-                  <a:srgbClr val="2c3e50"/>
-                </a:solidFill>
-                <a:latin typeface="Source Sans Pro Black"/>
-              </a:rPr>
-              <a:t>Click to edit the title text format</a:t>
-            </a:r>
-            <a:endParaRPr b="1" lang="en-GB" sz="2700" spc="-1" strike="noStrike">
-              <a:solidFill>
-                <a:srgbClr val="2c3e50"/>
-              </a:solidFill>
-              <a:latin typeface="Source Sans Pro Black"/>
-            </a:endParaRPr>
-          </a:p>
-        </p:txBody>
-      </p:sp>
-      <p:sp>
-        <p:nvSpPr>
-          <p:cNvPr id="90" name="PlaceHolder 2"/>
-          <p:cNvSpPr>
-            <a:spLocks noGrp="1"/>
-          </p:cNvSpPr>
-          <p:nvPr>
-            <p:ph type="body"/>
-          </p:nvPr>
-        </p:nvSpPr>
-        <p:spPr>
-          <a:xfrm>
-            <a:off x="3420000" y="3240000"/>
-            <a:ext cx="6300000" cy="1620000"/>
-          </a:xfrm>
-          <a:prstGeom prst="rect">
-            <a:avLst/>
-          </a:prstGeom>
-        </p:spPr>
-        <p:txBody>
-          <a:bodyPr lIns="0" rIns="0" tIns="0" bIns="0">
-            <a:normAutofit fontScale="69000"/>
-          </a:bodyPr>
-          <a:p>
-            <a:pPr marL="432000" indent="-324000">
-              <a:spcAft>
-                <a:spcPts val="655"/>
-              </a:spcAft>
-            </a:pPr>
-            <a:r>
-              <a:rPr b="0" lang="en-GB" sz="1500" spc="-1" strike="noStrike">
-                <a:solidFill>
-                  <a:srgbClr val="ffffff"/>
-                </a:solidFill>
-                <a:latin typeface="Source Sans Pro"/>
-              </a:rPr>
-              <a:t>Click to edit the outline text format</a:t>
-            </a:r>
-            <a:endParaRPr b="0" lang="en-GB" sz="1500" spc="-1" strike="noStrike">
-              <a:solidFill>
-                <a:srgbClr val="ffffff"/>
-              </a:solidFill>
-              <a:latin typeface="Source Sans Pro"/>
-            </a:endParaRPr>
-          </a:p>
-          <a:p>
-            <a:pPr lvl="1" marL="864000" indent="-324000">
-              <a:spcAft>
-                <a:spcPts val="850"/>
-              </a:spcAft>
-            </a:pPr>
-            <a:r>
-              <a:rPr b="0" lang="en-GB" sz="1500" spc="-1" strike="noStrike">
-                <a:solidFill>
-                  <a:srgbClr val="ffffff"/>
-                </a:solidFill>
-                <a:latin typeface="Source Sans Pro"/>
-              </a:rPr>
-              <a:t>Second Outline Level</a:t>
-            </a:r>
-            <a:endParaRPr b="0" lang="en-GB" sz="1500" spc="-1" strike="noStrike">
-              <a:solidFill>
-                <a:srgbClr val="ffffff"/>
-              </a:solidFill>
-              <a:latin typeface="Source Sans Pro"/>
-            </a:endParaRPr>
-          </a:p>
-          <a:p>
-            <a:pPr lvl="2" marL="1296000" indent="-288000">
-              <a:spcAft>
-                <a:spcPts val="635"/>
-              </a:spcAft>
-            </a:pPr>
-            <a:r>
-              <a:rPr b="0" lang="en-GB" sz="1500" spc="-1" strike="noStrike">
-                <a:solidFill>
-                  <a:srgbClr val="ffffff"/>
-                </a:solidFill>
-                <a:latin typeface="Source Sans Pro"/>
-              </a:rPr>
-              <a:t>Third Outline Level</a:t>
-            </a:r>
-            <a:endParaRPr b="0" lang="en-GB" sz="1500" spc="-1" strike="noStrike">
-              <a:solidFill>
-                <a:srgbClr val="ffffff"/>
-              </a:solidFill>
-              <a:latin typeface="Source Sans Pro"/>
-            </a:endParaRPr>
-          </a:p>
-          <a:p>
-            <a:pPr lvl="3" marL="1728000" indent="-216000">
-              <a:spcAft>
-                <a:spcPts val="425"/>
-              </a:spcAft>
-            </a:pPr>
-            <a:r>
-              <a:rPr b="0" lang="en-GB" sz="1500" spc="-1" strike="noStrike">
-                <a:solidFill>
-                  <a:srgbClr val="ffffff"/>
-                </a:solidFill>
-                <a:latin typeface="Source Sans Pro"/>
-              </a:rPr>
-              <a:t>Fourth Outline Level</a:t>
-            </a:r>
-            <a:endParaRPr b="0" lang="en-GB" sz="1500" spc="-1" strike="noStrike">
-              <a:solidFill>
-                <a:srgbClr val="ffffff"/>
-              </a:solidFill>
-              <a:latin typeface="Source Sans Pro"/>
-            </a:endParaRPr>
-          </a:p>
-          <a:p>
-            <a:pPr lvl="4" marL="2160000" indent="-216000">
-              <a:spcAft>
-                <a:spcPts val="213"/>
-              </a:spcAft>
-            </a:pPr>
-            <a:r>
-              <a:rPr b="0" lang="en-GB" sz="1500" spc="-1" strike="noStrike">
-                <a:solidFill>
-                  <a:srgbClr val="ffffff"/>
-                </a:solidFill>
-                <a:latin typeface="Source Sans Pro"/>
-              </a:rPr>
-              <a:t>Fifth Outline Level</a:t>
-            </a:r>
-            <a:endParaRPr b="0" lang="en-GB" sz="1500" spc="-1" strike="noStrike">
-              <a:solidFill>
-                <a:srgbClr val="ffffff"/>
-              </a:solidFill>
-              <a:latin typeface="Source Sans Pro"/>
-            </a:endParaRPr>
-          </a:p>
-          <a:p>
-            <a:pPr lvl="5" marL="2592000" indent="-216000">
-              <a:spcAft>
-                <a:spcPts val="213"/>
-              </a:spcAft>
-            </a:pPr>
-            <a:r>
-              <a:rPr b="0" lang="en-GB" sz="1500" spc="-1" strike="noStrike">
-                <a:solidFill>
-                  <a:srgbClr val="ffffff"/>
-                </a:solidFill>
-                <a:latin typeface="Source Sans Pro"/>
-              </a:rPr>
-              <a:t>Sixth Outline Level</a:t>
-            </a:r>
-            <a:endParaRPr b="0" lang="en-GB" sz="1500" spc="-1" strike="noStrike">
-              <a:solidFill>
-                <a:srgbClr val="ffffff"/>
-              </a:solidFill>
-              <a:latin typeface="Source Sans Pro"/>
-            </a:endParaRPr>
-          </a:p>
-          <a:p>
-            <a:pPr lvl="6" marL="3024000" indent="-216000">
-              <a:spcAft>
-                <a:spcPts val="213"/>
-              </a:spcAft>
-            </a:pPr>
-            <a:r>
-              <a:rPr b="0" lang="en-GB" sz="1500" spc="-1" strike="noStrike">
-                <a:solidFill>
-                  <a:srgbClr val="ffffff"/>
-                </a:solidFill>
-                <a:latin typeface="Source Sans Pro"/>
-              </a:rPr>
-              <a:t>Seventh Outline Level</a:t>
-            </a:r>
-            <a:endParaRPr b="0" lang="en-GB" sz="1500" spc="-1" strike="noStrike">
-              <a:solidFill>
-                <a:srgbClr val="ffffff"/>
-              </a:solidFill>
-              <a:latin typeface="Source Sans Pro"/>
-            </a:endParaRPr>
-          </a:p>
-        </p:txBody>
-      </p:sp>
-      <p:sp>
-        <p:nvSpPr>
-          <p:cNvPr id="91" name="PlaceHolder 3"/>
-          <p:cNvSpPr>
-            <a:spLocks noGrp="1"/>
-          </p:cNvSpPr>
-          <p:nvPr>
-            <p:ph type="dt"/>
-          </p:nvPr>
-        </p:nvSpPr>
-        <p:spPr>
-          <a:xfrm>
-            <a:off x="360000" y="5400000"/>
-            <a:ext cx="2880000" cy="270000"/>
-          </a:xfrm>
-          <a:prstGeom prst="rect">
-            <a:avLst/>
-          </a:prstGeom>
-        </p:spPr>
-        <p:txBody>
-          <a:bodyPr lIns="0" rIns="0" tIns="0" bIns="0">
-            <a:noAutofit/>
-          </a:bodyPr>
-          <a:p>
-            <a:r>
-              <a:rPr b="1" lang="en-GB" sz="1800" spc="-1" strike="noStrike">
-                <a:solidFill>
-                  <a:srgbClr val="ffffff"/>
-                </a:solidFill>
-                <a:latin typeface="Source Sans Pro Black"/>
-              </a:rPr>
-              <a:t>&lt;date/time&gt;</a:t>
-            </a:r>
-            <a:endParaRPr b="1" lang="en-GB" sz="1800" spc="-1" strike="noStrike">
-              <a:solidFill>
-                <a:srgbClr val="ffffff"/>
-              </a:solidFill>
-              <a:latin typeface="Source Sans Pro Black"/>
-            </a:endParaRPr>
-          </a:p>
-        </p:txBody>
-      </p:sp>
-      <p:sp>
-        <p:nvSpPr>
-          <p:cNvPr id="92" name="PlaceHolder 4"/>
-          <p:cNvSpPr>
-            <a:spLocks noGrp="1"/>
-          </p:cNvSpPr>
-          <p:nvPr>
-            <p:ph type="ftr"/>
-          </p:nvPr>
-        </p:nvSpPr>
-        <p:spPr>
-          <a:xfrm>
-            <a:off x="3420000" y="5400000"/>
-            <a:ext cx="3240000" cy="270000"/>
-          </a:xfrm>
-          <a:prstGeom prst="rect">
-            <a:avLst/>
-          </a:prstGeom>
-        </p:spPr>
-        <p:txBody>
-          <a:bodyPr lIns="0" rIns="0" tIns="0" bIns="0">
-            <a:noAutofit/>
-          </a:bodyPr>
-          <a:p>
-            <a:pPr algn="ctr"/>
-            <a:r>
-              <a:rPr b="1" lang="en-GB" sz="1800" spc="-1" strike="noStrike">
-                <a:solidFill>
-                  <a:srgbClr val="ffffff"/>
-                </a:solidFill>
-                <a:latin typeface="Source Sans Pro Black"/>
-              </a:rPr>
-              <a:t>&lt;footer&gt;</a:t>
-            </a:r>
-            <a:endParaRPr b="1" lang="en-GB" sz="1800" spc="-1" strike="noStrike">
-              <a:solidFill>
-                <a:srgbClr val="ffffff"/>
-              </a:solidFill>
-              <a:latin typeface="Source Sans Pro Black"/>
-            </a:endParaRPr>
-          </a:p>
-        </p:txBody>
-      </p:sp>
-      <p:sp>
-        <p:nvSpPr>
-          <p:cNvPr id="93" name="PlaceHolder 5"/>
-          <p:cNvSpPr>
-            <a:spLocks noGrp="1"/>
-          </p:cNvSpPr>
-          <p:nvPr>
-            <p:ph type="sldNum"/>
-          </p:nvPr>
-        </p:nvSpPr>
-        <p:spPr>
-          <a:xfrm>
-            <a:off x="9180000" y="5130000"/>
-            <a:ext cx="720000" cy="540000"/>
+            <a:off x="504000" y="226080"/>
+            <a:ext cx="9072000" cy="946440"/>
           </a:xfrm>
           <a:prstGeom prst="rect">
             <a:avLst/>
@@ -5760,20 +4900,193 @@
           </a:bodyPr>
           <a:p>
             <a:pPr algn="ctr"/>
-            <a:fld id="{48947274-D497-4AC6-B807-7431AB010C2F}" type="slidenum">
-              <a:rPr b="1" lang="en-GB" sz="1800" spc="-1" strike="noStrike">
-                <a:solidFill>
-                  <a:srgbClr val="ffffff"/>
-                </a:solidFill>
-                <a:latin typeface="Source Sans Pro Black"/>
-              </a:rPr>
-              <a:t>&lt;number&gt;</a:t>
-            </a:fld>
-            <a:endParaRPr b="1" lang="en-GB" sz="1800" spc="-1" strike="noStrike">
-              <a:solidFill>
-                <a:srgbClr val="ffffff"/>
-              </a:solidFill>
-              <a:latin typeface="Source Sans Pro Black"/>
+            <a:r>
+              <a:rPr b="0" lang="en-GB" sz="4400" spc="-1" strike="noStrike">
+                <a:latin typeface="Arial"/>
+              </a:rPr>
+              <a:t>Click to edit the title text format</a:t>
+            </a:r>
+            <a:endParaRPr b="0" lang="en-GB" sz="4400" spc="-1" strike="noStrike">
+              <a:latin typeface="Arial"/>
+            </a:endParaRPr>
+          </a:p>
+        </p:txBody>
+      </p:sp>
+      <p:sp>
+        <p:nvSpPr>
+          <p:cNvPr id="85" name="PlaceHolder 2"/>
+          <p:cNvSpPr>
+            <a:spLocks noGrp="1"/>
+          </p:cNvSpPr>
+          <p:nvPr>
+            <p:ph type="body"/>
+          </p:nvPr>
+        </p:nvSpPr>
+        <p:spPr>
+          <a:xfrm>
+            <a:off x="504000" y="1326600"/>
+            <a:ext cx="9072000" cy="3288600"/>
+          </a:xfrm>
+          <a:prstGeom prst="rect">
+            <a:avLst/>
+          </a:prstGeom>
+        </p:spPr>
+        <p:txBody>
+          <a:bodyPr lIns="0" rIns="0" tIns="0" bIns="0">
+            <a:normAutofit/>
+          </a:bodyPr>
+          <a:p>
+            <a:pPr marL="432000" indent="-324000">
+              <a:spcBef>
+                <a:spcPts val="1417"/>
+              </a:spcBef>
+              <a:buClr>
+                <a:srgbClr val="000000"/>
+              </a:buClr>
+              <a:buSzPct val="45000"/>
+              <a:buFont typeface="Wingdings" charset="2"/>
+              <a:buChar char=""/>
+            </a:pPr>
+            <a:r>
+              <a:rPr b="0" lang="en-GB" sz="3200" spc="-1" strike="noStrike">
+                <a:latin typeface="Arial"/>
+              </a:rPr>
+              <a:t>Click to edit the outline text format</a:t>
+            </a:r>
+            <a:endParaRPr b="0" lang="en-GB" sz="3200" spc="-1" strike="noStrike">
+              <a:latin typeface="Arial"/>
+            </a:endParaRPr>
+          </a:p>
+          <a:p>
+            <a:pPr lvl="1" marL="864000" indent="-324000">
+              <a:spcBef>
+                <a:spcPts val="1134"/>
+              </a:spcBef>
+              <a:buClr>
+                <a:srgbClr val="000000"/>
+              </a:buClr>
+              <a:buSzPct val="75000"/>
+              <a:buFont typeface="Symbol" charset="2"/>
+              <a:buChar char=""/>
+            </a:pPr>
+            <a:r>
+              <a:rPr b="0" lang="en-GB" sz="2800" spc="-1" strike="noStrike">
+                <a:latin typeface="Arial"/>
+              </a:rPr>
+              <a:t>Second Outline Level</a:t>
+            </a:r>
+            <a:endParaRPr b="0" lang="en-GB" sz="2800" spc="-1" strike="noStrike">
+              <a:latin typeface="Arial"/>
+            </a:endParaRPr>
+          </a:p>
+          <a:p>
+            <a:pPr lvl="2" marL="1296000" indent="-288000">
+              <a:spcBef>
+                <a:spcPts val="850"/>
+              </a:spcBef>
+              <a:buClr>
+                <a:srgbClr val="000000"/>
+              </a:buClr>
+              <a:buSzPct val="45000"/>
+              <a:buFont typeface="Wingdings" charset="2"/>
+              <a:buChar char=""/>
+            </a:pPr>
+            <a:r>
+              <a:rPr b="0" lang="en-GB" sz="2400" spc="-1" strike="noStrike">
+                <a:latin typeface="Arial"/>
+              </a:rPr>
+              <a:t>Third Outline Level</a:t>
+            </a:r>
+            <a:endParaRPr b="0" lang="en-GB" sz="2400" spc="-1" strike="noStrike">
+              <a:latin typeface="Arial"/>
+            </a:endParaRPr>
+          </a:p>
+          <a:p>
+            <a:pPr lvl="3" marL="1728000" indent="-216000">
+              <a:spcBef>
+                <a:spcPts val="567"/>
+              </a:spcBef>
+              <a:buClr>
+                <a:srgbClr val="000000"/>
+              </a:buClr>
+              <a:buSzPct val="75000"/>
+              <a:buFont typeface="Symbol" charset="2"/>
+              <a:buChar char=""/>
+            </a:pPr>
+            <a:r>
+              <a:rPr b="0" lang="en-GB" sz="2000" spc="-1" strike="noStrike">
+                <a:latin typeface="Arial"/>
+              </a:rPr>
+              <a:t>Fourth Outline Level</a:t>
+            </a:r>
+            <a:endParaRPr b="0" lang="en-GB" sz="2000" spc="-1" strike="noStrike">
+              <a:latin typeface="Arial"/>
+            </a:endParaRPr>
+          </a:p>
+          <a:p>
+            <a:pPr lvl="4" marL="2160000" indent="-216000">
+              <a:spcBef>
+                <a:spcPts val="283"/>
+              </a:spcBef>
+              <a:buClr>
+                <a:srgbClr val="000000"/>
+              </a:buClr>
+              <a:buSzPct val="45000"/>
+              <a:buFont typeface="Wingdings" charset="2"/>
+              <a:buChar char=""/>
+            </a:pPr>
+            <a:r>
+              <a:rPr b="0" lang="en-GB" sz="2000" spc="-1" strike="noStrike">
+                <a:latin typeface="Arial"/>
+              </a:rPr>
+              <a:t>Fifth Outline Level</a:t>
+            </a:r>
+            <a:endParaRPr b="0" lang="en-GB" sz="2000" spc="-1" strike="noStrike">
+              <a:latin typeface="Arial"/>
+            </a:endParaRPr>
+          </a:p>
+          <a:p>
+            <a:pPr lvl="5" marL="2592000" indent="-216000">
+              <a:spcBef>
+                <a:spcPts val="283"/>
+              </a:spcBef>
+              <a:buClr>
+                <a:srgbClr val="000000"/>
+              </a:buClr>
+              <a:buSzPct val="45000"/>
+              <a:buFont typeface="Wingdings" charset="2"/>
+              <a:buChar char=""/>
+            </a:pPr>
+            <a:r>
+              <a:rPr b="0" lang="en-GB" sz="2000" spc="-1" strike="noStrike">
+                <a:latin typeface="Arial"/>
+              </a:rPr>
+              <a:t>Sixth Outline Level</a:t>
+            </a:r>
+            <a:endParaRPr b="0" lang="en-GB" sz="2000" spc="-1" strike="noStrike">
+              <a:latin typeface="Arial"/>
+            </a:endParaRPr>
+          </a:p>
+          <a:p>
+            <a:pPr lvl="6" marL="3024000" indent="-216000">
+              <a:spcBef>
+                <a:spcPts val="283"/>
+              </a:spcBef>
+              <a:buClr>
+                <a:srgbClr val="000000"/>
+              </a:buClr>
+              <a:buSzPct val="45000"/>
+              <a:buFont typeface="Wingdings" charset="2"/>
+              <a:buChar char=""/>
+            </a:pPr>
+            <a:r>
+              <a:rPr b="0" lang="en-GB" sz="2000" spc="-1" strike="noStrike">
+                <a:latin typeface="Arial"/>
+              </a:rPr>
+              <a:t>Seventh Outline Level</a:t>
+            </a:r>
+            <a:endParaRPr b="0" lang="en-GB" sz="2000" spc="-1" strike="noStrike">
+              <a:latin typeface="Arial"/>
             </a:endParaRPr>
           </a:p>
         </p:txBody>
@@ -5817,14 +5130,14 @@
       </p:grpSpPr>
       <p:sp>
         <p:nvSpPr>
-          <p:cNvPr id="130" name=""/>
-          <p:cNvSpPr txBox="1"/>
+          <p:cNvPr id="122" name=""/>
+          <p:cNvSpPr/>
           <p:nvPr/>
         </p:nvSpPr>
         <p:spPr>
           <a:xfrm>
             <a:off x="360000" y="2835000"/>
-            <a:ext cx="9360000" cy="718920"/>
+            <a:ext cx="9359280" cy="718200"/>
           </a:xfrm>
           <a:prstGeom prst="rect">
             <a:avLst/>
@@ -5834,40 +5147,48 @@
             <a:noFill/>
           </a:ln>
         </p:spPr>
+        <p:style>
+          <a:lnRef idx="0"/>
+          <a:fillRef idx="0"/>
+          <a:effectRef idx="0"/>
+          <a:fontRef idx="minor"/>
+        </p:style>
         <p:txBody>
           <a:bodyPr lIns="0" rIns="0" tIns="0" bIns="0" anchor="ctr" anchorCtr="1">
             <a:noAutofit/>
           </a:bodyPr>
           <a:p>
-            <a:pPr algn="ctr"/>
+            <a:pPr algn="ctr">
+              <a:lnSpc>
+                <a:spcPct val="100000"/>
+              </a:lnSpc>
+            </a:pPr>
             <a:r>
               <a:rPr b="1" lang="en-GB" sz="2700" spc="-1" strike="noStrike">
                 <a:solidFill>
                   <a:srgbClr val="ffffff"/>
                 </a:solidFill>
                 <a:latin typeface="Source Sans Pro Black"/>
+                <a:ea typeface="DejaVu Sans"/>
               </a:rPr>
               <a:t>MCB Case Study – Engineering Lead (Data)</a:t>
             </a:r>
-            <a:endParaRPr b="1" lang="en-GB" sz="2700" spc="-1" strike="noStrike">
-              <a:solidFill>
-                <a:srgbClr val="ffffff"/>
-              </a:solidFill>
-              <a:latin typeface="Source Sans Pro Black"/>
-            </a:endParaRPr>
-          </a:p>
-        </p:txBody>
-      </p:sp>
-      <p:sp>
-        <p:nvSpPr>
-          <p:cNvPr id="131" name=""/>
-          <p:cNvSpPr txBox="1"/>
+            <a:endParaRPr b="0" lang="en-GB" sz="2700" spc="-1" strike="noStrike">
+              <a:latin typeface="Arial"/>
+            </a:endParaRPr>
+          </a:p>
+        </p:txBody>
+      </p:sp>
+      <p:sp>
+        <p:nvSpPr>
+          <p:cNvPr id="123" name=""/>
+          <p:cNvSpPr/>
           <p:nvPr/>
         </p:nvSpPr>
         <p:spPr>
           <a:xfrm>
             <a:off x="360000" y="3915000"/>
-            <a:ext cx="9360000" cy="1485000"/>
+            <a:ext cx="9359280" cy="1484280"/>
           </a:xfrm>
           <a:prstGeom prst="rect">
             <a:avLst/>
@@ -5877,18 +5198,29 @@
             <a:noFill/>
           </a:ln>
         </p:spPr>
+        <p:style>
+          <a:lnRef idx="0"/>
+          <a:fillRef idx="0"/>
+          <a:effectRef idx="0"/>
+          <a:fontRef idx="minor"/>
+        </p:style>
         <p:txBody>
           <a:bodyPr lIns="0" rIns="0" tIns="0" bIns="0" anchor="ctr">
             <a:noAutofit/>
           </a:bodyPr>
           <a:p>
-            <a:pPr algn="ctr"/>
+            <a:pPr algn="ctr">
+              <a:lnSpc>
+                <a:spcPct val="100000"/>
+              </a:lnSpc>
+            </a:pPr>
             <a:r>
               <a:rPr b="0" lang="en-GB" sz="2200" spc="-1" strike="noStrike">
                 <a:solidFill>
                   <a:srgbClr val="ffffff"/>
                 </a:solidFill>
                 <a:latin typeface="Source Sans Pro"/>
+                <a:ea typeface="DejaVu Sans"/>
               </a:rPr>
               <a:t>Nirantar Seewooruttun - 25</a:t>
             </a:r>
@@ -5898,6 +5230,7 @@
                   <a:srgbClr val="ffffff"/>
                 </a:solidFill>
                 <a:latin typeface="Source Sans Pro"/>
+                <a:ea typeface="DejaVu Sans"/>
               </a:rPr>
               <a:t>th</a:t>
             </a:r>
@@ -5907,14 +5240,12 @@
                   <a:srgbClr val="ffffff"/>
                 </a:solidFill>
                 <a:latin typeface="Source Sans Pro"/>
+                <a:ea typeface="DejaVu Sans"/>
               </a:rPr>
               <a:t> Nov 2021</a:t>
             </a:r>
             <a:endParaRPr b="0" lang="en-GB" sz="2200" spc="-1" strike="noStrike">
-              <a:solidFill>
-                <a:srgbClr val="ffffff"/>
-              </a:solidFill>
-              <a:latin typeface="Source Sans Pro"/>
+              <a:latin typeface="Arial"/>
             </a:endParaRPr>
           </a:p>
         </p:txBody>
@@ -5951,14 +5282,14 @@
       </p:grpSpPr>
       <p:sp>
         <p:nvSpPr>
-          <p:cNvPr id="185" name=""/>
-          <p:cNvSpPr txBox="1"/>
+          <p:cNvPr id="177" name=""/>
+          <p:cNvSpPr/>
           <p:nvPr/>
         </p:nvSpPr>
         <p:spPr>
           <a:xfrm>
             <a:off x="360000" y="225720"/>
-            <a:ext cx="9360000" cy="720000"/>
+            <a:ext cx="9359280" cy="719280"/>
           </a:xfrm>
           <a:prstGeom prst="rect">
             <a:avLst/>
@@ -5968,17 +5299,29 @@
             <a:noFill/>
           </a:ln>
         </p:spPr>
+        <p:style>
+          <a:lnRef idx="0"/>
+          <a:fillRef idx="0"/>
+          <a:effectRef idx="0"/>
+          <a:fontRef idx="minor"/>
+        </p:style>
         <p:txBody>
           <a:bodyPr lIns="0" rIns="0" tIns="0" bIns="0" anchor="ctr">
             <a:noAutofit/>
           </a:bodyPr>
           <a:p>
+            <a:pPr>
+              <a:lnSpc>
+                <a:spcPct val="100000"/>
+              </a:lnSpc>
+            </a:pPr>
             <a:r>
               <a:rPr b="1" lang="en-GB" sz="2700" spc="-1" strike="noStrike">
                 <a:solidFill>
                   <a:srgbClr val="ffffff"/>
                 </a:solidFill>
                 <a:latin typeface="Source Sans Pro Black"/>
+                <a:ea typeface="DejaVu Sans"/>
               </a:rPr>
               <a:t>Appendix 4 – Power BI reporting for Australia on : “</a:t>
             </a:r>
@@ -5988,21 +5331,19 @@
                   <a:srgbClr val="ffffff"/>
                 </a:solidFill>
                 <a:latin typeface="Source Sans Pro Black"/>
+                <a:ea typeface="DejaVu Sans"/>
               </a:rPr>
               <a:t>Agricultural Land (sq. km)” KPI for current year = 2012</a:t>
             </a:r>
-            <a:endParaRPr b="1" lang="en-GB" sz="2000" spc="-1" strike="noStrike">
-              <a:solidFill>
-                <a:srgbClr val="ffffff"/>
-              </a:solidFill>
-              <a:latin typeface="Source Sans Pro Black"/>
+            <a:endParaRPr b="0" lang="en-GB" sz="2000" spc="-1" strike="noStrike">
+              <a:latin typeface="Arial"/>
             </a:endParaRPr>
           </a:p>
         </p:txBody>
       </p:sp>
       <p:pic>
         <p:nvPicPr>
-          <p:cNvPr id="186" name="" descr=""/>
+          <p:cNvPr id="178" name="" descr=""/>
           <p:cNvPicPr/>
           <p:nvPr/>
         </p:nvPicPr>
@@ -6013,7 +5354,7 @@
         <p:spPr>
           <a:xfrm>
             <a:off x="22320" y="1260000"/>
-            <a:ext cx="10079640" cy="3859920"/>
+            <a:ext cx="10078920" cy="3859200"/>
           </a:xfrm>
           <a:prstGeom prst="rect">
             <a:avLst/>
@@ -6055,14 +5396,14 @@
       </p:grpSpPr>
       <p:sp>
         <p:nvSpPr>
-          <p:cNvPr id="187" name=""/>
-          <p:cNvSpPr txBox="1"/>
+          <p:cNvPr id="179" name=""/>
+          <p:cNvSpPr/>
           <p:nvPr/>
         </p:nvSpPr>
         <p:spPr>
           <a:xfrm>
             <a:off x="360000" y="225720"/>
-            <a:ext cx="9360000" cy="720000"/>
+            <a:ext cx="9359280" cy="719280"/>
           </a:xfrm>
           <a:prstGeom prst="rect">
             <a:avLst/>
@@ -6072,39 +5413,48 @@
             <a:noFill/>
           </a:ln>
         </p:spPr>
+        <p:style>
+          <a:lnRef idx="0"/>
+          <a:fillRef idx="0"/>
+          <a:effectRef idx="0"/>
+          <a:fontRef idx="minor"/>
+        </p:style>
         <p:txBody>
           <a:bodyPr lIns="0" rIns="0" tIns="0" bIns="0" anchor="ctr">
             <a:noAutofit/>
           </a:bodyPr>
           <a:p>
+            <a:pPr>
+              <a:lnSpc>
+                <a:spcPct val="100000"/>
+              </a:lnSpc>
+            </a:pPr>
             <a:r>
               <a:rPr b="1" lang="en-GB" sz="2700" spc="-1" strike="noStrike">
                 <a:solidFill>
                   <a:srgbClr val="ffffff"/>
                 </a:solidFill>
                 <a:latin typeface="Source Sans Pro Black"/>
+                <a:ea typeface="DejaVu Sans"/>
               </a:rPr>
               <a:t>Appendix 5 – Reference Tables</a:t>
             </a:r>
-            <a:endParaRPr b="1" lang="en-GB" sz="2700" spc="-1" strike="noStrike">
-              <a:solidFill>
-                <a:srgbClr val="ffffff"/>
-              </a:solidFill>
-              <a:latin typeface="Source Sans Pro Black"/>
-            </a:endParaRPr>
-          </a:p>
-        </p:txBody>
-      </p:sp>
-      <p:sp>
-        <p:nvSpPr>
-          <p:cNvPr id="188" name=""/>
-          <p:cNvSpPr txBox="1"/>
+            <a:endParaRPr b="0" lang="en-GB" sz="2700" spc="-1" strike="noStrike">
+              <a:latin typeface="Arial"/>
+            </a:endParaRPr>
+          </a:p>
+        </p:txBody>
+      </p:sp>
+      <p:sp>
+        <p:nvSpPr>
+          <p:cNvPr id="180" name=""/>
+          <p:cNvSpPr/>
           <p:nvPr/>
         </p:nvSpPr>
         <p:spPr>
           <a:xfrm>
             <a:off x="360000" y="1485000"/>
-            <a:ext cx="9360000" cy="3780000"/>
+            <a:ext cx="9359280" cy="3779280"/>
           </a:xfrm>
           <a:prstGeom prst="rect">
             <a:avLst/>
@@ -6114,12 +5464,21 @@
             <a:noFill/>
           </a:ln>
         </p:spPr>
+        <p:style>
+          <a:lnRef idx="0"/>
+          <a:fillRef idx="0"/>
+          <a:effectRef idx="0"/>
+          <a:fontRef idx="minor"/>
+        </p:style>
         <p:txBody>
           <a:bodyPr lIns="0" rIns="0" tIns="0" bIns="0">
             <a:normAutofit/>
           </a:bodyPr>
           <a:p>
-            <a:pPr marL="432000" indent="-324000">
+            <a:pPr marL="432000" indent="-323280">
+              <a:lnSpc>
+                <a:spcPct val="100000"/>
+              </a:lnSpc>
               <a:spcAft>
                 <a:spcPts val="1057"/>
               </a:spcAft>
@@ -6136,18 +5495,19 @@
                   <a:srgbClr val="2c3e50"/>
                 </a:solidFill>
                 <a:latin typeface="Source Sans Pro Semibold"/>
+                <a:ea typeface="DejaVu Sans"/>
               </a:rPr>
               <a:t>REF_KPILIST → Configuration table for list of reporting KPIs. Only this list of KPI will goto reporting</a:t>
             </a:r>
-            <a:endParaRPr b="1" lang="en-GB" sz="2400" spc="-1" strike="noStrike">
-              <a:solidFill>
-                <a:srgbClr val="2c3e50"/>
-              </a:solidFill>
-              <a:latin typeface="Source Sans Pro Semibold"/>
-            </a:endParaRPr>
-          </a:p>
-          <a:p>
-            <a:pPr marL="432000" indent="-324000">
+            <a:endParaRPr b="0" lang="en-GB" sz="2400" spc="-1" strike="noStrike">
+              <a:latin typeface="Arial"/>
+            </a:endParaRPr>
+          </a:p>
+          <a:p>
+            <a:pPr marL="432000" indent="-323280">
+              <a:lnSpc>
+                <a:spcPct val="100000"/>
+              </a:lnSpc>
               <a:spcAft>
                 <a:spcPts val="1057"/>
               </a:spcAft>
@@ -6164,18 +5524,19 @@
                   <a:srgbClr val="2c3e50"/>
                 </a:solidFill>
                 <a:latin typeface="Source Sans Pro Semibold"/>
+                <a:ea typeface="DejaVu Sans"/>
               </a:rPr>
               <a:t>REF_LogScripts → Scripts of all DB procedures are logged in this log table.</a:t>
             </a:r>
-            <a:endParaRPr b="1" lang="en-GB" sz="2400" spc="-1" strike="noStrike">
-              <a:solidFill>
-                <a:srgbClr val="2c3e50"/>
-              </a:solidFill>
-              <a:latin typeface="Source Sans Pro Semibold"/>
-            </a:endParaRPr>
-          </a:p>
-          <a:p>
-            <a:pPr marL="432000" indent="-324000">
+            <a:endParaRPr b="0" lang="en-GB" sz="2400" spc="-1" strike="noStrike">
+              <a:latin typeface="Arial"/>
+            </a:endParaRPr>
+          </a:p>
+          <a:p>
+            <a:pPr marL="432000" indent="-323280">
+              <a:lnSpc>
+                <a:spcPct val="100000"/>
+              </a:lnSpc>
               <a:spcAft>
                 <a:spcPts val="1057"/>
               </a:spcAft>
@@ -6192,18 +5553,19 @@
                   <a:srgbClr val="2c3e50"/>
                 </a:solidFill>
                 <a:latin typeface="Source Sans Pro Semibold"/>
+                <a:ea typeface="DejaVu Sans"/>
               </a:rPr>
               <a:t>REF_PARAMETERS → Initializes the year from which to pull fact data on the data warehouse.</a:t>
             </a:r>
-            <a:endParaRPr b="1" lang="en-GB" sz="2400" spc="-1" strike="noStrike">
-              <a:solidFill>
-                <a:srgbClr val="2c3e50"/>
-              </a:solidFill>
-              <a:latin typeface="Source Sans Pro Semibold"/>
-            </a:endParaRPr>
-          </a:p>
-          <a:p>
-            <a:pPr marL="432000" indent="-324000">
+            <a:endParaRPr b="0" lang="en-GB" sz="2400" spc="-1" strike="noStrike">
+              <a:latin typeface="Arial"/>
+            </a:endParaRPr>
+          </a:p>
+          <a:p>
+            <a:pPr marL="432000" indent="-323280">
+              <a:lnSpc>
+                <a:spcPct val="100000"/>
+              </a:lnSpc>
               <a:spcAft>
                 <a:spcPts val="1057"/>
               </a:spcAft>
@@ -6220,14 +5582,12 @@
                   <a:srgbClr val="2c3e50"/>
                 </a:solidFill>
                 <a:latin typeface="Source Sans Pro Semibold"/>
+                <a:ea typeface="DejaVu Sans"/>
               </a:rPr>
               <a:t>REF_REPORTING_COUNTRIES → Initializes the list of countries for reporting. Can be modified to include more countries.</a:t>
             </a:r>
-            <a:endParaRPr b="1" lang="en-GB" sz="2400" spc="-1" strike="noStrike">
-              <a:solidFill>
-                <a:srgbClr val="2c3e50"/>
-              </a:solidFill>
-              <a:latin typeface="Source Sans Pro Semibold"/>
+            <a:endParaRPr b="0" lang="en-GB" sz="2400" spc="-1" strike="noStrike">
+              <a:latin typeface="Arial"/>
             </a:endParaRPr>
           </a:p>
         </p:txBody>
@@ -6264,14 +5624,14 @@
       </p:grpSpPr>
       <p:sp>
         <p:nvSpPr>
-          <p:cNvPr id="189" name=""/>
-          <p:cNvSpPr txBox="1"/>
+          <p:cNvPr id="181" name=""/>
+          <p:cNvSpPr/>
           <p:nvPr/>
         </p:nvSpPr>
         <p:spPr>
           <a:xfrm>
             <a:off x="360000" y="225720"/>
-            <a:ext cx="9360000" cy="720000"/>
+            <a:ext cx="9359280" cy="719280"/>
           </a:xfrm>
           <a:prstGeom prst="rect">
             <a:avLst/>
@@ -6281,39 +5641,48 @@
             <a:noFill/>
           </a:ln>
         </p:spPr>
+        <p:style>
+          <a:lnRef idx="0"/>
+          <a:fillRef idx="0"/>
+          <a:effectRef idx="0"/>
+          <a:fontRef idx="minor"/>
+        </p:style>
         <p:txBody>
           <a:bodyPr lIns="0" rIns="0" tIns="0" bIns="0" anchor="ctr">
             <a:noAutofit/>
           </a:bodyPr>
           <a:p>
+            <a:pPr>
+              <a:lnSpc>
+                <a:spcPct val="100000"/>
+              </a:lnSpc>
+            </a:pPr>
             <a:r>
               <a:rPr b="1" lang="en-GB" sz="2700" spc="-1" strike="noStrike">
                 <a:solidFill>
                   <a:srgbClr val="ffffff"/>
                 </a:solidFill>
                 <a:latin typeface="Source Sans Pro Black"/>
+                <a:ea typeface="DejaVu Sans"/>
               </a:rPr>
               <a:t>Appendix 6 - Data warehouse tables layout</a:t>
             </a:r>
-            <a:endParaRPr b="1" lang="en-GB" sz="2700" spc="-1" strike="noStrike">
-              <a:solidFill>
-                <a:srgbClr val="ffffff"/>
-              </a:solidFill>
-              <a:latin typeface="Source Sans Pro Black"/>
-            </a:endParaRPr>
-          </a:p>
-        </p:txBody>
-      </p:sp>
-      <p:sp>
-        <p:nvSpPr>
-          <p:cNvPr id="190" name=""/>
-          <p:cNvSpPr txBox="1"/>
+            <a:endParaRPr b="0" lang="en-GB" sz="2700" spc="-1" strike="noStrike">
+              <a:latin typeface="Arial"/>
+            </a:endParaRPr>
+          </a:p>
+        </p:txBody>
+      </p:sp>
+      <p:sp>
+        <p:nvSpPr>
+          <p:cNvPr id="182" name=""/>
+          <p:cNvSpPr/>
           <p:nvPr/>
         </p:nvSpPr>
         <p:spPr>
           <a:xfrm>
             <a:off x="360000" y="1485000"/>
-            <a:ext cx="9360000" cy="3780000"/>
+            <a:ext cx="9359280" cy="3779280"/>
           </a:xfrm>
           <a:prstGeom prst="rect">
             <a:avLst/>
@@ -6323,23 +5692,16 @@
             <a:noFill/>
           </a:ln>
         </p:spPr>
-        <p:txBody>
-          <a:bodyPr lIns="0" rIns="0" tIns="0" bIns="0">
-            <a:normAutofit/>
-          </a:bodyPr>
-          <a:p>
-            <a:endParaRPr b="1" lang="en-GB" sz="2400" spc="-1" strike="noStrike">
-              <a:solidFill>
-                <a:srgbClr val="2c3e50"/>
-              </a:solidFill>
-              <a:latin typeface="Source Sans Pro Semibold"/>
-            </a:endParaRPr>
-          </a:p>
-        </p:txBody>
+        <p:style>
+          <a:lnRef idx="0"/>
+          <a:fillRef idx="0"/>
+          <a:effectRef idx="0"/>
+          <a:fontRef idx="minor"/>
+        </p:style>
       </p:sp>
       <p:pic>
         <p:nvPicPr>
-          <p:cNvPr id="191" name="" descr=""/>
+          <p:cNvPr id="183" name="" descr=""/>
           <p:cNvPicPr/>
           <p:nvPr/>
         </p:nvPicPr>
@@ -6350,7 +5712,7 @@
         <p:spPr>
           <a:xfrm>
             <a:off x="180000" y="1260000"/>
-            <a:ext cx="8640000" cy="4339440"/>
+            <a:ext cx="8639280" cy="4338720"/>
           </a:xfrm>
           <a:prstGeom prst="rect">
             <a:avLst/>
@@ -6362,14 +5724,14 @@
       </p:pic>
       <p:sp>
         <p:nvSpPr>
-          <p:cNvPr id="192" name=""/>
+          <p:cNvPr id="184" name=""/>
           <p:cNvSpPr/>
           <p:nvPr/>
         </p:nvSpPr>
         <p:spPr>
           <a:xfrm>
             <a:off x="6840000" y="720000"/>
-            <a:ext cx="2340000" cy="900000"/>
+            <a:ext cx="2339280" cy="899280"/>
           </a:xfrm>
           <a:prstGeom prst="wedgeRoundRectCallout">
             <a:avLst>
@@ -6399,13 +5761,18 @@
             <a:noAutofit/>
           </a:bodyPr>
           <a:p>
-            <a:pPr algn="ctr"/>
+            <a:pPr algn="ctr">
+              <a:lnSpc>
+                <a:spcPct val="100000"/>
+              </a:lnSpc>
+            </a:pPr>
             <a:r>
               <a:rPr b="0" lang="en-GB" sz="1800" spc="-1" strike="noStrike">
                 <a:solidFill>
                   <a:srgbClr val="2c3e50"/>
                 </a:solidFill>
                 <a:latin typeface="Source Sans Pro"/>
+                <a:ea typeface="DejaVu Sans"/>
               </a:rPr>
               <a:t>2 dimensions and</a:t>
             </a:r>
@@ -6416,32 +5783,32 @@
                   <a:srgbClr val="2c3e50"/>
                 </a:solidFill>
                 <a:latin typeface="Source Sans Pro"/>
+                <a:ea typeface="DejaVu Sans"/>
               </a:rPr>
               <a:t>1 fact table, 4 staging</a:t>
             </a:r>
             <a:endParaRPr b="0" lang="en-GB" sz="1800" spc="-1" strike="noStrike">
-              <a:solidFill>
-                <a:srgbClr val="2c3e50"/>
-              </a:solidFill>
-              <a:latin typeface="Source Sans Pro"/>
-            </a:endParaRPr>
-          </a:p>
-          <a:p>
-            <a:pPr algn="ctr"/>
+              <a:latin typeface="Arial"/>
+            </a:endParaRPr>
+          </a:p>
+          <a:p>
+            <a:pPr algn="ctr">
+              <a:lnSpc>
+                <a:spcPct val="100000"/>
+              </a:lnSpc>
+            </a:pPr>
             <a:r>
               <a:rPr b="0" lang="en-GB" sz="1800" spc="-1" strike="noStrike">
                 <a:solidFill>
                   <a:srgbClr val="2c3e50"/>
                 </a:solidFill>
                 <a:latin typeface="Source Sans Pro"/>
+                <a:ea typeface="DejaVu Sans"/>
               </a:rPr>
               <a:t>And 4 reference tables</a:t>
             </a:r>
             <a:endParaRPr b="0" lang="en-GB" sz="1800" spc="-1" strike="noStrike">
-              <a:solidFill>
-                <a:srgbClr val="2c3e50"/>
-              </a:solidFill>
-              <a:latin typeface="Source Sans Pro"/>
+              <a:latin typeface="Arial"/>
             </a:endParaRPr>
           </a:p>
         </p:txBody>
@@ -6478,14 +5845,14 @@
       </p:grpSpPr>
       <p:sp>
         <p:nvSpPr>
-          <p:cNvPr id="193" name=""/>
-          <p:cNvSpPr txBox="1"/>
+          <p:cNvPr id="185" name=""/>
+          <p:cNvSpPr/>
           <p:nvPr/>
         </p:nvSpPr>
         <p:spPr>
           <a:xfrm>
             <a:off x="360000" y="225720"/>
-            <a:ext cx="9360000" cy="720000"/>
+            <a:ext cx="9359280" cy="719280"/>
           </a:xfrm>
           <a:prstGeom prst="rect">
             <a:avLst/>
@@ -6495,32 +5862,41 @@
             <a:noFill/>
           </a:ln>
         </p:spPr>
+        <p:style>
+          <a:lnRef idx="0"/>
+          <a:fillRef idx="0"/>
+          <a:effectRef idx="0"/>
+          <a:fontRef idx="minor"/>
+        </p:style>
         <p:txBody>
           <a:bodyPr lIns="0" rIns="0" tIns="0" bIns="0" anchor="ctr">
             <a:noAutofit/>
           </a:bodyPr>
           <a:p>
+            <a:pPr>
+              <a:lnSpc>
+                <a:spcPct val="100000"/>
+              </a:lnSpc>
+            </a:pPr>
             <a:r>
               <a:rPr b="1" lang="en-GB" sz="2700" spc="-1" strike="noStrike">
                 <a:solidFill>
                   <a:srgbClr val="ffffff"/>
                 </a:solidFill>
                 <a:latin typeface="Source Sans Pro Black"/>
+                <a:ea typeface="DejaVu Sans"/>
               </a:rPr>
               <a:t>Appendix 7 – Log Table</a:t>
             </a:r>
-            <a:endParaRPr b="1" lang="en-GB" sz="2700" spc="-1" strike="noStrike">
-              <a:solidFill>
-                <a:srgbClr val="ffffff"/>
-              </a:solidFill>
-              <a:latin typeface="Source Sans Pro Black"/>
+            <a:endParaRPr b="0" lang="en-GB" sz="2700" spc="-1" strike="noStrike">
+              <a:latin typeface="Arial"/>
             </a:endParaRPr>
           </a:p>
         </p:txBody>
       </p:sp>
       <p:pic>
         <p:nvPicPr>
-          <p:cNvPr id="194" name="" descr=""/>
+          <p:cNvPr id="186" name="" descr=""/>
           <p:cNvPicPr/>
           <p:nvPr/>
         </p:nvPicPr>
@@ -6531,7 +5907,7 @@
         <p:spPr>
           <a:xfrm>
             <a:off x="173520" y="1440000"/>
-            <a:ext cx="6666480" cy="3780000"/>
+            <a:ext cx="6665760" cy="3779280"/>
           </a:xfrm>
           <a:prstGeom prst="rect">
             <a:avLst/>
@@ -6573,14 +5949,14 @@
       </p:grpSpPr>
       <p:sp>
         <p:nvSpPr>
-          <p:cNvPr id="132" name=""/>
-          <p:cNvSpPr txBox="1"/>
+          <p:cNvPr id="124" name=""/>
+          <p:cNvSpPr/>
           <p:nvPr/>
         </p:nvSpPr>
         <p:spPr>
           <a:xfrm>
             <a:off x="360000" y="225720"/>
-            <a:ext cx="9360000" cy="720000"/>
+            <a:ext cx="9359280" cy="719280"/>
           </a:xfrm>
           <a:prstGeom prst="rect">
             <a:avLst/>
@@ -6590,39 +5966,48 @@
             <a:noFill/>
           </a:ln>
         </p:spPr>
+        <p:style>
+          <a:lnRef idx="0"/>
+          <a:fillRef idx="0"/>
+          <a:effectRef idx="0"/>
+          <a:fontRef idx="minor"/>
+        </p:style>
         <p:txBody>
           <a:bodyPr lIns="0" rIns="0" tIns="0" bIns="0" anchor="ctr">
             <a:noAutofit/>
           </a:bodyPr>
           <a:p>
+            <a:pPr>
+              <a:lnSpc>
+                <a:spcPct val="100000"/>
+              </a:lnSpc>
+            </a:pPr>
             <a:r>
               <a:rPr b="1" lang="en-GB" sz="2700" spc="-1" strike="noStrike">
                 <a:solidFill>
                   <a:srgbClr val="ffffff"/>
                 </a:solidFill>
                 <a:latin typeface="Source Sans Pro Black"/>
+                <a:ea typeface="DejaVu Sans"/>
               </a:rPr>
               <a:t>Contents</a:t>
             </a:r>
-            <a:endParaRPr b="1" lang="en-GB" sz="2700" spc="-1" strike="noStrike">
-              <a:solidFill>
-                <a:srgbClr val="ffffff"/>
-              </a:solidFill>
-              <a:latin typeface="Source Sans Pro Black"/>
-            </a:endParaRPr>
-          </a:p>
-        </p:txBody>
-      </p:sp>
-      <p:sp>
-        <p:nvSpPr>
-          <p:cNvPr id="133" name=""/>
-          <p:cNvSpPr txBox="1"/>
+            <a:endParaRPr b="0" lang="en-GB" sz="2700" spc="-1" strike="noStrike">
+              <a:latin typeface="Arial"/>
+            </a:endParaRPr>
+          </a:p>
+        </p:txBody>
+      </p:sp>
+      <p:sp>
+        <p:nvSpPr>
+          <p:cNvPr id="125" name=""/>
+          <p:cNvSpPr/>
           <p:nvPr/>
         </p:nvSpPr>
         <p:spPr>
           <a:xfrm>
             <a:off x="360000" y="1485000"/>
-            <a:ext cx="9360000" cy="3780000"/>
+            <a:ext cx="9359280" cy="3779280"/>
           </a:xfrm>
           <a:prstGeom prst="rect">
             <a:avLst/>
@@ -6632,12 +6017,21 @@
             <a:noFill/>
           </a:ln>
         </p:spPr>
+        <p:style>
+          <a:lnRef idx="0"/>
+          <a:fillRef idx="0"/>
+          <a:effectRef idx="0"/>
+          <a:fontRef idx="minor"/>
+        </p:style>
         <p:txBody>
           <a:bodyPr lIns="0" rIns="0" tIns="0" bIns="0">
             <a:normAutofit/>
           </a:bodyPr>
           <a:p>
-            <a:pPr marL="432000" indent="-324000">
+            <a:pPr marL="432000" indent="-323280">
+              <a:lnSpc>
+                <a:spcPct val="100000"/>
+              </a:lnSpc>
               <a:spcAft>
                 <a:spcPts val="1057"/>
               </a:spcAft>
@@ -6654,18 +6048,19 @@
                   <a:srgbClr val="2c3e50"/>
                 </a:solidFill>
                 <a:latin typeface="Source Sans Pro Semibold"/>
+                <a:ea typeface="DejaVu Sans"/>
               </a:rPr>
               <a:t>BI Architecture Diagram</a:t>
             </a:r>
-            <a:endParaRPr b="1" lang="en-GB" sz="2400" spc="-1" strike="noStrike">
-              <a:solidFill>
-                <a:srgbClr val="2c3e50"/>
-              </a:solidFill>
-              <a:latin typeface="Source Sans Pro Semibold"/>
-            </a:endParaRPr>
-          </a:p>
-          <a:p>
-            <a:pPr marL="432000" indent="-324000">
+            <a:endParaRPr b="0" lang="en-GB" sz="2400" spc="-1" strike="noStrike">
+              <a:latin typeface="Arial"/>
+            </a:endParaRPr>
+          </a:p>
+          <a:p>
+            <a:pPr marL="432000" indent="-323280">
+              <a:lnSpc>
+                <a:spcPct val="100000"/>
+              </a:lnSpc>
               <a:spcAft>
                 <a:spcPts val="1057"/>
               </a:spcAft>
@@ -6682,18 +6077,19 @@
                   <a:srgbClr val="2c3e50"/>
                 </a:solidFill>
                 <a:latin typeface="Source Sans Pro Semibold"/>
+                <a:ea typeface="DejaVu Sans"/>
               </a:rPr>
               <a:t>ETL Process</a:t>
             </a:r>
-            <a:endParaRPr b="1" lang="en-GB" sz="2400" spc="-1" strike="noStrike">
-              <a:solidFill>
-                <a:srgbClr val="2c3e50"/>
-              </a:solidFill>
-              <a:latin typeface="Source Sans Pro Semibold"/>
-            </a:endParaRPr>
-          </a:p>
-          <a:p>
-            <a:pPr marL="432000" indent="-324000">
+            <a:endParaRPr b="0" lang="en-GB" sz="2400" spc="-1" strike="noStrike">
+              <a:latin typeface="Arial"/>
+            </a:endParaRPr>
+          </a:p>
+          <a:p>
+            <a:pPr marL="432000" indent="-323280">
+              <a:lnSpc>
+                <a:spcPct val="100000"/>
+              </a:lnSpc>
               <a:spcAft>
                 <a:spcPts val="1057"/>
               </a:spcAft>
@@ -6710,18 +6106,19 @@
                   <a:srgbClr val="2c3e50"/>
                 </a:solidFill>
                 <a:latin typeface="Source Sans Pro Semibold"/>
+                <a:ea typeface="DejaVu Sans"/>
               </a:rPr>
               <a:t>Power BI Report Layout</a:t>
             </a:r>
-            <a:endParaRPr b="1" lang="en-GB" sz="2400" spc="-1" strike="noStrike">
-              <a:solidFill>
-                <a:srgbClr val="2c3e50"/>
-              </a:solidFill>
-              <a:latin typeface="Source Sans Pro Semibold"/>
-            </a:endParaRPr>
-          </a:p>
-          <a:p>
-            <a:pPr marL="432000" indent="-324000">
+            <a:endParaRPr b="0" lang="en-GB" sz="2400" spc="-1" strike="noStrike">
+              <a:latin typeface="Arial"/>
+            </a:endParaRPr>
+          </a:p>
+          <a:p>
+            <a:pPr marL="432000" indent="-323280">
+              <a:lnSpc>
+                <a:spcPct val="100000"/>
+              </a:lnSpc>
               <a:spcAft>
                 <a:spcPts val="1057"/>
               </a:spcAft>
@@ -6738,18 +6135,19 @@
                   <a:srgbClr val="2c3e50"/>
                 </a:solidFill>
                 <a:latin typeface="Source Sans Pro Semibold"/>
+                <a:ea typeface="DejaVu Sans"/>
               </a:rPr>
               <a:t>Q&amp;A</a:t>
             </a:r>
-            <a:endParaRPr b="1" lang="en-GB" sz="2400" spc="-1" strike="noStrike">
-              <a:solidFill>
-                <a:srgbClr val="2c3e50"/>
-              </a:solidFill>
-              <a:latin typeface="Source Sans Pro Semibold"/>
-            </a:endParaRPr>
-          </a:p>
-          <a:p>
-            <a:pPr marL="432000" indent="-324000">
+            <a:endParaRPr b="0" lang="en-GB" sz="2400" spc="-1" strike="noStrike">
+              <a:latin typeface="Arial"/>
+            </a:endParaRPr>
+          </a:p>
+          <a:p>
+            <a:pPr marL="432000" indent="-323280">
+              <a:lnSpc>
+                <a:spcPct val="100000"/>
+              </a:lnSpc>
               <a:spcAft>
                 <a:spcPts val="1057"/>
               </a:spcAft>
@@ -6766,28 +6164,26 @@
                   <a:srgbClr val="2c3e50"/>
                 </a:solidFill>
                 <a:latin typeface="Source Sans Pro Semibold"/>
+                <a:ea typeface="DejaVu Sans"/>
               </a:rPr>
               <a:t>Appendix 1 to 7</a:t>
             </a:r>
-            <a:endParaRPr b="1" lang="en-GB" sz="2400" spc="-1" strike="noStrike">
-              <a:solidFill>
-                <a:srgbClr val="2c3e50"/>
-              </a:solidFill>
-              <a:latin typeface="Source Sans Pro Semibold"/>
-            </a:endParaRPr>
-          </a:p>
-        </p:txBody>
-      </p:sp>
-      <p:sp>
-        <p:nvSpPr>
-          <p:cNvPr id="134" name=""/>
+            <a:endParaRPr b="0" lang="en-GB" sz="2400" spc="-1" strike="noStrike">
+              <a:latin typeface="Arial"/>
+            </a:endParaRPr>
+          </a:p>
+        </p:txBody>
+      </p:sp>
+      <p:sp>
+        <p:nvSpPr>
+          <p:cNvPr id="126" name=""/>
           <p:cNvSpPr/>
           <p:nvPr/>
         </p:nvSpPr>
         <p:spPr>
           <a:xfrm>
             <a:off x="5580000" y="4140000"/>
-            <a:ext cx="4320000" cy="1080000"/>
+            <a:ext cx="4319280" cy="1079280"/>
           </a:xfrm>
           <a:prstGeom prst="rect">
             <a:avLst/>
@@ -6813,54 +6209,63 @@
             <a:noAutofit/>
           </a:bodyPr>
           <a:p>
+            <a:pPr>
+              <a:lnSpc>
+                <a:spcPct val="100000"/>
+              </a:lnSpc>
+            </a:pPr>
             <a:r>
               <a:rPr b="0" lang="en-GB" sz="1500" spc="-1" strike="noStrike">
                 <a:solidFill>
                   <a:srgbClr val="2c3e50"/>
                 </a:solidFill>
                 <a:latin typeface="Source Sans Pro"/>
+                <a:ea typeface="DejaVu Sans"/>
               </a:rPr>
               <a:t>Assumptions: </a:t>
             </a:r>
             <a:endParaRPr b="0" lang="en-GB" sz="1500" spc="-1" strike="noStrike">
-              <a:solidFill>
-                <a:srgbClr val="2c3e50"/>
-              </a:solidFill>
-              <a:latin typeface="Source Sans Pro"/>
-            </a:endParaRPr>
-          </a:p>
-          <a:p>
+              <a:latin typeface="Arial"/>
+            </a:endParaRPr>
+          </a:p>
+          <a:p>
+            <a:pPr>
+              <a:lnSpc>
+                <a:spcPct val="100000"/>
+              </a:lnSpc>
+            </a:pPr>
             <a:r>
               <a:rPr b="0" lang="en-GB" sz="1500" spc="-1" strike="noStrike">
                 <a:solidFill>
                   <a:srgbClr val="2c3e50"/>
                 </a:solidFill>
                 <a:latin typeface="Source Sans Pro"/>
+                <a:ea typeface="DejaVu Sans"/>
               </a:rPr>
               <a:t>1. Reporting will be conducted on WDI Data </a:t>
             </a:r>
             <a:endParaRPr b="0" lang="en-GB" sz="1500" spc="-1" strike="noStrike">
-              <a:solidFill>
-                <a:srgbClr val="2c3e50"/>
-              </a:solidFill>
-              <a:latin typeface="Source Sans Pro"/>
-            </a:endParaRPr>
-          </a:p>
-          <a:p>
+              <a:latin typeface="Arial"/>
+            </a:endParaRPr>
+          </a:p>
+          <a:p>
+            <a:pPr>
+              <a:lnSpc>
+                <a:spcPct val="100000"/>
+              </a:lnSpc>
+            </a:pPr>
             <a:r>
               <a:rPr b="0" lang="en-GB" sz="1500" spc="-1" strike="noStrike">
                 <a:solidFill>
                   <a:srgbClr val="2c3e50"/>
                 </a:solidFill>
                 <a:latin typeface="Source Sans Pro"/>
+                <a:ea typeface="DejaVu Sans"/>
               </a:rPr>
               <a:t>from 2010 onwards.</a:t>
             </a:r>
             <a:endParaRPr b="0" lang="en-GB" sz="1500" spc="-1" strike="noStrike">
-              <a:solidFill>
-                <a:srgbClr val="2c3e50"/>
-              </a:solidFill>
-              <a:latin typeface="Source Sans Pro"/>
+              <a:latin typeface="Arial"/>
             </a:endParaRPr>
           </a:p>
         </p:txBody>
@@ -6897,14 +6302,14 @@
       </p:grpSpPr>
       <p:sp>
         <p:nvSpPr>
-          <p:cNvPr id="135" name=""/>
-          <p:cNvSpPr txBox="1"/>
+          <p:cNvPr id="127" name=""/>
+          <p:cNvSpPr/>
           <p:nvPr/>
         </p:nvSpPr>
         <p:spPr>
           <a:xfrm>
             <a:off x="360000" y="225720"/>
-            <a:ext cx="9360000" cy="720000"/>
+            <a:ext cx="9359280" cy="719280"/>
           </a:xfrm>
           <a:prstGeom prst="rect">
             <a:avLst/>
@@ -6914,12 +6319,21 @@
             <a:noFill/>
           </a:ln>
         </p:spPr>
+        <p:style>
+          <a:lnRef idx="0"/>
+          <a:fillRef idx="0"/>
+          <a:effectRef idx="0"/>
+          <a:fontRef idx="minor"/>
+        </p:style>
         <p:txBody>
           <a:bodyPr lIns="0" rIns="0" tIns="0" bIns="0" anchor="ctr">
             <a:noAutofit/>
           </a:bodyPr>
           <a:p>
-            <a:pPr marL="432000" indent="-324000">
+            <a:pPr marL="432000" indent="-323280">
+              <a:lnSpc>
+                <a:spcPct val="100000"/>
+              </a:lnSpc>
               <a:spcAft>
                 <a:spcPts val="1057"/>
               </a:spcAft>
@@ -6936,28 +6350,26 @@
                   <a:srgbClr val="ffffff"/>
                 </a:solidFill>
                 <a:latin typeface="Source Sans Pro Black"/>
+                <a:ea typeface="DejaVu Sans"/>
               </a:rPr>
               <a:t>BI Architecture Diagram</a:t>
             </a:r>
-            <a:endParaRPr b="1" lang="en-GB" sz="2700" spc="-1" strike="noStrike">
-              <a:solidFill>
-                <a:srgbClr val="ffffff"/>
-              </a:solidFill>
-              <a:latin typeface="Source Sans Pro Black"/>
-            </a:endParaRPr>
-          </a:p>
-        </p:txBody>
-      </p:sp>
-      <p:sp>
-        <p:nvSpPr>
-          <p:cNvPr id="136" name=""/>
+            <a:endParaRPr b="0" lang="en-GB" sz="2700" spc="-1" strike="noStrike">
+              <a:latin typeface="Arial"/>
+            </a:endParaRPr>
+          </a:p>
+        </p:txBody>
+      </p:sp>
+      <p:sp>
+        <p:nvSpPr>
+          <p:cNvPr id="128" name=""/>
           <p:cNvSpPr/>
           <p:nvPr/>
         </p:nvSpPr>
         <p:spPr>
           <a:xfrm>
             <a:off x="1620000" y="1800000"/>
-            <a:ext cx="1260000" cy="360000"/>
+            <a:ext cx="1259280" cy="359280"/>
           </a:xfrm>
           <a:prstGeom prst="rect">
             <a:avLst/>
@@ -6983,35 +6395,37 @@
             <a:noAutofit/>
           </a:bodyPr>
           <a:p>
-            <a:pPr algn="ctr"/>
+            <a:pPr algn="ctr">
+              <a:lnSpc>
+                <a:spcPct val="100000"/>
+              </a:lnSpc>
+            </a:pPr>
             <a:r>
               <a:rPr b="0" lang="en-GB" sz="1200" spc="-1" strike="noStrike">
                 <a:solidFill>
                   <a:srgbClr val="2c3e50"/>
                 </a:solidFill>
                 <a:latin typeface="Source Sans Pro"/>
+                <a:ea typeface="DejaVu Sans"/>
               </a:rPr>
               <a:t>WDICountry.csv</a:t>
             </a:r>
             <a:endParaRPr b="0" lang="en-GB" sz="1200" spc="-1" strike="noStrike">
-              <a:solidFill>
-                <a:srgbClr val="2c3e50"/>
-              </a:solidFill>
-              <a:latin typeface="Source Sans Pro"/>
-            </a:endParaRPr>
-          </a:p>
-        </p:txBody>
-      </p:sp>
-      <p:sp>
-        <p:nvSpPr>
-          <p:cNvPr id="137" name=""/>
+              <a:latin typeface="Arial"/>
+            </a:endParaRPr>
+          </a:p>
+        </p:txBody>
+      </p:sp>
+      <p:sp>
+        <p:nvSpPr>
+          <p:cNvPr id="129" name=""/>
           <p:cNvSpPr/>
           <p:nvPr/>
         </p:nvSpPr>
         <p:spPr>
           <a:xfrm>
             <a:off x="1620000" y="2340000"/>
-            <a:ext cx="1260000" cy="360000"/>
+            <a:ext cx="1259280" cy="359280"/>
           </a:xfrm>
           <a:prstGeom prst="rect">
             <a:avLst/>
@@ -7037,35 +6451,37 @@
             <a:noAutofit/>
           </a:bodyPr>
           <a:p>
-            <a:pPr algn="ctr"/>
+            <a:pPr algn="ctr">
+              <a:lnSpc>
+                <a:spcPct val="100000"/>
+              </a:lnSpc>
+            </a:pPr>
             <a:r>
               <a:rPr b="0" lang="en-GB" sz="1200" spc="-1" strike="noStrike">
                 <a:solidFill>
                   <a:srgbClr val="2c3e50"/>
                 </a:solidFill>
                 <a:latin typeface="Source Sans Pro"/>
+                <a:ea typeface="DejaVu Sans"/>
               </a:rPr>
               <a:t>WDIData.csv</a:t>
             </a:r>
             <a:endParaRPr b="0" lang="en-GB" sz="1200" spc="-1" strike="noStrike">
-              <a:solidFill>
-                <a:srgbClr val="2c3e50"/>
-              </a:solidFill>
-              <a:latin typeface="Source Sans Pro"/>
-            </a:endParaRPr>
-          </a:p>
-        </p:txBody>
-      </p:sp>
-      <p:sp>
-        <p:nvSpPr>
-          <p:cNvPr id="138" name=""/>
+              <a:latin typeface="Arial"/>
+            </a:endParaRPr>
+          </a:p>
+        </p:txBody>
+      </p:sp>
+      <p:sp>
+        <p:nvSpPr>
+          <p:cNvPr id="130" name=""/>
           <p:cNvSpPr/>
           <p:nvPr/>
         </p:nvSpPr>
         <p:spPr>
           <a:xfrm rot="21590400">
-            <a:off x="180360" y="1259640"/>
-            <a:ext cx="2700000" cy="356040"/>
+            <a:off x="180360" y="1258920"/>
+            <a:ext cx="2699280" cy="355320"/>
           </a:xfrm>
           <a:prstGeom prst="rect">
             <a:avLst/>
@@ -7091,13 +6507,18 @@
             <a:noAutofit/>
           </a:bodyPr>
           <a:p>
-            <a:pPr algn="ctr"/>
+            <a:pPr algn="ctr">
+              <a:lnSpc>
+                <a:spcPct val="100000"/>
+              </a:lnSpc>
+            </a:pPr>
             <a:r>
               <a:rPr b="0" lang="en-GB" sz="1400" spc="-1" strike="noStrike">
                 <a:solidFill>
                   <a:srgbClr val="2c3e50"/>
                 </a:solidFill>
                 <a:latin typeface="Source Sans Pro"/>
+                <a:ea typeface="DejaVu Sans"/>
               </a:rPr>
               <a:t>Default files path → </a:t>
             </a:r>
@@ -7107,6 +6528,7 @@
                   <a:srgbClr val="2c3e50"/>
                 </a:solidFill>
                 <a:latin typeface="Source Sans Pro"/>
+                <a:ea typeface="DejaVu Sans"/>
               </a:rPr>
               <a:t>C:\sampledata</a:t>
             </a:r>
@@ -7116,28 +6538,26 @@
                   <a:srgbClr val="2c3e50"/>
                 </a:solidFill>
                 <a:latin typeface="Source Sans Pro"/>
+                <a:ea typeface="DejaVu Sans"/>
               </a:rPr>
               <a:t> </a:t>
             </a:r>
             <a:endParaRPr b="0" lang="en-GB" sz="1400" spc="-1" strike="noStrike">
-              <a:solidFill>
-                <a:srgbClr val="2c3e50"/>
-              </a:solidFill>
-              <a:latin typeface="Source Sans Pro"/>
-            </a:endParaRPr>
-          </a:p>
-        </p:txBody>
-      </p:sp>
-      <p:sp>
-        <p:nvSpPr>
-          <p:cNvPr id="139" name=""/>
+              <a:latin typeface="Arial"/>
+            </a:endParaRPr>
+          </a:p>
+        </p:txBody>
+      </p:sp>
+      <p:sp>
+        <p:nvSpPr>
+          <p:cNvPr id="131" name=""/>
           <p:cNvSpPr/>
           <p:nvPr/>
         </p:nvSpPr>
         <p:spPr>
           <a:xfrm>
             <a:off x="1620000" y="2880000"/>
-            <a:ext cx="1260000" cy="360000"/>
+            <a:ext cx="1259280" cy="359280"/>
           </a:xfrm>
           <a:prstGeom prst="rect">
             <a:avLst/>
@@ -7163,35 +6583,37 @@
             <a:noAutofit/>
           </a:bodyPr>
           <a:p>
-            <a:pPr algn="ctr"/>
+            <a:pPr algn="ctr">
+              <a:lnSpc>
+                <a:spcPct val="100000"/>
+              </a:lnSpc>
+            </a:pPr>
             <a:r>
               <a:rPr b="0" lang="en-GB" sz="1200" spc="-1" strike="noStrike">
                 <a:solidFill>
                   <a:srgbClr val="2c3e50"/>
                 </a:solidFill>
                 <a:latin typeface="Source Sans Pro"/>
+                <a:ea typeface="DejaVu Sans"/>
               </a:rPr>
               <a:t>YearList.csv</a:t>
             </a:r>
             <a:endParaRPr b="0" lang="en-GB" sz="1200" spc="-1" strike="noStrike">
-              <a:solidFill>
-                <a:srgbClr val="2c3e50"/>
-              </a:solidFill>
-              <a:latin typeface="Source Sans Pro"/>
-            </a:endParaRPr>
-          </a:p>
-        </p:txBody>
-      </p:sp>
-      <p:sp>
-        <p:nvSpPr>
-          <p:cNvPr id="140" name=""/>
+              <a:latin typeface="Arial"/>
+            </a:endParaRPr>
+          </a:p>
+        </p:txBody>
+      </p:sp>
+      <p:sp>
+        <p:nvSpPr>
+          <p:cNvPr id="132" name=""/>
           <p:cNvSpPr/>
           <p:nvPr/>
         </p:nvSpPr>
         <p:spPr>
           <a:xfrm>
             <a:off x="360000" y="3420000"/>
-            <a:ext cx="2520000" cy="360000"/>
+            <a:ext cx="2519280" cy="359280"/>
           </a:xfrm>
           <a:prstGeom prst="rect">
             <a:avLst/>
@@ -7217,35 +6639,37 @@
             <a:noAutofit/>
           </a:bodyPr>
           <a:p>
-            <a:pPr algn="ctr"/>
+            <a:pPr algn="ctr">
+              <a:lnSpc>
+                <a:spcPct val="100000"/>
+              </a:lnSpc>
+            </a:pPr>
             <a:r>
               <a:rPr b="0" lang="en-GB" sz="1200" spc="-1" strike="noStrike">
                 <a:solidFill>
                   <a:srgbClr val="2c3e50"/>
                 </a:solidFill>
                 <a:latin typeface="Source Sans Pro"/>
+                <a:ea typeface="DejaVu Sans"/>
               </a:rPr>
               <a:t>CPI2020_GlobalTablesTS_210125.csv</a:t>
             </a:r>
             <a:endParaRPr b="0" lang="en-GB" sz="1200" spc="-1" strike="noStrike">
-              <a:solidFill>
-                <a:srgbClr val="2c3e50"/>
-              </a:solidFill>
-              <a:latin typeface="Source Sans Pro"/>
-            </a:endParaRPr>
-          </a:p>
-        </p:txBody>
-      </p:sp>
-      <p:sp>
-        <p:nvSpPr>
-          <p:cNvPr id="141" name=""/>
+              <a:latin typeface="Arial"/>
+            </a:endParaRPr>
+          </a:p>
+        </p:txBody>
+      </p:sp>
+      <p:sp>
+        <p:nvSpPr>
+          <p:cNvPr id="133" name=""/>
           <p:cNvSpPr/>
           <p:nvPr/>
         </p:nvSpPr>
         <p:spPr>
           <a:xfrm>
             <a:off x="3060000" y="1620000"/>
-            <a:ext cx="1800000" cy="2520000"/>
+            <a:ext cx="1799280" cy="2519280"/>
           </a:xfrm>
           <a:prstGeom prst="rect">
             <a:avLst/>
@@ -7269,14 +6693,14 @@
       </p:sp>
       <p:sp>
         <p:nvSpPr>
-          <p:cNvPr id="142" name=""/>
+          <p:cNvPr id="134" name=""/>
           <p:cNvSpPr/>
           <p:nvPr/>
         </p:nvSpPr>
         <p:spPr>
           <a:xfrm>
             <a:off x="3420000" y="1260000"/>
-            <a:ext cx="1080000" cy="360000"/>
+            <a:ext cx="1079280" cy="359280"/>
           </a:xfrm>
           <a:prstGeom prst="rect">
             <a:avLst/>
@@ -7302,35 +6726,37 @@
             <a:noAutofit/>
           </a:bodyPr>
           <a:p>
-            <a:pPr algn="ctr"/>
+            <a:pPr algn="ctr">
+              <a:lnSpc>
+                <a:spcPct val="100000"/>
+              </a:lnSpc>
+            </a:pPr>
             <a:r>
               <a:rPr b="0" lang="en-GB" sz="1200" spc="-1" strike="noStrike">
                 <a:solidFill>
                   <a:srgbClr val="2c3e50"/>
                 </a:solidFill>
                 <a:latin typeface="Source Sans Pro"/>
+                <a:ea typeface="DejaVu Sans"/>
               </a:rPr>
               <a:t>Staging Area</a:t>
             </a:r>
             <a:endParaRPr b="0" lang="en-GB" sz="1200" spc="-1" strike="noStrike">
-              <a:solidFill>
-                <a:srgbClr val="2c3e50"/>
-              </a:solidFill>
-              <a:latin typeface="Source Sans Pro"/>
-            </a:endParaRPr>
-          </a:p>
-        </p:txBody>
-      </p:sp>
-      <p:sp>
-        <p:nvSpPr>
-          <p:cNvPr id="143" name=""/>
+              <a:latin typeface="Arial"/>
+            </a:endParaRPr>
+          </a:p>
+        </p:txBody>
+      </p:sp>
+      <p:sp>
+        <p:nvSpPr>
+          <p:cNvPr id="135" name=""/>
           <p:cNvSpPr/>
           <p:nvPr/>
         </p:nvSpPr>
         <p:spPr>
           <a:xfrm>
             <a:off x="3240000" y="1800000"/>
-            <a:ext cx="1260000" cy="360000"/>
+            <a:ext cx="1259280" cy="359280"/>
           </a:xfrm>
           <a:prstGeom prst="rect">
             <a:avLst/>
@@ -7356,35 +6782,37 @@
             <a:noAutofit/>
           </a:bodyPr>
           <a:p>
-            <a:pPr algn="ctr"/>
+            <a:pPr algn="ctr">
+              <a:lnSpc>
+                <a:spcPct val="100000"/>
+              </a:lnSpc>
+            </a:pPr>
             <a:r>
               <a:rPr b="0" lang="en-GB" sz="1200" spc="-1" strike="noStrike">
                 <a:solidFill>
                   <a:srgbClr val="2c3e50"/>
                 </a:solidFill>
                 <a:latin typeface="Source Sans Pro"/>
+                <a:ea typeface="DejaVu Sans"/>
               </a:rPr>
               <a:t>STG_WDICOUNTRY</a:t>
             </a:r>
             <a:endParaRPr b="0" lang="en-GB" sz="1200" spc="-1" strike="noStrike">
-              <a:solidFill>
-                <a:srgbClr val="2c3e50"/>
-              </a:solidFill>
-              <a:latin typeface="Source Sans Pro"/>
-            </a:endParaRPr>
-          </a:p>
-        </p:txBody>
-      </p:sp>
-      <p:sp>
-        <p:nvSpPr>
-          <p:cNvPr id="144" name=""/>
+              <a:latin typeface="Arial"/>
+            </a:endParaRPr>
+          </a:p>
+        </p:txBody>
+      </p:sp>
+      <p:sp>
+        <p:nvSpPr>
+          <p:cNvPr id="136" name=""/>
           <p:cNvSpPr/>
           <p:nvPr/>
         </p:nvSpPr>
         <p:spPr>
           <a:xfrm>
             <a:off x="3240000" y="2340000"/>
-            <a:ext cx="1260000" cy="360000"/>
+            <a:ext cx="1259280" cy="359280"/>
           </a:xfrm>
           <a:prstGeom prst="rect">
             <a:avLst/>
@@ -7410,35 +6838,37 @@
             <a:noAutofit/>
           </a:bodyPr>
           <a:p>
-            <a:pPr algn="ctr"/>
+            <a:pPr algn="ctr">
+              <a:lnSpc>
+                <a:spcPct val="100000"/>
+              </a:lnSpc>
+            </a:pPr>
             <a:r>
               <a:rPr b="0" lang="en-GB" sz="1200" spc="-1" strike="noStrike">
                 <a:solidFill>
                   <a:srgbClr val="2c3e50"/>
                 </a:solidFill>
                 <a:latin typeface="Source Sans Pro"/>
+                <a:ea typeface="DejaVu Sans"/>
               </a:rPr>
               <a:t>STG_WDIDATA</a:t>
             </a:r>
             <a:endParaRPr b="0" lang="en-GB" sz="1200" spc="-1" strike="noStrike">
-              <a:solidFill>
-                <a:srgbClr val="2c3e50"/>
-              </a:solidFill>
-              <a:latin typeface="Source Sans Pro"/>
-            </a:endParaRPr>
-          </a:p>
-        </p:txBody>
-      </p:sp>
-      <p:sp>
-        <p:nvSpPr>
-          <p:cNvPr id="145" name=""/>
+              <a:latin typeface="Arial"/>
+            </a:endParaRPr>
+          </a:p>
+        </p:txBody>
+      </p:sp>
+      <p:sp>
+        <p:nvSpPr>
+          <p:cNvPr id="137" name=""/>
           <p:cNvSpPr/>
           <p:nvPr/>
         </p:nvSpPr>
         <p:spPr>
           <a:xfrm>
             <a:off x="3240000" y="2880000"/>
-            <a:ext cx="1260000" cy="360000"/>
+            <a:ext cx="1259280" cy="359280"/>
           </a:xfrm>
           <a:prstGeom prst="rect">
             <a:avLst/>
@@ -7464,35 +6894,37 @@
             <a:noAutofit/>
           </a:bodyPr>
           <a:p>
-            <a:pPr algn="ctr"/>
+            <a:pPr algn="ctr">
+              <a:lnSpc>
+                <a:spcPct val="100000"/>
+              </a:lnSpc>
+            </a:pPr>
             <a:r>
               <a:rPr b="0" lang="en-GB" sz="1200" spc="-1" strike="noStrike">
                 <a:solidFill>
                   <a:srgbClr val="2c3e50"/>
                 </a:solidFill>
                 <a:latin typeface="Source Sans Pro"/>
+                <a:ea typeface="DejaVu Sans"/>
               </a:rPr>
               <a:t>STG_YEARS</a:t>
             </a:r>
             <a:endParaRPr b="0" lang="en-GB" sz="1200" spc="-1" strike="noStrike">
-              <a:solidFill>
-                <a:srgbClr val="2c3e50"/>
-              </a:solidFill>
-              <a:latin typeface="Source Sans Pro"/>
-            </a:endParaRPr>
-          </a:p>
-        </p:txBody>
-      </p:sp>
-      <p:sp>
-        <p:nvSpPr>
-          <p:cNvPr id="146" name=""/>
+              <a:latin typeface="Arial"/>
+            </a:endParaRPr>
+          </a:p>
+        </p:txBody>
+      </p:sp>
+      <p:sp>
+        <p:nvSpPr>
+          <p:cNvPr id="138" name=""/>
           <p:cNvSpPr/>
           <p:nvPr/>
         </p:nvSpPr>
         <p:spPr>
           <a:xfrm>
             <a:off x="3240000" y="3420000"/>
-            <a:ext cx="1260000" cy="360000"/>
+            <a:ext cx="1259280" cy="359280"/>
           </a:xfrm>
           <a:prstGeom prst="rect">
             <a:avLst/>
@@ -7518,35 +6950,37 @@
             <a:noAutofit/>
           </a:bodyPr>
           <a:p>
-            <a:pPr algn="ctr"/>
+            <a:pPr algn="ctr">
+              <a:lnSpc>
+                <a:spcPct val="100000"/>
+              </a:lnSpc>
+            </a:pPr>
             <a:r>
               <a:rPr b="0" lang="en-GB" sz="1200" spc="-1" strike="noStrike">
                 <a:solidFill>
                   <a:srgbClr val="2c3e50"/>
                 </a:solidFill>
                 <a:latin typeface="Source Sans Pro"/>
+                <a:ea typeface="DejaVu Sans"/>
               </a:rPr>
               <a:t>STG_CPIDATA</a:t>
             </a:r>
             <a:endParaRPr b="0" lang="en-GB" sz="1200" spc="-1" strike="noStrike">
-              <a:solidFill>
-                <a:srgbClr val="2c3e50"/>
-              </a:solidFill>
-              <a:latin typeface="Source Sans Pro"/>
-            </a:endParaRPr>
-          </a:p>
-        </p:txBody>
-      </p:sp>
-      <p:sp>
-        <p:nvSpPr>
-          <p:cNvPr id="147" name=""/>
+              <a:latin typeface="Arial"/>
+            </a:endParaRPr>
+          </a:p>
+        </p:txBody>
+      </p:sp>
+      <p:sp>
+        <p:nvSpPr>
+          <p:cNvPr id="139" name=""/>
           <p:cNvSpPr/>
           <p:nvPr/>
         </p:nvSpPr>
         <p:spPr>
           <a:xfrm>
             <a:off x="2880000" y="1980000"/>
-            <a:ext cx="360000" cy="0"/>
+            <a:ext cx="360000" cy="360"/>
           </a:xfrm>
           <a:prstGeom prst="line">
             <a:avLst/>
@@ -7568,14 +7002,14 @@
       </p:sp>
       <p:sp>
         <p:nvSpPr>
-          <p:cNvPr id="148" name=""/>
+          <p:cNvPr id="140" name=""/>
           <p:cNvSpPr/>
           <p:nvPr/>
         </p:nvSpPr>
         <p:spPr>
           <a:xfrm>
             <a:off x="2880000" y="2520000"/>
-            <a:ext cx="360000" cy="0"/>
+            <a:ext cx="360000" cy="360"/>
           </a:xfrm>
           <a:prstGeom prst="line">
             <a:avLst/>
@@ -7597,14 +7031,14 @@
       </p:sp>
       <p:sp>
         <p:nvSpPr>
-          <p:cNvPr id="149" name=""/>
+          <p:cNvPr id="141" name=""/>
           <p:cNvSpPr/>
           <p:nvPr/>
         </p:nvSpPr>
         <p:spPr>
           <a:xfrm>
             <a:off x="2880000" y="3060000"/>
-            <a:ext cx="360000" cy="0"/>
+            <a:ext cx="360000" cy="360"/>
           </a:xfrm>
           <a:prstGeom prst="line">
             <a:avLst/>
@@ -7626,14 +7060,14 @@
       </p:sp>
       <p:sp>
         <p:nvSpPr>
-          <p:cNvPr id="150" name=""/>
+          <p:cNvPr id="142" name=""/>
           <p:cNvSpPr/>
           <p:nvPr/>
         </p:nvSpPr>
         <p:spPr>
           <a:xfrm>
             <a:off x="2880000" y="3600000"/>
-            <a:ext cx="360000" cy="0"/>
+            <a:ext cx="360000" cy="360"/>
           </a:xfrm>
           <a:prstGeom prst="line">
             <a:avLst/>
@@ -7655,14 +7089,14 @@
       </p:sp>
       <p:sp>
         <p:nvSpPr>
-          <p:cNvPr id="151" name=""/>
+          <p:cNvPr id="143" name=""/>
           <p:cNvSpPr/>
           <p:nvPr/>
         </p:nvSpPr>
         <p:spPr>
           <a:xfrm>
             <a:off x="5220000" y="1620000"/>
-            <a:ext cx="1800000" cy="2520000"/>
+            <a:ext cx="1799280" cy="2519280"/>
           </a:xfrm>
           <a:prstGeom prst="rect">
             <a:avLst/>
@@ -7686,14 +7120,14 @@
       </p:sp>
       <p:sp>
         <p:nvSpPr>
-          <p:cNvPr id="152" name=""/>
+          <p:cNvPr id="144" name=""/>
           <p:cNvSpPr/>
           <p:nvPr/>
         </p:nvSpPr>
         <p:spPr>
           <a:xfrm>
             <a:off x="5580000" y="1260000"/>
-            <a:ext cx="1080000" cy="360000"/>
+            <a:ext cx="1079280" cy="359280"/>
           </a:xfrm>
           <a:prstGeom prst="rect">
             <a:avLst/>
@@ -7719,35 +7153,37 @@
             <a:noAutofit/>
           </a:bodyPr>
           <a:p>
-            <a:pPr algn="ctr"/>
+            <a:pPr algn="ctr">
+              <a:lnSpc>
+                <a:spcPct val="100000"/>
+              </a:lnSpc>
+            </a:pPr>
             <a:r>
               <a:rPr b="0" lang="en-GB" sz="1200" spc="-1" strike="noStrike">
                 <a:solidFill>
                   <a:srgbClr val="2c3e50"/>
                 </a:solidFill>
                 <a:latin typeface="Source Sans Pro"/>
+                <a:ea typeface="DejaVu Sans"/>
               </a:rPr>
               <a:t>DWH Area</a:t>
             </a:r>
             <a:endParaRPr b="0" lang="en-GB" sz="1200" spc="-1" strike="noStrike">
-              <a:solidFill>
-                <a:srgbClr val="2c3e50"/>
-              </a:solidFill>
-              <a:latin typeface="Source Sans Pro"/>
-            </a:endParaRPr>
-          </a:p>
-        </p:txBody>
-      </p:sp>
-      <p:sp>
-        <p:nvSpPr>
-          <p:cNvPr id="153" name=""/>
+              <a:latin typeface="Arial"/>
+            </a:endParaRPr>
+          </a:p>
+        </p:txBody>
+      </p:sp>
+      <p:sp>
+        <p:nvSpPr>
+          <p:cNvPr id="145" name=""/>
           <p:cNvSpPr/>
           <p:nvPr/>
         </p:nvSpPr>
         <p:spPr>
           <a:xfrm>
             <a:off x="3060000" y="4248000"/>
-            <a:ext cx="3960000" cy="360000"/>
+            <a:ext cx="3959280" cy="359280"/>
           </a:xfrm>
           <a:prstGeom prst="rect">
             <a:avLst/>
@@ -7773,35 +7209,37 @@
             <a:noAutofit/>
           </a:bodyPr>
           <a:p>
-            <a:pPr algn="ctr"/>
+            <a:pPr algn="ctr">
+              <a:lnSpc>
+                <a:spcPct val="100000"/>
+              </a:lnSpc>
+            </a:pPr>
             <a:r>
               <a:rPr b="0" lang="en-GB" sz="1200" spc="-1" strike="noStrike">
                 <a:solidFill>
                   <a:srgbClr val="2c3e50"/>
                 </a:solidFill>
                 <a:latin typeface="Source Sans Pro"/>
+                <a:ea typeface="DejaVu Sans"/>
               </a:rPr>
               <a:t>Reference Tables – control loading of the data warehouse</a:t>
             </a:r>
             <a:endParaRPr b="0" lang="en-GB" sz="1200" spc="-1" strike="noStrike">
-              <a:solidFill>
-                <a:srgbClr val="2c3e50"/>
-              </a:solidFill>
-              <a:latin typeface="Source Sans Pro"/>
-            </a:endParaRPr>
-          </a:p>
-        </p:txBody>
-      </p:sp>
-      <p:sp>
-        <p:nvSpPr>
-          <p:cNvPr id="154" name=""/>
+              <a:latin typeface="Arial"/>
+            </a:endParaRPr>
+          </a:p>
+        </p:txBody>
+      </p:sp>
+      <p:sp>
+        <p:nvSpPr>
+          <p:cNvPr id="146" name=""/>
           <p:cNvSpPr/>
           <p:nvPr/>
         </p:nvSpPr>
         <p:spPr>
           <a:xfrm>
             <a:off x="5400000" y="1800000"/>
-            <a:ext cx="1260000" cy="360000"/>
+            <a:ext cx="1259280" cy="359280"/>
           </a:xfrm>
           <a:prstGeom prst="rect">
             <a:avLst/>
@@ -7827,35 +7265,37 @@
             <a:noAutofit/>
           </a:bodyPr>
           <a:p>
-            <a:pPr algn="ctr"/>
+            <a:pPr algn="ctr">
+              <a:lnSpc>
+                <a:spcPct val="100000"/>
+              </a:lnSpc>
+            </a:pPr>
             <a:r>
               <a:rPr b="0" lang="en-GB" sz="1200" spc="-1" strike="noStrike">
                 <a:solidFill>
                   <a:srgbClr val="2c3e50"/>
                 </a:solidFill>
                 <a:latin typeface="Source Sans Pro"/>
+                <a:ea typeface="DejaVu Sans"/>
               </a:rPr>
               <a:t>DW_DIM_COUNTRY</a:t>
             </a:r>
             <a:endParaRPr b="0" lang="en-GB" sz="1200" spc="-1" strike="noStrike">
-              <a:solidFill>
-                <a:srgbClr val="2c3e50"/>
-              </a:solidFill>
-              <a:latin typeface="Source Sans Pro"/>
-            </a:endParaRPr>
-          </a:p>
-        </p:txBody>
-      </p:sp>
-      <p:sp>
-        <p:nvSpPr>
-          <p:cNvPr id="155" name=""/>
+              <a:latin typeface="Arial"/>
+            </a:endParaRPr>
+          </a:p>
+        </p:txBody>
+      </p:sp>
+      <p:sp>
+        <p:nvSpPr>
+          <p:cNvPr id="147" name=""/>
           <p:cNvSpPr/>
           <p:nvPr/>
         </p:nvSpPr>
         <p:spPr>
           <a:xfrm>
             <a:off x="5400000" y="3420000"/>
-            <a:ext cx="1260000" cy="360000"/>
+            <a:ext cx="1259280" cy="359280"/>
           </a:xfrm>
           <a:prstGeom prst="rect">
             <a:avLst/>
@@ -7881,35 +7321,37 @@
             <a:noAutofit/>
           </a:bodyPr>
           <a:p>
-            <a:pPr algn="ctr"/>
+            <a:pPr algn="ctr">
+              <a:lnSpc>
+                <a:spcPct val="100000"/>
+              </a:lnSpc>
+            </a:pPr>
             <a:r>
               <a:rPr b="0" lang="en-GB" sz="1200" spc="-1" strike="noStrike">
                 <a:solidFill>
                   <a:srgbClr val="2c3e50"/>
                 </a:solidFill>
                 <a:latin typeface="Source Sans Pro"/>
+                <a:ea typeface="DejaVu Sans"/>
               </a:rPr>
               <a:t>DW_FACT_WDIDATA</a:t>
             </a:r>
             <a:endParaRPr b="0" lang="en-GB" sz="1200" spc="-1" strike="noStrike">
-              <a:solidFill>
-                <a:srgbClr val="2c3e50"/>
-              </a:solidFill>
-              <a:latin typeface="Source Sans Pro"/>
-            </a:endParaRPr>
-          </a:p>
-        </p:txBody>
-      </p:sp>
-      <p:sp>
-        <p:nvSpPr>
-          <p:cNvPr id="156" name=""/>
+              <a:latin typeface="Arial"/>
+            </a:endParaRPr>
+          </a:p>
+        </p:txBody>
+      </p:sp>
+      <p:sp>
+        <p:nvSpPr>
+          <p:cNvPr id="148" name=""/>
           <p:cNvSpPr/>
           <p:nvPr/>
         </p:nvSpPr>
         <p:spPr>
           <a:xfrm>
             <a:off x="5400000" y="2340000"/>
-            <a:ext cx="1260000" cy="360000"/>
+            <a:ext cx="1259280" cy="359280"/>
           </a:xfrm>
           <a:prstGeom prst="rect">
             <a:avLst/>
@@ -7935,35 +7377,37 @@
             <a:noAutofit/>
           </a:bodyPr>
           <a:p>
-            <a:pPr algn="ctr"/>
+            <a:pPr algn="ctr">
+              <a:lnSpc>
+                <a:spcPct val="100000"/>
+              </a:lnSpc>
+            </a:pPr>
             <a:r>
               <a:rPr b="0" lang="en-GB" sz="1200" spc="-1" strike="noStrike">
                 <a:solidFill>
                   <a:srgbClr val="2c3e50"/>
                 </a:solidFill>
                 <a:latin typeface="Source Sans Pro"/>
+                <a:ea typeface="DejaVu Sans"/>
               </a:rPr>
               <a:t>DW_DIM_TIME</a:t>
             </a:r>
             <a:endParaRPr b="0" lang="en-GB" sz="1200" spc="-1" strike="noStrike">
-              <a:solidFill>
-                <a:srgbClr val="2c3e50"/>
-              </a:solidFill>
-              <a:latin typeface="Source Sans Pro"/>
-            </a:endParaRPr>
-          </a:p>
-        </p:txBody>
-      </p:sp>
-      <p:sp>
-        <p:nvSpPr>
-          <p:cNvPr id="157" name=""/>
+              <a:latin typeface="Arial"/>
+            </a:endParaRPr>
+          </a:p>
+        </p:txBody>
+      </p:sp>
+      <p:sp>
+        <p:nvSpPr>
+          <p:cNvPr id="149" name=""/>
           <p:cNvSpPr/>
           <p:nvPr/>
         </p:nvSpPr>
         <p:spPr>
           <a:xfrm>
             <a:off x="4500000" y="1980000"/>
-            <a:ext cx="900000" cy="0"/>
+            <a:ext cx="900000" cy="360"/>
           </a:xfrm>
           <a:prstGeom prst="line">
             <a:avLst/>
@@ -7985,7 +7429,7 @@
       </p:sp>
       <p:sp>
         <p:nvSpPr>
-          <p:cNvPr id="158" name=""/>
+          <p:cNvPr id="150" name=""/>
           <p:cNvSpPr/>
           <p:nvPr/>
         </p:nvSpPr>
@@ -8014,7 +7458,7 @@
       </p:sp>
       <p:sp>
         <p:nvSpPr>
-          <p:cNvPr id="159" name=""/>
+          <p:cNvPr id="151" name=""/>
           <p:cNvSpPr/>
           <p:nvPr/>
         </p:nvSpPr>
@@ -8043,14 +7487,14 @@
       </p:sp>
       <p:sp>
         <p:nvSpPr>
-          <p:cNvPr id="160" name=""/>
+          <p:cNvPr id="152" name=""/>
           <p:cNvSpPr/>
           <p:nvPr/>
         </p:nvSpPr>
         <p:spPr>
           <a:xfrm>
             <a:off x="4500000" y="3600000"/>
-            <a:ext cx="900000" cy="0"/>
+            <a:ext cx="900000" cy="360"/>
           </a:xfrm>
           <a:prstGeom prst="line">
             <a:avLst/>
@@ -8072,14 +7516,14 @@
       </p:sp>
       <p:sp>
         <p:nvSpPr>
-          <p:cNvPr id="161" name=""/>
+          <p:cNvPr id="153" name=""/>
           <p:cNvSpPr/>
           <p:nvPr/>
         </p:nvSpPr>
         <p:spPr>
           <a:xfrm>
             <a:off x="7920000" y="2340000"/>
-            <a:ext cx="1800000" cy="1080000"/>
+            <a:ext cx="1799280" cy="1079280"/>
           </a:xfrm>
           <a:prstGeom prst="rect">
             <a:avLst/>
@@ -8105,35 +7549,37 @@
             <a:noAutofit/>
           </a:bodyPr>
           <a:p>
-            <a:pPr algn="ctr"/>
+            <a:pPr algn="ctr">
+              <a:lnSpc>
+                <a:spcPct val="100000"/>
+              </a:lnSpc>
+            </a:pPr>
             <a:r>
               <a:rPr b="0" lang="en-GB" sz="1800" spc="-1" strike="noStrike">
                 <a:solidFill>
                   <a:srgbClr val="2c3e50"/>
                 </a:solidFill>
                 <a:latin typeface="Source Sans Pro"/>
+                <a:ea typeface="DejaVu Sans"/>
               </a:rPr>
               <a:t>POWER BI</a:t>
             </a:r>
             <a:endParaRPr b="0" lang="en-GB" sz="1800" spc="-1" strike="noStrike">
-              <a:solidFill>
-                <a:srgbClr val="2c3e50"/>
-              </a:solidFill>
-              <a:latin typeface="Source Sans Pro"/>
-            </a:endParaRPr>
-          </a:p>
-        </p:txBody>
-      </p:sp>
-      <p:sp>
-        <p:nvSpPr>
-          <p:cNvPr id="162" name=""/>
+              <a:latin typeface="Arial"/>
+            </a:endParaRPr>
+          </a:p>
+        </p:txBody>
+      </p:sp>
+      <p:sp>
+        <p:nvSpPr>
+          <p:cNvPr id="154" name=""/>
           <p:cNvSpPr/>
           <p:nvPr/>
         </p:nvSpPr>
         <p:spPr>
           <a:xfrm>
             <a:off x="7020000" y="2880000"/>
-            <a:ext cx="900000" cy="0"/>
+            <a:ext cx="900000" cy="360"/>
           </a:xfrm>
           <a:prstGeom prst="line">
             <a:avLst/>
@@ -8155,14 +7601,14 @@
       </p:sp>
       <p:sp>
         <p:nvSpPr>
-          <p:cNvPr id="163" name=""/>
+          <p:cNvPr id="155" name=""/>
           <p:cNvSpPr/>
           <p:nvPr/>
         </p:nvSpPr>
         <p:spPr>
           <a:xfrm>
             <a:off x="8280000" y="1980000"/>
-            <a:ext cx="1080000" cy="360000"/>
+            <a:ext cx="1079280" cy="359280"/>
           </a:xfrm>
           <a:prstGeom prst="rect">
             <a:avLst/>
@@ -8188,35 +7634,37 @@
             <a:noAutofit/>
           </a:bodyPr>
           <a:p>
-            <a:pPr algn="ctr"/>
+            <a:pPr algn="ctr">
+              <a:lnSpc>
+                <a:spcPct val="100000"/>
+              </a:lnSpc>
+            </a:pPr>
             <a:r>
               <a:rPr b="0" lang="en-GB" sz="1200" spc="-1" strike="noStrike">
                 <a:solidFill>
                   <a:srgbClr val="2c3e50"/>
                 </a:solidFill>
                 <a:latin typeface="Source Sans Pro"/>
+                <a:ea typeface="DejaVu Sans"/>
               </a:rPr>
               <a:t>Reporting</a:t>
             </a:r>
             <a:endParaRPr b="0" lang="en-GB" sz="1200" spc="-1" strike="noStrike">
-              <a:solidFill>
-                <a:srgbClr val="2c3e50"/>
-              </a:solidFill>
-              <a:latin typeface="Source Sans Pro"/>
-            </a:endParaRPr>
-          </a:p>
-        </p:txBody>
-      </p:sp>
-      <p:sp>
-        <p:nvSpPr>
-          <p:cNvPr id="164" name=""/>
-          <p:cNvSpPr txBox="1"/>
+              <a:latin typeface="Arial"/>
+            </a:endParaRPr>
+          </a:p>
+        </p:txBody>
+      </p:sp>
+      <p:sp>
+        <p:nvSpPr>
+          <p:cNvPr id="156" name=""/>
+          <p:cNvSpPr/>
           <p:nvPr/>
         </p:nvSpPr>
         <p:spPr>
           <a:xfrm>
-            <a:off x="468000" y="4752000"/>
-            <a:ext cx="5926320" cy="540000"/>
+            <a:off x="468000" y="4680000"/>
+            <a:ext cx="5925600" cy="611280"/>
           </a:xfrm>
           <a:prstGeom prst="rect">
             <a:avLst/>
@@ -8226,19 +7674,81 @@
             <a:noFill/>
           </a:ln>
         </p:spPr>
+        <p:style>
+          <a:lnRef idx="0"/>
+          <a:fillRef idx="0"/>
+          <a:effectRef idx="0"/>
+          <a:fontRef idx="minor"/>
+        </p:style>
         <p:txBody>
           <a:bodyPr lIns="90000" rIns="90000" tIns="45000" bIns="45000" anchor="ctr">
             <a:noAutofit/>
           </a:bodyPr>
           <a:p>
+            <a:pPr>
+              <a:lnSpc>
+                <a:spcPct val="100000"/>
+              </a:lnSpc>
+            </a:pPr>
             <a:r>
               <a:rPr b="1" lang="en-GB" sz="1200" spc="-1" strike="noStrike">
                 <a:solidFill>
                   <a:srgbClr val="2c3e50"/>
                 </a:solidFill>
                 <a:latin typeface="Source Sans Pro"/>
-              </a:rPr>
-              <a:t>Notes: </a:t>
+                <a:ea typeface="DejaVu Sans"/>
+              </a:rPr>
+              <a:t>Notes:</a:t>
+            </a:r>
+            <a:endParaRPr b="0" lang="en-GB" sz="1200" spc="-1" strike="noStrike">
+              <a:latin typeface="Arial"/>
+            </a:endParaRPr>
+          </a:p>
+          <a:p>
+            <a:pPr>
+              <a:lnSpc>
+                <a:spcPct val="100000"/>
+              </a:lnSpc>
+            </a:pPr>
+            <a:r>
+              <a:rPr b="1" lang="en-GB" sz="1200" spc="-1" strike="noStrike">
+                <a:solidFill>
+                  <a:srgbClr val="2c3e50"/>
+                </a:solidFill>
+                <a:latin typeface="Source Sans Pro"/>
+                <a:ea typeface="Microsoft YaHei"/>
+              </a:rPr>
+              <a:t>→ </a:t>
+            </a:r>
+            <a:r>
+              <a:rPr b="0" lang="en-GB" sz="1300" spc="-1" strike="noStrike">
+                <a:solidFill>
+                  <a:srgbClr val="2c3e50"/>
+                </a:solidFill>
+                <a:latin typeface="Source Sans Pro"/>
+                <a:ea typeface="DejaVu Sans"/>
+              </a:rPr>
+              <a:t>Developed locally on SQLServer Express edition. Local schema name : </a:t>
+            </a:r>
+            <a:r>
+              <a:rPr b="1" lang="en-GB" sz="1300" spc="-1" strike="noStrike">
+                <a:solidFill>
+                  <a:srgbClr val="2c3e50"/>
+                </a:solidFill>
+                <a:latin typeface="Source Sans Pro"/>
+                <a:ea typeface="DejaVu Sans"/>
+              </a:rPr>
+              <a:t>DBO</a:t>
+            </a:r>
+            <a:r>
+              <a:rPr b="1" lang="en-GB" sz="1200" spc="-1" strike="noStrike">
+                <a:solidFill>
+                  <a:srgbClr val="2c3e50"/>
+                </a:solidFill>
+                <a:latin typeface="Source Sans Pro"/>
+                <a:ea typeface="DejaVu Sans"/>
+              </a:rPr>
+              <a:t> </a:t>
             </a:r>
             <a:br/>
             <a:r>
@@ -8247,6 +7757,7 @@
                   <a:srgbClr val="2c3e50"/>
                 </a:solidFill>
                 <a:latin typeface="Source Sans Pro"/>
+                <a:ea typeface="DejaVu Sans"/>
               </a:rPr>
               <a:t>→ 2 views : </a:t>
             </a:r>
@@ -8256,6 +7767,7 @@
                   <a:srgbClr val="2c3e50"/>
                 </a:solidFill>
                 <a:latin typeface="Source Sans Pro"/>
+                <a:ea typeface="DejaVu Sans"/>
               </a:rPr>
               <a:t>VW_CPIDATA</a:t>
             </a:r>
@@ -8265,6 +7777,7 @@
                   <a:srgbClr val="2c3e50"/>
                 </a:solidFill>
                 <a:latin typeface="Source Sans Pro"/>
+                <a:ea typeface="DejaVu Sans"/>
               </a:rPr>
               <a:t> and </a:t>
             </a:r>
@@ -8274,6 +7787,7 @@
                   <a:srgbClr val="2c3e50"/>
                 </a:solidFill>
                 <a:latin typeface="Source Sans Pro"/>
+                <a:ea typeface="DejaVu Sans"/>
               </a:rPr>
               <a:t>VW_WDIDATA</a:t>
             </a:r>
@@ -8283,49 +7797,32 @@
                   <a:srgbClr val="2c3e50"/>
                 </a:solidFill>
                 <a:latin typeface="Source Sans Pro"/>
-              </a:rPr>
-              <a:t> are used to extract data from staging area for DWH</a:t>
+                <a:ea typeface="DejaVu Sans"/>
+              </a:rPr>
+              <a:t> are used to extract data from staging area for DWH. </a:t>
+            </a:r>
+            <a:r>
+              <a:rPr b="1" lang="en-GB" sz="1200" spc="-1" strike="noStrike">
+                <a:solidFill>
+                  <a:srgbClr val="2c3e50"/>
+                </a:solidFill>
+                <a:latin typeface="Source Sans Pro"/>
+                <a:ea typeface="DejaVu Sans"/>
+              </a:rPr>
+              <a:t>WDIDATA.csv</a:t>
+            </a:r>
+            <a:r>
+              <a:rPr b="0" lang="en-GB" sz="1200" spc="-1" strike="noStrike">
+                <a:solidFill>
+                  <a:srgbClr val="2c3e50"/>
+                </a:solidFill>
+                <a:latin typeface="Source Sans Pro"/>
+                <a:ea typeface="DejaVu Sans"/>
+              </a:rPr>
+              <a:t> was first unpivoted on years then pivoted on KPIs for reporting.</a:t>
             </a:r>
             <a:endParaRPr b="0" lang="en-GB" sz="1200" spc="-1" strike="noStrike">
-              <a:solidFill>
-                <a:srgbClr val="2c3e50"/>
-              </a:solidFill>
-              <a:latin typeface="Source Sans Pro"/>
-            </a:endParaRPr>
-          </a:p>
-          <a:p>
-            <a:r>
-              <a:rPr b="0" lang="en-GB" sz="1200" spc="-1" strike="noStrike">
-                <a:solidFill>
-                  <a:srgbClr val="2c3e50"/>
-                </a:solidFill>
-                <a:latin typeface="Source Sans Pro"/>
-              </a:rPr>
-              <a:t>→ </a:t>
-            </a:r>
-            <a:r>
-              <a:rPr b="1" lang="en-GB" sz="1200" spc="-1" strike="noStrike">
-                <a:solidFill>
-                  <a:srgbClr val="2c3e50"/>
-                </a:solidFill>
-                <a:latin typeface="Source Sans Pro"/>
-              </a:rPr>
-              <a:t>WDIDATA.csv</a:t>
-            </a:r>
-            <a:r>
-              <a:rPr b="0" lang="en-GB" sz="1200" spc="-1" strike="noStrike">
-                <a:solidFill>
-                  <a:srgbClr val="2c3e50"/>
-                </a:solidFill>
-                <a:latin typeface="Source Sans Pro"/>
-              </a:rPr>
-              <a:t> was first unpivoted on years then pivoted on KPIs for reporting.</a:t>
-            </a:r>
-            <a:endParaRPr b="0" lang="en-GB" sz="1200" spc="-1" strike="noStrike">
-              <a:solidFill>
-                <a:srgbClr val="2c3e50"/>
-              </a:solidFill>
-              <a:latin typeface="Source Sans Pro"/>
+              <a:latin typeface="Arial"/>
             </a:endParaRPr>
           </a:p>
         </p:txBody>
@@ -8362,14 +7859,14 @@
       </p:grpSpPr>
       <p:sp>
         <p:nvSpPr>
-          <p:cNvPr id="165" name=""/>
-          <p:cNvSpPr txBox="1"/>
+          <p:cNvPr id="157" name=""/>
+          <p:cNvSpPr/>
           <p:nvPr/>
         </p:nvSpPr>
         <p:spPr>
           <a:xfrm>
             <a:off x="360000" y="225720"/>
-            <a:ext cx="9360000" cy="720000"/>
+            <a:ext cx="9359280" cy="719280"/>
           </a:xfrm>
           <a:prstGeom prst="rect">
             <a:avLst/>
@@ -8379,12 +7876,21 @@
             <a:noFill/>
           </a:ln>
         </p:spPr>
+        <p:style>
+          <a:lnRef idx="0"/>
+          <a:fillRef idx="0"/>
+          <a:effectRef idx="0"/>
+          <a:fontRef idx="minor"/>
+        </p:style>
         <p:txBody>
           <a:bodyPr lIns="0" rIns="0" tIns="0" bIns="0" anchor="ctr">
             <a:noAutofit/>
           </a:bodyPr>
           <a:p>
-            <a:pPr marL="432000" indent="-324000">
+            <a:pPr marL="432000" indent="-323280">
+              <a:lnSpc>
+                <a:spcPct val="100000"/>
+              </a:lnSpc>
               <a:spcAft>
                 <a:spcPts val="1057"/>
               </a:spcAft>
@@ -8401,28 +7907,26 @@
                   <a:srgbClr val="ffffff"/>
                 </a:solidFill>
                 <a:latin typeface="Source Sans Pro Black"/>
+                <a:ea typeface="DejaVu Sans"/>
               </a:rPr>
               <a:t>ETL Process</a:t>
             </a:r>
-            <a:endParaRPr b="1" lang="en-GB" sz="2700" spc="-1" strike="noStrike">
-              <a:solidFill>
-                <a:srgbClr val="ffffff"/>
-              </a:solidFill>
-              <a:latin typeface="Source Sans Pro Black"/>
-            </a:endParaRPr>
-          </a:p>
-        </p:txBody>
-      </p:sp>
-      <p:sp>
-        <p:nvSpPr>
-          <p:cNvPr id="166" name=""/>
+            <a:endParaRPr b="0" lang="en-GB" sz="2700" spc="-1" strike="noStrike">
+              <a:latin typeface="Arial"/>
+            </a:endParaRPr>
+          </a:p>
+        </p:txBody>
+      </p:sp>
+      <p:sp>
+        <p:nvSpPr>
+          <p:cNvPr id="158" name=""/>
           <p:cNvSpPr/>
           <p:nvPr/>
         </p:nvSpPr>
         <p:spPr>
           <a:xfrm rot="21590400">
-            <a:off x="180360" y="1259640"/>
-            <a:ext cx="2700000" cy="356040"/>
+            <a:off x="180360" y="1258920"/>
+            <a:ext cx="2699280" cy="355320"/>
           </a:xfrm>
           <a:prstGeom prst="rect">
             <a:avLst/>
@@ -8448,13 +7952,18 @@
             <a:noAutofit/>
           </a:bodyPr>
           <a:p>
-            <a:pPr algn="ctr"/>
+            <a:pPr algn="ctr">
+              <a:lnSpc>
+                <a:spcPct val="100000"/>
+              </a:lnSpc>
+            </a:pPr>
             <a:r>
               <a:rPr b="0" lang="en-GB" sz="1400" spc="-1" strike="noStrike">
                 <a:solidFill>
                   <a:srgbClr val="2c3e50"/>
                 </a:solidFill>
                 <a:latin typeface="Source Sans Pro"/>
+                <a:ea typeface="DejaVu Sans"/>
               </a:rPr>
               <a:t>Default files path → </a:t>
             </a:r>
@@ -8464,6 +7973,7 @@
                   <a:srgbClr val="2c3e50"/>
                 </a:solidFill>
                 <a:latin typeface="Source Sans Pro"/>
+                <a:ea typeface="DejaVu Sans"/>
               </a:rPr>
               <a:t>C:\sampledata</a:t>
             </a:r>
@@ -8473,21 +7983,19 @@
                   <a:srgbClr val="2c3e50"/>
                 </a:solidFill>
                 <a:latin typeface="Source Sans Pro"/>
+                <a:ea typeface="DejaVu Sans"/>
               </a:rPr>
               <a:t> </a:t>
             </a:r>
             <a:endParaRPr b="0" lang="en-GB" sz="1400" spc="-1" strike="noStrike">
-              <a:solidFill>
-                <a:srgbClr val="2c3e50"/>
-              </a:solidFill>
-              <a:latin typeface="Source Sans Pro"/>
+              <a:latin typeface="Arial"/>
             </a:endParaRPr>
           </a:p>
         </p:txBody>
       </p:sp>
       <p:pic>
         <p:nvPicPr>
-          <p:cNvPr id="167" name="" descr=""/>
+          <p:cNvPr id="159" name="" descr=""/>
           <p:cNvPicPr/>
           <p:nvPr/>
         </p:nvPicPr>
@@ -8498,7 +8006,7 @@
         <p:spPr>
           <a:xfrm>
             <a:off x="180000" y="1800000"/>
-            <a:ext cx="2685960" cy="1314000"/>
+            <a:ext cx="2685240" cy="1313280"/>
           </a:xfrm>
           <a:prstGeom prst="rect">
             <a:avLst/>
@@ -8510,7 +8018,7 @@
       </p:pic>
       <p:pic>
         <p:nvPicPr>
-          <p:cNvPr id="168" name="" descr=""/>
+          <p:cNvPr id="160" name="" descr=""/>
           <p:cNvPicPr/>
           <p:nvPr/>
         </p:nvPicPr>
@@ -8521,7 +8029,7 @@
         <p:spPr>
           <a:xfrm>
             <a:off x="322920" y="3246120"/>
-            <a:ext cx="1657080" cy="713880"/>
+            <a:ext cx="1656360" cy="713160"/>
           </a:xfrm>
           <a:prstGeom prst="rect">
             <a:avLst/>
@@ -8533,7 +8041,7 @@
       </p:pic>
       <p:pic>
         <p:nvPicPr>
-          <p:cNvPr id="169" name="" descr=""/>
+          <p:cNvPr id="161" name="" descr=""/>
           <p:cNvPicPr/>
           <p:nvPr/>
         </p:nvPicPr>
@@ -8544,7 +8052,7 @@
         <p:spPr>
           <a:xfrm>
             <a:off x="2950200" y="1763640"/>
-            <a:ext cx="2809800" cy="3276360"/>
+            <a:ext cx="2809080" cy="3275640"/>
           </a:xfrm>
           <a:prstGeom prst="rect">
             <a:avLst/>
@@ -8556,14 +8064,14 @@
       </p:pic>
       <p:sp>
         <p:nvSpPr>
-          <p:cNvPr id="170" name=""/>
+          <p:cNvPr id="162" name=""/>
           <p:cNvSpPr/>
           <p:nvPr/>
         </p:nvSpPr>
         <p:spPr>
           <a:xfrm>
             <a:off x="5580000" y="1620000"/>
-            <a:ext cx="4320000" cy="3420000"/>
+            <a:ext cx="4319280" cy="3419280"/>
           </a:xfrm>
           <a:prstGeom prst="rect">
             <a:avLst/>
@@ -8589,12 +8097,18 @@
             <a:noAutofit/>
           </a:bodyPr>
           <a:p>
+            <a:pPr>
+              <a:lnSpc>
+                <a:spcPct val="100000"/>
+              </a:lnSpc>
+            </a:pPr>
             <a:r>
               <a:rPr b="0" lang="en-GB" sz="1800" spc="-1" strike="noStrike">
                 <a:solidFill>
                   <a:srgbClr val="2c3e50"/>
                 </a:solidFill>
                 <a:latin typeface="Source Sans Pro"/>
+                <a:ea typeface="DejaVu Sans"/>
               </a:rPr>
               <a:t>EXECUTE </a:t>
             </a:r>
@@ -8604,6 +8118,7 @@
                   <a:srgbClr val="2c3e50"/>
                 </a:solidFill>
                 <a:latin typeface="Source Sans Pro"/>
+                <a:ea typeface="DejaVu Sans"/>
               </a:rPr>
               <a:t>SP_MAIN </a:t>
             </a:r>
@@ -8613,23 +8128,27 @@
                   <a:srgbClr val="2c3e50"/>
                 </a:solidFill>
                 <a:latin typeface="Source Sans Pro"/>
+                <a:ea typeface="DejaVu Sans"/>
               </a:rPr>
               <a:t>steps</a:t>
             </a:r>
             <a:endParaRPr b="0" lang="en-GB" sz="1800" spc="-1" strike="noStrike">
-              <a:solidFill>
-                <a:srgbClr val="2c3e50"/>
-              </a:solidFill>
-              <a:latin typeface="Source Sans Pro"/>
-            </a:endParaRPr>
-          </a:p>
-          <a:p>
+              <a:latin typeface="Arial"/>
+            </a:endParaRPr>
+          </a:p>
+          <a:p>
+            <a:pPr>
+              <a:lnSpc>
+                <a:spcPct val="100000"/>
+              </a:lnSpc>
+            </a:pPr>
             <a:r>
               <a:rPr b="0" lang="en-GB" sz="1500" spc="-1" strike="noStrike">
                 <a:solidFill>
                   <a:srgbClr val="2c3e50"/>
                 </a:solidFill>
                 <a:latin typeface="Source Sans Pro"/>
+                <a:ea typeface="DejaVu Sans"/>
               </a:rPr>
               <a:t>→ </a:t>
             </a:r>
@@ -8639,57 +8158,67 @@
                   <a:srgbClr val="2c3e50"/>
                 </a:solidFill>
                 <a:latin typeface="Source Sans Pro"/>
+                <a:ea typeface="DejaVu Sans"/>
               </a:rPr>
               <a:t>SP_IMPORT_SOURCE_DATA : </a:t>
             </a:r>
             <a:endParaRPr b="0" lang="en-GB" sz="1500" spc="-1" strike="noStrike">
-              <a:solidFill>
-                <a:srgbClr val="2c3e50"/>
-              </a:solidFill>
-              <a:latin typeface="Source Sans Pro"/>
-            </a:endParaRPr>
-          </a:p>
-          <a:p>
+              <a:latin typeface="Arial"/>
+            </a:endParaRPr>
+          </a:p>
+          <a:p>
+            <a:pPr>
+              <a:lnSpc>
+                <a:spcPct val="100000"/>
+              </a:lnSpc>
+            </a:pPr>
             <a:r>
               <a:rPr b="0" lang="en-GB" sz="1500" spc="-1" strike="noStrike">
                 <a:solidFill>
                   <a:srgbClr val="2c3e50"/>
                 </a:solidFill>
                 <a:latin typeface="Source Sans Pro"/>
+                <a:ea typeface="DejaVu Sans"/>
               </a:rPr>
               <a:t>Pulls source files from C:\sampledata\ folder</a:t>
             </a:r>
             <a:endParaRPr b="0" lang="en-GB" sz="1500" spc="-1" strike="noStrike">
-              <a:solidFill>
-                <a:srgbClr val="2c3e50"/>
-              </a:solidFill>
-              <a:latin typeface="Source Sans Pro"/>
-            </a:endParaRPr>
-          </a:p>
-          <a:p>
+              <a:latin typeface="Arial"/>
+            </a:endParaRPr>
+          </a:p>
+          <a:p>
+            <a:pPr>
+              <a:lnSpc>
+                <a:spcPct val="100000"/>
+              </a:lnSpc>
+            </a:pPr>
             <a:r>
               <a:rPr b="0" lang="en-GB" sz="1500" spc="-1" strike="noStrike">
                 <a:solidFill>
                   <a:srgbClr val="2c3e50"/>
                 </a:solidFill>
                 <a:latin typeface="Source Sans Pro"/>
+                <a:ea typeface="DejaVu Sans"/>
               </a:rPr>
               <a:t>And loads data to staging tables.</a:t>
             </a:r>
             <a:endParaRPr b="0" lang="en-GB" sz="1500" spc="-1" strike="noStrike">
-              <a:solidFill>
-                <a:srgbClr val="2c3e50"/>
-              </a:solidFill>
-              <a:latin typeface="Source Sans Pro"/>
-            </a:endParaRPr>
-          </a:p>
-          <a:p>
+              <a:latin typeface="Arial"/>
+            </a:endParaRPr>
+          </a:p>
+          <a:p>
+            <a:pPr>
+              <a:lnSpc>
+                <a:spcPct val="100000"/>
+              </a:lnSpc>
+            </a:pPr>
             <a:r>
               <a:rPr b="0" lang="en-GB" sz="1500" spc="-1" strike="noStrike">
                 <a:solidFill>
                   <a:srgbClr val="2c3e50"/>
                 </a:solidFill>
                 <a:latin typeface="Source Sans Pro"/>
+                <a:ea typeface="DejaVu Sans"/>
               </a:rPr>
               <a:t>→ </a:t>
             </a:r>
@@ -8699,6 +8228,7 @@
                   <a:srgbClr val="2c3e50"/>
                 </a:solidFill>
                 <a:latin typeface="Source Sans Pro"/>
+                <a:ea typeface="DejaVu Sans"/>
               </a:rPr>
               <a:t>SP_DIMENSION_LOAD : Loads data from staging </a:t>
             </a:r>
@@ -8709,23 +8239,27 @@
                   <a:srgbClr val="2c3e50"/>
                 </a:solidFill>
                 <a:latin typeface="Source Sans Pro"/>
+                <a:ea typeface="DejaVu Sans"/>
               </a:rPr>
               <a:t>tables to dimension tables</a:t>
             </a:r>
             <a:endParaRPr b="0" lang="en-GB" sz="1500" spc="-1" strike="noStrike">
-              <a:solidFill>
-                <a:srgbClr val="2c3e50"/>
-              </a:solidFill>
-              <a:latin typeface="Source Sans Pro"/>
-            </a:endParaRPr>
-          </a:p>
-          <a:p>
+              <a:latin typeface="Arial"/>
+            </a:endParaRPr>
+          </a:p>
+          <a:p>
+            <a:pPr>
+              <a:lnSpc>
+                <a:spcPct val="100000"/>
+              </a:lnSpc>
+            </a:pPr>
             <a:r>
               <a:rPr b="0" lang="en-GB" sz="1500" spc="-1" strike="noStrike">
                 <a:solidFill>
                   <a:srgbClr val="2c3e50"/>
                 </a:solidFill>
                 <a:latin typeface="Source Sans Pro"/>
+                <a:ea typeface="DejaVu Sans"/>
               </a:rPr>
               <a:t>→ </a:t>
             </a:r>
@@ -8735,6 +8269,7 @@
                   <a:srgbClr val="2c3e50"/>
                 </a:solidFill>
                 <a:latin typeface="Source Sans Pro"/>
+                <a:ea typeface="DejaVu Sans"/>
               </a:rPr>
               <a:t>SP_FACT_LOAD : Loads data from staging fact </a:t>
             </a:r>
@@ -8745,40 +8280,47 @@
                   <a:srgbClr val="2c3e50"/>
                 </a:solidFill>
                 <a:latin typeface="Source Sans Pro"/>
+                <a:ea typeface="DejaVu Sans"/>
               </a:rPr>
               <a:t>tables in final fact table.</a:t>
             </a:r>
             <a:endParaRPr b="0" lang="en-GB" sz="1500" spc="-1" strike="noStrike">
-              <a:solidFill>
-                <a:srgbClr val="2c3e50"/>
-              </a:solidFill>
-              <a:latin typeface="Source Sans Pro"/>
-            </a:endParaRPr>
-          </a:p>
-          <a:p>
+              <a:latin typeface="Arial"/>
+            </a:endParaRPr>
+          </a:p>
+          <a:p>
+            <a:pPr>
+              <a:lnSpc>
+                <a:spcPct val="100000"/>
+              </a:lnSpc>
+            </a:pPr>
             <a:r>
               <a:rPr b="0" lang="en-GB" sz="1500" spc="-1" strike="noStrike">
                 <a:solidFill>
                   <a:srgbClr val="2c3e50"/>
                 </a:solidFill>
                 <a:latin typeface="Source Sans Pro"/>
+                <a:ea typeface="DejaVu Sans"/>
               </a:rPr>
               <a:t>-------------------------------------------</a:t>
             </a:r>
             <a:endParaRPr b="0" lang="en-GB" sz="1500" spc="-1" strike="noStrike">
-              <a:solidFill>
-                <a:srgbClr val="2c3e50"/>
-              </a:solidFill>
-              <a:latin typeface="Source Sans Pro"/>
-            </a:endParaRPr>
-          </a:p>
-          <a:p>
+              <a:latin typeface="Arial"/>
+            </a:endParaRPr>
+          </a:p>
+          <a:p>
+            <a:pPr>
+              <a:lnSpc>
+                <a:spcPct val="100000"/>
+              </a:lnSpc>
+            </a:pPr>
             <a:r>
               <a:rPr b="0" lang="en-GB" sz="1500" spc="-1" strike="noStrike">
                 <a:solidFill>
                   <a:srgbClr val="2c3e50"/>
                 </a:solidFill>
                 <a:latin typeface="Source Sans Pro"/>
+                <a:ea typeface="DejaVu Sans"/>
               </a:rPr>
               <a:t>→ </a:t>
             </a:r>
@@ -8788,6 +8330,7 @@
                   <a:srgbClr val="2c3e50"/>
                 </a:solidFill>
                 <a:latin typeface="Source Sans Pro"/>
+                <a:ea typeface="DejaVu Sans"/>
               </a:rPr>
               <a:t>REF_LogScripts table logs all scripts executed on </a:t>
             </a:r>
@@ -8798,14 +8341,12 @@
                   <a:srgbClr val="2c3e50"/>
                 </a:solidFill>
                 <a:latin typeface="Source Sans Pro"/>
+                <a:ea typeface="DejaVu Sans"/>
               </a:rPr>
               <a:t>the data warehouse</a:t>
             </a:r>
             <a:endParaRPr b="0" lang="en-GB" sz="1500" spc="-1" strike="noStrike">
-              <a:solidFill>
-                <a:srgbClr val="2c3e50"/>
-              </a:solidFill>
-              <a:latin typeface="Source Sans Pro"/>
+              <a:latin typeface="Arial"/>
             </a:endParaRPr>
           </a:p>
         </p:txBody>
@@ -8842,14 +8383,14 @@
       </p:grpSpPr>
       <p:sp>
         <p:nvSpPr>
-          <p:cNvPr id="171" name=""/>
-          <p:cNvSpPr txBox="1"/>
+          <p:cNvPr id="163" name=""/>
+          <p:cNvSpPr/>
           <p:nvPr/>
         </p:nvSpPr>
         <p:spPr>
           <a:xfrm>
             <a:off x="360000" y="225720"/>
-            <a:ext cx="9360000" cy="720000"/>
+            <a:ext cx="9359280" cy="719280"/>
           </a:xfrm>
           <a:prstGeom prst="rect">
             <a:avLst/>
@@ -8859,12 +8400,21 @@
             <a:noFill/>
           </a:ln>
         </p:spPr>
+        <p:style>
+          <a:lnRef idx="0"/>
+          <a:fillRef idx="0"/>
+          <a:effectRef idx="0"/>
+          <a:fontRef idx="minor"/>
+        </p:style>
         <p:txBody>
           <a:bodyPr lIns="0" rIns="0" tIns="0" bIns="0" anchor="ctr">
             <a:noAutofit/>
           </a:bodyPr>
           <a:p>
-            <a:pPr marL="432000" indent="-324000">
+            <a:pPr marL="432000" indent="-323280">
+              <a:lnSpc>
+                <a:spcPct val="100000"/>
+              </a:lnSpc>
               <a:spcAft>
                 <a:spcPts val="1057"/>
               </a:spcAft>
@@ -8881,21 +8431,19 @@
                   <a:srgbClr val="ffffff"/>
                 </a:solidFill>
                 <a:latin typeface="Source Sans Pro Black"/>
+                <a:ea typeface="DejaVu Sans"/>
               </a:rPr>
               <a:t>Power BI Report Layout</a:t>
             </a:r>
-            <a:endParaRPr b="1" lang="en-GB" sz="2700" spc="-1" strike="noStrike">
-              <a:solidFill>
-                <a:srgbClr val="ffffff"/>
-              </a:solidFill>
-              <a:latin typeface="Source Sans Pro Black"/>
+            <a:endParaRPr b="0" lang="en-GB" sz="2700" spc="-1" strike="noStrike">
+              <a:latin typeface="Arial"/>
             </a:endParaRPr>
           </a:p>
         </p:txBody>
       </p:sp>
       <p:pic>
         <p:nvPicPr>
-          <p:cNvPr id="172" name="" descr=""/>
+          <p:cNvPr id="164" name="" descr=""/>
           <p:cNvPicPr/>
           <p:nvPr/>
         </p:nvPicPr>
@@ -8906,7 +8454,7 @@
         <p:spPr>
           <a:xfrm>
             <a:off x="180000" y="1548360"/>
-            <a:ext cx="7694640" cy="2951640"/>
+            <a:ext cx="7693920" cy="2950920"/>
           </a:xfrm>
           <a:prstGeom prst="rect">
             <a:avLst/>
@@ -8918,7 +8466,7 @@
       </p:pic>
       <p:pic>
         <p:nvPicPr>
-          <p:cNvPr id="173" name="" descr=""/>
+          <p:cNvPr id="165" name="" descr=""/>
           <p:cNvPicPr/>
           <p:nvPr/>
         </p:nvPicPr>
@@ -8929,7 +8477,7 @@
         <p:spPr>
           <a:xfrm>
             <a:off x="7920000" y="1980000"/>
-            <a:ext cx="1382760" cy="2520000"/>
+            <a:ext cx="1382040" cy="2519280"/>
           </a:xfrm>
           <a:prstGeom prst="rect">
             <a:avLst/>
@@ -8971,14 +8519,14 @@
       </p:grpSpPr>
       <p:sp>
         <p:nvSpPr>
-          <p:cNvPr id="174" name=""/>
-          <p:cNvSpPr txBox="1"/>
+          <p:cNvPr id="166" name=""/>
+          <p:cNvSpPr/>
           <p:nvPr/>
         </p:nvSpPr>
         <p:spPr>
           <a:xfrm>
             <a:off x="2700000" y="1440000"/>
-            <a:ext cx="4680000" cy="1620000"/>
+            <a:ext cx="4679280" cy="1619280"/>
           </a:xfrm>
           <a:prstGeom prst="rect">
             <a:avLst/>
@@ -8988,26 +8536,34 @@
             <a:noFill/>
           </a:ln>
         </p:spPr>
+        <p:style>
+          <a:lnRef idx="0"/>
+          <a:fillRef idx="0"/>
+          <a:effectRef idx="0"/>
+          <a:fontRef idx="minor"/>
+        </p:style>
         <p:txBody>
           <a:bodyPr lIns="0" rIns="0" tIns="0" bIns="0" anchor="ctr" anchorCtr="1">
             <a:noAutofit/>
           </a:bodyPr>
           <a:p>
-            <a:pPr algn="ctr"/>
+            <a:pPr algn="ctr">
+              <a:lnSpc>
+                <a:spcPct val="100000"/>
+              </a:lnSpc>
+            </a:pPr>
             <a:r>
               <a:rPr b="1" lang="en-GB" sz="2700" spc="-1" strike="noStrike">
                 <a:solidFill>
                   <a:srgbClr val="2c3e50"/>
                 </a:solidFill>
                 <a:latin typeface="Source Sans Pro Black"/>
+                <a:ea typeface="DejaVu Sans"/>
               </a:rPr>
               <a:t>Questions</a:t>
             </a:r>
-            <a:endParaRPr b="1" lang="en-GB" sz="2700" spc="-1" strike="noStrike">
-              <a:solidFill>
-                <a:srgbClr val="2c3e50"/>
-              </a:solidFill>
-              <a:latin typeface="Source Sans Pro Black"/>
+            <a:endParaRPr b="0" lang="en-GB" sz="2700" spc="-1" strike="noStrike">
+              <a:latin typeface="Arial"/>
             </a:endParaRPr>
           </a:p>
         </p:txBody>
@@ -9044,14 +8600,14 @@
       </p:grpSpPr>
       <p:sp>
         <p:nvSpPr>
-          <p:cNvPr id="175" name=""/>
-          <p:cNvSpPr txBox="1"/>
+          <p:cNvPr id="167" name=""/>
+          <p:cNvSpPr/>
           <p:nvPr/>
         </p:nvSpPr>
         <p:spPr>
           <a:xfrm>
             <a:off x="360000" y="225720"/>
-            <a:ext cx="9360000" cy="720000"/>
+            <a:ext cx="9359280" cy="719280"/>
           </a:xfrm>
           <a:prstGeom prst="rect">
             <a:avLst/>
@@ -9061,39 +8617,48 @@
             <a:noFill/>
           </a:ln>
         </p:spPr>
+        <p:style>
+          <a:lnRef idx="0"/>
+          <a:fillRef idx="0"/>
+          <a:effectRef idx="0"/>
+          <a:fontRef idx="minor"/>
+        </p:style>
         <p:txBody>
           <a:bodyPr lIns="0" rIns="0" tIns="0" bIns="0" anchor="ctr">
             <a:noAutofit/>
           </a:bodyPr>
           <a:p>
+            <a:pPr>
+              <a:lnSpc>
+                <a:spcPct val="100000"/>
+              </a:lnSpc>
+            </a:pPr>
             <a:r>
               <a:rPr b="1" lang="en-GB" sz="2700" spc="-1" strike="noStrike">
                 <a:solidFill>
                   <a:srgbClr val="ffffff"/>
                 </a:solidFill>
                 <a:latin typeface="Source Sans Pro Black"/>
+                <a:ea typeface="DejaVu Sans"/>
               </a:rPr>
               <a:t>Appendix 1 – Test cases</a:t>
             </a:r>
-            <a:endParaRPr b="1" lang="en-GB" sz="2700" spc="-1" strike="noStrike">
-              <a:solidFill>
-                <a:srgbClr val="ffffff"/>
-              </a:solidFill>
-              <a:latin typeface="Source Sans Pro Black"/>
-            </a:endParaRPr>
-          </a:p>
-        </p:txBody>
-      </p:sp>
-      <p:sp>
-        <p:nvSpPr>
-          <p:cNvPr id="176" name=""/>
-          <p:cNvSpPr txBox="1"/>
+            <a:endParaRPr b="0" lang="en-GB" sz="2700" spc="-1" strike="noStrike">
+              <a:latin typeface="Arial"/>
+            </a:endParaRPr>
+          </a:p>
+        </p:txBody>
+      </p:sp>
+      <p:sp>
+        <p:nvSpPr>
+          <p:cNvPr id="168" name=""/>
+          <p:cNvSpPr/>
           <p:nvPr/>
         </p:nvSpPr>
         <p:spPr>
           <a:xfrm>
             <a:off x="360000" y="1485000"/>
-            <a:ext cx="9360000" cy="3780000"/>
+            <a:ext cx="9359280" cy="3779280"/>
           </a:xfrm>
           <a:prstGeom prst="rect">
             <a:avLst/>
@@ -9103,12 +8668,21 @@
             <a:noFill/>
           </a:ln>
         </p:spPr>
+        <p:style>
+          <a:lnRef idx="0"/>
+          <a:fillRef idx="0"/>
+          <a:effectRef idx="0"/>
+          <a:fontRef idx="minor"/>
+        </p:style>
         <p:txBody>
           <a:bodyPr lIns="0" rIns="0" tIns="0" bIns="0">
             <a:normAutofit/>
           </a:bodyPr>
           <a:p>
-            <a:pPr marL="432000" indent="-324000">
+            <a:pPr marL="432000" indent="-323280">
+              <a:lnSpc>
+                <a:spcPct val="100000"/>
+              </a:lnSpc>
               <a:spcAft>
                 <a:spcPts val="1057"/>
               </a:spcAft>
@@ -9125,18 +8699,19 @@
                   <a:srgbClr val="2c3e50"/>
                 </a:solidFill>
                 <a:latin typeface="Source Sans Pro Semibold"/>
+                <a:ea typeface="DejaVu Sans"/>
               </a:rPr>
               <a:t>List of countries in countries source data. → Finland manually added in SP_DIMENSION_IMPORT for the countries dimension : DW_DIM_COUNTRY </a:t>
             </a:r>
-            <a:endParaRPr b="1" lang="en-GB" sz="2000" spc="-1" strike="noStrike">
-              <a:solidFill>
-                <a:srgbClr val="2c3e50"/>
-              </a:solidFill>
-              <a:latin typeface="Source Sans Pro Semibold"/>
-            </a:endParaRPr>
-          </a:p>
-          <a:p>
-            <a:pPr marL="432000" indent="-324000">
+            <a:endParaRPr b="0" lang="en-GB" sz="2000" spc="-1" strike="noStrike">
+              <a:latin typeface="Arial"/>
+            </a:endParaRPr>
+          </a:p>
+          <a:p>
+            <a:pPr marL="432000" indent="-323280">
+              <a:lnSpc>
+                <a:spcPct val="100000"/>
+              </a:lnSpc>
               <a:spcAft>
                 <a:spcPts val="1057"/>
               </a:spcAft>
@@ -9153,21 +8728,19 @@
                   <a:srgbClr val="2c3e50"/>
                 </a:solidFill>
                 <a:latin typeface="Source Sans Pro Semibold"/>
+                <a:ea typeface="DejaVu Sans"/>
               </a:rPr>
               <a:t> </a:t>
             </a:r>
-            <a:endParaRPr b="1" lang="en-GB" sz="2400" spc="-1" strike="noStrike">
-              <a:solidFill>
-                <a:srgbClr val="2c3e50"/>
-              </a:solidFill>
-              <a:latin typeface="Source Sans Pro Semibold"/>
+            <a:endParaRPr b="0" lang="en-GB" sz="2400" spc="-1" strike="noStrike">
+              <a:latin typeface="Arial"/>
             </a:endParaRPr>
           </a:p>
         </p:txBody>
       </p:sp>
       <p:pic>
         <p:nvPicPr>
-          <p:cNvPr id="177" name="" descr=""/>
+          <p:cNvPr id="169" name="" descr=""/>
           <p:cNvPicPr/>
           <p:nvPr/>
         </p:nvPicPr>
@@ -9178,7 +8751,7 @@
         <p:spPr>
           <a:xfrm>
             <a:off x="720000" y="2217240"/>
-            <a:ext cx="5581800" cy="3047760"/>
+            <a:ext cx="5581080" cy="3047040"/>
           </a:xfrm>
           <a:prstGeom prst="rect">
             <a:avLst/>
@@ -9220,14 +8793,14 @@
       </p:grpSpPr>
       <p:sp>
         <p:nvSpPr>
-          <p:cNvPr id="178" name=""/>
-          <p:cNvSpPr txBox="1"/>
+          <p:cNvPr id="170" name=""/>
+          <p:cNvSpPr/>
           <p:nvPr/>
         </p:nvSpPr>
         <p:spPr>
           <a:xfrm>
             <a:off x="360000" y="225720"/>
-            <a:ext cx="9360000" cy="720000"/>
+            <a:ext cx="9359280" cy="719280"/>
           </a:xfrm>
           <a:prstGeom prst="rect">
             <a:avLst/>
@@ -9237,39 +8810,48 @@
             <a:noFill/>
           </a:ln>
         </p:spPr>
+        <p:style>
+          <a:lnRef idx="0"/>
+          <a:fillRef idx="0"/>
+          <a:effectRef idx="0"/>
+          <a:fontRef idx="minor"/>
+        </p:style>
         <p:txBody>
           <a:bodyPr lIns="0" rIns="0" tIns="0" bIns="0" anchor="ctr">
             <a:noAutofit/>
           </a:bodyPr>
           <a:p>
+            <a:pPr>
+              <a:lnSpc>
+                <a:spcPct val="100000"/>
+              </a:lnSpc>
+            </a:pPr>
             <a:r>
               <a:rPr b="1" lang="en-GB" sz="2700" spc="-1" strike="noStrike">
                 <a:solidFill>
                   <a:srgbClr val="ffffff"/>
                 </a:solidFill>
                 <a:latin typeface="Source Sans Pro Black"/>
+                <a:ea typeface="DejaVu Sans"/>
               </a:rPr>
               <a:t>Appendix 2 – Source Data check for KPIs for one country - Australia</a:t>
             </a:r>
-            <a:endParaRPr b="1" lang="en-GB" sz="2700" spc="-1" strike="noStrike">
-              <a:solidFill>
-                <a:srgbClr val="ffffff"/>
-              </a:solidFill>
-              <a:latin typeface="Source Sans Pro Black"/>
-            </a:endParaRPr>
-          </a:p>
-        </p:txBody>
-      </p:sp>
-      <p:sp>
-        <p:nvSpPr>
-          <p:cNvPr id="179" name=""/>
-          <p:cNvSpPr txBox="1"/>
+            <a:endParaRPr b="0" lang="en-GB" sz="2700" spc="-1" strike="noStrike">
+              <a:latin typeface="Arial"/>
+            </a:endParaRPr>
+          </a:p>
+        </p:txBody>
+      </p:sp>
+      <p:sp>
+        <p:nvSpPr>
+          <p:cNvPr id="171" name=""/>
+          <p:cNvSpPr/>
           <p:nvPr/>
         </p:nvSpPr>
         <p:spPr>
           <a:xfrm>
             <a:off x="360000" y="1485000"/>
-            <a:ext cx="9360000" cy="3780000"/>
+            <a:ext cx="9359280" cy="3779280"/>
           </a:xfrm>
           <a:prstGeom prst="rect">
             <a:avLst/>
@@ -9279,12 +8861,21 @@
             <a:noFill/>
           </a:ln>
         </p:spPr>
+        <p:style>
+          <a:lnRef idx="0"/>
+          <a:fillRef idx="0"/>
+          <a:effectRef idx="0"/>
+          <a:fontRef idx="minor"/>
+        </p:style>
         <p:txBody>
           <a:bodyPr lIns="0" rIns="0" tIns="0" bIns="0">
             <a:normAutofit/>
           </a:bodyPr>
           <a:p>
-            <a:pPr marL="432000" indent="-324000">
+            <a:pPr marL="432000" indent="-323280">
+              <a:lnSpc>
+                <a:spcPct val="100000"/>
+              </a:lnSpc>
               <a:spcAft>
                 <a:spcPts val="1057"/>
               </a:spcAft>
@@ -9301,18 +8892,19 @@
                   <a:srgbClr val="2c3e50"/>
                 </a:solidFill>
                 <a:latin typeface="Source Sans Pro Semibold"/>
+                <a:ea typeface="DejaVu Sans"/>
               </a:rPr>
               <a:t>Data extract as per the source file: </a:t>
             </a:r>
-            <a:endParaRPr b="1" lang="en-GB" sz="2000" spc="-1" strike="noStrike">
-              <a:solidFill>
-                <a:srgbClr val="2c3e50"/>
-              </a:solidFill>
-              <a:latin typeface="Source Sans Pro Semibold"/>
-            </a:endParaRPr>
-          </a:p>
-          <a:p>
-            <a:pPr marL="432000" indent="-324000">
+            <a:endParaRPr b="0" lang="en-GB" sz="2000" spc="-1" strike="noStrike">
+              <a:latin typeface="Arial"/>
+            </a:endParaRPr>
+          </a:p>
+          <a:p>
+            <a:pPr marL="432000" indent="-323280">
+              <a:lnSpc>
+                <a:spcPct val="100000"/>
+              </a:lnSpc>
               <a:spcAft>
                 <a:spcPts val="1057"/>
               </a:spcAft>
@@ -9623,14 +9215,16 @@
               </a:rPr>
               <a:t> YR2020</a:t>
             </a:r>
-            <a:endParaRPr b="1" lang="en-GB" sz="950" spc="-1" strike="noStrike">
-              <a:solidFill>
-                <a:srgbClr val="2c3e50"/>
-              </a:solidFill>
-              <a:latin typeface="Source Sans Pro Semibold"/>
-            </a:endParaRPr>
-          </a:p>
-          <a:p>
+            <a:endParaRPr b="0" lang="en-GB" sz="950" spc="-1" strike="noStrike">
+              <a:latin typeface="Arial"/>
+            </a:endParaRPr>
+          </a:p>
+          <a:p>
+            <a:pPr>
+              <a:lnSpc>
+                <a:spcPct val="100000"/>
+              </a:lnSpc>
+            </a:pPr>
             <a:r>
               <a:rPr b="1" lang="en-GB" sz="950" spc="-1" strike="noStrike">
                 <a:solidFill>
@@ -9701,14 +9295,16 @@
               </a:rPr>
               <a:t>'AUS'</a:t>
             </a:r>
-            <a:endParaRPr b="1" lang="en-GB" sz="950" spc="-1" strike="noStrike">
-              <a:solidFill>
-                <a:srgbClr val="2c3e50"/>
-              </a:solidFill>
-              <a:latin typeface="Source Sans Pro Semibold"/>
-            </a:endParaRPr>
-          </a:p>
-          <a:p>
+            <a:endParaRPr b="0" lang="en-GB" sz="950" spc="-1" strike="noStrike">
+              <a:latin typeface="Arial"/>
+            </a:endParaRPr>
+          </a:p>
+          <a:p>
+            <a:pPr>
+              <a:lnSpc>
+                <a:spcPct val="100000"/>
+              </a:lnSpc>
+            </a:pPr>
             <a:r>
               <a:rPr b="1" lang="en-GB" sz="950" spc="-1" strike="noStrike">
                 <a:solidFill>
@@ -9759,14 +9355,16 @@
               </a:rPr>
               <a:t>(</a:t>
             </a:r>
-            <a:endParaRPr b="1" lang="en-GB" sz="950" spc="-1" strike="noStrike">
-              <a:solidFill>
-                <a:srgbClr val="2c3e50"/>
-              </a:solidFill>
-              <a:latin typeface="Source Sans Pro Semibold"/>
-            </a:endParaRPr>
-          </a:p>
-          <a:p>
+            <a:endParaRPr b="0" lang="en-GB" sz="950" spc="-1" strike="noStrike">
+              <a:latin typeface="Arial"/>
+            </a:endParaRPr>
+          </a:p>
+          <a:p>
+            <a:pPr>
+              <a:lnSpc>
+                <a:spcPct val="100000"/>
+              </a:lnSpc>
+            </a:pPr>
             <a:r>
               <a:rPr b="1" lang="en-GB" sz="950" spc="-1" strike="noStrike">
                 <a:solidFill>
@@ -9787,14 +9385,16 @@
               </a:rPr>
               <a:t>,</a:t>
             </a:r>
-            <a:endParaRPr b="1" lang="en-GB" sz="950" spc="-1" strike="noStrike">
-              <a:solidFill>
-                <a:srgbClr val="2c3e50"/>
-              </a:solidFill>
-              <a:latin typeface="Source Sans Pro Semibold"/>
-            </a:endParaRPr>
-          </a:p>
-          <a:p>
+            <a:endParaRPr b="0" lang="en-GB" sz="950" spc="-1" strike="noStrike">
+              <a:latin typeface="Arial"/>
+            </a:endParaRPr>
+          </a:p>
+          <a:p>
+            <a:pPr>
+              <a:lnSpc>
+                <a:spcPct val="100000"/>
+              </a:lnSpc>
+            </a:pPr>
             <a:r>
               <a:rPr b="1" lang="en-GB" sz="950" spc="-1" strike="noStrike">
                 <a:solidFill>
@@ -9815,14 +9415,16 @@
               </a:rPr>
               <a:t>,</a:t>
             </a:r>
-            <a:endParaRPr b="1" lang="en-GB" sz="950" spc="-1" strike="noStrike">
-              <a:solidFill>
-                <a:srgbClr val="2c3e50"/>
-              </a:solidFill>
-              <a:latin typeface="Source Sans Pro Semibold"/>
-            </a:endParaRPr>
-          </a:p>
-          <a:p>
+            <a:endParaRPr b="0" lang="en-GB" sz="950" spc="-1" strike="noStrike">
+              <a:latin typeface="Arial"/>
+            </a:endParaRPr>
+          </a:p>
+          <a:p>
+            <a:pPr>
+              <a:lnSpc>
+                <a:spcPct val="100000"/>
+              </a:lnSpc>
+            </a:pPr>
             <a:r>
               <a:rPr b="1" lang="en-GB" sz="950" spc="-1" strike="noStrike">
                 <a:solidFill>
@@ -9843,14 +9445,16 @@
               </a:rPr>
               <a:t>,</a:t>
             </a:r>
-            <a:endParaRPr b="1" lang="en-GB" sz="950" spc="-1" strike="noStrike">
-              <a:solidFill>
-                <a:srgbClr val="2c3e50"/>
-              </a:solidFill>
-              <a:latin typeface="Source Sans Pro Semibold"/>
-            </a:endParaRPr>
-          </a:p>
-          <a:p>
+            <a:endParaRPr b="0" lang="en-GB" sz="950" spc="-1" strike="noStrike">
+              <a:latin typeface="Arial"/>
+            </a:endParaRPr>
+          </a:p>
+          <a:p>
+            <a:pPr>
+              <a:lnSpc>
+                <a:spcPct val="100000"/>
+              </a:lnSpc>
+            </a:pPr>
             <a:r>
               <a:rPr b="1" lang="en-GB" sz="950" spc="-1" strike="noStrike">
                 <a:solidFill>
@@ -9871,14 +9475,16 @@
               </a:rPr>
               <a:t>,</a:t>
             </a:r>
-            <a:endParaRPr b="1" lang="en-GB" sz="950" spc="-1" strike="noStrike">
-              <a:solidFill>
-                <a:srgbClr val="2c3e50"/>
-              </a:solidFill>
-              <a:latin typeface="Source Sans Pro Semibold"/>
-            </a:endParaRPr>
-          </a:p>
-          <a:p>
+            <a:endParaRPr b="0" lang="en-GB" sz="950" spc="-1" strike="noStrike">
+              <a:latin typeface="Arial"/>
+            </a:endParaRPr>
+          </a:p>
+          <a:p>
+            <a:pPr>
+              <a:lnSpc>
+                <a:spcPct val="100000"/>
+              </a:lnSpc>
+            </a:pPr>
             <a:r>
               <a:rPr b="1" lang="en-GB" sz="950" spc="-1" strike="noStrike">
                 <a:solidFill>
@@ -9899,14 +9505,16 @@
               </a:rPr>
               <a:t>,</a:t>
             </a:r>
-            <a:endParaRPr b="1" lang="en-GB" sz="950" spc="-1" strike="noStrike">
-              <a:solidFill>
-                <a:srgbClr val="2c3e50"/>
-              </a:solidFill>
-              <a:latin typeface="Source Sans Pro Semibold"/>
-            </a:endParaRPr>
-          </a:p>
-          <a:p>
+            <a:endParaRPr b="0" lang="en-GB" sz="950" spc="-1" strike="noStrike">
+              <a:latin typeface="Arial"/>
+            </a:endParaRPr>
+          </a:p>
+          <a:p>
+            <a:pPr>
+              <a:lnSpc>
+                <a:spcPct val="100000"/>
+              </a:lnSpc>
+            </a:pPr>
             <a:r>
               <a:rPr b="1" lang="en-GB" sz="950" spc="-1" strike="noStrike">
                 <a:solidFill>
@@ -9927,18 +9535,15 @@
               </a:rPr>
               <a:t>);</a:t>
             </a:r>
-            <a:endParaRPr b="1" lang="en-GB" sz="950" spc="-1" strike="noStrike">
-              <a:solidFill>
-                <a:srgbClr val="2c3e50"/>
-              </a:solidFill>
-              <a:latin typeface="Source Sans Pro Semibold"/>
+            <a:endParaRPr b="0" lang="en-GB" sz="950" spc="-1" strike="noStrike">
+              <a:latin typeface="Arial"/>
             </a:endParaRPr>
           </a:p>
         </p:txBody>
       </p:sp>
       <p:pic>
         <p:nvPicPr>
-          <p:cNvPr id="180" name="" descr=""/>
+          <p:cNvPr id="172" name="" descr=""/>
           <p:cNvPicPr/>
           <p:nvPr/>
         </p:nvPicPr>
@@ -9949,7 +9554,7 @@
         <p:spPr>
           <a:xfrm>
             <a:off x="1980000" y="2520000"/>
-            <a:ext cx="7842600" cy="1452240"/>
+            <a:ext cx="7841880" cy="1451520"/>
           </a:xfrm>
           <a:prstGeom prst="rect">
             <a:avLst/>
@@ -9961,7 +9566,7 @@
       </p:pic>
       <p:pic>
         <p:nvPicPr>
-          <p:cNvPr id="181" name="" descr=""/>
+          <p:cNvPr id="173" name="" descr=""/>
           <p:cNvPicPr/>
           <p:nvPr/>
         </p:nvPicPr>
@@ -9972,7 +9577,7 @@
         <p:spPr>
           <a:xfrm>
             <a:off x="1980000" y="3972240"/>
-            <a:ext cx="7470000" cy="1244520"/>
+            <a:ext cx="7469280" cy="1243800"/>
           </a:xfrm>
           <a:prstGeom prst="rect">
             <a:avLst/>
@@ -10014,14 +9619,14 @@
       </p:grpSpPr>
       <p:sp>
         <p:nvSpPr>
-          <p:cNvPr id="182" name=""/>
-          <p:cNvSpPr txBox="1"/>
+          <p:cNvPr id="174" name=""/>
+          <p:cNvSpPr/>
           <p:nvPr/>
         </p:nvSpPr>
         <p:spPr>
           <a:xfrm>
             <a:off x="360000" y="225720"/>
-            <a:ext cx="9360000" cy="720000"/>
+            <a:ext cx="9359280" cy="719280"/>
           </a:xfrm>
           <a:prstGeom prst="rect">
             <a:avLst/>
@@ -10031,39 +9636,48 @@
             <a:noFill/>
           </a:ln>
         </p:spPr>
+        <p:style>
+          <a:lnRef idx="0"/>
+          <a:fillRef idx="0"/>
+          <a:effectRef idx="0"/>
+          <a:fontRef idx="minor"/>
+        </p:style>
         <p:txBody>
           <a:bodyPr lIns="0" rIns="0" tIns="0" bIns="0" anchor="ctr">
             <a:noAutofit/>
           </a:bodyPr>
           <a:p>
+            <a:pPr>
+              <a:lnSpc>
+                <a:spcPct val="100000"/>
+              </a:lnSpc>
+            </a:pPr>
             <a:r>
               <a:rPr b="1" lang="en-GB" sz="2700" spc="-1" strike="noStrike">
                 <a:solidFill>
                   <a:srgbClr val="ffffff"/>
                 </a:solidFill>
                 <a:latin typeface="Source Sans Pro Black"/>
+                <a:ea typeface="DejaVu Sans"/>
               </a:rPr>
               <a:t>Appendix 3 – DWH Data check for KPIs for one country – Australia</a:t>
             </a:r>
-            <a:endParaRPr b="1" lang="en-GB" sz="2700" spc="-1" strike="noStrike">
-              <a:solidFill>
-                <a:srgbClr val="ffffff"/>
-              </a:solidFill>
-              <a:latin typeface="Source Sans Pro Black"/>
-            </a:endParaRPr>
-          </a:p>
-        </p:txBody>
-      </p:sp>
-      <p:sp>
-        <p:nvSpPr>
-          <p:cNvPr id="183" name=""/>
-          <p:cNvSpPr txBox="1"/>
+            <a:endParaRPr b="0" lang="en-GB" sz="2700" spc="-1" strike="noStrike">
+              <a:latin typeface="Arial"/>
+            </a:endParaRPr>
+          </a:p>
+        </p:txBody>
+      </p:sp>
+      <p:sp>
+        <p:nvSpPr>
+          <p:cNvPr id="175" name=""/>
+          <p:cNvSpPr/>
           <p:nvPr/>
         </p:nvSpPr>
         <p:spPr>
           <a:xfrm>
             <a:off x="360000" y="1485000"/>
-            <a:ext cx="9360000" cy="3780000"/>
+            <a:ext cx="9359280" cy="3779280"/>
           </a:xfrm>
           <a:prstGeom prst="rect">
             <a:avLst/>
@@ -10073,12 +9687,21 @@
             <a:noFill/>
           </a:ln>
         </p:spPr>
+        <p:style>
+          <a:lnRef idx="0"/>
+          <a:fillRef idx="0"/>
+          <a:effectRef idx="0"/>
+          <a:fontRef idx="minor"/>
+        </p:style>
         <p:txBody>
           <a:bodyPr lIns="0" rIns="0" tIns="0" bIns="0">
             <a:normAutofit/>
           </a:bodyPr>
           <a:p>
-            <a:pPr marL="432000" indent="-324000">
+            <a:pPr marL="432000" indent="-323280">
+              <a:lnSpc>
+                <a:spcPct val="100000"/>
+              </a:lnSpc>
               <a:spcAft>
                 <a:spcPts val="1057"/>
               </a:spcAft>
@@ -10095,17 +9718,20 @@
                   <a:srgbClr val="2c3e50"/>
                 </a:solidFill>
                 <a:latin typeface="Source Sans Pro Semibold"/>
+                <a:ea typeface="DejaVu Sans"/>
               </a:rPr>
               <a:t>Data extract as per data warehouse : (Data warehouse initialized as from Yr. 2010)</a:t>
             </a:r>
-            <a:endParaRPr b="1" lang="en-GB" sz="2000" spc="-1" strike="noStrike">
-              <a:solidFill>
-                <a:srgbClr val="2c3e50"/>
-              </a:solidFill>
-              <a:latin typeface="Source Sans Pro Semibold"/>
-            </a:endParaRPr>
-          </a:p>
-          <a:p>
+            <a:endParaRPr b="0" lang="en-GB" sz="2000" spc="-1" strike="noStrike">
+              <a:latin typeface="Arial"/>
+            </a:endParaRPr>
+          </a:p>
+          <a:p>
+            <a:pPr>
+              <a:lnSpc>
+                <a:spcPct val="100000"/>
+              </a:lnSpc>
+            </a:pPr>
             <a:r>
               <a:rPr b="1" lang="en-GB" sz="950" spc="-1" strike="noStrike">
                 <a:solidFill>
@@ -10226,18 +9852,15 @@
               </a:rPr>
               <a:t>;</a:t>
             </a:r>
-            <a:endParaRPr b="1" lang="en-GB" sz="950" spc="-1" strike="noStrike">
-              <a:solidFill>
-                <a:srgbClr val="2c3e50"/>
-              </a:solidFill>
-              <a:latin typeface="Source Sans Pro Semibold"/>
+            <a:endParaRPr b="0" lang="en-GB" sz="950" spc="-1" strike="noStrike">
+              <a:latin typeface="Arial"/>
             </a:endParaRPr>
           </a:p>
         </p:txBody>
       </p:sp>
       <p:pic>
         <p:nvPicPr>
-          <p:cNvPr id="184" name="" descr=""/>
+          <p:cNvPr id="176" name="" descr=""/>
           <p:cNvPicPr/>
           <p:nvPr/>
         </p:nvPicPr>
@@ -10248,7 +9871,7 @@
         <p:spPr>
           <a:xfrm>
             <a:off x="0" y="2340000"/>
-            <a:ext cx="10079640" cy="2499120"/>
+            <a:ext cx="10078920" cy="2498400"/>
           </a:xfrm>
           <a:prstGeom prst="rect">
             <a:avLst/>

--- a/MCB Case Study Engineering Data Lead.pptx
+++ b/MCB Case Study Engineering Data Lead.pptx
@@ -20,6 +20,7 @@
     <p:sldId id="266" r:id="rId15"/>
     <p:sldId id="267" r:id="rId16"/>
     <p:sldId id="268" r:id="rId17"/>
+    <p:sldId id="269" r:id="rId18"/>
   </p:sldIdLst>
   <p:sldSz cx="10080625" cy="5670550"/>
   <p:notesSz cx="7559675" cy="10691812"/>
@@ -4120,7 +4121,7 @@
         <p:spPr>
           <a:xfrm>
             <a:off x="0" y="0"/>
-            <a:ext cx="10079280" cy="5669280"/>
+            <a:ext cx="10078920" cy="5668920"/>
           </a:xfrm>
           <a:prstGeom prst="rect">
             <a:avLst/>
@@ -4148,7 +4149,7 @@
         <p:spPr>
           <a:xfrm>
             <a:off x="0" y="0"/>
-            <a:ext cx="10079280" cy="3779280"/>
+            <a:ext cx="10078920" cy="3778920"/>
           </a:xfrm>
           <a:prstGeom prst="rect">
             <a:avLst/>
@@ -4182,25 +4183,26 @@
         </p:nvSpPr>
         <p:spPr>
           <a:xfrm>
-            <a:off x="360000" y="225720"/>
-            <a:ext cx="9359280" cy="718200"/>
-          </a:xfrm>
-          <a:prstGeom prst="rect">
-            <a:avLst/>
-          </a:prstGeom>
-        </p:spPr>
-        <p:txBody>
-          <a:bodyPr lIns="0" rIns="0" tIns="0" bIns="0" anchor="ctr" anchorCtr="1">
+            <a:off x="504000" y="226080"/>
+            <a:ext cx="9072000" cy="946440"/>
+          </a:xfrm>
+          <a:prstGeom prst="rect">
+            <a:avLst/>
+          </a:prstGeom>
+        </p:spPr>
+        <p:txBody>
+          <a:bodyPr lIns="0" rIns="0" tIns="0" bIns="0" anchor="ctr">
             <a:noAutofit/>
           </a:bodyPr>
           <a:p>
-            <a:r>
-              <a:rPr b="0" lang="en-GB" sz="1800" spc="-1" strike="noStrike">
+            <a:pPr algn="ctr"/>
+            <a:r>
+              <a:rPr b="0" lang="en-GB" sz="4400" spc="-1" strike="noStrike">
                 <a:latin typeface="Arial"/>
               </a:rPr>
               <a:t>Click to edit the title text format</a:t>
             </a:r>
-            <a:endParaRPr b="0" lang="en-GB" sz="1800" spc="-1" strike="noStrike">
+            <a:endParaRPr b="0" lang="en-GB" sz="4400" spc="-1" strike="noStrike">
               <a:latin typeface="Arial"/>
             </a:endParaRPr>
           </a:p>
@@ -4218,8 +4220,8 @@
         </p:nvSpPr>
         <p:spPr>
           <a:xfrm>
-            <a:off x="360000" y="1485000"/>
-            <a:ext cx="9359280" cy="3779280"/>
+            <a:off x="504000" y="1326600"/>
+            <a:ext cx="9072000" cy="3288600"/>
           </a:xfrm>
           <a:prstGeom prst="rect">
             <a:avLst/>
@@ -4242,12 +4244,12 @@
               <a:buChar char=""/>
             </a:pPr>
             <a:r>
-              <a:rPr b="0" lang="en-GB" sz="1800" spc="-1" strike="noStrike">
+              <a:rPr b="0" lang="en-GB" sz="3200" spc="-1" strike="noStrike">
                 <a:latin typeface="Arial"/>
               </a:rPr>
               <a:t>Click to edit the outline text format</a:t>
             </a:r>
-            <a:endParaRPr b="0" lang="en-GB" sz="1800" spc="-1" strike="noStrike">
+            <a:endParaRPr b="0" lang="en-GB" sz="3200" spc="-1" strike="noStrike">
               <a:latin typeface="Arial"/>
             </a:endParaRPr>
           </a:p>
@@ -4264,12 +4266,12 @@
               <a:buChar char=""/>
             </a:pPr>
             <a:r>
-              <a:rPr b="0" lang="en-GB" sz="1800" spc="-1" strike="noStrike">
+              <a:rPr b="0" lang="en-GB" sz="2800" spc="-1" strike="noStrike">
                 <a:latin typeface="Arial"/>
               </a:rPr>
               <a:t>Second Outline Level</a:t>
             </a:r>
-            <a:endParaRPr b="0" lang="en-GB" sz="1800" spc="-1" strike="noStrike">
+            <a:endParaRPr b="0" lang="en-GB" sz="2800" spc="-1" strike="noStrike">
               <a:latin typeface="Arial"/>
             </a:endParaRPr>
           </a:p>
@@ -4286,12 +4288,12 @@
               <a:buChar char=""/>
             </a:pPr>
             <a:r>
-              <a:rPr b="0" lang="en-GB" sz="1800" spc="-1" strike="noStrike">
+              <a:rPr b="0" lang="en-GB" sz="2400" spc="-1" strike="noStrike">
                 <a:latin typeface="Arial"/>
               </a:rPr>
               <a:t>Third Outline Level</a:t>
             </a:r>
-            <a:endParaRPr b="0" lang="en-GB" sz="1800" spc="-1" strike="noStrike">
+            <a:endParaRPr b="0" lang="en-GB" sz="2400" spc="-1" strike="noStrike">
               <a:latin typeface="Arial"/>
             </a:endParaRPr>
           </a:p>
@@ -4308,12 +4310,12 @@
               <a:buChar char=""/>
             </a:pPr>
             <a:r>
-              <a:rPr b="0" lang="en-GB" sz="1800" spc="-1" strike="noStrike">
+              <a:rPr b="0" lang="en-GB" sz="2000" spc="-1" strike="noStrike">
                 <a:latin typeface="Arial"/>
               </a:rPr>
               <a:t>Fourth Outline Level</a:t>
             </a:r>
-            <a:endParaRPr b="0" lang="en-GB" sz="1800" spc="-1" strike="noStrike">
+            <a:endParaRPr b="0" lang="en-GB" sz="2000" spc="-1" strike="noStrike">
               <a:latin typeface="Arial"/>
             </a:endParaRPr>
           </a:p>
@@ -4330,12 +4332,12 @@
               <a:buChar char=""/>
             </a:pPr>
             <a:r>
-              <a:rPr b="0" lang="en-GB" sz="1800" spc="-1" strike="noStrike">
+              <a:rPr b="0" lang="en-GB" sz="2000" spc="-1" strike="noStrike">
                 <a:latin typeface="Arial"/>
               </a:rPr>
               <a:t>Fifth Outline Level</a:t>
             </a:r>
-            <a:endParaRPr b="0" lang="en-GB" sz="1800" spc="-1" strike="noStrike">
+            <a:endParaRPr b="0" lang="en-GB" sz="2000" spc="-1" strike="noStrike">
               <a:latin typeface="Arial"/>
             </a:endParaRPr>
           </a:p>
@@ -4352,12 +4354,12 @@
               <a:buChar char=""/>
             </a:pPr>
             <a:r>
-              <a:rPr b="0" lang="en-GB" sz="1800" spc="-1" strike="noStrike">
+              <a:rPr b="0" lang="en-GB" sz="2000" spc="-1" strike="noStrike">
                 <a:latin typeface="Arial"/>
               </a:rPr>
               <a:t>Sixth Outline Level</a:t>
             </a:r>
-            <a:endParaRPr b="0" lang="en-GB" sz="1800" spc="-1" strike="noStrike">
+            <a:endParaRPr b="0" lang="en-GB" sz="2000" spc="-1" strike="noStrike">
               <a:latin typeface="Arial"/>
             </a:endParaRPr>
           </a:p>
@@ -4374,12 +4376,12 @@
               <a:buChar char=""/>
             </a:pPr>
             <a:r>
-              <a:rPr b="0" lang="en-GB" sz="1800" spc="-1" strike="noStrike">
+              <a:rPr b="0" lang="en-GB" sz="2000" spc="-1" strike="noStrike">
                 <a:latin typeface="Arial"/>
               </a:rPr>
               <a:t>Seventh Outline Level</a:t>
             </a:r>
-            <a:endParaRPr b="0" lang="en-GB" sz="1800" spc="-1" strike="noStrike">
+            <a:endParaRPr b="0" lang="en-GB" sz="2000" spc="-1" strike="noStrike">
               <a:latin typeface="Arial"/>
             </a:endParaRPr>
           </a:p>
@@ -4431,7 +4433,7 @@
         <p:spPr>
           <a:xfrm>
             <a:off x="0" y="5400000"/>
-            <a:ext cx="10079280" cy="269280"/>
+            <a:ext cx="10078920" cy="268920"/>
           </a:xfrm>
           <a:prstGeom prst="rect">
             <a:avLst/>
@@ -4459,7 +4461,7 @@
         <p:spPr>
           <a:xfrm>
             <a:off x="0" y="0"/>
-            <a:ext cx="10079280" cy="1214280"/>
+            <a:ext cx="10078920" cy="1213920"/>
           </a:xfrm>
           <a:prstGeom prst="rect">
             <a:avLst/>
@@ -4487,7 +4489,7 @@
         <p:spPr>
           <a:xfrm>
             <a:off x="9315000" y="5175000"/>
-            <a:ext cx="449280" cy="449280"/>
+            <a:ext cx="448920" cy="448920"/>
           </a:xfrm>
           <a:prstGeom prst="ellipse">
             <a:avLst/>
@@ -4518,7 +4520,7 @@
         <p:spPr>
           <a:xfrm>
             <a:off x="9180000" y="5130000"/>
-            <a:ext cx="719280" cy="539280"/>
+            <a:ext cx="718920" cy="538920"/>
           </a:xfrm>
           <a:prstGeom prst="rect">
             <a:avLst/>
@@ -4544,7 +4546,7 @@
                 <a:spcPct val="100000"/>
               </a:lnSpc>
             </a:pPr>
-            <a:fld id="{621D9316-632C-44C0-BF21-5B7BA9D9C48A}" type="slidenum">
+            <a:fld id="{6F5ECDC7-DFF4-483D-A004-E3019A4DAA05}" type="slidenum">
               <a:rPr b="1" lang="en-GB" sz="1800" spc="-1" strike="noStrike">
                 <a:solidFill>
                   <a:srgbClr val="ffffff"/>
@@ -4822,7 +4824,7 @@
         <p:spPr>
           <a:xfrm>
             <a:off x="0" y="0"/>
-            <a:ext cx="10079280" cy="5669280"/>
+            <a:ext cx="10078920" cy="5668920"/>
           </a:xfrm>
           <a:prstGeom prst="rect">
             <a:avLst/>
@@ -4850,7 +4852,7 @@
         <p:spPr>
           <a:xfrm>
             <a:off x="2520000" y="1350000"/>
-            <a:ext cx="5039280" cy="1889280"/>
+            <a:ext cx="5038920" cy="1888920"/>
           </a:xfrm>
           <a:prstGeom prst="wedgeRectCallout">
             <a:avLst>
@@ -5137,7 +5139,7 @@
         <p:spPr>
           <a:xfrm>
             <a:off x="360000" y="2835000"/>
-            <a:ext cx="9359280" cy="718200"/>
+            <a:ext cx="9358920" cy="717840"/>
           </a:xfrm>
           <a:prstGeom prst="rect">
             <a:avLst/>
@@ -5188,7 +5190,7 @@
         <p:spPr>
           <a:xfrm>
             <a:off x="360000" y="3915000"/>
-            <a:ext cx="9359280" cy="1484280"/>
+            <a:ext cx="9358920" cy="1483920"/>
           </a:xfrm>
           <a:prstGeom prst="rect">
             <a:avLst/>
@@ -5282,14 +5284,14 @@
       </p:grpSpPr>
       <p:sp>
         <p:nvSpPr>
-          <p:cNvPr id="177" name=""/>
+          <p:cNvPr id="176" name=""/>
           <p:cNvSpPr/>
           <p:nvPr/>
         </p:nvSpPr>
         <p:spPr>
           <a:xfrm>
             <a:off x="360000" y="225720"/>
-            <a:ext cx="9359280" cy="719280"/>
+            <a:ext cx="9358920" cy="718920"/>
           </a:xfrm>
           <a:prstGeom prst="rect">
             <a:avLst/>
@@ -5323,19 +5325,199 @@
                 <a:latin typeface="Source Sans Pro Black"/>
                 <a:ea typeface="DejaVu Sans"/>
               </a:rPr>
-              <a:t>Appendix 4 – Power BI reporting for Australia on : “</a:t>
-            </a:r>
+              <a:t>Appendix 3 – DWH Data check for KPIs for one country – Australia</a:t>
+            </a:r>
+            <a:endParaRPr b="0" lang="en-GB" sz="2700" spc="-1" strike="noStrike">
+              <a:latin typeface="Arial"/>
+            </a:endParaRPr>
+          </a:p>
+        </p:txBody>
+      </p:sp>
+      <p:sp>
+        <p:nvSpPr>
+          <p:cNvPr id="177" name=""/>
+          <p:cNvSpPr/>
+          <p:nvPr/>
+        </p:nvSpPr>
+        <p:spPr>
+          <a:xfrm>
+            <a:off x="360000" y="1485000"/>
+            <a:ext cx="9358920" cy="3778920"/>
+          </a:xfrm>
+          <a:prstGeom prst="rect">
+            <a:avLst/>
+          </a:prstGeom>
+          <a:noFill/>
+          <a:ln w="0">
+            <a:noFill/>
+          </a:ln>
+        </p:spPr>
+        <p:style>
+          <a:lnRef idx="0"/>
+          <a:fillRef idx="0"/>
+          <a:effectRef idx="0"/>
+          <a:fontRef idx="minor"/>
+        </p:style>
+        <p:txBody>
+          <a:bodyPr lIns="0" rIns="0" tIns="0" bIns="0">
+            <a:normAutofit/>
+          </a:bodyPr>
+          <a:p>
+            <a:pPr marL="432000" indent="-322920">
+              <a:lnSpc>
+                <a:spcPct val="100000"/>
+              </a:lnSpc>
+              <a:spcAft>
+                <a:spcPts val="1057"/>
+              </a:spcAft>
+              <a:buClr>
+                <a:srgbClr val="2c3e50"/>
+              </a:buClr>
+              <a:buSzPct val="45000"/>
+              <a:buFont typeface="Wingdings" charset="2"/>
+              <a:buChar char=""/>
+            </a:pPr>
             <a:r>
               <a:rPr b="1" lang="en-GB" sz="2000" spc="-1" strike="noStrike">
                 <a:solidFill>
-                  <a:srgbClr val="ffffff"/>
-                </a:solidFill>
-                <a:latin typeface="Source Sans Pro Black"/>
+                  <a:srgbClr val="2c3e50"/>
+                </a:solidFill>
+                <a:latin typeface="Source Sans Pro Semibold"/>
                 <a:ea typeface="DejaVu Sans"/>
               </a:rPr>
-              <a:t>Agricultural Land (sq. km)” KPI for current year = 2012</a:t>
+              <a:t>Data extract as per data warehouse : (Data warehouse initialized as from Yr. 2010)</a:t>
             </a:r>
             <a:endParaRPr b="0" lang="en-GB" sz="2000" spc="-1" strike="noStrike">
+              <a:latin typeface="Arial"/>
+            </a:endParaRPr>
+          </a:p>
+          <a:p>
+            <a:pPr>
+              <a:lnSpc>
+                <a:spcPct val="100000"/>
+              </a:lnSpc>
+            </a:pPr>
+            <a:r>
+              <a:rPr b="1" lang="en-GB" sz="950" spc="-1" strike="noStrike">
+                <a:solidFill>
+                  <a:srgbClr val="0000ff"/>
+                </a:solidFill>
+                <a:latin typeface="Consolas"/>
+                <a:ea typeface="Consolas"/>
+              </a:rPr>
+              <a:t>SELECT</a:t>
+            </a:r>
+            <a:r>
+              <a:rPr b="1" lang="en-GB" sz="950" spc="-1" strike="noStrike">
+                <a:solidFill>
+                  <a:srgbClr val="000000"/>
+                </a:solidFill>
+                <a:latin typeface="Consolas"/>
+                <a:ea typeface="Consolas"/>
+              </a:rPr>
+              <a:t> </a:t>
+            </a:r>
+            <a:r>
+              <a:rPr b="1" lang="en-GB" sz="950" spc="-1" strike="noStrike">
+                <a:solidFill>
+                  <a:srgbClr val="808080"/>
+                </a:solidFill>
+                <a:latin typeface="Consolas"/>
+                <a:ea typeface="Consolas"/>
+              </a:rPr>
+              <a:t>*</a:t>
+            </a:r>
+            <a:r>
+              <a:rPr b="1" lang="en-GB" sz="950" spc="-1" strike="noStrike">
+                <a:solidFill>
+                  <a:srgbClr val="000000"/>
+                </a:solidFill>
+                <a:latin typeface="Consolas"/>
+                <a:ea typeface="Consolas"/>
+              </a:rPr>
+              <a:t> </a:t>
+            </a:r>
+            <a:r>
+              <a:rPr b="1" lang="en-GB" sz="950" spc="-1" strike="noStrike">
+                <a:solidFill>
+                  <a:srgbClr val="0000ff"/>
+                </a:solidFill>
+                <a:latin typeface="Consolas"/>
+                <a:ea typeface="Consolas"/>
+              </a:rPr>
+              <a:t>FROM</a:t>
+            </a:r>
+            <a:r>
+              <a:rPr b="1" lang="en-GB" sz="950" spc="-1" strike="noStrike">
+                <a:solidFill>
+                  <a:srgbClr val="000000"/>
+                </a:solidFill>
+                <a:latin typeface="Consolas"/>
+                <a:ea typeface="Consolas"/>
+              </a:rPr>
+              <a:t> DW_FACT_WDIDATA </a:t>
+            </a:r>
+            <a:r>
+              <a:rPr b="1" lang="en-GB" sz="950" spc="-1" strike="noStrike">
+                <a:solidFill>
+                  <a:srgbClr val="0000ff"/>
+                </a:solidFill>
+                <a:latin typeface="Consolas"/>
+                <a:ea typeface="Consolas"/>
+              </a:rPr>
+              <a:t>where</a:t>
+            </a:r>
+            <a:r>
+              <a:rPr b="1" lang="en-GB" sz="950" spc="-1" strike="noStrike">
+                <a:solidFill>
+                  <a:srgbClr val="000000"/>
+                </a:solidFill>
+                <a:latin typeface="Consolas"/>
+                <a:ea typeface="Consolas"/>
+              </a:rPr>
+              <a:t> countrycode </a:t>
+            </a:r>
+            <a:r>
+              <a:rPr b="1" lang="en-GB" sz="950" spc="-1" strike="noStrike">
+                <a:solidFill>
+                  <a:srgbClr val="808080"/>
+                </a:solidFill>
+                <a:latin typeface="Consolas"/>
+                <a:ea typeface="Consolas"/>
+              </a:rPr>
+              <a:t>=</a:t>
+            </a:r>
+            <a:r>
+              <a:rPr b="1" lang="en-GB" sz="950" spc="-1" strike="noStrike">
+                <a:solidFill>
+                  <a:srgbClr val="000000"/>
+                </a:solidFill>
+                <a:latin typeface="Consolas"/>
+                <a:ea typeface="Consolas"/>
+              </a:rPr>
+              <a:t> </a:t>
+            </a:r>
+            <a:r>
+              <a:rPr b="1" lang="en-GB" sz="950" spc="-1" strike="noStrike">
+                <a:solidFill>
+                  <a:srgbClr val="ff0000"/>
+                </a:solidFill>
+                <a:latin typeface="Consolas"/>
+                <a:ea typeface="Consolas"/>
+              </a:rPr>
+              <a:t>'AUS'</a:t>
+            </a:r>
+            <a:r>
+              <a:rPr b="1" lang="en-GB" sz="950" spc="-1" strike="noStrike">
+                <a:solidFill>
+                  <a:srgbClr val="808080"/>
+                </a:solidFill>
+                <a:latin typeface="Consolas"/>
+                <a:ea typeface="Consolas"/>
+              </a:rPr>
+              <a:t>;</a:t>
+            </a:r>
+            <a:endParaRPr b="0" lang="en-GB" sz="950" spc="-1" strike="noStrike">
               <a:latin typeface="Arial"/>
             </a:endParaRPr>
           </a:p>
@@ -5353,8 +5535,8 @@
         </p:blipFill>
         <p:spPr>
           <a:xfrm>
-            <a:off x="22320" y="1260000"/>
-            <a:ext cx="10078920" cy="3859200"/>
+            <a:off x="0" y="2340000"/>
+            <a:ext cx="10078560" cy="2498040"/>
           </a:xfrm>
           <a:prstGeom prst="rect">
             <a:avLst/>
@@ -5403,7 +5585,7 @@
         <p:spPr>
           <a:xfrm>
             <a:off x="360000" y="225720"/>
-            <a:ext cx="9359280" cy="719280"/>
+            <a:ext cx="9358920" cy="718920"/>
           </a:xfrm>
           <a:prstGeom prst="rect">
             <a:avLst/>
@@ -5437,161 +5619,47 @@
                 <a:latin typeface="Source Sans Pro Black"/>
                 <a:ea typeface="DejaVu Sans"/>
               </a:rPr>
-              <a:t>Appendix 5 – Reference Tables</a:t>
-            </a:r>
-            <a:endParaRPr b="0" lang="en-GB" sz="2700" spc="-1" strike="noStrike">
-              <a:latin typeface="Arial"/>
-            </a:endParaRPr>
-          </a:p>
-        </p:txBody>
-      </p:sp>
-      <p:sp>
-        <p:nvSpPr>
-          <p:cNvPr id="180" name=""/>
-          <p:cNvSpPr/>
+              <a:t>Appendix 4 – Power BI reporting for Australia on : “</a:t>
+            </a:r>
+            <a:r>
+              <a:rPr b="1" lang="en-GB" sz="2000" spc="-1" strike="noStrike">
+                <a:solidFill>
+                  <a:srgbClr val="ffffff"/>
+                </a:solidFill>
+                <a:latin typeface="Source Sans Pro Black"/>
+                <a:ea typeface="DejaVu Sans"/>
+              </a:rPr>
+              <a:t>Agricultural Land (sq. km)” KPI for current year = 2012</a:t>
+            </a:r>
+            <a:endParaRPr b="0" lang="en-GB" sz="2000" spc="-1" strike="noStrike">
+              <a:latin typeface="Arial"/>
+            </a:endParaRPr>
+          </a:p>
+        </p:txBody>
+      </p:sp>
+      <p:pic>
+        <p:nvPicPr>
+          <p:cNvPr id="180" name="" descr=""/>
+          <p:cNvPicPr/>
           <p:nvPr/>
-        </p:nvSpPr>
-        <p:spPr>
-          <a:xfrm>
-            <a:off x="360000" y="1485000"/>
-            <a:ext cx="9359280" cy="3779280"/>
-          </a:xfrm>
-          <a:prstGeom prst="rect">
-            <a:avLst/>
-          </a:prstGeom>
-          <a:noFill/>
-          <a:ln w="0">
+        </p:nvPicPr>
+        <p:blipFill>
+          <a:blip r:embed="rId1"/>
+          <a:stretch/>
+        </p:blipFill>
+        <p:spPr>
+          <a:xfrm>
+            <a:off x="22320" y="1260000"/>
+            <a:ext cx="10078560" cy="3858840"/>
+          </a:xfrm>
+          <a:prstGeom prst="rect">
+            <a:avLst/>
+          </a:prstGeom>
+          <a:ln w="10800">
             <a:noFill/>
           </a:ln>
         </p:spPr>
-        <p:style>
-          <a:lnRef idx="0"/>
-          <a:fillRef idx="0"/>
-          <a:effectRef idx="0"/>
-          <a:fontRef idx="minor"/>
-        </p:style>
-        <p:txBody>
-          <a:bodyPr lIns="0" rIns="0" tIns="0" bIns="0">
-            <a:normAutofit/>
-          </a:bodyPr>
-          <a:p>
-            <a:pPr marL="432000" indent="-323280">
-              <a:lnSpc>
-                <a:spcPct val="100000"/>
-              </a:lnSpc>
-              <a:spcAft>
-                <a:spcPts val="1057"/>
-              </a:spcAft>
-              <a:buClr>
-                <a:srgbClr val="2c3e50"/>
-              </a:buClr>
-              <a:buSzPct val="45000"/>
-              <a:buFont typeface="Wingdings" charset="2"/>
-              <a:buChar char=""/>
-            </a:pPr>
-            <a:r>
-              <a:rPr b="1" lang="en-GB" sz="2400" spc="-1" strike="noStrike">
-                <a:solidFill>
-                  <a:srgbClr val="2c3e50"/>
-                </a:solidFill>
-                <a:latin typeface="Source Sans Pro Semibold"/>
-                <a:ea typeface="DejaVu Sans"/>
-              </a:rPr>
-              <a:t>REF_KPILIST → Configuration table for list of reporting KPIs. Only this list of KPI will goto reporting</a:t>
-            </a:r>
-            <a:endParaRPr b="0" lang="en-GB" sz="2400" spc="-1" strike="noStrike">
-              <a:latin typeface="Arial"/>
-            </a:endParaRPr>
-          </a:p>
-          <a:p>
-            <a:pPr marL="432000" indent="-323280">
-              <a:lnSpc>
-                <a:spcPct val="100000"/>
-              </a:lnSpc>
-              <a:spcAft>
-                <a:spcPts val="1057"/>
-              </a:spcAft>
-              <a:buClr>
-                <a:srgbClr val="2c3e50"/>
-              </a:buClr>
-              <a:buSzPct val="45000"/>
-              <a:buFont typeface="Wingdings" charset="2"/>
-              <a:buChar char=""/>
-            </a:pPr>
-            <a:r>
-              <a:rPr b="1" lang="en-GB" sz="2400" spc="-1" strike="noStrike">
-                <a:solidFill>
-                  <a:srgbClr val="2c3e50"/>
-                </a:solidFill>
-                <a:latin typeface="Source Sans Pro Semibold"/>
-                <a:ea typeface="DejaVu Sans"/>
-              </a:rPr>
-              <a:t>REF_LogScripts → Scripts of all DB procedures are logged in this log table.</a:t>
-            </a:r>
-            <a:endParaRPr b="0" lang="en-GB" sz="2400" spc="-1" strike="noStrike">
-              <a:latin typeface="Arial"/>
-            </a:endParaRPr>
-          </a:p>
-          <a:p>
-            <a:pPr marL="432000" indent="-323280">
-              <a:lnSpc>
-                <a:spcPct val="100000"/>
-              </a:lnSpc>
-              <a:spcAft>
-                <a:spcPts val="1057"/>
-              </a:spcAft>
-              <a:buClr>
-                <a:srgbClr val="2c3e50"/>
-              </a:buClr>
-              <a:buSzPct val="45000"/>
-              <a:buFont typeface="Wingdings" charset="2"/>
-              <a:buChar char=""/>
-            </a:pPr>
-            <a:r>
-              <a:rPr b="1" lang="en-GB" sz="2400" spc="-1" strike="noStrike">
-                <a:solidFill>
-                  <a:srgbClr val="2c3e50"/>
-                </a:solidFill>
-                <a:latin typeface="Source Sans Pro Semibold"/>
-                <a:ea typeface="DejaVu Sans"/>
-              </a:rPr>
-              <a:t>REF_PARAMETERS → Initializes the year from which to pull fact data on the data warehouse.</a:t>
-            </a:r>
-            <a:endParaRPr b="0" lang="en-GB" sz="2400" spc="-1" strike="noStrike">
-              <a:latin typeface="Arial"/>
-            </a:endParaRPr>
-          </a:p>
-          <a:p>
-            <a:pPr marL="432000" indent="-323280">
-              <a:lnSpc>
-                <a:spcPct val="100000"/>
-              </a:lnSpc>
-              <a:spcAft>
-                <a:spcPts val="1057"/>
-              </a:spcAft>
-              <a:buClr>
-                <a:srgbClr val="2c3e50"/>
-              </a:buClr>
-              <a:buSzPct val="45000"/>
-              <a:buFont typeface="Wingdings" charset="2"/>
-              <a:buChar char=""/>
-            </a:pPr>
-            <a:r>
-              <a:rPr b="1" lang="en-GB" sz="2400" spc="-1" strike="noStrike">
-                <a:solidFill>
-                  <a:srgbClr val="2c3e50"/>
-                </a:solidFill>
-                <a:latin typeface="Source Sans Pro Semibold"/>
-                <a:ea typeface="DejaVu Sans"/>
-              </a:rPr>
-              <a:t>REF_REPORTING_COUNTRIES → Initializes the list of countries for reporting. Can be modified to include more countries.</a:t>
-            </a:r>
-            <a:endParaRPr b="0" lang="en-GB" sz="2400" spc="-1" strike="noStrike">
-              <a:latin typeface="Arial"/>
-            </a:endParaRPr>
-          </a:p>
-        </p:txBody>
-      </p:sp>
+      </p:pic>
     </p:spTree>
   </p:cSld>
   <mc:AlternateContent>
@@ -5631,7 +5699,7 @@
         <p:spPr>
           <a:xfrm>
             <a:off x="360000" y="225720"/>
-            <a:ext cx="9359280" cy="719280"/>
+            <a:ext cx="9358920" cy="718920"/>
           </a:xfrm>
           <a:prstGeom prst="rect">
             <a:avLst/>
@@ -5665,7 +5733,7 @@
                 <a:latin typeface="Source Sans Pro Black"/>
                 <a:ea typeface="DejaVu Sans"/>
               </a:rPr>
-              <a:t>Appendix 6 - Data warehouse tables layout</a:t>
+              <a:t>Appendix 5 – Reference Tables</a:t>
             </a:r>
             <a:endParaRPr b="0" lang="en-GB" sz="2700" spc="-1" strike="noStrike">
               <a:latin typeface="Arial"/>
@@ -5682,7 +5750,7 @@
         <p:spPr>
           <a:xfrm>
             <a:off x="360000" y="1485000"/>
-            <a:ext cx="9359280" cy="3779280"/>
+            <a:ext cx="9358920" cy="3778920"/>
           </a:xfrm>
           <a:prstGeom prst="rect">
             <a:avLst/>
@@ -5698,116 +5766,123 @@
           <a:effectRef idx="0"/>
           <a:fontRef idx="minor"/>
         </p:style>
-      </p:sp>
-      <p:pic>
-        <p:nvPicPr>
-          <p:cNvPr id="183" name="" descr=""/>
-          <p:cNvPicPr/>
-          <p:nvPr/>
-        </p:nvPicPr>
-        <p:blipFill>
-          <a:blip r:embed="rId1"/>
-          <a:stretch/>
-        </p:blipFill>
-        <p:spPr>
-          <a:xfrm>
-            <a:off x="180000" y="1260000"/>
-            <a:ext cx="8639280" cy="4338720"/>
-          </a:xfrm>
-          <a:prstGeom prst="rect">
-            <a:avLst/>
-          </a:prstGeom>
-          <a:ln w="10800">
-            <a:noFill/>
-          </a:ln>
-        </p:spPr>
-      </p:pic>
-      <p:sp>
-        <p:nvSpPr>
-          <p:cNvPr id="184" name=""/>
-          <p:cNvSpPr/>
-          <p:nvPr/>
-        </p:nvSpPr>
-        <p:spPr>
-          <a:xfrm>
-            <a:off x="6840000" y="720000"/>
-            <a:ext cx="2339280" cy="899280"/>
-          </a:xfrm>
-          <a:prstGeom prst="wedgeRoundRectCallout">
-            <a:avLst>
-              <a:gd name="adj1" fmla="val -35189"/>
-              <a:gd name="adj2" fmla="val 76148"/>
-              <a:gd name="adj3" fmla="val 16667"/>
-            </a:avLst>
-          </a:prstGeom>
-          <a:solidFill>
-            <a:srgbClr val="dee6ef"/>
-          </a:solidFill>
-          <a:ln w="10800">
-            <a:solidFill>
-              <a:srgbClr val="355269"/>
-            </a:solidFill>
-            <a:round/>
-          </a:ln>
-        </p:spPr>
-        <p:style>
-          <a:lnRef idx="0"/>
-          <a:fillRef idx="0"/>
-          <a:effectRef idx="0"/>
-          <a:fontRef idx="minor"/>
-        </p:style>
-        <p:txBody>
-          <a:bodyPr wrap="none" lIns="90000" rIns="90000" tIns="45000" bIns="45000" anchor="ctr">
-            <a:noAutofit/>
-          </a:bodyPr>
-          <a:p>
-            <a:pPr algn="ctr">
+        <p:txBody>
+          <a:bodyPr lIns="0" rIns="0" tIns="0" bIns="0">
+            <a:normAutofit/>
+          </a:bodyPr>
+          <a:p>
+            <a:pPr marL="432000" indent="-322920">
               <a:lnSpc>
                 <a:spcPct val="100000"/>
               </a:lnSpc>
+              <a:spcAft>
+                <a:spcPts val="1057"/>
+              </a:spcAft>
+              <a:buClr>
+                <a:srgbClr val="2c3e50"/>
+              </a:buClr>
+              <a:buSzPct val="45000"/>
+              <a:buFont typeface="Wingdings" charset="2"/>
+              <a:buChar char=""/>
             </a:pPr>
             <a:r>
-              <a:rPr b="0" lang="en-GB" sz="1800" spc="-1" strike="noStrike">
+              <a:rPr b="1" lang="en-GB" sz="2400" spc="-1" strike="noStrike">
                 <a:solidFill>
                   <a:srgbClr val="2c3e50"/>
                 </a:solidFill>
-                <a:latin typeface="Source Sans Pro"/>
+                <a:latin typeface="Source Sans Pro Semibold"/>
                 <a:ea typeface="DejaVu Sans"/>
               </a:rPr>
-              <a:t>2 dimensions and</a:t>
-            </a:r>
-            <a:br/>
-            <a:r>
-              <a:rPr b="0" lang="en-GB" sz="1800" spc="-1" strike="noStrike">
-                <a:solidFill>
-                  <a:srgbClr val="2c3e50"/>
-                </a:solidFill>
-                <a:latin typeface="Source Sans Pro"/>
-                <a:ea typeface="DejaVu Sans"/>
-              </a:rPr>
-              <a:t>1 fact table, 4 staging</a:t>
-            </a:r>
-            <a:endParaRPr b="0" lang="en-GB" sz="1800" spc="-1" strike="noStrike">
-              <a:latin typeface="Arial"/>
-            </a:endParaRPr>
-          </a:p>
-          <a:p>
-            <a:pPr algn="ctr">
+              <a:t>REF_KPILIST → Configuration table for list of reporting KPIs. Only this list of KPI will goto reporting</a:t>
+            </a:r>
+            <a:endParaRPr b="0" lang="en-GB" sz="2400" spc="-1" strike="noStrike">
+              <a:latin typeface="Arial"/>
+            </a:endParaRPr>
+          </a:p>
+          <a:p>
+            <a:pPr marL="432000" indent="-322920">
               <a:lnSpc>
                 <a:spcPct val="100000"/>
               </a:lnSpc>
+              <a:spcAft>
+                <a:spcPts val="1057"/>
+              </a:spcAft>
+              <a:buClr>
+                <a:srgbClr val="2c3e50"/>
+              </a:buClr>
+              <a:buSzPct val="45000"/>
+              <a:buFont typeface="Wingdings" charset="2"/>
+              <a:buChar char=""/>
             </a:pPr>
             <a:r>
-              <a:rPr b="0" lang="en-GB" sz="1800" spc="-1" strike="noStrike">
+              <a:rPr b="1" lang="en-GB" sz="2400" spc="-1" strike="noStrike">
                 <a:solidFill>
                   <a:srgbClr val="2c3e50"/>
                 </a:solidFill>
-                <a:latin typeface="Source Sans Pro"/>
+                <a:latin typeface="Source Sans Pro Semibold"/>
                 <a:ea typeface="DejaVu Sans"/>
               </a:rPr>
-              <a:t>And 4 reference tables</a:t>
-            </a:r>
-            <a:endParaRPr b="0" lang="en-GB" sz="1800" spc="-1" strike="noStrike">
+              <a:t>REF_LogScripts → Scripts of all DB procedures are logged in this log table.</a:t>
+            </a:r>
+            <a:endParaRPr b="0" lang="en-GB" sz="2400" spc="-1" strike="noStrike">
+              <a:latin typeface="Arial"/>
+            </a:endParaRPr>
+          </a:p>
+          <a:p>
+            <a:pPr marL="432000" indent="-322920">
+              <a:lnSpc>
+                <a:spcPct val="100000"/>
+              </a:lnSpc>
+              <a:spcAft>
+                <a:spcPts val="1057"/>
+              </a:spcAft>
+              <a:buClr>
+                <a:srgbClr val="2c3e50"/>
+              </a:buClr>
+              <a:buSzPct val="45000"/>
+              <a:buFont typeface="Wingdings" charset="2"/>
+              <a:buChar char=""/>
+            </a:pPr>
+            <a:r>
+              <a:rPr b="1" lang="en-GB" sz="2400" spc="-1" strike="noStrike">
+                <a:solidFill>
+                  <a:srgbClr val="2c3e50"/>
+                </a:solidFill>
+                <a:latin typeface="Source Sans Pro Semibold"/>
+                <a:ea typeface="DejaVu Sans"/>
+              </a:rPr>
+              <a:t>REF_PARAMETERS → Initializes the year from which to pull fact data on the data warehouse.</a:t>
+            </a:r>
+            <a:endParaRPr b="0" lang="en-GB" sz="2400" spc="-1" strike="noStrike">
+              <a:latin typeface="Arial"/>
+            </a:endParaRPr>
+          </a:p>
+          <a:p>
+            <a:pPr marL="432000" indent="-322920">
+              <a:lnSpc>
+                <a:spcPct val="100000"/>
+              </a:lnSpc>
+              <a:spcAft>
+                <a:spcPts val="1057"/>
+              </a:spcAft>
+              <a:buClr>
+                <a:srgbClr val="2c3e50"/>
+              </a:buClr>
+              <a:buSzPct val="45000"/>
+              <a:buFont typeface="Wingdings" charset="2"/>
+              <a:buChar char=""/>
+            </a:pPr>
+            <a:r>
+              <a:rPr b="1" lang="en-GB" sz="2400" spc="-1" strike="noStrike">
+                <a:solidFill>
+                  <a:srgbClr val="2c3e50"/>
+                </a:solidFill>
+                <a:latin typeface="Source Sans Pro Semibold"/>
+                <a:ea typeface="DejaVu Sans"/>
+              </a:rPr>
+              <a:t>REF_REPORTING_COUNTRIES → Initializes the list of countries for reporting. Can be modified to include more countries.</a:t>
+            </a:r>
+            <a:endParaRPr b="0" lang="en-GB" sz="2400" spc="-1" strike="noStrike">
               <a:latin typeface="Arial"/>
             </a:endParaRPr>
           </a:p>
@@ -5845,14 +5920,14 @@
       </p:grpSpPr>
       <p:sp>
         <p:nvSpPr>
-          <p:cNvPr id="185" name=""/>
+          <p:cNvPr id="183" name=""/>
           <p:cNvSpPr/>
           <p:nvPr/>
         </p:nvSpPr>
         <p:spPr>
           <a:xfrm>
             <a:off x="360000" y="225720"/>
-            <a:ext cx="9359280" cy="719280"/>
+            <a:ext cx="9358920" cy="718920"/>
           </a:xfrm>
           <a:prstGeom prst="rect">
             <a:avLst/>
@@ -5886,17 +5961,43 @@
                 <a:latin typeface="Source Sans Pro Black"/>
                 <a:ea typeface="DejaVu Sans"/>
               </a:rPr>
-              <a:t>Appendix 7 – Log Table</a:t>
+              <a:t>Appendix 6 - Data warehouse tables layout</a:t>
             </a:r>
             <a:endParaRPr b="0" lang="en-GB" sz="2700" spc="-1" strike="noStrike">
               <a:latin typeface="Arial"/>
             </a:endParaRPr>
           </a:p>
         </p:txBody>
+      </p:sp>
+      <p:sp>
+        <p:nvSpPr>
+          <p:cNvPr id="184" name=""/>
+          <p:cNvSpPr/>
+          <p:nvPr/>
+        </p:nvSpPr>
+        <p:spPr>
+          <a:xfrm>
+            <a:off x="360000" y="1485000"/>
+            <a:ext cx="9358920" cy="3778920"/>
+          </a:xfrm>
+          <a:prstGeom prst="rect">
+            <a:avLst/>
+          </a:prstGeom>
+          <a:noFill/>
+          <a:ln w="0">
+            <a:noFill/>
+          </a:ln>
+        </p:spPr>
+        <p:style>
+          <a:lnRef idx="0"/>
+          <a:fillRef idx="0"/>
+          <a:effectRef idx="0"/>
+          <a:fontRef idx="minor"/>
+        </p:style>
       </p:sp>
       <p:pic>
         <p:nvPicPr>
-          <p:cNvPr id="186" name="" descr=""/>
+          <p:cNvPr id="185" name="" descr=""/>
           <p:cNvPicPr/>
           <p:nvPr/>
         </p:nvPicPr>
@@ -5906,8 +6007,203 @@
         </p:blipFill>
         <p:spPr>
           <a:xfrm>
+            <a:off x="180000" y="1260000"/>
+            <a:ext cx="8638920" cy="4338360"/>
+          </a:xfrm>
+          <a:prstGeom prst="rect">
+            <a:avLst/>
+          </a:prstGeom>
+          <a:ln w="10800">
+            <a:noFill/>
+          </a:ln>
+        </p:spPr>
+      </p:pic>
+      <p:sp>
+        <p:nvSpPr>
+          <p:cNvPr id="186" name=""/>
+          <p:cNvSpPr/>
+          <p:nvPr/>
+        </p:nvSpPr>
+        <p:spPr>
+          <a:xfrm>
+            <a:off x="6840000" y="720000"/>
+            <a:ext cx="2338920" cy="898920"/>
+          </a:xfrm>
+          <a:prstGeom prst="wedgeRoundRectCallout">
+            <a:avLst>
+              <a:gd name="adj1" fmla="val -35189"/>
+              <a:gd name="adj2" fmla="val 76148"/>
+              <a:gd name="adj3" fmla="val 16667"/>
+            </a:avLst>
+          </a:prstGeom>
+          <a:solidFill>
+            <a:srgbClr val="dee6ef"/>
+          </a:solidFill>
+          <a:ln w="10800">
+            <a:solidFill>
+              <a:srgbClr val="355269"/>
+            </a:solidFill>
+            <a:round/>
+          </a:ln>
+        </p:spPr>
+        <p:style>
+          <a:lnRef idx="0"/>
+          <a:fillRef idx="0"/>
+          <a:effectRef idx="0"/>
+          <a:fontRef idx="minor"/>
+        </p:style>
+        <p:txBody>
+          <a:bodyPr wrap="none" lIns="90000" rIns="90000" tIns="45000" bIns="45000" anchor="ctr">
+            <a:noAutofit/>
+          </a:bodyPr>
+          <a:p>
+            <a:pPr algn="ctr">
+              <a:lnSpc>
+                <a:spcPct val="100000"/>
+              </a:lnSpc>
+            </a:pPr>
+            <a:r>
+              <a:rPr b="0" lang="en-GB" sz="1800" spc="-1" strike="noStrike">
+                <a:solidFill>
+                  <a:srgbClr val="2c3e50"/>
+                </a:solidFill>
+                <a:latin typeface="Source Sans Pro"/>
+                <a:ea typeface="DejaVu Sans"/>
+              </a:rPr>
+              <a:t>2 dimensions and</a:t>
+            </a:r>
+            <a:br/>
+            <a:r>
+              <a:rPr b="0" lang="en-GB" sz="1800" spc="-1" strike="noStrike">
+                <a:solidFill>
+                  <a:srgbClr val="2c3e50"/>
+                </a:solidFill>
+                <a:latin typeface="Source Sans Pro"/>
+                <a:ea typeface="DejaVu Sans"/>
+              </a:rPr>
+              <a:t>1 fact table, 4 staging</a:t>
+            </a:r>
+            <a:endParaRPr b="0" lang="en-GB" sz="1800" spc="-1" strike="noStrike">
+              <a:latin typeface="Arial"/>
+            </a:endParaRPr>
+          </a:p>
+          <a:p>
+            <a:pPr algn="ctr">
+              <a:lnSpc>
+                <a:spcPct val="100000"/>
+              </a:lnSpc>
+            </a:pPr>
+            <a:r>
+              <a:rPr b="0" lang="en-GB" sz="1800" spc="-1" strike="noStrike">
+                <a:solidFill>
+                  <a:srgbClr val="2c3e50"/>
+                </a:solidFill>
+                <a:latin typeface="Source Sans Pro"/>
+                <a:ea typeface="DejaVu Sans"/>
+              </a:rPr>
+              <a:t>And 4 reference tables</a:t>
+            </a:r>
+            <a:endParaRPr b="0" lang="en-GB" sz="1800" spc="-1" strike="noStrike">
+              <a:latin typeface="Arial"/>
+            </a:endParaRPr>
+          </a:p>
+        </p:txBody>
+      </p:sp>
+    </p:spTree>
+  </p:cSld>
+  <mc:AlternateContent>
+    <mc:Choice Requires="p14">
+      <p:transition spd="slow" p14:dur="2000"/>
+    </mc:Choice>
+    <mc:Fallback>
+      <p:transition spd="slow"/>
+    </mc:Fallback>
+  </mc:AlternateContent>
+</p:sld>
+</file>
+
+<file path=ppt/slides/slide14.xml><?xml version="1.0" encoding="utf-8"?>
+<p:sld xmlns:a="http://schemas.openxmlformats.org/drawingml/2006/main" xmlns:p="http://schemas.openxmlformats.org/presentationml/2006/main" xmlns:r="http://schemas.openxmlformats.org/officeDocument/2006/relationships" xmlns:p14="http://schemas.microsoft.com/office/powerpoint/2010/main" xmlns:p15="http://schemas.microsoft.com/office/powerpoint/2012/main" xmlns:mc="http://schemas.openxmlformats.org/markup-compatibility/2006">
+  <p:cSld>
+    <p:spTree>
+      <p:nvGrpSpPr>
+        <p:cNvPr id="1" name=""/>
+        <p:cNvGrpSpPr/>
+        <p:nvPr/>
+      </p:nvGrpSpPr>
+      <p:grpSpPr>
+        <a:xfrm>
+          <a:off x="0" y="0"/>
+          <a:ext cx="0" cy="0"/>
+          <a:chOff x="0" y="0"/>
+          <a:chExt cx="0" cy="0"/>
+        </a:xfrm>
+      </p:grpSpPr>
+      <p:sp>
+        <p:nvSpPr>
+          <p:cNvPr id="187" name=""/>
+          <p:cNvSpPr/>
+          <p:nvPr/>
+        </p:nvSpPr>
+        <p:spPr>
+          <a:xfrm>
+            <a:off x="360000" y="225720"/>
+            <a:ext cx="9358920" cy="718920"/>
+          </a:xfrm>
+          <a:prstGeom prst="rect">
+            <a:avLst/>
+          </a:prstGeom>
+          <a:noFill/>
+          <a:ln w="0">
+            <a:noFill/>
+          </a:ln>
+        </p:spPr>
+        <p:style>
+          <a:lnRef idx="0"/>
+          <a:fillRef idx="0"/>
+          <a:effectRef idx="0"/>
+          <a:fontRef idx="minor"/>
+        </p:style>
+        <p:txBody>
+          <a:bodyPr lIns="0" rIns="0" tIns="0" bIns="0" anchor="ctr">
+            <a:noAutofit/>
+          </a:bodyPr>
+          <a:p>
+            <a:pPr>
+              <a:lnSpc>
+                <a:spcPct val="100000"/>
+              </a:lnSpc>
+            </a:pPr>
+            <a:r>
+              <a:rPr b="1" lang="en-GB" sz="2700" spc="-1" strike="noStrike">
+                <a:solidFill>
+                  <a:srgbClr val="ffffff"/>
+                </a:solidFill>
+                <a:latin typeface="Source Sans Pro Black"/>
+                <a:ea typeface="DejaVu Sans"/>
+              </a:rPr>
+              <a:t>Appendix 7 – Log Table</a:t>
+            </a:r>
+            <a:endParaRPr b="0" lang="en-GB" sz="2700" spc="-1" strike="noStrike">
+              <a:latin typeface="Arial"/>
+            </a:endParaRPr>
+          </a:p>
+        </p:txBody>
+      </p:sp>
+      <p:pic>
+        <p:nvPicPr>
+          <p:cNvPr id="188" name="" descr=""/>
+          <p:cNvPicPr/>
+          <p:nvPr/>
+        </p:nvPicPr>
+        <p:blipFill>
+          <a:blip r:embed="rId1"/>
+          <a:stretch/>
+        </p:blipFill>
+        <p:spPr>
+          <a:xfrm>
             <a:off x="173520" y="1440000"/>
-            <a:ext cx="6665760" cy="3779280"/>
+            <a:ext cx="6665400" cy="3778920"/>
           </a:xfrm>
           <a:prstGeom prst="rect">
             <a:avLst/>
@@ -5956,7 +6252,7 @@
         <p:spPr>
           <a:xfrm>
             <a:off x="360000" y="225720"/>
-            <a:ext cx="9359280" cy="719280"/>
+            <a:ext cx="9358920" cy="718920"/>
           </a:xfrm>
           <a:prstGeom prst="rect">
             <a:avLst/>
@@ -6007,7 +6303,7 @@
         <p:spPr>
           <a:xfrm>
             <a:off x="360000" y="1485000"/>
-            <a:ext cx="9359280" cy="3779280"/>
+            <a:ext cx="9358920" cy="3778920"/>
           </a:xfrm>
           <a:prstGeom prst="rect">
             <a:avLst/>
@@ -6028,7 +6324,7 @@
             <a:normAutofit/>
           </a:bodyPr>
           <a:p>
-            <a:pPr marL="432000" indent="-323280">
+            <a:pPr marL="432000" indent="-322920">
               <a:lnSpc>
                 <a:spcPct val="100000"/>
               </a:lnSpc>
@@ -6057,7 +6353,7 @@
             </a:endParaRPr>
           </a:p>
           <a:p>
-            <a:pPr marL="432000" indent="-323280">
+            <a:pPr marL="432000" indent="-322920">
               <a:lnSpc>
                 <a:spcPct val="100000"/>
               </a:lnSpc>
@@ -6086,7 +6382,7 @@
             </a:endParaRPr>
           </a:p>
           <a:p>
-            <a:pPr marL="432000" indent="-323280">
+            <a:pPr marL="432000" indent="-322920">
               <a:lnSpc>
                 <a:spcPct val="100000"/>
               </a:lnSpc>
@@ -6115,7 +6411,7 @@
             </a:endParaRPr>
           </a:p>
           <a:p>
-            <a:pPr marL="432000" indent="-323280">
+            <a:pPr marL="432000" indent="-322920">
               <a:lnSpc>
                 <a:spcPct val="100000"/>
               </a:lnSpc>
@@ -6144,7 +6440,7 @@
             </a:endParaRPr>
           </a:p>
           <a:p>
-            <a:pPr marL="432000" indent="-323280">
+            <a:pPr marL="432000" indent="-322920">
               <a:lnSpc>
                 <a:spcPct val="100000"/>
               </a:lnSpc>
@@ -6166,6 +6462,35 @@
                 <a:latin typeface="Source Sans Pro Semibold"/>
                 <a:ea typeface="DejaVu Sans"/>
               </a:rPr>
+              <a:t>Codebase access links</a:t>
+            </a:r>
+            <a:endParaRPr b="0" lang="en-GB" sz="2400" spc="-1" strike="noStrike">
+              <a:latin typeface="Arial"/>
+            </a:endParaRPr>
+          </a:p>
+          <a:p>
+            <a:pPr marL="432000" indent="-322920">
+              <a:lnSpc>
+                <a:spcPct val="100000"/>
+              </a:lnSpc>
+              <a:spcAft>
+                <a:spcPts val="1057"/>
+              </a:spcAft>
+              <a:buClr>
+                <a:srgbClr val="2c3e50"/>
+              </a:buClr>
+              <a:buSzPct val="45000"/>
+              <a:buFont typeface="Wingdings" charset="2"/>
+              <a:buChar char=""/>
+            </a:pPr>
+            <a:r>
+              <a:rPr b="1" lang="en-GB" sz="2400" spc="-1" strike="noStrike">
+                <a:solidFill>
+                  <a:srgbClr val="2c3e50"/>
+                </a:solidFill>
+                <a:latin typeface="Source Sans Pro Semibold"/>
+                <a:ea typeface="DejaVu Sans"/>
+              </a:rPr>
               <a:t>Appendix 1 to 7</a:t>
             </a:r>
             <a:endParaRPr b="0" lang="en-GB" sz="2400" spc="-1" strike="noStrike">
@@ -6183,7 +6508,7 @@
         <p:spPr>
           <a:xfrm>
             <a:off x="5580000" y="4140000"/>
-            <a:ext cx="4319280" cy="1079280"/>
+            <a:ext cx="4318920" cy="1078920"/>
           </a:xfrm>
           <a:prstGeom prst="rect">
             <a:avLst/>
@@ -6309,7 +6634,7 @@
         <p:spPr>
           <a:xfrm>
             <a:off x="360000" y="225720"/>
-            <a:ext cx="9359280" cy="719280"/>
+            <a:ext cx="9358920" cy="718920"/>
           </a:xfrm>
           <a:prstGeom prst="rect">
             <a:avLst/>
@@ -6330,7 +6655,7 @@
             <a:noAutofit/>
           </a:bodyPr>
           <a:p>
-            <a:pPr marL="432000" indent="-323280">
+            <a:pPr marL="432000" indent="-322920">
               <a:lnSpc>
                 <a:spcPct val="100000"/>
               </a:lnSpc>
@@ -6369,7 +6694,7 @@
         <p:spPr>
           <a:xfrm>
             <a:off x="1620000" y="1800000"/>
-            <a:ext cx="1259280" cy="359280"/>
+            <a:ext cx="1258920" cy="358920"/>
           </a:xfrm>
           <a:prstGeom prst="rect">
             <a:avLst/>
@@ -6425,7 +6750,7 @@
         <p:spPr>
           <a:xfrm>
             <a:off x="1620000" y="2340000"/>
-            <a:ext cx="1259280" cy="359280"/>
+            <a:ext cx="1258920" cy="358920"/>
           </a:xfrm>
           <a:prstGeom prst="rect">
             <a:avLst/>
@@ -6480,8 +6805,8 @@
         </p:nvSpPr>
         <p:spPr>
           <a:xfrm rot="21590400">
-            <a:off x="180360" y="1258920"/>
-            <a:ext cx="2699280" cy="355320"/>
+            <a:off x="180360" y="1258560"/>
+            <a:ext cx="2698920" cy="354960"/>
           </a:xfrm>
           <a:prstGeom prst="rect">
             <a:avLst/>
@@ -6557,7 +6882,7 @@
         <p:spPr>
           <a:xfrm>
             <a:off x="1620000" y="2880000"/>
-            <a:ext cx="1259280" cy="359280"/>
+            <a:ext cx="1258920" cy="358920"/>
           </a:xfrm>
           <a:prstGeom prst="rect">
             <a:avLst/>
@@ -6613,7 +6938,7 @@
         <p:spPr>
           <a:xfrm>
             <a:off x="360000" y="3420000"/>
-            <a:ext cx="2519280" cy="359280"/>
+            <a:ext cx="2518920" cy="358920"/>
           </a:xfrm>
           <a:prstGeom prst="rect">
             <a:avLst/>
@@ -6669,7 +6994,7 @@
         <p:spPr>
           <a:xfrm>
             <a:off x="3060000" y="1620000"/>
-            <a:ext cx="1799280" cy="2519280"/>
+            <a:ext cx="1798920" cy="2518920"/>
           </a:xfrm>
           <a:prstGeom prst="rect">
             <a:avLst/>
@@ -6700,7 +7025,7 @@
         <p:spPr>
           <a:xfrm>
             <a:off x="3420000" y="1260000"/>
-            <a:ext cx="1079280" cy="359280"/>
+            <a:ext cx="1078920" cy="358920"/>
           </a:xfrm>
           <a:prstGeom prst="rect">
             <a:avLst/>
@@ -6756,7 +7081,7 @@
         <p:spPr>
           <a:xfrm>
             <a:off x="3240000" y="1800000"/>
-            <a:ext cx="1259280" cy="359280"/>
+            <a:ext cx="1258920" cy="358920"/>
           </a:xfrm>
           <a:prstGeom prst="rect">
             <a:avLst/>
@@ -6812,7 +7137,7 @@
         <p:spPr>
           <a:xfrm>
             <a:off x="3240000" y="2340000"/>
-            <a:ext cx="1259280" cy="359280"/>
+            <a:ext cx="1258920" cy="358920"/>
           </a:xfrm>
           <a:prstGeom prst="rect">
             <a:avLst/>
@@ -6868,7 +7193,7 @@
         <p:spPr>
           <a:xfrm>
             <a:off x="3240000" y="2880000"/>
-            <a:ext cx="1259280" cy="359280"/>
+            <a:ext cx="1258920" cy="358920"/>
           </a:xfrm>
           <a:prstGeom prst="rect">
             <a:avLst/>
@@ -6924,7 +7249,7 @@
         <p:spPr>
           <a:xfrm>
             <a:off x="3240000" y="3420000"/>
-            <a:ext cx="1259280" cy="359280"/>
+            <a:ext cx="1258920" cy="358920"/>
           </a:xfrm>
           <a:prstGeom prst="rect">
             <a:avLst/>
@@ -7096,7 +7421,7 @@
         <p:spPr>
           <a:xfrm>
             <a:off x="5220000" y="1620000"/>
-            <a:ext cx="1799280" cy="2519280"/>
+            <a:ext cx="1798920" cy="2518920"/>
           </a:xfrm>
           <a:prstGeom prst="rect">
             <a:avLst/>
@@ -7127,7 +7452,7 @@
         <p:spPr>
           <a:xfrm>
             <a:off x="5580000" y="1260000"/>
-            <a:ext cx="1079280" cy="359280"/>
+            <a:ext cx="1078920" cy="358920"/>
           </a:xfrm>
           <a:prstGeom prst="rect">
             <a:avLst/>
@@ -7183,7 +7508,7 @@
         <p:spPr>
           <a:xfrm>
             <a:off x="3060000" y="4248000"/>
-            <a:ext cx="3959280" cy="359280"/>
+            <a:ext cx="3958920" cy="358920"/>
           </a:xfrm>
           <a:prstGeom prst="rect">
             <a:avLst/>
@@ -7239,7 +7564,7 @@
         <p:spPr>
           <a:xfrm>
             <a:off x="5400000" y="1800000"/>
-            <a:ext cx="1259280" cy="359280"/>
+            <a:ext cx="1258920" cy="358920"/>
           </a:xfrm>
           <a:prstGeom prst="rect">
             <a:avLst/>
@@ -7295,7 +7620,7 @@
         <p:spPr>
           <a:xfrm>
             <a:off x="5400000" y="3420000"/>
-            <a:ext cx="1259280" cy="359280"/>
+            <a:ext cx="1258920" cy="358920"/>
           </a:xfrm>
           <a:prstGeom prst="rect">
             <a:avLst/>
@@ -7351,7 +7676,7 @@
         <p:spPr>
           <a:xfrm>
             <a:off x="5400000" y="2340000"/>
-            <a:ext cx="1259280" cy="359280"/>
+            <a:ext cx="1258920" cy="358920"/>
           </a:xfrm>
           <a:prstGeom prst="rect">
             <a:avLst/>
@@ -7523,7 +7848,7 @@
         <p:spPr>
           <a:xfrm>
             <a:off x="7920000" y="2340000"/>
-            <a:ext cx="1799280" cy="1079280"/>
+            <a:ext cx="1798920" cy="1078920"/>
           </a:xfrm>
           <a:prstGeom prst="rect">
             <a:avLst/>
@@ -7608,7 +7933,7 @@
         <p:spPr>
           <a:xfrm>
             <a:off x="8280000" y="1980000"/>
-            <a:ext cx="1079280" cy="359280"/>
+            <a:ext cx="1078920" cy="358920"/>
           </a:xfrm>
           <a:prstGeom prst="rect">
             <a:avLst/>
@@ -7664,7 +7989,7 @@
         <p:spPr>
           <a:xfrm>
             <a:off x="468000" y="4680000"/>
-            <a:ext cx="5925600" cy="611280"/>
+            <a:ext cx="5925240" cy="610920"/>
           </a:xfrm>
           <a:prstGeom prst="rect">
             <a:avLst/>
@@ -7866,7 +8191,7 @@
         <p:spPr>
           <a:xfrm>
             <a:off x="360000" y="225720"/>
-            <a:ext cx="9359280" cy="719280"/>
+            <a:ext cx="9358920" cy="718920"/>
           </a:xfrm>
           <a:prstGeom prst="rect">
             <a:avLst/>
@@ -7887,7 +8212,7 @@
             <a:noAutofit/>
           </a:bodyPr>
           <a:p>
-            <a:pPr marL="432000" indent="-323280">
+            <a:pPr marL="432000" indent="-322920">
               <a:lnSpc>
                 <a:spcPct val="100000"/>
               </a:lnSpc>
@@ -7925,8 +8250,8 @@
         </p:nvSpPr>
         <p:spPr>
           <a:xfrm rot="21590400">
-            <a:off x="180360" y="1258920"/>
-            <a:ext cx="2699280" cy="355320"/>
+            <a:off x="180360" y="1258560"/>
+            <a:ext cx="2698920" cy="354960"/>
           </a:xfrm>
           <a:prstGeom prst="rect">
             <a:avLst/>
@@ -8006,7 +8331,7 @@
         <p:spPr>
           <a:xfrm>
             <a:off x="180000" y="1800000"/>
-            <a:ext cx="2685240" cy="1313280"/>
+            <a:ext cx="2684880" cy="1312920"/>
           </a:xfrm>
           <a:prstGeom prst="rect">
             <a:avLst/>
@@ -8029,7 +8354,7 @@
         <p:spPr>
           <a:xfrm>
             <a:off x="322920" y="3246120"/>
-            <a:ext cx="1656360" cy="713160"/>
+            <a:ext cx="1656000" cy="712800"/>
           </a:xfrm>
           <a:prstGeom prst="rect">
             <a:avLst/>
@@ -8052,7 +8377,7 @@
         <p:spPr>
           <a:xfrm>
             <a:off x="2950200" y="1763640"/>
-            <a:ext cx="2809080" cy="3275640"/>
+            <a:ext cx="2808720" cy="3275280"/>
           </a:xfrm>
           <a:prstGeom prst="rect">
             <a:avLst/>
@@ -8071,7 +8396,7 @@
         <p:spPr>
           <a:xfrm>
             <a:off x="5580000" y="1620000"/>
-            <a:ext cx="4319280" cy="3419280"/>
+            <a:ext cx="4318920" cy="3418920"/>
           </a:xfrm>
           <a:prstGeom prst="rect">
             <a:avLst/>
@@ -8390,7 +8715,7 @@
         <p:spPr>
           <a:xfrm>
             <a:off x="360000" y="225720"/>
-            <a:ext cx="9359280" cy="719280"/>
+            <a:ext cx="9358920" cy="718920"/>
           </a:xfrm>
           <a:prstGeom prst="rect">
             <a:avLst/>
@@ -8411,7 +8736,7 @@
             <a:noAutofit/>
           </a:bodyPr>
           <a:p>
-            <a:pPr marL="432000" indent="-323280">
+            <a:pPr marL="432000" indent="-322920">
               <a:lnSpc>
                 <a:spcPct val="100000"/>
               </a:lnSpc>
@@ -8454,7 +8779,7 @@
         <p:spPr>
           <a:xfrm>
             <a:off x="180000" y="1548360"/>
-            <a:ext cx="7693920" cy="2950920"/>
+            <a:ext cx="7693560" cy="2950560"/>
           </a:xfrm>
           <a:prstGeom prst="rect">
             <a:avLst/>
@@ -8477,7 +8802,7 @@
         <p:spPr>
           <a:xfrm>
             <a:off x="7920000" y="1980000"/>
-            <a:ext cx="1382040" cy="2519280"/>
+            <a:ext cx="1381680" cy="2518920"/>
           </a:xfrm>
           <a:prstGeom prst="rect">
             <a:avLst/>
@@ -8526,7 +8851,7 @@
         <p:spPr>
           <a:xfrm>
             <a:off x="2700000" y="1440000"/>
-            <a:ext cx="4679280" cy="1619280"/>
+            <a:ext cx="4678920" cy="1618920"/>
           </a:xfrm>
           <a:prstGeom prst="rect">
             <a:avLst/>
@@ -8607,7 +8932,7 @@
         <p:spPr>
           <a:xfrm>
             <a:off x="360000" y="225720"/>
-            <a:ext cx="9359280" cy="719280"/>
+            <a:ext cx="9358920" cy="718920"/>
           </a:xfrm>
           <a:prstGeom prst="rect">
             <a:avLst/>
@@ -8628,58 +8953,7 @@
             <a:noAutofit/>
           </a:bodyPr>
           <a:p>
-            <a:pPr>
-              <a:lnSpc>
-                <a:spcPct val="100000"/>
-              </a:lnSpc>
-            </a:pPr>
-            <a:r>
-              <a:rPr b="1" lang="en-GB" sz="2700" spc="-1" strike="noStrike">
-                <a:solidFill>
-                  <a:srgbClr val="ffffff"/>
-                </a:solidFill>
-                <a:latin typeface="Source Sans Pro Black"/>
-                <a:ea typeface="DejaVu Sans"/>
-              </a:rPr>
-              <a:t>Appendix 1 – Test cases</a:t>
-            </a:r>
-            <a:endParaRPr b="0" lang="en-GB" sz="2700" spc="-1" strike="noStrike">
-              <a:latin typeface="Arial"/>
-            </a:endParaRPr>
-          </a:p>
-        </p:txBody>
-      </p:sp>
-      <p:sp>
-        <p:nvSpPr>
-          <p:cNvPr id="168" name=""/>
-          <p:cNvSpPr/>
-          <p:nvPr/>
-        </p:nvSpPr>
-        <p:spPr>
-          <a:xfrm>
-            <a:off x="360000" y="1485000"/>
-            <a:ext cx="9359280" cy="3779280"/>
-          </a:xfrm>
-          <a:prstGeom prst="rect">
-            <a:avLst/>
-          </a:prstGeom>
-          <a:noFill/>
-          <a:ln w="0">
-            <a:noFill/>
-          </a:ln>
-        </p:spPr>
-        <p:style>
-          <a:lnRef idx="0"/>
-          <a:fillRef idx="0"/>
-          <a:effectRef idx="0"/>
-          <a:fontRef idx="minor"/>
-        </p:style>
-        <p:txBody>
-          <a:bodyPr lIns="0" rIns="0" tIns="0" bIns="0">
-            <a:normAutofit/>
-          </a:bodyPr>
-          <a:p>
-            <a:pPr marL="432000" indent="-323280">
+            <a:pPr marL="432000" indent="-322920">
               <a:lnSpc>
                 <a:spcPct val="100000"/>
               </a:lnSpc>
@@ -8694,73 +8968,122 @@
               <a:buChar char=""/>
             </a:pPr>
             <a:r>
-              <a:rPr b="1" lang="en-GB" sz="2000" spc="-1" strike="noStrike">
-                <a:solidFill>
-                  <a:srgbClr val="2c3e50"/>
-                </a:solidFill>
-                <a:latin typeface="Source Sans Pro Semibold"/>
+              <a:rPr b="1" lang="en-GB" sz="2700" spc="-1" strike="noStrike">
+                <a:solidFill>
+                  <a:srgbClr val="ffffff"/>
+                </a:solidFill>
+                <a:latin typeface="Source Sans Pro Black"/>
                 <a:ea typeface="DejaVu Sans"/>
               </a:rPr>
-              <a:t>List of countries in countries source data. → Finland manually added in SP_DIMENSION_IMPORT for the countries dimension : DW_DIM_COUNTRY </a:t>
-            </a:r>
-            <a:endParaRPr b="0" lang="en-GB" sz="2000" spc="-1" strike="noStrike">
-              <a:latin typeface="Arial"/>
-            </a:endParaRPr>
-          </a:p>
-          <a:p>
-            <a:pPr marL="432000" indent="-323280">
-              <a:lnSpc>
-                <a:spcPct val="100000"/>
-              </a:lnSpc>
-              <a:spcAft>
-                <a:spcPts val="1057"/>
-              </a:spcAft>
-              <a:buClr>
-                <a:srgbClr val="2c3e50"/>
-              </a:buClr>
-              <a:buSzPct val="45000"/>
-              <a:buFont typeface="Wingdings" charset="2"/>
-              <a:buChar char=""/>
-            </a:pPr>
-            <a:r>
-              <a:rPr b="1" lang="en-GB" sz="2400" spc="-1" strike="noStrike">
-                <a:solidFill>
-                  <a:srgbClr val="2c3e50"/>
-                </a:solidFill>
-                <a:latin typeface="Source Sans Pro Semibold"/>
-                <a:ea typeface="DejaVu Sans"/>
-              </a:rPr>
-              <a:t> </a:t>
-            </a:r>
-            <a:endParaRPr b="0" lang="en-GB" sz="2400" spc="-1" strike="noStrike">
-              <a:latin typeface="Arial"/>
-            </a:endParaRPr>
-          </a:p>
-        </p:txBody>
-      </p:sp>
-      <p:pic>
-        <p:nvPicPr>
-          <p:cNvPr id="169" name="" descr=""/>
-          <p:cNvPicPr/>
+              <a:t>Codebase Access links</a:t>
+            </a:r>
+            <a:endParaRPr b="0" lang="en-GB" sz="2700" spc="-1" strike="noStrike">
+              <a:latin typeface="Arial"/>
+            </a:endParaRPr>
+          </a:p>
+        </p:txBody>
+      </p:sp>
+      <p:sp>
+        <p:nvSpPr>
+          <p:cNvPr id="168" name=""/>
+          <p:cNvSpPr txBox="1"/>
           <p:nvPr/>
-        </p:nvPicPr>
-        <p:blipFill>
-          <a:blip r:embed="rId1"/>
-          <a:stretch/>
-        </p:blipFill>
-        <p:spPr>
-          <a:xfrm>
-            <a:off x="720000" y="2217240"/>
-            <a:ext cx="5581080" cy="3047040"/>
-          </a:xfrm>
-          <a:prstGeom prst="rect">
-            <a:avLst/>
-          </a:prstGeom>
-          <a:ln w="10800">
+        </p:nvSpPr>
+        <p:spPr>
+          <a:xfrm>
+            <a:off x="82800" y="1889640"/>
+            <a:ext cx="9905400" cy="2138040"/>
+          </a:xfrm>
+          <a:prstGeom prst="rect">
+            <a:avLst/>
+          </a:prstGeom>
+          <a:noFill/>
+          <a:ln w="0">
             <a:noFill/>
           </a:ln>
         </p:spPr>
-      </p:pic>
+        <p:txBody>
+          <a:bodyPr lIns="90000" rIns="90000" tIns="45000" bIns="45000">
+            <a:noAutofit/>
+          </a:bodyPr>
+          <a:p>
+            <a:r>
+              <a:rPr b="0" lang="en-GB" sz="1800" spc="-1" strike="noStrike">
+                <a:latin typeface="Arial"/>
+              </a:rPr>
+              <a:t>Backup Sample data</a:t>
+            </a:r>
+            <a:endParaRPr b="0" lang="en-GB" sz="1800" spc="-1" strike="noStrike">
+              <a:latin typeface="Arial"/>
+            </a:endParaRPr>
+          </a:p>
+          <a:p>
+            <a:r>
+              <a:rPr b="0" lang="en-GB" sz="1800" spc="-1" strike="noStrike">
+                <a:latin typeface="Arial"/>
+              </a:rPr>
+              <a:t>https://drive.google.com/file/d/1VWOya_LqnpVCqKHusGZXmGQAcJOYCniG/view?usp=sharing</a:t>
+            </a:r>
+            <a:endParaRPr b="0" lang="en-GB" sz="1800" spc="-1" strike="noStrike">
+              <a:latin typeface="Arial"/>
+            </a:endParaRPr>
+          </a:p>
+          <a:p>
+            <a:endParaRPr b="0" lang="en-GB" sz="1800" spc="-1" strike="noStrike">
+              <a:latin typeface="Arial"/>
+            </a:endParaRPr>
+          </a:p>
+          <a:p>
+            <a:r>
+              <a:rPr b="0" lang="en-GB" sz="1800" spc="-1" strike="noStrike">
+                <a:latin typeface="Arial"/>
+              </a:rPr>
+              <a:t>Backup SQL Server Database link: </a:t>
+            </a:r>
+            <a:endParaRPr b="0" lang="en-GB" sz="1800" spc="-1" strike="noStrike">
+              <a:latin typeface="Arial"/>
+            </a:endParaRPr>
+          </a:p>
+          <a:p>
+            <a:r>
+              <a:rPr b="0" lang="en-GB" sz="1800" spc="-1" strike="noStrike">
+                <a:latin typeface="Arial"/>
+              </a:rPr>
+              <a:t>https://drive.google.com/file/d/14p87g9kVZGMRZiS7Y_DVbpvLkcV4dj47/view?usp=sharing</a:t>
+            </a:r>
+            <a:endParaRPr b="0" lang="en-GB" sz="1800" spc="-1" strike="noStrike">
+              <a:latin typeface="Arial"/>
+            </a:endParaRPr>
+          </a:p>
+          <a:p>
+            <a:endParaRPr b="0" lang="en-GB" sz="1800" spc="-1" strike="noStrike">
+              <a:latin typeface="Arial"/>
+            </a:endParaRPr>
+          </a:p>
+          <a:p>
+            <a:r>
+              <a:rPr b="0" lang="en-GB" sz="1800" spc="-1" strike="noStrike">
+                <a:latin typeface="Arial"/>
+              </a:rPr>
+              <a:t>Codebase repository on GITHUB</a:t>
+            </a:r>
+            <a:endParaRPr b="0" lang="en-GB" sz="1800" spc="-1" strike="noStrike">
+              <a:latin typeface="Arial"/>
+            </a:endParaRPr>
+          </a:p>
+          <a:p>
+            <a:r>
+              <a:rPr b="0" lang="en-GB" sz="1800" spc="-1" strike="noStrike">
+                <a:latin typeface="Arial"/>
+              </a:rPr>
+              <a:t>https://github.com/hanuseew/MCBAssignment.git</a:t>
+            </a:r>
+            <a:endParaRPr b="0" lang="en-GB" sz="1800" spc="-1" strike="noStrike">
+              <a:latin typeface="Arial"/>
+            </a:endParaRPr>
+          </a:p>
+        </p:txBody>
+      </p:sp>
     </p:spTree>
   </p:cSld>
   <mc:AlternateContent>
@@ -8793,14 +9116,14 @@
       </p:grpSpPr>
       <p:sp>
         <p:nvSpPr>
-          <p:cNvPr id="170" name=""/>
+          <p:cNvPr id="169" name=""/>
           <p:cNvSpPr/>
           <p:nvPr/>
         </p:nvSpPr>
         <p:spPr>
           <a:xfrm>
             <a:off x="360000" y="225720"/>
-            <a:ext cx="9359280" cy="719280"/>
+            <a:ext cx="9358920" cy="718920"/>
           </a:xfrm>
           <a:prstGeom prst="rect">
             <a:avLst/>
@@ -8834,7 +9157,7 @@
                 <a:latin typeface="Source Sans Pro Black"/>
                 <a:ea typeface="DejaVu Sans"/>
               </a:rPr>
-              <a:t>Appendix 2 – Source Data check for KPIs for one country - Australia</a:t>
+              <a:t>Appendix 1 – Test cases</a:t>
             </a:r>
             <a:endParaRPr b="0" lang="en-GB" sz="2700" spc="-1" strike="noStrike">
               <a:latin typeface="Arial"/>
@@ -8844,14 +9167,14 @@
       </p:sp>
       <p:sp>
         <p:nvSpPr>
-          <p:cNvPr id="171" name=""/>
+          <p:cNvPr id="170" name=""/>
           <p:cNvSpPr/>
           <p:nvPr/>
         </p:nvSpPr>
         <p:spPr>
           <a:xfrm>
             <a:off x="360000" y="1485000"/>
-            <a:ext cx="9359280" cy="3779280"/>
+            <a:ext cx="9358920" cy="3778920"/>
           </a:xfrm>
           <a:prstGeom prst="rect">
             <a:avLst/>
@@ -8872,7 +9195,7 @@
             <a:normAutofit/>
           </a:bodyPr>
           <a:p>
-            <a:pPr marL="432000" indent="-323280">
+            <a:pPr marL="432000" indent="-322920">
               <a:lnSpc>
                 <a:spcPct val="100000"/>
               </a:lnSpc>
@@ -8894,14 +9217,14 @@
                 <a:latin typeface="Source Sans Pro Semibold"/>
                 <a:ea typeface="DejaVu Sans"/>
               </a:rPr>
-              <a:t>Data extract as per the source file: </a:t>
+              <a:t>List of countries in countries source data. → Finland manually added in SP_DIMENSION_IMPORT for the countries dimension : DW_DIM_COUNTRY </a:t>
             </a:r>
             <a:endParaRPr b="0" lang="en-GB" sz="2000" spc="-1" strike="noStrike">
               <a:latin typeface="Arial"/>
             </a:endParaRPr>
           </a:p>
           <a:p>
-            <a:pPr marL="432000" indent="-323280">
+            <a:pPr marL="432000" indent="-322920">
               <a:lnSpc>
                 <a:spcPct val="100000"/>
               </a:lnSpc>
@@ -8916,626 +9239,16 @@
               <a:buChar char=""/>
             </a:pPr>
             <a:r>
-              <a:rPr b="1" lang="en-GB" sz="950" spc="-1" strike="noStrike">
-                <a:solidFill>
-                  <a:srgbClr val="0000ff"/>
-                </a:solidFill>
-                <a:latin typeface="Consolas"/>
-                <a:ea typeface="Consolas"/>
-              </a:rPr>
-              <a:t>SELECT</a:t>
-            </a:r>
-            <a:r>
-              <a:rPr b="1" lang="en-GB" sz="950" spc="-1" strike="noStrike">
-                <a:solidFill>
-                  <a:srgbClr val="000000"/>
-                </a:solidFill>
-                <a:latin typeface="Consolas"/>
-                <a:ea typeface="Consolas"/>
-              </a:rPr>
-              <a:t> CountryCode</a:t>
-            </a:r>
-            <a:r>
-              <a:rPr b="1" lang="en-GB" sz="950" spc="-1" strike="noStrike">
-                <a:solidFill>
-                  <a:srgbClr val="808080"/>
-                </a:solidFill>
-                <a:latin typeface="Consolas"/>
-                <a:ea typeface="Consolas"/>
-              </a:rPr>
-              <a:t>,</a:t>
-            </a:r>
-            <a:r>
-              <a:rPr b="1" lang="en-GB" sz="950" spc="-1" strike="noStrike">
-                <a:solidFill>
-                  <a:srgbClr val="000000"/>
-                </a:solidFill>
-                <a:latin typeface="Consolas"/>
-                <a:ea typeface="Consolas"/>
-              </a:rPr>
-              <a:t> CountryName</a:t>
-            </a:r>
-            <a:r>
-              <a:rPr b="1" lang="en-GB" sz="950" spc="-1" strike="noStrike">
-                <a:solidFill>
-                  <a:srgbClr val="808080"/>
-                </a:solidFill>
-                <a:latin typeface="Consolas"/>
-                <a:ea typeface="Consolas"/>
-              </a:rPr>
-              <a:t>,</a:t>
-            </a:r>
-            <a:r>
-              <a:rPr b="1" lang="en-GB" sz="950" spc="-1" strike="noStrike">
-                <a:solidFill>
-                  <a:srgbClr val="000000"/>
-                </a:solidFill>
-                <a:latin typeface="Consolas"/>
-                <a:ea typeface="Consolas"/>
-              </a:rPr>
-              <a:t> IndicatorCode</a:t>
-            </a:r>
-            <a:r>
-              <a:rPr b="1" lang="en-GB" sz="950" spc="-1" strike="noStrike">
-                <a:solidFill>
-                  <a:srgbClr val="808080"/>
-                </a:solidFill>
-                <a:latin typeface="Consolas"/>
-                <a:ea typeface="Consolas"/>
-              </a:rPr>
-              <a:t>,</a:t>
-            </a:r>
-            <a:r>
-              <a:rPr b="1" lang="en-GB" sz="950" spc="-1" strike="noStrike">
-                <a:solidFill>
-                  <a:srgbClr val="000000"/>
-                </a:solidFill>
-                <a:latin typeface="Consolas"/>
-                <a:ea typeface="Consolas"/>
-              </a:rPr>
-              <a:t> IndicatorName</a:t>
-            </a:r>
-            <a:r>
-              <a:rPr b="1" lang="en-GB" sz="950" spc="-1" strike="noStrike">
-                <a:solidFill>
-                  <a:srgbClr val="808080"/>
-                </a:solidFill>
-                <a:latin typeface="Consolas"/>
-                <a:ea typeface="Consolas"/>
-              </a:rPr>
-              <a:t>,</a:t>
-            </a:r>
-            <a:r>
-              <a:rPr b="1" lang="en-GB" sz="950" spc="-1" strike="noStrike">
-                <a:solidFill>
-                  <a:srgbClr val="000000"/>
-                </a:solidFill>
-                <a:latin typeface="Consolas"/>
-                <a:ea typeface="Consolas"/>
-              </a:rPr>
-              <a:t>  YR2010</a:t>
-            </a:r>
-            <a:r>
-              <a:rPr b="1" lang="en-GB" sz="950" spc="-1" strike="noStrike">
-                <a:solidFill>
-                  <a:srgbClr val="808080"/>
-                </a:solidFill>
-                <a:latin typeface="Consolas"/>
-                <a:ea typeface="Consolas"/>
-              </a:rPr>
-              <a:t>,</a:t>
-            </a:r>
-            <a:r>
-              <a:rPr b="1" lang="en-GB" sz="950" spc="-1" strike="noStrike">
-                <a:solidFill>
-                  <a:srgbClr val="000000"/>
-                </a:solidFill>
-                <a:latin typeface="Consolas"/>
-                <a:ea typeface="Consolas"/>
-              </a:rPr>
-              <a:t> YR2011</a:t>
-            </a:r>
-            <a:r>
-              <a:rPr b="1" lang="en-GB" sz="950" spc="-1" strike="noStrike">
-                <a:solidFill>
-                  <a:srgbClr val="808080"/>
-                </a:solidFill>
-                <a:latin typeface="Consolas"/>
-                <a:ea typeface="Consolas"/>
-              </a:rPr>
-              <a:t>,</a:t>
-            </a:r>
-            <a:r>
-              <a:rPr b="1" lang="en-GB" sz="950" spc="-1" strike="noStrike">
-                <a:solidFill>
-                  <a:srgbClr val="000000"/>
-                </a:solidFill>
-                <a:latin typeface="Consolas"/>
-                <a:ea typeface="Consolas"/>
-              </a:rPr>
-              <a:t> YR2012</a:t>
-            </a:r>
-            <a:r>
-              <a:rPr b="1" lang="en-GB" sz="950" spc="-1" strike="noStrike">
-                <a:solidFill>
-                  <a:srgbClr val="808080"/>
-                </a:solidFill>
-                <a:latin typeface="Consolas"/>
-                <a:ea typeface="Consolas"/>
-              </a:rPr>
-              <a:t>,</a:t>
-            </a:r>
-            <a:r>
-              <a:rPr b="1" lang="en-GB" sz="950" spc="-1" strike="noStrike">
-                <a:solidFill>
-                  <a:srgbClr val="000000"/>
-                </a:solidFill>
-                <a:latin typeface="Consolas"/>
-                <a:ea typeface="Consolas"/>
-              </a:rPr>
-              <a:t> YR2013</a:t>
-            </a:r>
-            <a:r>
-              <a:rPr b="1" lang="en-GB" sz="950" spc="-1" strike="noStrike">
-                <a:solidFill>
-                  <a:srgbClr val="808080"/>
-                </a:solidFill>
-                <a:latin typeface="Consolas"/>
-                <a:ea typeface="Consolas"/>
-              </a:rPr>
-              <a:t>,</a:t>
-            </a:r>
-            <a:r>
-              <a:rPr b="1" lang="en-GB" sz="950" spc="-1" strike="noStrike">
-                <a:solidFill>
-                  <a:srgbClr val="000000"/>
-                </a:solidFill>
-                <a:latin typeface="Consolas"/>
-                <a:ea typeface="Consolas"/>
-              </a:rPr>
-              <a:t> YR2014</a:t>
-            </a:r>
-            <a:r>
-              <a:rPr b="1" lang="en-GB" sz="950" spc="-1" strike="noStrike">
-                <a:solidFill>
-                  <a:srgbClr val="808080"/>
-                </a:solidFill>
-                <a:latin typeface="Consolas"/>
-                <a:ea typeface="Consolas"/>
-              </a:rPr>
-              <a:t>,</a:t>
-            </a:r>
-            <a:r>
-              <a:rPr b="1" lang="en-GB" sz="950" spc="-1" strike="noStrike">
-                <a:solidFill>
-                  <a:srgbClr val="000000"/>
-                </a:solidFill>
-                <a:latin typeface="Consolas"/>
-                <a:ea typeface="Consolas"/>
-              </a:rPr>
-              <a:t> YR2015</a:t>
-            </a:r>
-            <a:r>
-              <a:rPr b="1" lang="en-GB" sz="950" spc="-1" strike="noStrike">
-                <a:solidFill>
-                  <a:srgbClr val="808080"/>
-                </a:solidFill>
-                <a:latin typeface="Consolas"/>
-                <a:ea typeface="Consolas"/>
-              </a:rPr>
-              <a:t>,</a:t>
-            </a:r>
-            <a:r>
-              <a:rPr b="1" lang="en-GB" sz="950" spc="-1" strike="noStrike">
-                <a:solidFill>
-                  <a:srgbClr val="000000"/>
-                </a:solidFill>
-                <a:latin typeface="Consolas"/>
-                <a:ea typeface="Consolas"/>
-              </a:rPr>
-              <a:t> YR2016</a:t>
-            </a:r>
-            <a:r>
-              <a:rPr b="1" lang="en-GB" sz="950" spc="-1" strike="noStrike">
-                <a:solidFill>
-                  <a:srgbClr val="808080"/>
-                </a:solidFill>
-                <a:latin typeface="Consolas"/>
-                <a:ea typeface="Consolas"/>
-              </a:rPr>
-              <a:t>,</a:t>
-            </a:r>
-            <a:r>
-              <a:rPr b="1" lang="en-GB" sz="950" spc="-1" strike="noStrike">
-                <a:solidFill>
-                  <a:srgbClr val="000000"/>
-                </a:solidFill>
-                <a:latin typeface="Consolas"/>
-                <a:ea typeface="Consolas"/>
-              </a:rPr>
-              <a:t> YR2017</a:t>
-            </a:r>
-            <a:r>
-              <a:rPr b="1" lang="en-GB" sz="950" spc="-1" strike="noStrike">
-                <a:solidFill>
-                  <a:srgbClr val="808080"/>
-                </a:solidFill>
-                <a:latin typeface="Consolas"/>
-                <a:ea typeface="Consolas"/>
-              </a:rPr>
-              <a:t>,</a:t>
-            </a:r>
-            <a:r>
-              <a:rPr b="1" lang="en-GB" sz="950" spc="-1" strike="noStrike">
-                <a:solidFill>
-                  <a:srgbClr val="000000"/>
-                </a:solidFill>
-                <a:latin typeface="Consolas"/>
-                <a:ea typeface="Consolas"/>
-              </a:rPr>
-              <a:t> YR2018</a:t>
-            </a:r>
-            <a:r>
-              <a:rPr b="1" lang="en-GB" sz="950" spc="-1" strike="noStrike">
-                <a:solidFill>
-                  <a:srgbClr val="808080"/>
-                </a:solidFill>
-                <a:latin typeface="Consolas"/>
-                <a:ea typeface="Consolas"/>
-              </a:rPr>
-              <a:t>,</a:t>
-            </a:r>
-            <a:r>
-              <a:rPr b="1" lang="en-GB" sz="950" spc="-1" strike="noStrike">
-                <a:solidFill>
-                  <a:srgbClr val="000000"/>
-                </a:solidFill>
-                <a:latin typeface="Consolas"/>
-                <a:ea typeface="Consolas"/>
-              </a:rPr>
-              <a:t> YR2019</a:t>
-            </a:r>
-            <a:r>
-              <a:rPr b="1" lang="en-GB" sz="950" spc="-1" strike="noStrike">
-                <a:solidFill>
-                  <a:srgbClr val="808080"/>
-                </a:solidFill>
-                <a:latin typeface="Consolas"/>
-                <a:ea typeface="Consolas"/>
-              </a:rPr>
-              <a:t>,</a:t>
-            </a:r>
-            <a:r>
-              <a:rPr b="1" lang="en-GB" sz="950" spc="-1" strike="noStrike">
-                <a:solidFill>
-                  <a:srgbClr val="000000"/>
-                </a:solidFill>
-                <a:latin typeface="Consolas"/>
-                <a:ea typeface="Consolas"/>
-              </a:rPr>
-              <a:t> YR2020</a:t>
-            </a:r>
-            <a:endParaRPr b="0" lang="en-GB" sz="950" spc="-1" strike="noStrike">
-              <a:latin typeface="Arial"/>
-            </a:endParaRPr>
-          </a:p>
-          <a:p>
-            <a:pPr>
-              <a:lnSpc>
-                <a:spcPct val="100000"/>
-              </a:lnSpc>
-            </a:pPr>
-            <a:r>
-              <a:rPr b="1" lang="en-GB" sz="950" spc="-1" strike="noStrike">
-                <a:solidFill>
-                  <a:srgbClr val="0000ff"/>
-                </a:solidFill>
-                <a:latin typeface="Consolas"/>
-                <a:ea typeface="Consolas"/>
-              </a:rPr>
-              <a:t>FROM</a:t>
-            </a:r>
-            <a:r>
-              <a:rPr b="1" lang="en-GB" sz="950" spc="-1" strike="noStrike">
-                <a:solidFill>
-                  <a:srgbClr val="000000"/>
-                </a:solidFill>
-                <a:latin typeface="Consolas"/>
-                <a:ea typeface="Consolas"/>
-              </a:rPr>
-              <a:t> STG_WDIDATA </a:t>
-            </a:r>
-            <a:r>
-              <a:rPr b="1" lang="en-GB" sz="950" spc="-1" strike="noStrike">
-                <a:solidFill>
-                  <a:srgbClr val="0000ff"/>
-                </a:solidFill>
-                <a:latin typeface="Consolas"/>
-                <a:ea typeface="Consolas"/>
-              </a:rPr>
-              <a:t>WHERE</a:t>
-            </a:r>
-            <a:r>
-              <a:rPr b="1" lang="en-GB" sz="950" spc="-1" strike="noStrike">
-                <a:solidFill>
-                  <a:srgbClr val="000000"/>
-                </a:solidFill>
-                <a:latin typeface="Consolas"/>
-                <a:ea typeface="Consolas"/>
-              </a:rPr>
-              <a:t> CountryCode </a:t>
-            </a:r>
-            <a:r>
-              <a:rPr b="1" lang="en-GB" sz="950" spc="-1" strike="noStrike">
-                <a:solidFill>
-                  <a:srgbClr val="808080"/>
-                </a:solidFill>
-                <a:latin typeface="Consolas"/>
-                <a:ea typeface="Consolas"/>
-              </a:rPr>
-              <a:t>=</a:t>
-            </a:r>
-            <a:r>
-              <a:rPr b="1" lang="en-GB" sz="950" spc="-1" strike="noStrike">
-                <a:solidFill>
-                  <a:srgbClr val="000000"/>
-                </a:solidFill>
-                <a:latin typeface="Consolas"/>
-                <a:ea typeface="Consolas"/>
+              <a:rPr b="1" lang="en-GB" sz="2400" spc="-1" strike="noStrike">
+                <a:solidFill>
+                  <a:srgbClr val="2c3e50"/>
+                </a:solidFill>
+                <a:latin typeface="Source Sans Pro Semibold"/>
+                <a:ea typeface="DejaVu Sans"/>
               </a:rPr>
               <a:t> </a:t>
             </a:r>
-            <a:r>
-              <a:rPr b="1" lang="en-GB" sz="950" spc="-1" strike="noStrike">
-                <a:solidFill>
-                  <a:srgbClr val="ff0000"/>
-                </a:solidFill>
-                <a:latin typeface="Consolas"/>
-                <a:ea typeface="Consolas"/>
-              </a:rPr>
-              <a:t>'AUS'</a:t>
-            </a:r>
-            <a:endParaRPr b="0" lang="en-GB" sz="950" spc="-1" strike="noStrike">
-              <a:latin typeface="Arial"/>
-            </a:endParaRPr>
-          </a:p>
-          <a:p>
-            <a:pPr>
-              <a:lnSpc>
-                <a:spcPct val="100000"/>
-              </a:lnSpc>
-            </a:pPr>
-            <a:r>
-              <a:rPr b="1" lang="en-GB" sz="950" spc="-1" strike="noStrike">
-                <a:solidFill>
-                  <a:srgbClr val="808080"/>
-                </a:solidFill>
-                <a:latin typeface="Consolas"/>
-                <a:ea typeface="Consolas"/>
-              </a:rPr>
-              <a:t>and</a:t>
-            </a:r>
-            <a:r>
-              <a:rPr b="1" lang="en-GB" sz="950" spc="-1" strike="noStrike">
-                <a:solidFill>
-                  <a:srgbClr val="000000"/>
-                </a:solidFill>
-                <a:latin typeface="Consolas"/>
-                <a:ea typeface="Consolas"/>
-              </a:rPr>
-              <a:t> IndicatorCode </a:t>
-            </a:r>
-            <a:r>
-              <a:rPr b="1" lang="en-GB" sz="950" spc="-1" strike="noStrike">
-                <a:solidFill>
-                  <a:srgbClr val="808080"/>
-                </a:solidFill>
-                <a:latin typeface="Consolas"/>
-                <a:ea typeface="Consolas"/>
-              </a:rPr>
-              <a:t>IN</a:t>
-            </a:r>
-            <a:r>
-              <a:rPr b="1" lang="en-GB" sz="950" spc="-1" strike="noStrike">
-                <a:solidFill>
-                  <a:srgbClr val="0000ff"/>
-                </a:solidFill>
-                <a:latin typeface="Consolas"/>
-                <a:ea typeface="Consolas"/>
-              </a:rPr>
-              <a:t> </a:t>
-            </a:r>
-            <a:r>
-              <a:rPr b="1" lang="en-GB" sz="950" spc="-1" strike="noStrike">
-                <a:solidFill>
-                  <a:srgbClr val="808080"/>
-                </a:solidFill>
-                <a:latin typeface="Consolas"/>
-                <a:ea typeface="Consolas"/>
-              </a:rPr>
-              <a:t>(</a:t>
-            </a:r>
-            <a:endParaRPr b="0" lang="en-GB" sz="950" spc="-1" strike="noStrike">
-              <a:latin typeface="Arial"/>
-            </a:endParaRPr>
-          </a:p>
-          <a:p>
-            <a:pPr>
-              <a:lnSpc>
-                <a:spcPct val="100000"/>
-              </a:lnSpc>
-            </a:pPr>
-            <a:r>
-              <a:rPr b="1" lang="en-GB" sz="950" spc="-1" strike="noStrike">
-                <a:solidFill>
-                  <a:srgbClr val="ff0000"/>
-                </a:solidFill>
-                <a:latin typeface="Consolas"/>
-                <a:ea typeface="Consolas"/>
-              </a:rPr>
-              <a:t>'ER.FSH.PROD.MT'</a:t>
-            </a:r>
-            <a:r>
-              <a:rPr b="1" lang="en-GB" sz="950" spc="-1" strike="noStrike">
-                <a:solidFill>
-                  <a:srgbClr val="808080"/>
-                </a:solidFill>
-                <a:latin typeface="Consolas"/>
-                <a:ea typeface="Consolas"/>
-              </a:rPr>
-              <a:t>,</a:t>
-            </a:r>
-            <a:endParaRPr b="0" lang="en-GB" sz="950" spc="-1" strike="noStrike">
-              <a:latin typeface="Arial"/>
-            </a:endParaRPr>
-          </a:p>
-          <a:p>
-            <a:pPr>
-              <a:lnSpc>
-                <a:spcPct val="100000"/>
-              </a:lnSpc>
-            </a:pPr>
-            <a:r>
-              <a:rPr b="1" lang="en-GB" sz="950" spc="-1" strike="noStrike">
-                <a:solidFill>
-                  <a:srgbClr val="ff0000"/>
-                </a:solidFill>
-                <a:latin typeface="Consolas"/>
-                <a:ea typeface="Consolas"/>
-              </a:rPr>
-              <a:t>'AG.LND.AGRI.K2'</a:t>
-            </a:r>
-            <a:r>
-              <a:rPr b="1" lang="en-GB" sz="950" spc="-1" strike="noStrike">
-                <a:solidFill>
-                  <a:srgbClr val="808080"/>
-                </a:solidFill>
-                <a:latin typeface="Consolas"/>
-                <a:ea typeface="Consolas"/>
-              </a:rPr>
-              <a:t>,</a:t>
-            </a:r>
-            <a:endParaRPr b="0" lang="en-GB" sz="950" spc="-1" strike="noStrike">
-              <a:latin typeface="Arial"/>
-            </a:endParaRPr>
-          </a:p>
-          <a:p>
-            <a:pPr>
-              <a:lnSpc>
-                <a:spcPct val="100000"/>
-              </a:lnSpc>
-            </a:pPr>
-            <a:r>
-              <a:rPr b="1" lang="en-GB" sz="950" spc="-1" strike="noStrike">
-                <a:solidFill>
-                  <a:srgbClr val="ff0000"/>
-                </a:solidFill>
-                <a:latin typeface="Consolas"/>
-                <a:ea typeface="Consolas"/>
-              </a:rPr>
-              <a:t>'IC.REG.DURS'</a:t>
-            </a:r>
-            <a:r>
-              <a:rPr b="1" lang="en-GB" sz="950" spc="-1" strike="noStrike">
-                <a:solidFill>
-                  <a:srgbClr val="808080"/>
-                </a:solidFill>
-                <a:latin typeface="Consolas"/>
-                <a:ea typeface="Consolas"/>
-              </a:rPr>
-              <a:t>,</a:t>
-            </a:r>
-            <a:endParaRPr b="0" lang="en-GB" sz="950" spc="-1" strike="noStrike">
-              <a:latin typeface="Arial"/>
-            </a:endParaRPr>
-          </a:p>
-          <a:p>
-            <a:pPr>
-              <a:lnSpc>
-                <a:spcPct val="100000"/>
-              </a:lnSpc>
-            </a:pPr>
-            <a:r>
-              <a:rPr b="1" lang="en-GB" sz="950" spc="-1" strike="noStrike">
-                <a:solidFill>
-                  <a:srgbClr val="ff0000"/>
-                </a:solidFill>
-                <a:latin typeface="Consolas"/>
-                <a:ea typeface="Consolas"/>
-              </a:rPr>
-              <a:t>'IC.BUS.NREG'</a:t>
-            </a:r>
-            <a:r>
-              <a:rPr b="1" lang="en-GB" sz="950" spc="-1" strike="noStrike">
-                <a:solidFill>
-                  <a:srgbClr val="808080"/>
-                </a:solidFill>
-                <a:latin typeface="Consolas"/>
-                <a:ea typeface="Consolas"/>
-              </a:rPr>
-              <a:t>,</a:t>
-            </a:r>
-            <a:endParaRPr b="0" lang="en-GB" sz="950" spc="-1" strike="noStrike">
-              <a:latin typeface="Arial"/>
-            </a:endParaRPr>
-          </a:p>
-          <a:p>
-            <a:pPr>
-              <a:lnSpc>
-                <a:spcPct val="100000"/>
-              </a:lnSpc>
-            </a:pPr>
-            <a:r>
-              <a:rPr b="1" lang="en-GB" sz="950" spc="-1" strike="noStrike">
-                <a:solidFill>
-                  <a:srgbClr val="ff0000"/>
-                </a:solidFill>
-                <a:latin typeface="Consolas"/>
-                <a:ea typeface="Consolas"/>
-              </a:rPr>
-              <a:t>'SL.AGR.EMPL.ZS'</a:t>
-            </a:r>
-            <a:r>
-              <a:rPr b="1" lang="en-GB" sz="950" spc="-1" strike="noStrike">
-                <a:solidFill>
-                  <a:srgbClr val="808080"/>
-                </a:solidFill>
-                <a:latin typeface="Consolas"/>
-                <a:ea typeface="Consolas"/>
-              </a:rPr>
-              <a:t>,</a:t>
-            </a:r>
-            <a:endParaRPr b="0" lang="en-GB" sz="950" spc="-1" strike="noStrike">
-              <a:latin typeface="Arial"/>
-            </a:endParaRPr>
-          </a:p>
-          <a:p>
-            <a:pPr>
-              <a:lnSpc>
-                <a:spcPct val="100000"/>
-              </a:lnSpc>
-            </a:pPr>
-            <a:r>
-              <a:rPr b="1" lang="en-GB" sz="950" spc="-1" strike="noStrike">
-                <a:solidFill>
-                  <a:srgbClr val="ff0000"/>
-                </a:solidFill>
-                <a:latin typeface="Consolas"/>
-                <a:ea typeface="Consolas"/>
-              </a:rPr>
-              <a:t>'SL.EMP.SELF.ZS'</a:t>
-            </a:r>
-            <a:r>
-              <a:rPr b="1" lang="en-GB" sz="950" spc="-1" strike="noStrike">
-                <a:solidFill>
-                  <a:srgbClr val="808080"/>
-                </a:solidFill>
-                <a:latin typeface="Consolas"/>
-                <a:ea typeface="Consolas"/>
-              </a:rPr>
-              <a:t>);</a:t>
-            </a:r>
-            <a:endParaRPr b="0" lang="en-GB" sz="950" spc="-1" strike="noStrike">
+            <a:endParaRPr b="0" lang="en-GB" sz="2400" spc="-1" strike="noStrike">
               <a:latin typeface="Arial"/>
             </a:endParaRPr>
           </a:p>
@@ -9543,7 +9256,7 @@
       </p:sp>
       <p:pic>
         <p:nvPicPr>
-          <p:cNvPr id="172" name="" descr=""/>
+          <p:cNvPr id="171" name="" descr=""/>
           <p:cNvPicPr/>
           <p:nvPr/>
         </p:nvPicPr>
@@ -9553,31 +9266,8 @@
         </p:blipFill>
         <p:spPr>
           <a:xfrm>
-            <a:off x="1980000" y="2520000"/>
-            <a:ext cx="7841880" cy="1451520"/>
-          </a:xfrm>
-          <a:prstGeom prst="rect">
-            <a:avLst/>
-          </a:prstGeom>
-          <a:ln w="10800">
-            <a:noFill/>
-          </a:ln>
-        </p:spPr>
-      </p:pic>
-      <p:pic>
-        <p:nvPicPr>
-          <p:cNvPr id="173" name="" descr=""/>
-          <p:cNvPicPr/>
-          <p:nvPr/>
-        </p:nvPicPr>
-        <p:blipFill>
-          <a:blip r:embed="rId2"/>
-          <a:stretch/>
-        </p:blipFill>
-        <p:spPr>
-          <a:xfrm>
-            <a:off x="1980000" y="3972240"/>
-            <a:ext cx="7469280" cy="1243800"/>
+            <a:off x="720000" y="2217240"/>
+            <a:ext cx="5580720" cy="3046680"/>
           </a:xfrm>
           <a:prstGeom prst="rect">
             <a:avLst/>
@@ -9619,14 +9309,14 @@
       </p:grpSpPr>
       <p:sp>
         <p:nvSpPr>
-          <p:cNvPr id="174" name=""/>
+          <p:cNvPr id="172" name=""/>
           <p:cNvSpPr/>
           <p:nvPr/>
         </p:nvSpPr>
         <p:spPr>
           <a:xfrm>
             <a:off x="360000" y="225720"/>
-            <a:ext cx="9359280" cy="719280"/>
+            <a:ext cx="9358920" cy="718920"/>
           </a:xfrm>
           <a:prstGeom prst="rect">
             <a:avLst/>
@@ -9660,7 +9350,7 @@
                 <a:latin typeface="Source Sans Pro Black"/>
                 <a:ea typeface="DejaVu Sans"/>
               </a:rPr>
-              <a:t>Appendix 3 – DWH Data check for KPIs for one country – Australia</a:t>
+              <a:t>Appendix 2 – Source Data check for KPIs for one country - Australia</a:t>
             </a:r>
             <a:endParaRPr b="0" lang="en-GB" sz="2700" spc="-1" strike="noStrike">
               <a:latin typeface="Arial"/>
@@ -9670,14 +9360,14 @@
       </p:sp>
       <p:sp>
         <p:nvSpPr>
-          <p:cNvPr id="175" name=""/>
+          <p:cNvPr id="173" name=""/>
           <p:cNvSpPr/>
           <p:nvPr/>
         </p:nvSpPr>
         <p:spPr>
           <a:xfrm>
             <a:off x="360000" y="1485000"/>
-            <a:ext cx="9359280" cy="3779280"/>
+            <a:ext cx="9358920" cy="3778920"/>
           </a:xfrm>
           <a:prstGeom prst="rect">
             <a:avLst/>
@@ -9698,7 +9388,7 @@
             <a:normAutofit/>
           </a:bodyPr>
           <a:p>
-            <a:pPr marL="432000" indent="-323280">
+            <a:pPr marL="432000" indent="-322920">
               <a:lnSpc>
                 <a:spcPct val="100000"/>
               </a:lnSpc>
@@ -9720,9 +9410,328 @@
                 <a:latin typeface="Source Sans Pro Semibold"/>
                 <a:ea typeface="DejaVu Sans"/>
               </a:rPr>
-              <a:t>Data extract as per data warehouse : (Data warehouse initialized as from Yr. 2010)</a:t>
+              <a:t>Data extract as per the source file: </a:t>
             </a:r>
             <a:endParaRPr b="0" lang="en-GB" sz="2000" spc="-1" strike="noStrike">
+              <a:latin typeface="Arial"/>
+            </a:endParaRPr>
+          </a:p>
+          <a:p>
+            <a:pPr marL="432000" indent="-322920">
+              <a:lnSpc>
+                <a:spcPct val="100000"/>
+              </a:lnSpc>
+              <a:spcAft>
+                <a:spcPts val="1057"/>
+              </a:spcAft>
+              <a:buClr>
+                <a:srgbClr val="2c3e50"/>
+              </a:buClr>
+              <a:buSzPct val="45000"/>
+              <a:buFont typeface="Wingdings" charset="2"/>
+              <a:buChar char=""/>
+            </a:pPr>
+            <a:r>
+              <a:rPr b="1" lang="en-GB" sz="950" spc="-1" strike="noStrike">
+                <a:solidFill>
+                  <a:srgbClr val="0000ff"/>
+                </a:solidFill>
+                <a:latin typeface="Consolas"/>
+                <a:ea typeface="Consolas"/>
+              </a:rPr>
+              <a:t>SELECT</a:t>
+            </a:r>
+            <a:r>
+              <a:rPr b="1" lang="en-GB" sz="950" spc="-1" strike="noStrike">
+                <a:solidFill>
+                  <a:srgbClr val="000000"/>
+                </a:solidFill>
+                <a:latin typeface="Consolas"/>
+                <a:ea typeface="Consolas"/>
+              </a:rPr>
+              <a:t> CountryCode</a:t>
+            </a:r>
+            <a:r>
+              <a:rPr b="1" lang="en-GB" sz="950" spc="-1" strike="noStrike">
+                <a:solidFill>
+                  <a:srgbClr val="808080"/>
+                </a:solidFill>
+                <a:latin typeface="Consolas"/>
+                <a:ea typeface="Consolas"/>
+              </a:rPr>
+              <a:t>,</a:t>
+            </a:r>
+            <a:r>
+              <a:rPr b="1" lang="en-GB" sz="950" spc="-1" strike="noStrike">
+                <a:solidFill>
+                  <a:srgbClr val="000000"/>
+                </a:solidFill>
+                <a:latin typeface="Consolas"/>
+                <a:ea typeface="Consolas"/>
+              </a:rPr>
+              <a:t> CountryName</a:t>
+            </a:r>
+            <a:r>
+              <a:rPr b="1" lang="en-GB" sz="950" spc="-1" strike="noStrike">
+                <a:solidFill>
+                  <a:srgbClr val="808080"/>
+                </a:solidFill>
+                <a:latin typeface="Consolas"/>
+                <a:ea typeface="Consolas"/>
+              </a:rPr>
+              <a:t>,</a:t>
+            </a:r>
+            <a:r>
+              <a:rPr b="1" lang="en-GB" sz="950" spc="-1" strike="noStrike">
+                <a:solidFill>
+                  <a:srgbClr val="000000"/>
+                </a:solidFill>
+                <a:latin typeface="Consolas"/>
+                <a:ea typeface="Consolas"/>
+              </a:rPr>
+              <a:t> IndicatorCode</a:t>
+            </a:r>
+            <a:r>
+              <a:rPr b="1" lang="en-GB" sz="950" spc="-1" strike="noStrike">
+                <a:solidFill>
+                  <a:srgbClr val="808080"/>
+                </a:solidFill>
+                <a:latin typeface="Consolas"/>
+                <a:ea typeface="Consolas"/>
+              </a:rPr>
+              <a:t>,</a:t>
+            </a:r>
+            <a:r>
+              <a:rPr b="1" lang="en-GB" sz="950" spc="-1" strike="noStrike">
+                <a:solidFill>
+                  <a:srgbClr val="000000"/>
+                </a:solidFill>
+                <a:latin typeface="Consolas"/>
+                <a:ea typeface="Consolas"/>
+              </a:rPr>
+              <a:t> IndicatorName</a:t>
+            </a:r>
+            <a:r>
+              <a:rPr b="1" lang="en-GB" sz="950" spc="-1" strike="noStrike">
+                <a:solidFill>
+                  <a:srgbClr val="808080"/>
+                </a:solidFill>
+                <a:latin typeface="Consolas"/>
+                <a:ea typeface="Consolas"/>
+              </a:rPr>
+              <a:t>,</a:t>
+            </a:r>
+            <a:r>
+              <a:rPr b="1" lang="en-GB" sz="950" spc="-1" strike="noStrike">
+                <a:solidFill>
+                  <a:srgbClr val="000000"/>
+                </a:solidFill>
+                <a:latin typeface="Consolas"/>
+                <a:ea typeface="Consolas"/>
+              </a:rPr>
+              <a:t>  YR2010</a:t>
+            </a:r>
+            <a:r>
+              <a:rPr b="1" lang="en-GB" sz="950" spc="-1" strike="noStrike">
+                <a:solidFill>
+                  <a:srgbClr val="808080"/>
+                </a:solidFill>
+                <a:latin typeface="Consolas"/>
+                <a:ea typeface="Consolas"/>
+              </a:rPr>
+              <a:t>,</a:t>
+            </a:r>
+            <a:r>
+              <a:rPr b="1" lang="en-GB" sz="950" spc="-1" strike="noStrike">
+                <a:solidFill>
+                  <a:srgbClr val="000000"/>
+                </a:solidFill>
+                <a:latin typeface="Consolas"/>
+                <a:ea typeface="Consolas"/>
+              </a:rPr>
+              <a:t> YR2011</a:t>
+            </a:r>
+            <a:r>
+              <a:rPr b="1" lang="en-GB" sz="950" spc="-1" strike="noStrike">
+                <a:solidFill>
+                  <a:srgbClr val="808080"/>
+                </a:solidFill>
+                <a:latin typeface="Consolas"/>
+                <a:ea typeface="Consolas"/>
+              </a:rPr>
+              <a:t>,</a:t>
+            </a:r>
+            <a:r>
+              <a:rPr b="1" lang="en-GB" sz="950" spc="-1" strike="noStrike">
+                <a:solidFill>
+                  <a:srgbClr val="000000"/>
+                </a:solidFill>
+                <a:latin typeface="Consolas"/>
+                <a:ea typeface="Consolas"/>
+              </a:rPr>
+              <a:t> YR2012</a:t>
+            </a:r>
+            <a:r>
+              <a:rPr b="1" lang="en-GB" sz="950" spc="-1" strike="noStrike">
+                <a:solidFill>
+                  <a:srgbClr val="808080"/>
+                </a:solidFill>
+                <a:latin typeface="Consolas"/>
+                <a:ea typeface="Consolas"/>
+              </a:rPr>
+              <a:t>,</a:t>
+            </a:r>
+            <a:r>
+              <a:rPr b="1" lang="en-GB" sz="950" spc="-1" strike="noStrike">
+                <a:solidFill>
+                  <a:srgbClr val="000000"/>
+                </a:solidFill>
+                <a:latin typeface="Consolas"/>
+                <a:ea typeface="Consolas"/>
+              </a:rPr>
+              <a:t> YR2013</a:t>
+            </a:r>
+            <a:r>
+              <a:rPr b="1" lang="en-GB" sz="950" spc="-1" strike="noStrike">
+                <a:solidFill>
+                  <a:srgbClr val="808080"/>
+                </a:solidFill>
+                <a:latin typeface="Consolas"/>
+                <a:ea typeface="Consolas"/>
+              </a:rPr>
+              <a:t>,</a:t>
+            </a:r>
+            <a:r>
+              <a:rPr b="1" lang="en-GB" sz="950" spc="-1" strike="noStrike">
+                <a:solidFill>
+                  <a:srgbClr val="000000"/>
+                </a:solidFill>
+                <a:latin typeface="Consolas"/>
+                <a:ea typeface="Consolas"/>
+              </a:rPr>
+              <a:t> YR2014</a:t>
+            </a:r>
+            <a:r>
+              <a:rPr b="1" lang="en-GB" sz="950" spc="-1" strike="noStrike">
+                <a:solidFill>
+                  <a:srgbClr val="808080"/>
+                </a:solidFill>
+                <a:latin typeface="Consolas"/>
+                <a:ea typeface="Consolas"/>
+              </a:rPr>
+              <a:t>,</a:t>
+            </a:r>
+            <a:r>
+              <a:rPr b="1" lang="en-GB" sz="950" spc="-1" strike="noStrike">
+                <a:solidFill>
+                  <a:srgbClr val="000000"/>
+                </a:solidFill>
+                <a:latin typeface="Consolas"/>
+                <a:ea typeface="Consolas"/>
+              </a:rPr>
+              <a:t> YR2015</a:t>
+            </a:r>
+            <a:r>
+              <a:rPr b="1" lang="en-GB" sz="950" spc="-1" strike="noStrike">
+                <a:solidFill>
+                  <a:srgbClr val="808080"/>
+                </a:solidFill>
+                <a:latin typeface="Consolas"/>
+                <a:ea typeface="Consolas"/>
+              </a:rPr>
+              <a:t>,</a:t>
+            </a:r>
+            <a:r>
+              <a:rPr b="1" lang="en-GB" sz="950" spc="-1" strike="noStrike">
+                <a:solidFill>
+                  <a:srgbClr val="000000"/>
+                </a:solidFill>
+                <a:latin typeface="Consolas"/>
+                <a:ea typeface="Consolas"/>
+              </a:rPr>
+              <a:t> YR2016</a:t>
+            </a:r>
+            <a:r>
+              <a:rPr b="1" lang="en-GB" sz="950" spc="-1" strike="noStrike">
+                <a:solidFill>
+                  <a:srgbClr val="808080"/>
+                </a:solidFill>
+                <a:latin typeface="Consolas"/>
+                <a:ea typeface="Consolas"/>
+              </a:rPr>
+              <a:t>,</a:t>
+            </a:r>
+            <a:r>
+              <a:rPr b="1" lang="en-GB" sz="950" spc="-1" strike="noStrike">
+                <a:solidFill>
+                  <a:srgbClr val="000000"/>
+                </a:solidFill>
+                <a:latin typeface="Consolas"/>
+                <a:ea typeface="Consolas"/>
+              </a:rPr>
+              <a:t> YR2017</a:t>
+            </a:r>
+            <a:r>
+              <a:rPr b="1" lang="en-GB" sz="950" spc="-1" strike="noStrike">
+                <a:solidFill>
+                  <a:srgbClr val="808080"/>
+                </a:solidFill>
+                <a:latin typeface="Consolas"/>
+                <a:ea typeface="Consolas"/>
+              </a:rPr>
+              <a:t>,</a:t>
+            </a:r>
+            <a:r>
+              <a:rPr b="1" lang="en-GB" sz="950" spc="-1" strike="noStrike">
+                <a:solidFill>
+                  <a:srgbClr val="000000"/>
+                </a:solidFill>
+                <a:latin typeface="Consolas"/>
+                <a:ea typeface="Consolas"/>
+              </a:rPr>
+              <a:t> YR2018</a:t>
+            </a:r>
+            <a:r>
+              <a:rPr b="1" lang="en-GB" sz="950" spc="-1" strike="noStrike">
+                <a:solidFill>
+                  <a:srgbClr val="808080"/>
+                </a:solidFill>
+                <a:latin typeface="Consolas"/>
+                <a:ea typeface="Consolas"/>
+              </a:rPr>
+              <a:t>,</a:t>
+            </a:r>
+            <a:r>
+              <a:rPr b="1" lang="en-GB" sz="950" spc="-1" strike="noStrike">
+                <a:solidFill>
+                  <a:srgbClr val="000000"/>
+                </a:solidFill>
+                <a:latin typeface="Consolas"/>
+                <a:ea typeface="Consolas"/>
+              </a:rPr>
+              <a:t> YR2019</a:t>
+            </a:r>
+            <a:r>
+              <a:rPr b="1" lang="en-GB" sz="950" spc="-1" strike="noStrike">
+                <a:solidFill>
+                  <a:srgbClr val="808080"/>
+                </a:solidFill>
+                <a:latin typeface="Consolas"/>
+                <a:ea typeface="Consolas"/>
+              </a:rPr>
+              <a:t>,</a:t>
+            </a:r>
+            <a:r>
+              <a:rPr b="1" lang="en-GB" sz="950" spc="-1" strike="noStrike">
+                <a:solidFill>
+                  <a:srgbClr val="000000"/>
+                </a:solidFill>
+                <a:latin typeface="Consolas"/>
+                <a:ea typeface="Consolas"/>
+              </a:rPr>
+              <a:t> YR2020</a:t>
+            </a:r>
+            <a:endParaRPr b="0" lang="en-GB" sz="950" spc="-1" strike="noStrike">
               <a:latin typeface="Arial"/>
             </a:endParaRPr>
           </a:p>
@@ -9740,7 +9749,7 @@
                 <a:latin typeface="Consolas"/>
                 <a:ea typeface="Consolas"/>
               </a:rPr>
-              <a:t>SELECT</a:t>
+              <a:t>FROM</a:t>
             </a:r>
             <a:r>
               <a:rPr b="1" lang="en-GB" sz="950" spc="-1" strike="noStrike">
@@ -9750,17 +9759,17 @@
                 <a:latin typeface="Consolas"/>
                 <a:ea typeface="Consolas"/>
               </a:rPr>
-              <a:t> </a:t>
+              <a:t> STG_WDIDATA </a:t>
             </a:r>
             <a:r>
               <a:rPr b="1" lang="en-GB" sz="950" spc="-1" strike="noStrike">
                 <a:solidFill>
-                  <a:srgbClr val="808080"/>
+                  <a:srgbClr val="0000ff"/>
                 </a:solidFill>
                 <a:latin typeface="Consolas"/>
                 <a:ea typeface="Consolas"/>
               </a:rPr>
-              <a:t>*</a:t>
+              <a:t>WHERE</a:t>
             </a:r>
             <a:r>
               <a:rPr b="1" lang="en-GB" sz="950" spc="-1" strike="noStrike">
@@ -9770,17 +9779,17 @@
                 <a:latin typeface="Consolas"/>
                 <a:ea typeface="Consolas"/>
               </a:rPr>
-              <a:t> </a:t>
+              <a:t> CountryCode </a:t>
             </a:r>
             <a:r>
               <a:rPr b="1" lang="en-GB" sz="950" spc="-1" strike="noStrike">
                 <a:solidFill>
-                  <a:srgbClr val="0000ff"/>
+                  <a:srgbClr val="808080"/>
                 </a:solidFill>
                 <a:latin typeface="Consolas"/>
                 <a:ea typeface="Consolas"/>
               </a:rPr>
-              <a:t>FROM</a:t>
+              <a:t>=</a:t>
             </a:r>
             <a:r>
               <a:rPr b="1" lang="en-GB" sz="950" spc="-1" strike="noStrike">
@@ -9790,57 +9799,67 @@
                 <a:latin typeface="Consolas"/>
                 <a:ea typeface="Consolas"/>
               </a:rPr>
-              <a:t> DW_FACT_WDIDATA </a:t>
+              <a:t> </a:t>
             </a:r>
             <a:r>
               <a:rPr b="1" lang="en-GB" sz="950" spc="-1" strike="noStrike">
                 <a:solidFill>
-                  <a:srgbClr val="0000ff"/>
+                  <a:srgbClr val="ff0000"/>
                 </a:solidFill>
                 <a:latin typeface="Consolas"/>
                 <a:ea typeface="Consolas"/>
               </a:rPr>
-              <a:t>where</a:t>
-            </a:r>
+              <a:t>'AUS'</a:t>
+            </a:r>
+            <a:endParaRPr b="0" lang="en-GB" sz="950" spc="-1" strike="noStrike">
+              <a:latin typeface="Arial"/>
+            </a:endParaRPr>
+          </a:p>
+          <a:p>
+            <a:pPr>
+              <a:lnSpc>
+                <a:spcPct val="100000"/>
+              </a:lnSpc>
+            </a:pPr>
             <a:r>
               <a:rPr b="1" lang="en-GB" sz="950" spc="-1" strike="noStrike">
                 <a:solidFill>
-                  <a:srgbClr val="000000"/>
+                  <a:srgbClr val="808080"/>
                 </a:solidFill>
                 <a:latin typeface="Consolas"/>
                 <a:ea typeface="Consolas"/>
               </a:rPr>
-              <a:t> countrycode </a:t>
+              <a:t>and</a:t>
             </a:r>
             <a:r>
               <a:rPr b="1" lang="en-GB" sz="950" spc="-1" strike="noStrike">
                 <a:solidFill>
-                  <a:srgbClr val="808080"/>
+                  <a:srgbClr val="000000"/>
                 </a:solidFill>
                 <a:latin typeface="Consolas"/>
                 <a:ea typeface="Consolas"/>
               </a:rPr>
-              <a:t>=</a:t>
+              <a:t> IndicatorCode </a:t>
             </a:r>
             <a:r>
               <a:rPr b="1" lang="en-GB" sz="950" spc="-1" strike="noStrike">
                 <a:solidFill>
-                  <a:srgbClr val="000000"/>
+                  <a:srgbClr val="808080"/>
                 </a:solidFill>
                 <a:latin typeface="Consolas"/>
                 <a:ea typeface="Consolas"/>
               </a:rPr>
-              <a:t> </a:t>
+              <a:t>IN</a:t>
             </a:r>
             <a:r>
               <a:rPr b="1" lang="en-GB" sz="950" spc="-1" strike="noStrike">
                 <a:solidFill>
-                  <a:srgbClr val="ff0000"/>
+                  <a:srgbClr val="0000ff"/>
                 </a:solidFill>
                 <a:latin typeface="Consolas"/>
                 <a:ea typeface="Consolas"/>
               </a:rPr>
-              <a:t>'AUS'</a:t>
+              <a:t> </a:t>
             </a:r>
             <a:r>
               <a:rPr b="1" lang="en-GB" sz="950" spc="-1" strike="noStrike">
@@ -9850,7 +9869,187 @@
                 <a:latin typeface="Consolas"/>
                 <a:ea typeface="Consolas"/>
               </a:rPr>
-              <a:t>;</a:t>
+              <a:t>(</a:t>
+            </a:r>
+            <a:endParaRPr b="0" lang="en-GB" sz="950" spc="-1" strike="noStrike">
+              <a:latin typeface="Arial"/>
+            </a:endParaRPr>
+          </a:p>
+          <a:p>
+            <a:pPr>
+              <a:lnSpc>
+                <a:spcPct val="100000"/>
+              </a:lnSpc>
+            </a:pPr>
+            <a:r>
+              <a:rPr b="1" lang="en-GB" sz="950" spc="-1" strike="noStrike">
+                <a:solidFill>
+                  <a:srgbClr val="ff0000"/>
+                </a:solidFill>
+                <a:latin typeface="Consolas"/>
+                <a:ea typeface="Consolas"/>
+              </a:rPr>
+              <a:t>'ER.FSH.PROD.MT'</a:t>
+            </a:r>
+            <a:r>
+              <a:rPr b="1" lang="en-GB" sz="950" spc="-1" strike="noStrike">
+                <a:solidFill>
+                  <a:srgbClr val="808080"/>
+                </a:solidFill>
+                <a:latin typeface="Consolas"/>
+                <a:ea typeface="Consolas"/>
+              </a:rPr>
+              <a:t>,</a:t>
+            </a:r>
+            <a:endParaRPr b="0" lang="en-GB" sz="950" spc="-1" strike="noStrike">
+              <a:latin typeface="Arial"/>
+            </a:endParaRPr>
+          </a:p>
+          <a:p>
+            <a:pPr>
+              <a:lnSpc>
+                <a:spcPct val="100000"/>
+              </a:lnSpc>
+            </a:pPr>
+            <a:r>
+              <a:rPr b="1" lang="en-GB" sz="950" spc="-1" strike="noStrike">
+                <a:solidFill>
+                  <a:srgbClr val="ff0000"/>
+                </a:solidFill>
+                <a:latin typeface="Consolas"/>
+                <a:ea typeface="Consolas"/>
+              </a:rPr>
+              <a:t>'AG.LND.AGRI.K2'</a:t>
+            </a:r>
+            <a:r>
+              <a:rPr b="1" lang="en-GB" sz="950" spc="-1" strike="noStrike">
+                <a:solidFill>
+                  <a:srgbClr val="808080"/>
+                </a:solidFill>
+                <a:latin typeface="Consolas"/>
+                <a:ea typeface="Consolas"/>
+              </a:rPr>
+              <a:t>,</a:t>
+            </a:r>
+            <a:endParaRPr b="0" lang="en-GB" sz="950" spc="-1" strike="noStrike">
+              <a:latin typeface="Arial"/>
+            </a:endParaRPr>
+          </a:p>
+          <a:p>
+            <a:pPr>
+              <a:lnSpc>
+                <a:spcPct val="100000"/>
+              </a:lnSpc>
+            </a:pPr>
+            <a:r>
+              <a:rPr b="1" lang="en-GB" sz="950" spc="-1" strike="noStrike">
+                <a:solidFill>
+                  <a:srgbClr val="ff0000"/>
+                </a:solidFill>
+                <a:latin typeface="Consolas"/>
+                <a:ea typeface="Consolas"/>
+              </a:rPr>
+              <a:t>'IC.REG.DURS'</a:t>
+            </a:r>
+            <a:r>
+              <a:rPr b="1" lang="en-GB" sz="950" spc="-1" strike="noStrike">
+                <a:solidFill>
+                  <a:srgbClr val="808080"/>
+                </a:solidFill>
+                <a:latin typeface="Consolas"/>
+                <a:ea typeface="Consolas"/>
+              </a:rPr>
+              <a:t>,</a:t>
+            </a:r>
+            <a:endParaRPr b="0" lang="en-GB" sz="950" spc="-1" strike="noStrike">
+              <a:latin typeface="Arial"/>
+            </a:endParaRPr>
+          </a:p>
+          <a:p>
+            <a:pPr>
+              <a:lnSpc>
+                <a:spcPct val="100000"/>
+              </a:lnSpc>
+            </a:pPr>
+            <a:r>
+              <a:rPr b="1" lang="en-GB" sz="950" spc="-1" strike="noStrike">
+                <a:solidFill>
+                  <a:srgbClr val="ff0000"/>
+                </a:solidFill>
+                <a:latin typeface="Consolas"/>
+                <a:ea typeface="Consolas"/>
+              </a:rPr>
+              <a:t>'IC.BUS.NREG'</a:t>
+            </a:r>
+            <a:r>
+              <a:rPr b="1" lang="en-GB" sz="950" spc="-1" strike="noStrike">
+                <a:solidFill>
+                  <a:srgbClr val="808080"/>
+                </a:solidFill>
+                <a:latin typeface="Consolas"/>
+                <a:ea typeface="Consolas"/>
+              </a:rPr>
+              <a:t>,</a:t>
+            </a:r>
+            <a:endParaRPr b="0" lang="en-GB" sz="950" spc="-1" strike="noStrike">
+              <a:latin typeface="Arial"/>
+            </a:endParaRPr>
+          </a:p>
+          <a:p>
+            <a:pPr>
+              <a:lnSpc>
+                <a:spcPct val="100000"/>
+              </a:lnSpc>
+            </a:pPr>
+            <a:r>
+              <a:rPr b="1" lang="en-GB" sz="950" spc="-1" strike="noStrike">
+                <a:solidFill>
+                  <a:srgbClr val="ff0000"/>
+                </a:solidFill>
+                <a:latin typeface="Consolas"/>
+                <a:ea typeface="Consolas"/>
+              </a:rPr>
+              <a:t>'SL.AGR.EMPL.ZS'</a:t>
+            </a:r>
+            <a:r>
+              <a:rPr b="1" lang="en-GB" sz="950" spc="-1" strike="noStrike">
+                <a:solidFill>
+                  <a:srgbClr val="808080"/>
+                </a:solidFill>
+                <a:latin typeface="Consolas"/>
+                <a:ea typeface="Consolas"/>
+              </a:rPr>
+              <a:t>,</a:t>
+            </a:r>
+            <a:endParaRPr b="0" lang="en-GB" sz="950" spc="-1" strike="noStrike">
+              <a:latin typeface="Arial"/>
+            </a:endParaRPr>
+          </a:p>
+          <a:p>
+            <a:pPr>
+              <a:lnSpc>
+                <a:spcPct val="100000"/>
+              </a:lnSpc>
+            </a:pPr>
+            <a:r>
+              <a:rPr b="1" lang="en-GB" sz="950" spc="-1" strike="noStrike">
+                <a:solidFill>
+                  <a:srgbClr val="ff0000"/>
+                </a:solidFill>
+                <a:latin typeface="Consolas"/>
+                <a:ea typeface="Consolas"/>
+              </a:rPr>
+              <a:t>'SL.EMP.SELF.ZS'</a:t>
+            </a:r>
+            <a:r>
+              <a:rPr b="1" lang="en-GB" sz="950" spc="-1" strike="noStrike">
+                <a:solidFill>
+                  <a:srgbClr val="808080"/>
+                </a:solidFill>
+                <a:latin typeface="Consolas"/>
+                <a:ea typeface="Consolas"/>
+              </a:rPr>
+              <a:t>);</a:t>
             </a:r>
             <a:endParaRPr b="0" lang="en-GB" sz="950" spc="-1" strike="noStrike">
               <a:latin typeface="Arial"/>
@@ -9860,7 +10059,7 @@
       </p:sp>
       <p:pic>
         <p:nvPicPr>
-          <p:cNvPr id="176" name="" descr=""/>
+          <p:cNvPr id="174" name="" descr=""/>
           <p:cNvPicPr/>
           <p:nvPr/>
         </p:nvPicPr>
@@ -9870,8 +10069,31 @@
         </p:blipFill>
         <p:spPr>
           <a:xfrm>
-            <a:off x="0" y="2340000"/>
-            <a:ext cx="10078920" cy="2498400"/>
+            <a:off x="1980000" y="2520000"/>
+            <a:ext cx="7841520" cy="1451160"/>
+          </a:xfrm>
+          <a:prstGeom prst="rect">
+            <a:avLst/>
+          </a:prstGeom>
+          <a:ln w="10800">
+            <a:noFill/>
+          </a:ln>
+        </p:spPr>
+      </p:pic>
+      <p:pic>
+        <p:nvPicPr>
+          <p:cNvPr id="175" name="" descr=""/>
+          <p:cNvPicPr/>
+          <p:nvPr/>
+        </p:nvPicPr>
+        <p:blipFill>
+          <a:blip r:embed="rId2"/>
+          <a:stretch/>
+        </p:blipFill>
+        <p:spPr>
+          <a:xfrm>
+            <a:off x="1980000" y="3972240"/>
+            <a:ext cx="7468920" cy="1243440"/>
           </a:xfrm>
           <a:prstGeom prst="rect">
             <a:avLst/>
